--- a/slides/GitHubIntro_2021.pptx
+++ b/slides/GitHubIntro_2021.pptx
@@ -5,28 +5,32 @@
     <p:sldMasterId id="2147483648" r:id="rId1"/>
   </p:sldMasterIdLst>
   <p:notesMasterIdLst>
-    <p:notesMasterId r:id="rId21"/>
+    <p:notesMasterId r:id="rId25"/>
   </p:notesMasterIdLst>
   <p:sldIdLst>
     <p:sldId id="256" r:id="rId2"/>
     <p:sldId id="257" r:id="rId3"/>
-    <p:sldId id="258" r:id="rId4"/>
-    <p:sldId id="259" r:id="rId5"/>
-    <p:sldId id="260" r:id="rId6"/>
-    <p:sldId id="261" r:id="rId7"/>
-    <p:sldId id="262" r:id="rId8"/>
-    <p:sldId id="264" r:id="rId9"/>
-    <p:sldId id="263" r:id="rId10"/>
-    <p:sldId id="265" r:id="rId11"/>
-    <p:sldId id="266" r:id="rId12"/>
-    <p:sldId id="267" r:id="rId13"/>
-    <p:sldId id="268" r:id="rId14"/>
-    <p:sldId id="269" r:id="rId15"/>
-    <p:sldId id="270" r:id="rId16"/>
-    <p:sldId id="271" r:id="rId17"/>
-    <p:sldId id="272" r:id="rId18"/>
-    <p:sldId id="274" r:id="rId19"/>
-    <p:sldId id="273" r:id="rId20"/>
+    <p:sldId id="275" r:id="rId4"/>
+    <p:sldId id="276" r:id="rId5"/>
+    <p:sldId id="277" r:id="rId6"/>
+    <p:sldId id="278" r:id="rId7"/>
+    <p:sldId id="258" r:id="rId8"/>
+    <p:sldId id="259" r:id="rId9"/>
+    <p:sldId id="260" r:id="rId10"/>
+    <p:sldId id="261" r:id="rId11"/>
+    <p:sldId id="262" r:id="rId12"/>
+    <p:sldId id="264" r:id="rId13"/>
+    <p:sldId id="263" r:id="rId14"/>
+    <p:sldId id="265" r:id="rId15"/>
+    <p:sldId id="266" r:id="rId16"/>
+    <p:sldId id="267" r:id="rId17"/>
+    <p:sldId id="268" r:id="rId18"/>
+    <p:sldId id="269" r:id="rId19"/>
+    <p:sldId id="270" r:id="rId20"/>
+    <p:sldId id="271" r:id="rId21"/>
+    <p:sldId id="272" r:id="rId22"/>
+    <p:sldId id="274" r:id="rId23"/>
+    <p:sldId id="273" r:id="rId24"/>
   </p:sldIdLst>
   <p:sldSz cx="12192000" cy="6858000"/>
   <p:notesSz cx="6858000" cy="9144000"/>
@@ -215,7 +219,7 @@
           <a:p>
             <a:fld id="{282937C7-2935-0042-9D4A-82A40091BB27}" type="datetimeFigureOut">
               <a:rPr lang="en-US" smtClean="0"/>
-              <a:t>8/25/21</a:t>
+              <a:t>8/26/21</a:t>
             </a:fld>
             <a:endParaRPr lang="en-US"/>
           </a:p>
@@ -693,7 +697,7 @@
           <a:p>
             <a:fld id="{088D1698-BEDC-4148-A0B2-DD69094F96E1}" type="slidenum">
               <a:rPr lang="en-US" smtClean="0"/>
-              <a:t>10</a:t>
+              <a:t>14</a:t>
             </a:fld>
             <a:endParaRPr lang="en-US"/>
           </a:p>
@@ -791,7 +795,7 @@
           <a:p>
             <a:fld id="{088D1698-BEDC-4148-A0B2-DD69094F96E1}" type="slidenum">
               <a:rPr lang="en-US" smtClean="0"/>
-              <a:t>11</a:t>
+              <a:t>15</a:t>
             </a:fld>
             <a:endParaRPr lang="en-US"/>
           </a:p>
@@ -884,7 +888,7 @@
           <a:p>
             <a:fld id="{088D1698-BEDC-4148-A0B2-DD69094F96E1}" type="slidenum">
               <a:rPr lang="en-US" smtClean="0"/>
-              <a:t>12</a:t>
+              <a:t>16</a:t>
             </a:fld>
             <a:endParaRPr lang="en-US"/>
           </a:p>
@@ -977,7 +981,7 @@
           <a:p>
             <a:fld id="{088D1698-BEDC-4148-A0B2-DD69094F96E1}" type="slidenum">
               <a:rPr lang="en-US" smtClean="0"/>
-              <a:t>13</a:t>
+              <a:t>17</a:t>
             </a:fld>
             <a:endParaRPr lang="en-US"/>
           </a:p>
@@ -1072,7 +1076,7 @@
           <a:p>
             <a:fld id="{088D1698-BEDC-4148-A0B2-DD69094F96E1}" type="slidenum">
               <a:rPr lang="en-US" smtClean="0"/>
-              <a:t>14</a:t>
+              <a:t>18</a:t>
             </a:fld>
             <a:endParaRPr lang="en-US"/>
           </a:p>
@@ -1159,7 +1163,7 @@
           <a:p>
             <a:fld id="{088D1698-BEDC-4148-A0B2-DD69094F96E1}" type="slidenum">
               <a:rPr lang="en-US" smtClean="0"/>
-              <a:t>15</a:t>
+              <a:t>19</a:t>
             </a:fld>
             <a:endParaRPr lang="en-US"/>
           </a:p>
@@ -1260,7 +1264,7 @@
           <a:p>
             <a:fld id="{088D1698-BEDC-4148-A0B2-DD69094F96E1}" type="slidenum">
               <a:rPr lang="en-US" smtClean="0"/>
-              <a:t>16</a:t>
+              <a:t>20</a:t>
             </a:fld>
             <a:endParaRPr lang="en-US"/>
           </a:p>
@@ -1361,7 +1365,7 @@
           <a:p>
             <a:fld id="{088D1698-BEDC-4148-A0B2-DD69094F96E1}" type="slidenum">
               <a:rPr lang="en-US" smtClean="0"/>
-              <a:t>17</a:t>
+              <a:t>21</a:t>
             </a:fld>
             <a:endParaRPr lang="en-US"/>
           </a:p>
@@ -1482,7 +1486,7 @@
           <a:p>
             <a:fld id="{088D1698-BEDC-4148-A0B2-DD69094F96E1}" type="slidenum">
               <a:rPr lang="en-US" smtClean="0"/>
-              <a:t>19</a:t>
+              <a:t>23</a:t>
             </a:fld>
             <a:endParaRPr lang="en-US"/>
           </a:p>
@@ -1688,7 +1692,7 @@
           <a:p>
             <a:fld id="{088D1698-BEDC-4148-A0B2-DD69094F96E1}" type="slidenum">
               <a:rPr lang="en-US" smtClean="0"/>
-              <a:t>3</a:t>
+              <a:t>7</a:t>
             </a:fld>
             <a:endParaRPr lang="en-US"/>
           </a:p>
@@ -1824,7 +1828,7 @@
           <a:p>
             <a:fld id="{088D1698-BEDC-4148-A0B2-DD69094F96E1}" type="slidenum">
               <a:rPr lang="en-US" smtClean="0"/>
-              <a:t>4</a:t>
+              <a:t>8</a:t>
             </a:fld>
             <a:endParaRPr lang="en-US"/>
           </a:p>
@@ -1923,7 +1927,7 @@
           <a:p>
             <a:fld id="{088D1698-BEDC-4148-A0B2-DD69094F96E1}" type="slidenum">
               <a:rPr lang="en-US" smtClean="0"/>
-              <a:t>5</a:t>
+              <a:t>9</a:t>
             </a:fld>
             <a:endParaRPr lang="en-US"/>
           </a:p>
@@ -2010,7 +2014,7 @@
           <a:p>
             <a:fld id="{088D1698-BEDC-4148-A0B2-DD69094F96E1}" type="slidenum">
               <a:rPr lang="en-US" smtClean="0"/>
-              <a:t>6</a:t>
+              <a:t>10</a:t>
             </a:fld>
             <a:endParaRPr lang="en-US"/>
           </a:p>
@@ -2115,7 +2119,7 @@
           <a:p>
             <a:fld id="{088D1698-BEDC-4148-A0B2-DD69094F96E1}" type="slidenum">
               <a:rPr lang="en-US" smtClean="0"/>
-              <a:t>7</a:t>
+              <a:t>11</a:t>
             </a:fld>
             <a:endParaRPr lang="en-US"/>
           </a:p>
@@ -2208,7 +2212,7 @@
           <a:p>
             <a:fld id="{088D1698-BEDC-4148-A0B2-DD69094F96E1}" type="slidenum">
               <a:rPr lang="en-US" smtClean="0"/>
-              <a:t>8</a:t>
+              <a:t>12</a:t>
             </a:fld>
             <a:endParaRPr lang="en-US"/>
           </a:p>
@@ -2334,7 +2338,7 @@
           <a:p>
             <a:fld id="{088D1698-BEDC-4148-A0B2-DD69094F96E1}" type="slidenum">
               <a:rPr lang="en-US" smtClean="0"/>
-              <a:t>9</a:t>
+              <a:t>13</a:t>
             </a:fld>
             <a:endParaRPr lang="en-US"/>
           </a:p>
@@ -2500,7 +2504,7 @@
           <a:p>
             <a:fld id="{FC364BD7-7E38-4F49-AFF1-BE6F72DBA9D4}" type="datetimeFigureOut">
               <a:rPr lang="en-US" smtClean="0"/>
-              <a:t>8/25/21</a:t>
+              <a:t>8/26/21</a:t>
             </a:fld>
             <a:endParaRPr lang="en-US"/>
           </a:p>
@@ -2698,7 +2702,7 @@
           <a:p>
             <a:fld id="{FC364BD7-7E38-4F49-AFF1-BE6F72DBA9D4}" type="datetimeFigureOut">
               <a:rPr lang="en-US" smtClean="0"/>
-              <a:t>8/25/21</a:t>
+              <a:t>8/26/21</a:t>
             </a:fld>
             <a:endParaRPr lang="en-US"/>
           </a:p>
@@ -2906,7 +2910,7 @@
           <a:p>
             <a:fld id="{FC364BD7-7E38-4F49-AFF1-BE6F72DBA9D4}" type="datetimeFigureOut">
               <a:rPr lang="en-US" smtClean="0"/>
-              <a:t>8/25/21</a:t>
+              <a:t>8/26/21</a:t>
             </a:fld>
             <a:endParaRPr lang="en-US"/>
           </a:p>
@@ -3104,7 +3108,7 @@
           <a:p>
             <a:fld id="{FC364BD7-7E38-4F49-AFF1-BE6F72DBA9D4}" type="datetimeFigureOut">
               <a:rPr lang="en-US" smtClean="0"/>
-              <a:t>8/25/21</a:t>
+              <a:t>8/26/21</a:t>
             </a:fld>
             <a:endParaRPr lang="en-US"/>
           </a:p>
@@ -3379,7 +3383,7 @@
           <a:p>
             <a:fld id="{FC364BD7-7E38-4F49-AFF1-BE6F72DBA9D4}" type="datetimeFigureOut">
               <a:rPr lang="en-US" smtClean="0"/>
-              <a:t>8/25/21</a:t>
+              <a:t>8/26/21</a:t>
             </a:fld>
             <a:endParaRPr lang="en-US"/>
           </a:p>
@@ -3644,7 +3648,7 @@
           <a:p>
             <a:fld id="{FC364BD7-7E38-4F49-AFF1-BE6F72DBA9D4}" type="datetimeFigureOut">
               <a:rPr lang="en-US" smtClean="0"/>
-              <a:t>8/25/21</a:t>
+              <a:t>8/26/21</a:t>
             </a:fld>
             <a:endParaRPr lang="en-US"/>
           </a:p>
@@ -4056,7 +4060,7 @@
           <a:p>
             <a:fld id="{FC364BD7-7E38-4F49-AFF1-BE6F72DBA9D4}" type="datetimeFigureOut">
               <a:rPr lang="en-US" smtClean="0"/>
-              <a:t>8/25/21</a:t>
+              <a:t>8/26/21</a:t>
             </a:fld>
             <a:endParaRPr lang="en-US"/>
           </a:p>
@@ -4197,7 +4201,7 @@
           <a:p>
             <a:fld id="{FC364BD7-7E38-4F49-AFF1-BE6F72DBA9D4}" type="datetimeFigureOut">
               <a:rPr lang="en-US" smtClean="0"/>
-              <a:t>8/25/21</a:t>
+              <a:t>8/26/21</a:t>
             </a:fld>
             <a:endParaRPr lang="en-US"/>
           </a:p>
@@ -4310,7 +4314,7 @@
           <a:p>
             <a:fld id="{FC364BD7-7E38-4F49-AFF1-BE6F72DBA9D4}" type="datetimeFigureOut">
               <a:rPr lang="en-US" smtClean="0"/>
-              <a:t>8/25/21</a:t>
+              <a:t>8/26/21</a:t>
             </a:fld>
             <a:endParaRPr lang="en-US"/>
           </a:p>
@@ -4621,7 +4625,7 @@
           <a:p>
             <a:fld id="{FC364BD7-7E38-4F49-AFF1-BE6F72DBA9D4}" type="datetimeFigureOut">
               <a:rPr lang="en-US" smtClean="0"/>
-              <a:t>8/25/21</a:t>
+              <a:t>8/26/21</a:t>
             </a:fld>
             <a:endParaRPr lang="en-US"/>
           </a:p>
@@ -4909,7 +4913,7 @@
           <a:p>
             <a:fld id="{FC364BD7-7E38-4F49-AFF1-BE6F72DBA9D4}" type="datetimeFigureOut">
               <a:rPr lang="en-US" smtClean="0"/>
-              <a:t>8/25/21</a:t>
+              <a:t>8/26/21</a:t>
             </a:fld>
             <a:endParaRPr lang="en-US"/>
           </a:p>
@@ -5150,7 +5154,7 @@
           <a:p>
             <a:fld id="{FC364BD7-7E38-4F49-AFF1-BE6F72DBA9D4}" type="datetimeFigureOut">
               <a:rPr lang="en-US" smtClean="0"/>
-              <a:t>8/25/21</a:t>
+              <a:t>8/26/21</a:t>
             </a:fld>
             <a:endParaRPr lang="en-US"/>
           </a:p>
@@ -5618,7 +5622,7 @@
           <a:p>
             <a:r>
               <a:rPr lang="en-US" dirty="0"/>
-              <a:t>INP Bootcamp 2020</a:t>
+              <a:t>INP Bootcamp 2021</a:t>
             </a:r>
           </a:p>
         </p:txBody>
@@ -5658,6 +5662,2635 @@
           <p:cNvPr id="2" name="Title 1">
             <a:extLst>
               <a:ext uri="{FF2B5EF4-FFF2-40B4-BE49-F238E27FC236}">
+                <a16:creationId xmlns:a16="http://schemas.microsoft.com/office/drawing/2014/main" id="{BECE5C01-AD4B-7C4C-A170-7D9958B98F8F}"/>
+              </a:ext>
+            </a:extLst>
+          </p:cNvPr>
+          <p:cNvSpPr>
+            <a:spLocks noGrp="1"/>
+          </p:cNvSpPr>
+          <p:nvPr>
+            <p:ph type="title"/>
+          </p:nvPr>
+        </p:nvSpPr>
+        <p:spPr/>
+        <p:txBody>
+          <a:bodyPr/>
+          <a:lstStyle/>
+          <a:p>
+            <a:r>
+              <a:rPr lang="en-US" dirty="0"/>
+              <a:t>What git does</a:t>
+            </a:r>
+          </a:p>
+        </p:txBody>
+      </p:sp>
+      <p:sp>
+        <p:nvSpPr>
+          <p:cNvPr id="3" name="Content Placeholder 2">
+            <a:extLst>
+              <a:ext uri="{FF2B5EF4-FFF2-40B4-BE49-F238E27FC236}">
+                <a16:creationId xmlns:a16="http://schemas.microsoft.com/office/drawing/2014/main" id="{CA4F2FAD-758E-5D4B-BB8B-81461B6EFCFC}"/>
+              </a:ext>
+            </a:extLst>
+          </p:cNvPr>
+          <p:cNvSpPr>
+            <a:spLocks noGrp="1"/>
+          </p:cNvSpPr>
+          <p:nvPr>
+            <p:ph idx="1"/>
+          </p:nvPr>
+        </p:nvSpPr>
+        <p:spPr>
+          <a:xfrm>
+            <a:off x="838200" y="1825625"/>
+            <a:ext cx="10515600" cy="1325563"/>
+          </a:xfrm>
+        </p:spPr>
+        <p:txBody>
+          <a:bodyPr/>
+          <a:lstStyle/>
+          <a:p>
+            <a:r>
+              <a:rPr lang="en-US" dirty="0"/>
+              <a:t>Changes you make in the folder (e.g. more lines in existing codes, new files) are not reflected to the “official version” until you actively register them (“commit”)</a:t>
+            </a:r>
+          </a:p>
+        </p:txBody>
+      </p:sp>
+      <p:pic>
+        <p:nvPicPr>
+          <p:cNvPr id="4" name="Picture 3">
+            <a:extLst>
+              <a:ext uri="{FF2B5EF4-FFF2-40B4-BE49-F238E27FC236}">
+                <a16:creationId xmlns:a16="http://schemas.microsoft.com/office/drawing/2014/main" id="{30BC7034-0E3E-A947-8FF9-21F89446D9CC}"/>
+              </a:ext>
+            </a:extLst>
+          </p:cNvPr>
+          <p:cNvPicPr>
+            <a:picLocks noChangeAspect="1"/>
+          </p:cNvPicPr>
+          <p:nvPr/>
+        </p:nvPicPr>
+        <p:blipFill>
+          <a:blip r:embed="rId3"/>
+          <a:stretch>
+            <a:fillRect/>
+          </a:stretch>
+        </p:blipFill>
+        <p:spPr>
+          <a:xfrm>
+            <a:off x="1396082" y="3598188"/>
+            <a:ext cx="3785847" cy="2606843"/>
+          </a:xfrm>
+          <a:prstGeom prst="rect">
+            <a:avLst/>
+          </a:prstGeom>
+        </p:spPr>
+      </p:pic>
+      <p:sp>
+        <p:nvSpPr>
+          <p:cNvPr id="5" name="Rectangle 4">
+            <a:extLst>
+              <a:ext uri="{FF2B5EF4-FFF2-40B4-BE49-F238E27FC236}">
+                <a16:creationId xmlns:a16="http://schemas.microsoft.com/office/drawing/2014/main" id="{6C387F3F-54C3-1541-BCDC-4C7800CE6A8B}"/>
+              </a:ext>
+            </a:extLst>
+          </p:cNvPr>
+          <p:cNvSpPr/>
+          <p:nvPr/>
+        </p:nvSpPr>
+        <p:spPr>
+          <a:xfrm>
+            <a:off x="6896657" y="3535682"/>
+            <a:ext cx="3487479" cy="2606843"/>
+          </a:xfrm>
+          <a:prstGeom prst="rect">
+            <a:avLst/>
+          </a:prstGeom>
+          <a:noFill/>
+          <a:ln w="57150">
+            <a:solidFill>
+              <a:schemeClr val="accent1"/>
+            </a:solidFill>
+          </a:ln>
+        </p:spPr>
+        <p:style>
+          <a:lnRef idx="2">
+            <a:schemeClr val="accent1">
+              <a:shade val="50000"/>
+            </a:schemeClr>
+          </a:lnRef>
+          <a:fillRef idx="1">
+            <a:schemeClr val="accent1"/>
+          </a:fillRef>
+          <a:effectRef idx="0">
+            <a:schemeClr val="accent1"/>
+          </a:effectRef>
+          <a:fontRef idx="minor">
+            <a:schemeClr val="lt1"/>
+          </a:fontRef>
+        </p:style>
+        <p:txBody>
+          <a:bodyPr rtlCol="0" anchor="ctr"/>
+          <a:lstStyle/>
+          <a:p>
+            <a:pPr algn="ctr"/>
+            <a:endParaRPr lang="en-US"/>
+          </a:p>
+        </p:txBody>
+      </p:sp>
+      <p:sp>
+        <p:nvSpPr>
+          <p:cNvPr id="6" name="TextBox 5">
+            <a:extLst>
+              <a:ext uri="{FF2B5EF4-FFF2-40B4-BE49-F238E27FC236}">
+                <a16:creationId xmlns:a16="http://schemas.microsoft.com/office/drawing/2014/main" id="{D25A24DE-A175-D744-A5E3-8BE469FCCF91}"/>
+              </a:ext>
+            </a:extLst>
+          </p:cNvPr>
+          <p:cNvSpPr txBox="1"/>
+          <p:nvPr/>
+        </p:nvSpPr>
+        <p:spPr>
+          <a:xfrm>
+            <a:off x="7514262" y="4153576"/>
+            <a:ext cx="1916818" cy="1569660"/>
+          </a:xfrm>
+          <a:prstGeom prst="rect">
+            <a:avLst/>
+          </a:prstGeom>
+          <a:noFill/>
+        </p:spPr>
+        <p:txBody>
+          <a:bodyPr wrap="square" rtlCol="0">
+            <a:spAutoFit/>
+          </a:bodyPr>
+          <a:lstStyle/>
+          <a:p>
+            <a:pPr marL="342900" indent="-342900">
+              <a:buFont typeface="Arial" panose="020B0604020202020204" pitchFamily="34" charset="0"/>
+              <a:buChar char="•"/>
+            </a:pPr>
+            <a:r>
+              <a:rPr lang="en-US" sz="2400" dirty="0"/>
+              <a:t>Code1.m</a:t>
+            </a:r>
+          </a:p>
+          <a:p>
+            <a:pPr marL="342900" indent="-342900">
+              <a:buFont typeface="Arial" panose="020B0604020202020204" pitchFamily="34" charset="0"/>
+              <a:buChar char="•"/>
+            </a:pPr>
+            <a:r>
+              <a:rPr lang="en-US" sz="2400" dirty="0"/>
+              <a:t>Code2.m</a:t>
+            </a:r>
+          </a:p>
+          <a:p>
+            <a:pPr marL="342900" indent="-342900">
+              <a:buFont typeface="Arial" panose="020B0604020202020204" pitchFamily="34" charset="0"/>
+              <a:buChar char="•"/>
+            </a:pPr>
+            <a:r>
+              <a:rPr lang="en-US" sz="2400" dirty="0"/>
+              <a:t>Code3.m</a:t>
+            </a:r>
+          </a:p>
+          <a:p>
+            <a:pPr marL="342900" indent="-342900">
+              <a:buFont typeface="Arial" panose="020B0604020202020204" pitchFamily="34" charset="0"/>
+              <a:buChar char="•"/>
+            </a:pPr>
+            <a:r>
+              <a:rPr lang="en-US" sz="2400" dirty="0"/>
+              <a:t>Code4.m</a:t>
+            </a:r>
+          </a:p>
+        </p:txBody>
+      </p:sp>
+      <p:pic>
+        <p:nvPicPr>
+          <p:cNvPr id="8" name="Picture 7">
+            <a:extLst>
+              <a:ext uri="{FF2B5EF4-FFF2-40B4-BE49-F238E27FC236}">
+                <a16:creationId xmlns:a16="http://schemas.microsoft.com/office/drawing/2014/main" id="{65ECBC71-CC4E-544D-A377-3713C50CE7EF}"/>
+              </a:ext>
+            </a:extLst>
+          </p:cNvPr>
+          <p:cNvPicPr>
+            <a:picLocks noChangeAspect="1"/>
+          </p:cNvPicPr>
+          <p:nvPr/>
+        </p:nvPicPr>
+        <p:blipFill>
+          <a:blip r:embed="rId4"/>
+          <a:stretch>
+            <a:fillRect/>
+          </a:stretch>
+        </p:blipFill>
+        <p:spPr>
+          <a:xfrm>
+            <a:off x="4265677" y="4901609"/>
+            <a:ext cx="503595" cy="782054"/>
+          </a:xfrm>
+          <a:prstGeom prst="rect">
+            <a:avLst/>
+          </a:prstGeom>
+        </p:spPr>
+      </p:pic>
+      <p:sp>
+        <p:nvSpPr>
+          <p:cNvPr id="9" name="Right Arrow 8">
+            <a:extLst>
+              <a:ext uri="{FF2B5EF4-FFF2-40B4-BE49-F238E27FC236}">
+                <a16:creationId xmlns:a16="http://schemas.microsoft.com/office/drawing/2014/main" id="{7534484F-4362-2B4A-8303-64A4BBE35B4E}"/>
+              </a:ext>
+            </a:extLst>
+          </p:cNvPr>
+          <p:cNvSpPr/>
+          <p:nvPr/>
+        </p:nvSpPr>
+        <p:spPr>
+          <a:xfrm>
+            <a:off x="5569600" y="4158317"/>
+            <a:ext cx="914400" cy="1190846"/>
+          </a:xfrm>
+          <a:prstGeom prst="rightArrow">
+            <a:avLst/>
+          </a:prstGeom>
+        </p:spPr>
+        <p:style>
+          <a:lnRef idx="2">
+            <a:schemeClr val="accent1">
+              <a:shade val="50000"/>
+            </a:schemeClr>
+          </a:lnRef>
+          <a:fillRef idx="1">
+            <a:schemeClr val="accent1"/>
+          </a:fillRef>
+          <a:effectRef idx="0">
+            <a:schemeClr val="accent1"/>
+          </a:effectRef>
+          <a:fontRef idx="minor">
+            <a:schemeClr val="lt1"/>
+          </a:fontRef>
+        </p:style>
+        <p:txBody>
+          <a:bodyPr rtlCol="0" anchor="ctr"/>
+          <a:lstStyle/>
+          <a:p>
+            <a:pPr algn="ctr"/>
+            <a:endParaRPr lang="en-US" dirty="0"/>
+          </a:p>
+        </p:txBody>
+      </p:sp>
+      <p:sp>
+        <p:nvSpPr>
+          <p:cNvPr id="10" name="TextBox 9">
+            <a:extLst>
+              <a:ext uri="{FF2B5EF4-FFF2-40B4-BE49-F238E27FC236}">
+                <a16:creationId xmlns:a16="http://schemas.microsoft.com/office/drawing/2014/main" id="{9910FA98-BD28-BB4F-B9E8-B9CE26EDD4DF}"/>
+              </a:ext>
+            </a:extLst>
+          </p:cNvPr>
+          <p:cNvSpPr txBox="1"/>
+          <p:nvPr/>
+        </p:nvSpPr>
+        <p:spPr>
+          <a:xfrm>
+            <a:off x="4971115" y="5349163"/>
+            <a:ext cx="2038958" cy="461665"/>
+          </a:xfrm>
+          <a:prstGeom prst="rect">
+            <a:avLst/>
+          </a:prstGeom>
+          <a:noFill/>
+        </p:spPr>
+        <p:txBody>
+          <a:bodyPr wrap="square" rtlCol="0">
+            <a:spAutoFit/>
+          </a:bodyPr>
+          <a:lstStyle/>
+          <a:p>
+            <a:pPr algn="ctr"/>
+            <a:r>
+              <a:rPr lang="en-US" sz="2400" dirty="0"/>
+              <a:t>(Commit)</a:t>
+            </a:r>
+          </a:p>
+        </p:txBody>
+      </p:sp>
+    </p:spTree>
+    <p:extLst>
+      <p:ext uri="{BB962C8B-B14F-4D97-AF65-F5344CB8AC3E}">
+        <p14:creationId xmlns:p14="http://schemas.microsoft.com/office/powerpoint/2010/main" val="867506856"/>
+      </p:ext>
+    </p:extLst>
+  </p:cSld>
+  <p:clrMapOvr>
+    <a:masterClrMapping/>
+  </p:clrMapOvr>
+</p:sld>
+</file>
+
+<file path=ppt/slides/slide11.xml><?xml version="1.0" encoding="utf-8"?>
+<p:sld xmlns:a="http://schemas.openxmlformats.org/drawingml/2006/main" xmlns:r="http://schemas.openxmlformats.org/officeDocument/2006/relationships" xmlns:p="http://schemas.openxmlformats.org/presentationml/2006/main">
+  <p:cSld>
+    <p:spTree>
+      <p:nvGrpSpPr>
+        <p:cNvPr id="1" name=""/>
+        <p:cNvGrpSpPr/>
+        <p:nvPr/>
+      </p:nvGrpSpPr>
+      <p:grpSpPr>
+        <a:xfrm>
+          <a:off x="0" y="0"/>
+          <a:ext cx="0" cy="0"/>
+          <a:chOff x="0" y="0"/>
+          <a:chExt cx="0" cy="0"/>
+        </a:xfrm>
+      </p:grpSpPr>
+      <p:sp>
+        <p:nvSpPr>
+          <p:cNvPr id="2" name="Title 1">
+            <a:extLst>
+              <a:ext uri="{FF2B5EF4-FFF2-40B4-BE49-F238E27FC236}">
+                <a16:creationId xmlns:a16="http://schemas.microsoft.com/office/drawing/2014/main" id="{67F37A64-6EF2-2948-9993-A91D57D654DA}"/>
+              </a:ext>
+            </a:extLst>
+          </p:cNvPr>
+          <p:cNvSpPr>
+            <a:spLocks noGrp="1"/>
+          </p:cNvSpPr>
+          <p:nvPr>
+            <p:ph type="title"/>
+          </p:nvPr>
+        </p:nvSpPr>
+        <p:spPr/>
+        <p:txBody>
+          <a:bodyPr/>
+          <a:lstStyle/>
+          <a:p>
+            <a:r>
+              <a:rPr lang="en-US" dirty="0"/>
+              <a:t>What git does</a:t>
+            </a:r>
+          </a:p>
+        </p:txBody>
+      </p:sp>
+      <p:sp>
+        <p:nvSpPr>
+          <p:cNvPr id="19" name="Content Placeholder 18">
+            <a:extLst>
+              <a:ext uri="{FF2B5EF4-FFF2-40B4-BE49-F238E27FC236}">
+                <a16:creationId xmlns:a16="http://schemas.microsoft.com/office/drawing/2014/main" id="{11AA10A6-C4FB-8B4E-914B-08659DDF0453}"/>
+              </a:ext>
+            </a:extLst>
+          </p:cNvPr>
+          <p:cNvSpPr>
+            <a:spLocks noGrp="1"/>
+          </p:cNvSpPr>
+          <p:nvPr>
+            <p:ph idx="1"/>
+          </p:nvPr>
+        </p:nvSpPr>
+        <p:spPr>
+          <a:xfrm>
+            <a:off x="838200" y="1825625"/>
+            <a:ext cx="10893056" cy="684532"/>
+          </a:xfrm>
+        </p:spPr>
+        <p:txBody>
+          <a:bodyPr/>
+          <a:lstStyle/>
+          <a:p>
+            <a:r>
+              <a:rPr lang="en-US" dirty="0"/>
+              <a:t>Every time you register (“commit”) changes, you create a new version</a:t>
+            </a:r>
+          </a:p>
+        </p:txBody>
+      </p:sp>
+      <p:sp>
+        <p:nvSpPr>
+          <p:cNvPr id="4" name="Rectangle 3">
+            <a:extLst>
+              <a:ext uri="{FF2B5EF4-FFF2-40B4-BE49-F238E27FC236}">
+                <a16:creationId xmlns:a16="http://schemas.microsoft.com/office/drawing/2014/main" id="{19ABD445-D3FE-DE45-BD84-E13ECD2CDF1F}"/>
+              </a:ext>
+            </a:extLst>
+          </p:cNvPr>
+          <p:cNvSpPr/>
+          <p:nvPr/>
+        </p:nvSpPr>
+        <p:spPr>
+          <a:xfrm>
+            <a:off x="838200" y="3774449"/>
+            <a:ext cx="1649819" cy="1504507"/>
+          </a:xfrm>
+          <a:prstGeom prst="rect">
+            <a:avLst/>
+          </a:prstGeom>
+          <a:noFill/>
+          <a:ln w="57150">
+            <a:solidFill>
+              <a:schemeClr val="accent1"/>
+            </a:solidFill>
+          </a:ln>
+        </p:spPr>
+        <p:style>
+          <a:lnRef idx="2">
+            <a:schemeClr val="accent1">
+              <a:shade val="50000"/>
+            </a:schemeClr>
+          </a:lnRef>
+          <a:fillRef idx="1">
+            <a:schemeClr val="accent1"/>
+          </a:fillRef>
+          <a:effectRef idx="0">
+            <a:schemeClr val="accent1"/>
+          </a:effectRef>
+          <a:fontRef idx="minor">
+            <a:schemeClr val="lt1"/>
+          </a:fontRef>
+        </p:style>
+        <p:txBody>
+          <a:bodyPr rtlCol="0" anchor="ctr"/>
+          <a:lstStyle/>
+          <a:p>
+            <a:pPr algn="ctr"/>
+            <a:endParaRPr lang="en-US"/>
+          </a:p>
+        </p:txBody>
+      </p:sp>
+      <p:sp>
+        <p:nvSpPr>
+          <p:cNvPr id="6" name="Rectangle 5">
+            <a:extLst>
+              <a:ext uri="{FF2B5EF4-FFF2-40B4-BE49-F238E27FC236}">
+                <a16:creationId xmlns:a16="http://schemas.microsoft.com/office/drawing/2014/main" id="{D6CCC9A4-C72B-7F4E-82FA-3AD7152303EA}"/>
+              </a:ext>
+            </a:extLst>
+          </p:cNvPr>
+          <p:cNvSpPr/>
+          <p:nvPr/>
+        </p:nvSpPr>
+        <p:spPr>
+          <a:xfrm>
+            <a:off x="3234070" y="3774449"/>
+            <a:ext cx="1649819" cy="1504507"/>
+          </a:xfrm>
+          <a:prstGeom prst="rect">
+            <a:avLst/>
+          </a:prstGeom>
+          <a:noFill/>
+          <a:ln w="57150">
+            <a:solidFill>
+              <a:schemeClr val="accent1"/>
+            </a:solidFill>
+          </a:ln>
+        </p:spPr>
+        <p:style>
+          <a:lnRef idx="2">
+            <a:schemeClr val="accent1">
+              <a:shade val="50000"/>
+            </a:schemeClr>
+          </a:lnRef>
+          <a:fillRef idx="1">
+            <a:schemeClr val="accent1"/>
+          </a:fillRef>
+          <a:effectRef idx="0">
+            <a:schemeClr val="accent1"/>
+          </a:effectRef>
+          <a:fontRef idx="minor">
+            <a:schemeClr val="lt1"/>
+          </a:fontRef>
+        </p:style>
+        <p:txBody>
+          <a:bodyPr rtlCol="0" anchor="ctr"/>
+          <a:lstStyle/>
+          <a:p>
+            <a:pPr algn="ctr"/>
+            <a:endParaRPr lang="en-US"/>
+          </a:p>
+        </p:txBody>
+      </p:sp>
+      <p:sp>
+        <p:nvSpPr>
+          <p:cNvPr id="7" name="Rectangle 6">
+            <a:extLst>
+              <a:ext uri="{FF2B5EF4-FFF2-40B4-BE49-F238E27FC236}">
+                <a16:creationId xmlns:a16="http://schemas.microsoft.com/office/drawing/2014/main" id="{65194A78-FEC5-2C45-94AD-E4DEC25919B3}"/>
+              </a:ext>
+            </a:extLst>
+          </p:cNvPr>
+          <p:cNvSpPr/>
+          <p:nvPr/>
+        </p:nvSpPr>
+        <p:spPr>
+          <a:xfrm>
+            <a:off x="5530703" y="3774448"/>
+            <a:ext cx="1649819" cy="1504507"/>
+          </a:xfrm>
+          <a:prstGeom prst="rect">
+            <a:avLst/>
+          </a:prstGeom>
+          <a:noFill/>
+          <a:ln w="57150">
+            <a:solidFill>
+              <a:schemeClr val="accent1"/>
+            </a:solidFill>
+          </a:ln>
+        </p:spPr>
+        <p:style>
+          <a:lnRef idx="2">
+            <a:schemeClr val="accent1">
+              <a:shade val="50000"/>
+            </a:schemeClr>
+          </a:lnRef>
+          <a:fillRef idx="1">
+            <a:schemeClr val="accent1"/>
+          </a:fillRef>
+          <a:effectRef idx="0">
+            <a:schemeClr val="accent1"/>
+          </a:effectRef>
+          <a:fontRef idx="minor">
+            <a:schemeClr val="lt1"/>
+          </a:fontRef>
+        </p:style>
+        <p:txBody>
+          <a:bodyPr rtlCol="0" anchor="ctr"/>
+          <a:lstStyle/>
+          <a:p>
+            <a:pPr algn="ctr"/>
+            <a:endParaRPr lang="en-US"/>
+          </a:p>
+        </p:txBody>
+      </p:sp>
+      <p:sp>
+        <p:nvSpPr>
+          <p:cNvPr id="8" name="Rectangle 7">
+            <a:extLst>
+              <a:ext uri="{FF2B5EF4-FFF2-40B4-BE49-F238E27FC236}">
+                <a16:creationId xmlns:a16="http://schemas.microsoft.com/office/drawing/2014/main" id="{1922C631-42E8-BB41-8BB6-4E6067D850FA}"/>
+              </a:ext>
+            </a:extLst>
+          </p:cNvPr>
+          <p:cNvSpPr/>
+          <p:nvPr/>
+        </p:nvSpPr>
+        <p:spPr>
+          <a:xfrm>
+            <a:off x="7800754" y="3774447"/>
+            <a:ext cx="1649819" cy="1504507"/>
+          </a:xfrm>
+          <a:prstGeom prst="rect">
+            <a:avLst/>
+          </a:prstGeom>
+          <a:noFill/>
+          <a:ln w="57150">
+            <a:solidFill>
+              <a:schemeClr val="accent1"/>
+            </a:solidFill>
+          </a:ln>
+        </p:spPr>
+        <p:style>
+          <a:lnRef idx="2">
+            <a:schemeClr val="accent1">
+              <a:shade val="50000"/>
+            </a:schemeClr>
+          </a:lnRef>
+          <a:fillRef idx="1">
+            <a:schemeClr val="accent1"/>
+          </a:fillRef>
+          <a:effectRef idx="0">
+            <a:schemeClr val="accent1"/>
+          </a:effectRef>
+          <a:fontRef idx="minor">
+            <a:schemeClr val="lt1"/>
+          </a:fontRef>
+        </p:style>
+        <p:txBody>
+          <a:bodyPr rtlCol="0" anchor="ctr"/>
+          <a:lstStyle/>
+          <a:p>
+            <a:pPr algn="ctr"/>
+            <a:endParaRPr lang="en-US"/>
+          </a:p>
+        </p:txBody>
+      </p:sp>
+      <p:sp>
+        <p:nvSpPr>
+          <p:cNvPr id="9" name="Rectangle 8">
+            <a:extLst>
+              <a:ext uri="{FF2B5EF4-FFF2-40B4-BE49-F238E27FC236}">
+                <a16:creationId xmlns:a16="http://schemas.microsoft.com/office/drawing/2014/main" id="{3F12A13C-D84C-C840-AEE4-4F22584A0305}"/>
+              </a:ext>
+            </a:extLst>
+          </p:cNvPr>
+          <p:cNvSpPr/>
+          <p:nvPr/>
+        </p:nvSpPr>
+        <p:spPr>
+          <a:xfrm>
+            <a:off x="10081437" y="3774447"/>
+            <a:ext cx="1649819" cy="1504507"/>
+          </a:xfrm>
+          <a:prstGeom prst="rect">
+            <a:avLst/>
+          </a:prstGeom>
+          <a:noFill/>
+          <a:ln w="57150">
+            <a:solidFill>
+              <a:schemeClr val="accent1"/>
+            </a:solidFill>
+          </a:ln>
+        </p:spPr>
+        <p:style>
+          <a:lnRef idx="2">
+            <a:schemeClr val="accent1">
+              <a:shade val="50000"/>
+            </a:schemeClr>
+          </a:lnRef>
+          <a:fillRef idx="1">
+            <a:schemeClr val="accent1"/>
+          </a:fillRef>
+          <a:effectRef idx="0">
+            <a:schemeClr val="accent1"/>
+          </a:effectRef>
+          <a:fontRef idx="minor">
+            <a:schemeClr val="lt1"/>
+          </a:fontRef>
+        </p:style>
+        <p:txBody>
+          <a:bodyPr rtlCol="0" anchor="ctr"/>
+          <a:lstStyle/>
+          <a:p>
+            <a:pPr algn="ctr"/>
+            <a:endParaRPr lang="en-US"/>
+          </a:p>
+        </p:txBody>
+      </p:sp>
+      <p:sp>
+        <p:nvSpPr>
+          <p:cNvPr id="10" name="Right Arrow 9">
+            <a:extLst>
+              <a:ext uri="{FF2B5EF4-FFF2-40B4-BE49-F238E27FC236}">
+                <a16:creationId xmlns:a16="http://schemas.microsoft.com/office/drawing/2014/main" id="{7F860CE8-859D-EB4F-9445-B37A3653C3B5}"/>
+              </a:ext>
+            </a:extLst>
+          </p:cNvPr>
+          <p:cNvSpPr/>
+          <p:nvPr/>
+        </p:nvSpPr>
+        <p:spPr>
+          <a:xfrm>
+            <a:off x="2615609" y="4279496"/>
+            <a:ext cx="489098" cy="478465"/>
+          </a:xfrm>
+          <a:prstGeom prst="rightArrow">
+            <a:avLst/>
+          </a:prstGeom>
+        </p:spPr>
+        <p:style>
+          <a:lnRef idx="2">
+            <a:schemeClr val="dk1">
+              <a:shade val="50000"/>
+            </a:schemeClr>
+          </a:lnRef>
+          <a:fillRef idx="1">
+            <a:schemeClr val="dk1"/>
+          </a:fillRef>
+          <a:effectRef idx="0">
+            <a:schemeClr val="dk1"/>
+          </a:effectRef>
+          <a:fontRef idx="minor">
+            <a:schemeClr val="lt1"/>
+          </a:fontRef>
+        </p:style>
+        <p:txBody>
+          <a:bodyPr rtlCol="0" anchor="ctr"/>
+          <a:lstStyle/>
+          <a:p>
+            <a:pPr algn="ctr"/>
+            <a:endParaRPr lang="en-US"/>
+          </a:p>
+        </p:txBody>
+      </p:sp>
+      <p:sp>
+        <p:nvSpPr>
+          <p:cNvPr id="11" name="Right Arrow 10">
+            <a:extLst>
+              <a:ext uri="{FF2B5EF4-FFF2-40B4-BE49-F238E27FC236}">
+                <a16:creationId xmlns:a16="http://schemas.microsoft.com/office/drawing/2014/main" id="{ED024465-69E2-5540-9900-D84F84FB8327}"/>
+              </a:ext>
+            </a:extLst>
+          </p:cNvPr>
+          <p:cNvSpPr/>
+          <p:nvPr/>
+        </p:nvSpPr>
+        <p:spPr>
+          <a:xfrm>
+            <a:off x="4991986" y="4287467"/>
+            <a:ext cx="489098" cy="478465"/>
+          </a:xfrm>
+          <a:prstGeom prst="rightArrow">
+            <a:avLst/>
+          </a:prstGeom>
+        </p:spPr>
+        <p:style>
+          <a:lnRef idx="2">
+            <a:schemeClr val="dk1">
+              <a:shade val="50000"/>
+            </a:schemeClr>
+          </a:lnRef>
+          <a:fillRef idx="1">
+            <a:schemeClr val="dk1"/>
+          </a:fillRef>
+          <a:effectRef idx="0">
+            <a:schemeClr val="dk1"/>
+          </a:effectRef>
+          <a:fontRef idx="minor">
+            <a:schemeClr val="lt1"/>
+          </a:fontRef>
+        </p:style>
+        <p:txBody>
+          <a:bodyPr rtlCol="0" anchor="ctr"/>
+          <a:lstStyle/>
+          <a:p>
+            <a:pPr algn="ctr"/>
+            <a:endParaRPr lang="en-US"/>
+          </a:p>
+        </p:txBody>
+      </p:sp>
+      <p:sp>
+        <p:nvSpPr>
+          <p:cNvPr id="12" name="Right Arrow 11">
+            <a:extLst>
+              <a:ext uri="{FF2B5EF4-FFF2-40B4-BE49-F238E27FC236}">
+                <a16:creationId xmlns:a16="http://schemas.microsoft.com/office/drawing/2014/main" id="{FFA84E7B-F974-6543-875D-E03838346176}"/>
+              </a:ext>
+            </a:extLst>
+          </p:cNvPr>
+          <p:cNvSpPr/>
+          <p:nvPr/>
+        </p:nvSpPr>
+        <p:spPr>
+          <a:xfrm>
+            <a:off x="7246976" y="4300761"/>
+            <a:ext cx="489098" cy="478465"/>
+          </a:xfrm>
+          <a:prstGeom prst="rightArrow">
+            <a:avLst/>
+          </a:prstGeom>
+        </p:spPr>
+        <p:style>
+          <a:lnRef idx="2">
+            <a:schemeClr val="dk1">
+              <a:shade val="50000"/>
+            </a:schemeClr>
+          </a:lnRef>
+          <a:fillRef idx="1">
+            <a:schemeClr val="dk1"/>
+          </a:fillRef>
+          <a:effectRef idx="0">
+            <a:schemeClr val="dk1"/>
+          </a:effectRef>
+          <a:fontRef idx="minor">
+            <a:schemeClr val="lt1"/>
+          </a:fontRef>
+        </p:style>
+        <p:txBody>
+          <a:bodyPr rtlCol="0" anchor="ctr"/>
+          <a:lstStyle/>
+          <a:p>
+            <a:pPr algn="ctr"/>
+            <a:endParaRPr lang="en-US"/>
+          </a:p>
+        </p:txBody>
+      </p:sp>
+      <p:sp>
+        <p:nvSpPr>
+          <p:cNvPr id="13" name="Right Arrow 12">
+            <a:extLst>
+              <a:ext uri="{FF2B5EF4-FFF2-40B4-BE49-F238E27FC236}">
+                <a16:creationId xmlns:a16="http://schemas.microsoft.com/office/drawing/2014/main" id="{D7F89161-5907-5D4B-9361-3E75AC455C60}"/>
+              </a:ext>
+            </a:extLst>
+          </p:cNvPr>
+          <p:cNvSpPr/>
+          <p:nvPr/>
+        </p:nvSpPr>
+        <p:spPr>
+          <a:xfrm>
+            <a:off x="9542722" y="4332659"/>
+            <a:ext cx="489098" cy="478465"/>
+          </a:xfrm>
+          <a:prstGeom prst="rightArrow">
+            <a:avLst/>
+          </a:prstGeom>
+        </p:spPr>
+        <p:style>
+          <a:lnRef idx="2">
+            <a:schemeClr val="dk1">
+              <a:shade val="50000"/>
+            </a:schemeClr>
+          </a:lnRef>
+          <a:fillRef idx="1">
+            <a:schemeClr val="dk1"/>
+          </a:fillRef>
+          <a:effectRef idx="0">
+            <a:schemeClr val="dk1"/>
+          </a:effectRef>
+          <a:fontRef idx="minor">
+            <a:schemeClr val="lt1"/>
+          </a:fontRef>
+        </p:style>
+        <p:txBody>
+          <a:bodyPr rtlCol="0" anchor="ctr"/>
+          <a:lstStyle/>
+          <a:p>
+            <a:pPr algn="ctr"/>
+            <a:endParaRPr lang="en-US"/>
+          </a:p>
+        </p:txBody>
+      </p:sp>
+      <p:sp>
+        <p:nvSpPr>
+          <p:cNvPr id="14" name="TextBox 13">
+            <a:extLst>
+              <a:ext uri="{FF2B5EF4-FFF2-40B4-BE49-F238E27FC236}">
+                <a16:creationId xmlns:a16="http://schemas.microsoft.com/office/drawing/2014/main" id="{67304950-D83C-9D44-9695-F8A70639D233}"/>
+              </a:ext>
+            </a:extLst>
+          </p:cNvPr>
+          <p:cNvSpPr txBox="1"/>
+          <p:nvPr/>
+        </p:nvSpPr>
+        <p:spPr>
+          <a:xfrm>
+            <a:off x="1221834" y="4109106"/>
+            <a:ext cx="882549" cy="861774"/>
+          </a:xfrm>
+          <a:prstGeom prst="rect">
+            <a:avLst/>
+          </a:prstGeom>
+          <a:noFill/>
+        </p:spPr>
+        <p:txBody>
+          <a:bodyPr wrap="none" rtlCol="0">
+            <a:spAutoFit/>
+          </a:bodyPr>
+          <a:lstStyle/>
+          <a:p>
+            <a:pPr algn="ctr"/>
+            <a:r>
+              <a:rPr lang="en-US" dirty="0"/>
+              <a:t>Version</a:t>
+            </a:r>
+          </a:p>
+          <a:p>
+            <a:pPr algn="ctr"/>
+            <a:r>
+              <a:rPr lang="en-US" sz="3200" dirty="0"/>
+              <a:t>1</a:t>
+            </a:r>
+          </a:p>
+        </p:txBody>
+      </p:sp>
+      <p:sp>
+        <p:nvSpPr>
+          <p:cNvPr id="15" name="TextBox 14">
+            <a:extLst>
+              <a:ext uri="{FF2B5EF4-FFF2-40B4-BE49-F238E27FC236}">
+                <a16:creationId xmlns:a16="http://schemas.microsoft.com/office/drawing/2014/main" id="{BB0290A1-5D51-DD43-8714-63AE219EA630}"/>
+              </a:ext>
+            </a:extLst>
+          </p:cNvPr>
+          <p:cNvSpPr txBox="1"/>
+          <p:nvPr/>
+        </p:nvSpPr>
+        <p:spPr>
+          <a:xfrm>
+            <a:off x="3617704" y="4109106"/>
+            <a:ext cx="882549" cy="861774"/>
+          </a:xfrm>
+          <a:prstGeom prst="rect">
+            <a:avLst/>
+          </a:prstGeom>
+          <a:noFill/>
+        </p:spPr>
+        <p:txBody>
+          <a:bodyPr wrap="none" rtlCol="0">
+            <a:spAutoFit/>
+          </a:bodyPr>
+          <a:lstStyle/>
+          <a:p>
+            <a:pPr algn="ctr"/>
+            <a:r>
+              <a:rPr lang="en-US" dirty="0"/>
+              <a:t>Version</a:t>
+            </a:r>
+          </a:p>
+          <a:p>
+            <a:pPr algn="ctr"/>
+            <a:r>
+              <a:rPr lang="en-US" sz="3200" dirty="0"/>
+              <a:t>2</a:t>
+            </a:r>
+          </a:p>
+        </p:txBody>
+      </p:sp>
+      <p:sp>
+        <p:nvSpPr>
+          <p:cNvPr id="16" name="TextBox 15">
+            <a:extLst>
+              <a:ext uri="{FF2B5EF4-FFF2-40B4-BE49-F238E27FC236}">
+                <a16:creationId xmlns:a16="http://schemas.microsoft.com/office/drawing/2014/main" id="{33010A56-684B-4849-B106-02D3B33077B4}"/>
+              </a:ext>
+            </a:extLst>
+          </p:cNvPr>
+          <p:cNvSpPr txBox="1"/>
+          <p:nvPr/>
+        </p:nvSpPr>
+        <p:spPr>
+          <a:xfrm>
+            <a:off x="5901047" y="4087841"/>
+            <a:ext cx="882549" cy="861774"/>
+          </a:xfrm>
+          <a:prstGeom prst="rect">
+            <a:avLst/>
+          </a:prstGeom>
+          <a:noFill/>
+        </p:spPr>
+        <p:txBody>
+          <a:bodyPr wrap="none" rtlCol="0">
+            <a:spAutoFit/>
+          </a:bodyPr>
+          <a:lstStyle/>
+          <a:p>
+            <a:pPr algn="ctr"/>
+            <a:r>
+              <a:rPr lang="en-US" dirty="0"/>
+              <a:t>Version</a:t>
+            </a:r>
+          </a:p>
+          <a:p>
+            <a:pPr algn="ctr"/>
+            <a:r>
+              <a:rPr lang="en-US" sz="3200" dirty="0"/>
+              <a:t>3</a:t>
+            </a:r>
+          </a:p>
+        </p:txBody>
+      </p:sp>
+      <p:sp>
+        <p:nvSpPr>
+          <p:cNvPr id="17" name="TextBox 16">
+            <a:extLst>
+              <a:ext uri="{FF2B5EF4-FFF2-40B4-BE49-F238E27FC236}">
+                <a16:creationId xmlns:a16="http://schemas.microsoft.com/office/drawing/2014/main" id="{EEAFC355-AC52-824D-B39F-44C5437DF989}"/>
+              </a:ext>
+            </a:extLst>
+          </p:cNvPr>
+          <p:cNvSpPr txBox="1"/>
+          <p:nvPr/>
+        </p:nvSpPr>
+        <p:spPr>
+          <a:xfrm>
+            <a:off x="8151558" y="4087841"/>
+            <a:ext cx="882549" cy="861774"/>
+          </a:xfrm>
+          <a:prstGeom prst="rect">
+            <a:avLst/>
+          </a:prstGeom>
+          <a:noFill/>
+        </p:spPr>
+        <p:txBody>
+          <a:bodyPr wrap="none" rtlCol="0">
+            <a:spAutoFit/>
+          </a:bodyPr>
+          <a:lstStyle/>
+          <a:p>
+            <a:pPr algn="ctr"/>
+            <a:r>
+              <a:rPr lang="en-US" dirty="0"/>
+              <a:t>Version</a:t>
+            </a:r>
+          </a:p>
+          <a:p>
+            <a:pPr algn="ctr"/>
+            <a:r>
+              <a:rPr lang="en-US" sz="3200" dirty="0"/>
+              <a:t>4</a:t>
+            </a:r>
+          </a:p>
+        </p:txBody>
+      </p:sp>
+      <p:sp>
+        <p:nvSpPr>
+          <p:cNvPr id="18" name="TextBox 17">
+            <a:extLst>
+              <a:ext uri="{FF2B5EF4-FFF2-40B4-BE49-F238E27FC236}">
+                <a16:creationId xmlns:a16="http://schemas.microsoft.com/office/drawing/2014/main" id="{377A776D-1678-B347-A154-0EDC34547A81}"/>
+              </a:ext>
+            </a:extLst>
+          </p:cNvPr>
+          <p:cNvSpPr txBox="1"/>
+          <p:nvPr/>
+        </p:nvSpPr>
+        <p:spPr>
+          <a:xfrm>
+            <a:off x="10465071" y="4109106"/>
+            <a:ext cx="882549" cy="861774"/>
+          </a:xfrm>
+          <a:prstGeom prst="rect">
+            <a:avLst/>
+          </a:prstGeom>
+          <a:noFill/>
+        </p:spPr>
+        <p:txBody>
+          <a:bodyPr wrap="none" rtlCol="0">
+            <a:spAutoFit/>
+          </a:bodyPr>
+          <a:lstStyle/>
+          <a:p>
+            <a:pPr algn="ctr"/>
+            <a:r>
+              <a:rPr lang="en-US" dirty="0"/>
+              <a:t>Version</a:t>
+            </a:r>
+          </a:p>
+          <a:p>
+            <a:pPr algn="ctr"/>
+            <a:r>
+              <a:rPr lang="en-US" sz="3200" dirty="0"/>
+              <a:t>5</a:t>
+            </a:r>
+          </a:p>
+        </p:txBody>
+      </p:sp>
+      <p:sp>
+        <p:nvSpPr>
+          <p:cNvPr id="20" name="Right Arrow 19">
+            <a:extLst>
+              <a:ext uri="{FF2B5EF4-FFF2-40B4-BE49-F238E27FC236}">
+                <a16:creationId xmlns:a16="http://schemas.microsoft.com/office/drawing/2014/main" id="{3B896D6C-9D29-A642-BDAA-AD85C2BF8E45}"/>
+              </a:ext>
+            </a:extLst>
+          </p:cNvPr>
+          <p:cNvSpPr/>
+          <p:nvPr/>
+        </p:nvSpPr>
+        <p:spPr>
+          <a:xfrm rot="5400000">
+            <a:off x="2238160" y="3349721"/>
+            <a:ext cx="1211125" cy="716014"/>
+          </a:xfrm>
+          <a:prstGeom prst="rightArrow">
+            <a:avLst/>
+          </a:prstGeom>
+        </p:spPr>
+        <p:style>
+          <a:lnRef idx="2">
+            <a:schemeClr val="accent1">
+              <a:shade val="50000"/>
+            </a:schemeClr>
+          </a:lnRef>
+          <a:fillRef idx="1">
+            <a:schemeClr val="accent1"/>
+          </a:fillRef>
+          <a:effectRef idx="0">
+            <a:schemeClr val="accent1"/>
+          </a:effectRef>
+          <a:fontRef idx="minor">
+            <a:schemeClr val="lt1"/>
+          </a:fontRef>
+        </p:style>
+        <p:txBody>
+          <a:bodyPr rtlCol="0" anchor="ctr"/>
+          <a:lstStyle/>
+          <a:p>
+            <a:pPr algn="ctr"/>
+            <a:r>
+              <a:rPr lang="en-US" dirty="0"/>
+              <a:t>Commit</a:t>
+            </a:r>
+          </a:p>
+        </p:txBody>
+      </p:sp>
+      <p:sp>
+        <p:nvSpPr>
+          <p:cNvPr id="21" name="Right Arrow 20">
+            <a:extLst>
+              <a:ext uri="{FF2B5EF4-FFF2-40B4-BE49-F238E27FC236}">
+                <a16:creationId xmlns:a16="http://schemas.microsoft.com/office/drawing/2014/main" id="{3FF3434E-3F7E-B244-B25B-DB2C7DBD0F7E}"/>
+              </a:ext>
+            </a:extLst>
+          </p:cNvPr>
+          <p:cNvSpPr/>
+          <p:nvPr/>
+        </p:nvSpPr>
+        <p:spPr>
+          <a:xfrm rot="5400000">
+            <a:off x="4602542" y="3323898"/>
+            <a:ext cx="1211125" cy="716014"/>
+          </a:xfrm>
+          <a:prstGeom prst="rightArrow">
+            <a:avLst/>
+          </a:prstGeom>
+        </p:spPr>
+        <p:style>
+          <a:lnRef idx="2">
+            <a:schemeClr val="accent1">
+              <a:shade val="50000"/>
+            </a:schemeClr>
+          </a:lnRef>
+          <a:fillRef idx="1">
+            <a:schemeClr val="accent1"/>
+          </a:fillRef>
+          <a:effectRef idx="0">
+            <a:schemeClr val="accent1"/>
+          </a:effectRef>
+          <a:fontRef idx="minor">
+            <a:schemeClr val="lt1"/>
+          </a:fontRef>
+        </p:style>
+        <p:txBody>
+          <a:bodyPr rtlCol="0" anchor="ctr"/>
+          <a:lstStyle/>
+          <a:p>
+            <a:pPr algn="ctr"/>
+            <a:r>
+              <a:rPr lang="en-US" dirty="0"/>
+              <a:t>Commit</a:t>
+            </a:r>
+          </a:p>
+        </p:txBody>
+      </p:sp>
+      <p:sp>
+        <p:nvSpPr>
+          <p:cNvPr id="22" name="Right Arrow 21">
+            <a:extLst>
+              <a:ext uri="{FF2B5EF4-FFF2-40B4-BE49-F238E27FC236}">
+                <a16:creationId xmlns:a16="http://schemas.microsoft.com/office/drawing/2014/main" id="{84D0DD89-F02A-A54A-8A97-CC5B3F0AECC9}"/>
+              </a:ext>
+            </a:extLst>
+          </p:cNvPr>
+          <p:cNvSpPr/>
+          <p:nvPr/>
+        </p:nvSpPr>
+        <p:spPr>
+          <a:xfrm rot="5400000">
+            <a:off x="6859737" y="3288467"/>
+            <a:ext cx="1211125" cy="716014"/>
+          </a:xfrm>
+          <a:prstGeom prst="rightArrow">
+            <a:avLst/>
+          </a:prstGeom>
+        </p:spPr>
+        <p:style>
+          <a:lnRef idx="2">
+            <a:schemeClr val="accent1">
+              <a:shade val="50000"/>
+            </a:schemeClr>
+          </a:lnRef>
+          <a:fillRef idx="1">
+            <a:schemeClr val="accent1"/>
+          </a:fillRef>
+          <a:effectRef idx="0">
+            <a:schemeClr val="accent1"/>
+          </a:effectRef>
+          <a:fontRef idx="minor">
+            <a:schemeClr val="lt1"/>
+          </a:fontRef>
+        </p:style>
+        <p:txBody>
+          <a:bodyPr rtlCol="0" anchor="ctr"/>
+          <a:lstStyle/>
+          <a:p>
+            <a:pPr algn="ctr"/>
+            <a:r>
+              <a:rPr lang="en-US" dirty="0"/>
+              <a:t>Commit</a:t>
+            </a:r>
+          </a:p>
+        </p:txBody>
+      </p:sp>
+      <p:sp>
+        <p:nvSpPr>
+          <p:cNvPr id="23" name="Right Arrow 22">
+            <a:extLst>
+              <a:ext uri="{FF2B5EF4-FFF2-40B4-BE49-F238E27FC236}">
+                <a16:creationId xmlns:a16="http://schemas.microsoft.com/office/drawing/2014/main" id="{7D79DFC3-299F-234A-A80E-11BB85E5B11A}"/>
+              </a:ext>
+            </a:extLst>
+          </p:cNvPr>
+          <p:cNvSpPr/>
+          <p:nvPr/>
+        </p:nvSpPr>
+        <p:spPr>
+          <a:xfrm rot="5400000">
+            <a:off x="9147968" y="3315927"/>
+            <a:ext cx="1211125" cy="716014"/>
+          </a:xfrm>
+          <a:prstGeom prst="rightArrow">
+            <a:avLst/>
+          </a:prstGeom>
+        </p:spPr>
+        <p:style>
+          <a:lnRef idx="2">
+            <a:schemeClr val="accent1">
+              <a:shade val="50000"/>
+            </a:schemeClr>
+          </a:lnRef>
+          <a:fillRef idx="1">
+            <a:schemeClr val="accent1"/>
+          </a:fillRef>
+          <a:effectRef idx="0">
+            <a:schemeClr val="accent1"/>
+          </a:effectRef>
+          <a:fontRef idx="minor">
+            <a:schemeClr val="lt1"/>
+          </a:fontRef>
+        </p:style>
+        <p:txBody>
+          <a:bodyPr rtlCol="0" anchor="ctr"/>
+          <a:lstStyle/>
+          <a:p>
+            <a:pPr algn="ctr"/>
+            <a:r>
+              <a:rPr lang="en-US" dirty="0"/>
+              <a:t>Commit</a:t>
+            </a:r>
+          </a:p>
+        </p:txBody>
+      </p:sp>
+    </p:spTree>
+    <p:extLst>
+      <p:ext uri="{BB962C8B-B14F-4D97-AF65-F5344CB8AC3E}">
+        <p14:creationId xmlns:p14="http://schemas.microsoft.com/office/powerpoint/2010/main" val="1796237067"/>
+      </p:ext>
+    </p:extLst>
+  </p:cSld>
+  <p:clrMapOvr>
+    <a:masterClrMapping/>
+  </p:clrMapOvr>
+</p:sld>
+</file>
+
+<file path=ppt/slides/slide12.xml><?xml version="1.0" encoding="utf-8"?>
+<p:sld xmlns:a="http://schemas.openxmlformats.org/drawingml/2006/main" xmlns:r="http://schemas.openxmlformats.org/officeDocument/2006/relationships" xmlns:p="http://schemas.openxmlformats.org/presentationml/2006/main">
+  <p:cSld>
+    <p:spTree>
+      <p:nvGrpSpPr>
+        <p:cNvPr id="1" name=""/>
+        <p:cNvGrpSpPr/>
+        <p:nvPr/>
+      </p:nvGrpSpPr>
+      <p:grpSpPr>
+        <a:xfrm>
+          <a:off x="0" y="0"/>
+          <a:ext cx="0" cy="0"/>
+          <a:chOff x="0" y="0"/>
+          <a:chExt cx="0" cy="0"/>
+        </a:xfrm>
+      </p:grpSpPr>
+      <p:sp>
+        <p:nvSpPr>
+          <p:cNvPr id="2" name="Title 1">
+            <a:extLst>
+              <a:ext uri="{FF2B5EF4-FFF2-40B4-BE49-F238E27FC236}">
+                <a16:creationId xmlns:a16="http://schemas.microsoft.com/office/drawing/2014/main" id="{2610805D-9686-1A48-B43F-27CAA892E020}"/>
+              </a:ext>
+            </a:extLst>
+          </p:cNvPr>
+          <p:cNvSpPr>
+            <a:spLocks noGrp="1"/>
+          </p:cNvSpPr>
+          <p:nvPr>
+            <p:ph type="title"/>
+          </p:nvPr>
+        </p:nvSpPr>
+        <p:spPr/>
+        <p:txBody>
+          <a:bodyPr/>
+          <a:lstStyle/>
+          <a:p>
+            <a:r>
+              <a:rPr lang="en-US" dirty="0"/>
+              <a:t>What git does</a:t>
+            </a:r>
+          </a:p>
+        </p:txBody>
+      </p:sp>
+      <p:sp>
+        <p:nvSpPr>
+          <p:cNvPr id="3" name="Content Placeholder 2">
+            <a:extLst>
+              <a:ext uri="{FF2B5EF4-FFF2-40B4-BE49-F238E27FC236}">
+                <a16:creationId xmlns:a16="http://schemas.microsoft.com/office/drawing/2014/main" id="{9EE8F0B0-C3B9-EC4F-923B-C10D28B1778E}"/>
+              </a:ext>
+            </a:extLst>
+          </p:cNvPr>
+          <p:cNvSpPr>
+            <a:spLocks noGrp="1"/>
+          </p:cNvSpPr>
+          <p:nvPr>
+            <p:ph idx="1"/>
+          </p:nvPr>
+        </p:nvSpPr>
+        <p:spPr>
+          <a:xfrm>
+            <a:off x="838200" y="1825625"/>
+            <a:ext cx="10515600" cy="534803"/>
+          </a:xfrm>
+        </p:spPr>
+        <p:txBody>
+          <a:bodyPr/>
+          <a:lstStyle/>
+          <a:p>
+            <a:r>
+              <a:rPr lang="en-US" dirty="0"/>
+              <a:t>You can go back to previous versions (= backup)</a:t>
+            </a:r>
+          </a:p>
+        </p:txBody>
+      </p:sp>
+      <p:pic>
+        <p:nvPicPr>
+          <p:cNvPr id="4" name="Picture 3">
+            <a:extLst>
+              <a:ext uri="{FF2B5EF4-FFF2-40B4-BE49-F238E27FC236}">
+                <a16:creationId xmlns:a16="http://schemas.microsoft.com/office/drawing/2014/main" id="{668ABF48-AB9B-7645-AB59-BCB8E171D497}"/>
+              </a:ext>
+            </a:extLst>
+          </p:cNvPr>
+          <p:cNvPicPr>
+            <a:picLocks noChangeAspect="1"/>
+          </p:cNvPicPr>
+          <p:nvPr/>
+        </p:nvPicPr>
+        <p:blipFill>
+          <a:blip r:embed="rId3"/>
+          <a:stretch>
+            <a:fillRect/>
+          </a:stretch>
+        </p:blipFill>
+        <p:spPr>
+          <a:xfrm>
+            <a:off x="1396082" y="3119723"/>
+            <a:ext cx="3785847" cy="2606843"/>
+          </a:xfrm>
+          <a:prstGeom prst="rect">
+            <a:avLst/>
+          </a:prstGeom>
+        </p:spPr>
+      </p:pic>
+      <p:sp>
+        <p:nvSpPr>
+          <p:cNvPr id="5" name="Rectangle 4">
+            <a:extLst>
+              <a:ext uri="{FF2B5EF4-FFF2-40B4-BE49-F238E27FC236}">
+                <a16:creationId xmlns:a16="http://schemas.microsoft.com/office/drawing/2014/main" id="{E3533297-1744-D24B-AA1E-9F7D6340A4BE}"/>
+              </a:ext>
+            </a:extLst>
+          </p:cNvPr>
+          <p:cNvSpPr/>
+          <p:nvPr/>
+        </p:nvSpPr>
+        <p:spPr>
+          <a:xfrm>
+            <a:off x="6896657" y="3057217"/>
+            <a:ext cx="3487479" cy="2606843"/>
+          </a:xfrm>
+          <a:prstGeom prst="rect">
+            <a:avLst/>
+          </a:prstGeom>
+          <a:noFill/>
+          <a:ln w="57150">
+            <a:solidFill>
+              <a:schemeClr val="accent1"/>
+            </a:solidFill>
+          </a:ln>
+        </p:spPr>
+        <p:style>
+          <a:lnRef idx="2">
+            <a:schemeClr val="accent1">
+              <a:shade val="50000"/>
+            </a:schemeClr>
+          </a:lnRef>
+          <a:fillRef idx="1">
+            <a:schemeClr val="accent1"/>
+          </a:fillRef>
+          <a:effectRef idx="0">
+            <a:schemeClr val="accent1"/>
+          </a:effectRef>
+          <a:fontRef idx="minor">
+            <a:schemeClr val="lt1"/>
+          </a:fontRef>
+        </p:style>
+        <p:txBody>
+          <a:bodyPr rtlCol="0" anchor="ctr"/>
+          <a:lstStyle/>
+          <a:p>
+            <a:pPr algn="ctr"/>
+            <a:endParaRPr lang="en-US"/>
+          </a:p>
+        </p:txBody>
+      </p:sp>
+      <p:sp>
+        <p:nvSpPr>
+          <p:cNvPr id="6" name="TextBox 5">
+            <a:extLst>
+              <a:ext uri="{FF2B5EF4-FFF2-40B4-BE49-F238E27FC236}">
+                <a16:creationId xmlns:a16="http://schemas.microsoft.com/office/drawing/2014/main" id="{B80F779E-6DBA-194F-8236-5539BD020105}"/>
+              </a:ext>
+            </a:extLst>
+          </p:cNvPr>
+          <p:cNvSpPr txBox="1"/>
+          <p:nvPr/>
+        </p:nvSpPr>
+        <p:spPr>
+          <a:xfrm>
+            <a:off x="7435913" y="4068250"/>
+            <a:ext cx="2408966" cy="584775"/>
+          </a:xfrm>
+          <a:prstGeom prst="rect">
+            <a:avLst/>
+          </a:prstGeom>
+          <a:noFill/>
+        </p:spPr>
+        <p:txBody>
+          <a:bodyPr wrap="square" rtlCol="0">
+            <a:spAutoFit/>
+          </a:bodyPr>
+          <a:lstStyle/>
+          <a:p>
+            <a:r>
+              <a:rPr lang="en-US" sz="3200" dirty="0"/>
+              <a:t>Older version</a:t>
+            </a:r>
+          </a:p>
+        </p:txBody>
+      </p:sp>
+      <p:sp>
+        <p:nvSpPr>
+          <p:cNvPr id="7" name="Right Arrow 6">
+            <a:extLst>
+              <a:ext uri="{FF2B5EF4-FFF2-40B4-BE49-F238E27FC236}">
+                <a16:creationId xmlns:a16="http://schemas.microsoft.com/office/drawing/2014/main" id="{C1214B4C-A32B-2A4B-BF3F-1D476C4C8526}"/>
+              </a:ext>
+            </a:extLst>
+          </p:cNvPr>
+          <p:cNvSpPr/>
+          <p:nvPr/>
+        </p:nvSpPr>
+        <p:spPr>
+          <a:xfrm rot="10800000">
+            <a:off x="5569600" y="3679852"/>
+            <a:ext cx="914400" cy="1190846"/>
+          </a:xfrm>
+          <a:prstGeom prst="rightArrow">
+            <a:avLst/>
+          </a:prstGeom>
+        </p:spPr>
+        <p:style>
+          <a:lnRef idx="2">
+            <a:schemeClr val="accent1">
+              <a:shade val="50000"/>
+            </a:schemeClr>
+          </a:lnRef>
+          <a:fillRef idx="1">
+            <a:schemeClr val="accent1"/>
+          </a:fillRef>
+          <a:effectRef idx="0">
+            <a:schemeClr val="accent1"/>
+          </a:effectRef>
+          <a:fontRef idx="minor">
+            <a:schemeClr val="lt1"/>
+          </a:fontRef>
+        </p:style>
+        <p:txBody>
+          <a:bodyPr rtlCol="0" anchor="ctr"/>
+          <a:lstStyle/>
+          <a:p>
+            <a:pPr algn="ctr"/>
+            <a:endParaRPr lang="en-US" dirty="0"/>
+          </a:p>
+        </p:txBody>
+      </p:sp>
+      <p:sp>
+        <p:nvSpPr>
+          <p:cNvPr id="8" name="TextBox 7">
+            <a:extLst>
+              <a:ext uri="{FF2B5EF4-FFF2-40B4-BE49-F238E27FC236}">
+                <a16:creationId xmlns:a16="http://schemas.microsoft.com/office/drawing/2014/main" id="{31917C92-3C8E-BA41-AF73-7C73CD967180}"/>
+              </a:ext>
+            </a:extLst>
+          </p:cNvPr>
+          <p:cNvSpPr txBox="1"/>
+          <p:nvPr/>
+        </p:nvSpPr>
+        <p:spPr>
+          <a:xfrm>
+            <a:off x="4971115" y="4870698"/>
+            <a:ext cx="2038958" cy="461665"/>
+          </a:xfrm>
+          <a:prstGeom prst="rect">
+            <a:avLst/>
+          </a:prstGeom>
+          <a:noFill/>
+        </p:spPr>
+        <p:txBody>
+          <a:bodyPr wrap="square" rtlCol="0">
+            <a:spAutoFit/>
+          </a:bodyPr>
+          <a:lstStyle/>
+          <a:p>
+            <a:pPr algn="ctr"/>
+            <a:r>
+              <a:rPr lang="en-US" sz="2400" dirty="0"/>
+              <a:t>(Checkout)</a:t>
+            </a:r>
+          </a:p>
+        </p:txBody>
+      </p:sp>
+      <p:sp>
+        <p:nvSpPr>
+          <p:cNvPr id="9" name="TextBox 8">
+            <a:extLst>
+              <a:ext uri="{FF2B5EF4-FFF2-40B4-BE49-F238E27FC236}">
+                <a16:creationId xmlns:a16="http://schemas.microsoft.com/office/drawing/2014/main" id="{E6280B66-5527-B34C-80F1-B5B7FD48BEAD}"/>
+              </a:ext>
+            </a:extLst>
+          </p:cNvPr>
+          <p:cNvSpPr txBox="1"/>
+          <p:nvPr/>
+        </p:nvSpPr>
+        <p:spPr>
+          <a:xfrm>
+            <a:off x="1393405" y="2542279"/>
+            <a:ext cx="8990731" cy="461665"/>
+          </a:xfrm>
+          <a:prstGeom prst="rect">
+            <a:avLst/>
+          </a:prstGeom>
+          <a:noFill/>
+        </p:spPr>
+        <p:txBody>
+          <a:bodyPr wrap="none" rtlCol="0">
+            <a:spAutoFit/>
+          </a:bodyPr>
+          <a:lstStyle/>
+          <a:p>
+            <a:r>
+              <a:rPr lang="en-US" sz="2400" dirty="0"/>
+              <a:t>Overwrite what you have in your code folder with the “official version”</a:t>
+            </a:r>
+          </a:p>
+        </p:txBody>
+      </p:sp>
+    </p:spTree>
+    <p:extLst>
+      <p:ext uri="{BB962C8B-B14F-4D97-AF65-F5344CB8AC3E}">
+        <p14:creationId xmlns:p14="http://schemas.microsoft.com/office/powerpoint/2010/main" val="1782292058"/>
+      </p:ext>
+    </p:extLst>
+  </p:cSld>
+  <p:clrMapOvr>
+    <a:masterClrMapping/>
+  </p:clrMapOvr>
+</p:sld>
+</file>
+
+<file path=ppt/slides/slide13.xml><?xml version="1.0" encoding="utf-8"?>
+<p:sld xmlns:a="http://schemas.openxmlformats.org/drawingml/2006/main" xmlns:r="http://schemas.openxmlformats.org/officeDocument/2006/relationships" xmlns:p="http://schemas.openxmlformats.org/presentationml/2006/main">
+  <p:cSld>
+    <p:spTree>
+      <p:nvGrpSpPr>
+        <p:cNvPr id="1" name=""/>
+        <p:cNvGrpSpPr/>
+        <p:nvPr/>
+      </p:nvGrpSpPr>
+      <p:grpSpPr>
+        <a:xfrm>
+          <a:off x="0" y="0"/>
+          <a:ext cx="0" cy="0"/>
+          <a:chOff x="0" y="0"/>
+          <a:chExt cx="0" cy="0"/>
+        </a:xfrm>
+      </p:grpSpPr>
+      <p:sp>
+        <p:nvSpPr>
+          <p:cNvPr id="2" name="Title 1">
+            <a:extLst>
+              <a:ext uri="{FF2B5EF4-FFF2-40B4-BE49-F238E27FC236}">
+                <a16:creationId xmlns:a16="http://schemas.microsoft.com/office/drawing/2014/main" id="{42031C04-ED06-4F4F-AC1C-0EE7EB0C75DB}"/>
+              </a:ext>
+            </a:extLst>
+          </p:cNvPr>
+          <p:cNvSpPr>
+            <a:spLocks noGrp="1"/>
+          </p:cNvSpPr>
+          <p:nvPr>
+            <p:ph type="title"/>
+          </p:nvPr>
+        </p:nvSpPr>
+        <p:spPr/>
+        <p:txBody>
+          <a:bodyPr/>
+          <a:lstStyle/>
+          <a:p>
+            <a:r>
+              <a:rPr lang="en-US" dirty="0"/>
+              <a:t>What git does</a:t>
+            </a:r>
+          </a:p>
+        </p:txBody>
+      </p:sp>
+      <p:sp>
+        <p:nvSpPr>
+          <p:cNvPr id="3" name="Content Placeholder 2">
+            <a:extLst>
+              <a:ext uri="{FF2B5EF4-FFF2-40B4-BE49-F238E27FC236}">
+                <a16:creationId xmlns:a16="http://schemas.microsoft.com/office/drawing/2014/main" id="{08A86B15-38B7-484A-B3C8-F9ABEBED6B5B}"/>
+              </a:ext>
+            </a:extLst>
+          </p:cNvPr>
+          <p:cNvSpPr>
+            <a:spLocks noGrp="1"/>
+          </p:cNvSpPr>
+          <p:nvPr>
+            <p:ph idx="1"/>
+          </p:nvPr>
+        </p:nvSpPr>
+        <p:spPr>
+          <a:xfrm>
+            <a:off x="838200" y="1825625"/>
+            <a:ext cx="10515600" cy="1211126"/>
+          </a:xfrm>
+        </p:spPr>
+        <p:txBody>
+          <a:bodyPr>
+            <a:normAutofit fontScale="92500" lnSpcReduction="10000"/>
+          </a:bodyPr>
+          <a:lstStyle/>
+          <a:p>
+            <a:r>
+              <a:rPr lang="en-US" dirty="0"/>
+              <a:t>You can branch this chain of “official versions”</a:t>
+            </a:r>
+          </a:p>
+          <a:p>
+            <a:r>
+              <a:rPr lang="en-US" dirty="0"/>
+              <a:t>You can switch back and forth between the branches</a:t>
+            </a:r>
+            <a:br>
+              <a:rPr lang="en-US" dirty="0"/>
+            </a:br>
+            <a:r>
+              <a:rPr lang="en-US" dirty="0"/>
+              <a:t>(with “checkout”)</a:t>
+            </a:r>
+          </a:p>
+        </p:txBody>
+      </p:sp>
+      <p:sp>
+        <p:nvSpPr>
+          <p:cNvPr id="4" name="Rectangle 3">
+            <a:extLst>
+              <a:ext uri="{FF2B5EF4-FFF2-40B4-BE49-F238E27FC236}">
+                <a16:creationId xmlns:a16="http://schemas.microsoft.com/office/drawing/2014/main" id="{FB717413-ACA6-BA48-B6A8-097C048AF313}"/>
+              </a:ext>
+            </a:extLst>
+          </p:cNvPr>
+          <p:cNvSpPr/>
+          <p:nvPr/>
+        </p:nvSpPr>
+        <p:spPr>
+          <a:xfrm>
+            <a:off x="578587" y="3218269"/>
+            <a:ext cx="1649819" cy="1504507"/>
+          </a:xfrm>
+          <a:prstGeom prst="rect">
+            <a:avLst/>
+          </a:prstGeom>
+          <a:noFill/>
+          <a:ln w="57150">
+            <a:solidFill>
+              <a:schemeClr val="accent1"/>
+            </a:solidFill>
+          </a:ln>
+        </p:spPr>
+        <p:style>
+          <a:lnRef idx="2">
+            <a:schemeClr val="accent1">
+              <a:shade val="50000"/>
+            </a:schemeClr>
+          </a:lnRef>
+          <a:fillRef idx="1">
+            <a:schemeClr val="accent1"/>
+          </a:fillRef>
+          <a:effectRef idx="0">
+            <a:schemeClr val="accent1"/>
+          </a:effectRef>
+          <a:fontRef idx="minor">
+            <a:schemeClr val="lt1"/>
+          </a:fontRef>
+        </p:style>
+        <p:txBody>
+          <a:bodyPr rtlCol="0" anchor="ctr"/>
+          <a:lstStyle/>
+          <a:p>
+            <a:pPr algn="ctr"/>
+            <a:endParaRPr lang="en-US"/>
+          </a:p>
+        </p:txBody>
+      </p:sp>
+      <p:sp>
+        <p:nvSpPr>
+          <p:cNvPr id="5" name="Rectangle 4">
+            <a:extLst>
+              <a:ext uri="{FF2B5EF4-FFF2-40B4-BE49-F238E27FC236}">
+                <a16:creationId xmlns:a16="http://schemas.microsoft.com/office/drawing/2014/main" id="{07030C76-587E-854A-B5F3-C886001C206C}"/>
+              </a:ext>
+            </a:extLst>
+          </p:cNvPr>
+          <p:cNvSpPr/>
+          <p:nvPr/>
+        </p:nvSpPr>
+        <p:spPr>
+          <a:xfrm>
+            <a:off x="2974457" y="3218269"/>
+            <a:ext cx="1649819" cy="1504507"/>
+          </a:xfrm>
+          <a:prstGeom prst="rect">
+            <a:avLst/>
+          </a:prstGeom>
+          <a:noFill/>
+          <a:ln w="57150">
+            <a:solidFill>
+              <a:schemeClr val="accent1"/>
+            </a:solidFill>
+          </a:ln>
+        </p:spPr>
+        <p:style>
+          <a:lnRef idx="2">
+            <a:schemeClr val="accent1">
+              <a:shade val="50000"/>
+            </a:schemeClr>
+          </a:lnRef>
+          <a:fillRef idx="1">
+            <a:schemeClr val="accent1"/>
+          </a:fillRef>
+          <a:effectRef idx="0">
+            <a:schemeClr val="accent1"/>
+          </a:effectRef>
+          <a:fontRef idx="minor">
+            <a:schemeClr val="lt1"/>
+          </a:fontRef>
+        </p:style>
+        <p:txBody>
+          <a:bodyPr rtlCol="0" anchor="ctr"/>
+          <a:lstStyle/>
+          <a:p>
+            <a:pPr algn="ctr"/>
+            <a:endParaRPr lang="en-US"/>
+          </a:p>
+        </p:txBody>
+      </p:sp>
+      <p:sp>
+        <p:nvSpPr>
+          <p:cNvPr id="6" name="Rectangle 5">
+            <a:extLst>
+              <a:ext uri="{FF2B5EF4-FFF2-40B4-BE49-F238E27FC236}">
+                <a16:creationId xmlns:a16="http://schemas.microsoft.com/office/drawing/2014/main" id="{2EC54A47-8A95-E34A-9081-45CFEFA871D0}"/>
+              </a:ext>
+            </a:extLst>
+          </p:cNvPr>
+          <p:cNvSpPr/>
+          <p:nvPr/>
+        </p:nvSpPr>
+        <p:spPr>
+          <a:xfrm>
+            <a:off x="5271090" y="3218268"/>
+            <a:ext cx="1649819" cy="1504507"/>
+          </a:xfrm>
+          <a:prstGeom prst="rect">
+            <a:avLst/>
+          </a:prstGeom>
+          <a:noFill/>
+          <a:ln w="57150">
+            <a:solidFill>
+              <a:schemeClr val="accent1"/>
+            </a:solidFill>
+          </a:ln>
+        </p:spPr>
+        <p:style>
+          <a:lnRef idx="2">
+            <a:schemeClr val="accent1">
+              <a:shade val="50000"/>
+            </a:schemeClr>
+          </a:lnRef>
+          <a:fillRef idx="1">
+            <a:schemeClr val="accent1"/>
+          </a:fillRef>
+          <a:effectRef idx="0">
+            <a:schemeClr val="accent1"/>
+          </a:effectRef>
+          <a:fontRef idx="minor">
+            <a:schemeClr val="lt1"/>
+          </a:fontRef>
+        </p:style>
+        <p:txBody>
+          <a:bodyPr rtlCol="0" anchor="ctr"/>
+          <a:lstStyle/>
+          <a:p>
+            <a:pPr algn="ctr"/>
+            <a:endParaRPr lang="en-US"/>
+          </a:p>
+        </p:txBody>
+      </p:sp>
+      <p:sp>
+        <p:nvSpPr>
+          <p:cNvPr id="7" name="Rectangle 6">
+            <a:extLst>
+              <a:ext uri="{FF2B5EF4-FFF2-40B4-BE49-F238E27FC236}">
+                <a16:creationId xmlns:a16="http://schemas.microsoft.com/office/drawing/2014/main" id="{C5554EE0-65D0-CD43-8481-93607DDB19E4}"/>
+              </a:ext>
+            </a:extLst>
+          </p:cNvPr>
+          <p:cNvSpPr/>
+          <p:nvPr/>
+        </p:nvSpPr>
+        <p:spPr>
+          <a:xfrm>
+            <a:off x="7541141" y="3218267"/>
+            <a:ext cx="1649819" cy="1504507"/>
+          </a:xfrm>
+          <a:prstGeom prst="rect">
+            <a:avLst/>
+          </a:prstGeom>
+          <a:noFill/>
+          <a:ln w="57150">
+            <a:solidFill>
+              <a:schemeClr val="accent1"/>
+            </a:solidFill>
+          </a:ln>
+        </p:spPr>
+        <p:style>
+          <a:lnRef idx="2">
+            <a:schemeClr val="accent1">
+              <a:shade val="50000"/>
+            </a:schemeClr>
+          </a:lnRef>
+          <a:fillRef idx="1">
+            <a:schemeClr val="accent1"/>
+          </a:fillRef>
+          <a:effectRef idx="0">
+            <a:schemeClr val="accent1"/>
+          </a:effectRef>
+          <a:fontRef idx="minor">
+            <a:schemeClr val="lt1"/>
+          </a:fontRef>
+        </p:style>
+        <p:txBody>
+          <a:bodyPr rtlCol="0" anchor="ctr"/>
+          <a:lstStyle/>
+          <a:p>
+            <a:pPr algn="ctr"/>
+            <a:endParaRPr lang="en-US"/>
+          </a:p>
+        </p:txBody>
+      </p:sp>
+      <p:sp>
+        <p:nvSpPr>
+          <p:cNvPr id="8" name="Rectangle 7">
+            <a:extLst>
+              <a:ext uri="{FF2B5EF4-FFF2-40B4-BE49-F238E27FC236}">
+                <a16:creationId xmlns:a16="http://schemas.microsoft.com/office/drawing/2014/main" id="{06C0C9B6-F5EB-8E4E-AAC9-87D331FFEC21}"/>
+              </a:ext>
+            </a:extLst>
+          </p:cNvPr>
+          <p:cNvSpPr/>
+          <p:nvPr/>
+        </p:nvSpPr>
+        <p:spPr>
+          <a:xfrm>
+            <a:off x="9821824" y="3218267"/>
+            <a:ext cx="1649819" cy="1504507"/>
+          </a:xfrm>
+          <a:prstGeom prst="rect">
+            <a:avLst/>
+          </a:prstGeom>
+          <a:noFill/>
+          <a:ln w="57150">
+            <a:solidFill>
+              <a:schemeClr val="accent1"/>
+            </a:solidFill>
+          </a:ln>
+        </p:spPr>
+        <p:style>
+          <a:lnRef idx="2">
+            <a:schemeClr val="accent1">
+              <a:shade val="50000"/>
+            </a:schemeClr>
+          </a:lnRef>
+          <a:fillRef idx="1">
+            <a:schemeClr val="accent1"/>
+          </a:fillRef>
+          <a:effectRef idx="0">
+            <a:schemeClr val="accent1"/>
+          </a:effectRef>
+          <a:fontRef idx="minor">
+            <a:schemeClr val="lt1"/>
+          </a:fontRef>
+        </p:style>
+        <p:txBody>
+          <a:bodyPr rtlCol="0" anchor="ctr"/>
+          <a:lstStyle/>
+          <a:p>
+            <a:pPr algn="ctr"/>
+            <a:endParaRPr lang="en-US"/>
+          </a:p>
+        </p:txBody>
+      </p:sp>
+      <p:sp>
+        <p:nvSpPr>
+          <p:cNvPr id="9" name="Right Arrow 8">
+            <a:extLst>
+              <a:ext uri="{FF2B5EF4-FFF2-40B4-BE49-F238E27FC236}">
+                <a16:creationId xmlns:a16="http://schemas.microsoft.com/office/drawing/2014/main" id="{D26FE086-B4E6-154C-AF3E-3C8CD440E0E5}"/>
+              </a:ext>
+            </a:extLst>
+          </p:cNvPr>
+          <p:cNvSpPr/>
+          <p:nvPr/>
+        </p:nvSpPr>
+        <p:spPr>
+          <a:xfrm>
+            <a:off x="2355996" y="3723316"/>
+            <a:ext cx="489098" cy="478465"/>
+          </a:xfrm>
+          <a:prstGeom prst="rightArrow">
+            <a:avLst/>
+          </a:prstGeom>
+        </p:spPr>
+        <p:style>
+          <a:lnRef idx="2">
+            <a:schemeClr val="dk1">
+              <a:shade val="50000"/>
+            </a:schemeClr>
+          </a:lnRef>
+          <a:fillRef idx="1">
+            <a:schemeClr val="dk1"/>
+          </a:fillRef>
+          <a:effectRef idx="0">
+            <a:schemeClr val="dk1"/>
+          </a:effectRef>
+          <a:fontRef idx="minor">
+            <a:schemeClr val="lt1"/>
+          </a:fontRef>
+        </p:style>
+        <p:txBody>
+          <a:bodyPr rtlCol="0" anchor="ctr"/>
+          <a:lstStyle/>
+          <a:p>
+            <a:pPr algn="ctr"/>
+            <a:endParaRPr lang="en-US"/>
+          </a:p>
+        </p:txBody>
+      </p:sp>
+      <p:sp>
+        <p:nvSpPr>
+          <p:cNvPr id="10" name="Right Arrow 9">
+            <a:extLst>
+              <a:ext uri="{FF2B5EF4-FFF2-40B4-BE49-F238E27FC236}">
+                <a16:creationId xmlns:a16="http://schemas.microsoft.com/office/drawing/2014/main" id="{B3B62695-C954-1149-B4FB-43B59C861735}"/>
+              </a:ext>
+            </a:extLst>
+          </p:cNvPr>
+          <p:cNvSpPr/>
+          <p:nvPr/>
+        </p:nvSpPr>
+        <p:spPr>
+          <a:xfrm>
+            <a:off x="4732373" y="3731287"/>
+            <a:ext cx="489098" cy="478465"/>
+          </a:xfrm>
+          <a:prstGeom prst="rightArrow">
+            <a:avLst/>
+          </a:prstGeom>
+        </p:spPr>
+        <p:style>
+          <a:lnRef idx="2">
+            <a:schemeClr val="dk1">
+              <a:shade val="50000"/>
+            </a:schemeClr>
+          </a:lnRef>
+          <a:fillRef idx="1">
+            <a:schemeClr val="dk1"/>
+          </a:fillRef>
+          <a:effectRef idx="0">
+            <a:schemeClr val="dk1"/>
+          </a:effectRef>
+          <a:fontRef idx="minor">
+            <a:schemeClr val="lt1"/>
+          </a:fontRef>
+        </p:style>
+        <p:txBody>
+          <a:bodyPr rtlCol="0" anchor="ctr"/>
+          <a:lstStyle/>
+          <a:p>
+            <a:pPr algn="ctr"/>
+            <a:endParaRPr lang="en-US"/>
+          </a:p>
+        </p:txBody>
+      </p:sp>
+      <p:sp>
+        <p:nvSpPr>
+          <p:cNvPr id="11" name="Right Arrow 10">
+            <a:extLst>
+              <a:ext uri="{FF2B5EF4-FFF2-40B4-BE49-F238E27FC236}">
+                <a16:creationId xmlns:a16="http://schemas.microsoft.com/office/drawing/2014/main" id="{E7040A08-AB6D-8647-938E-4C98D1115CD2}"/>
+              </a:ext>
+            </a:extLst>
+          </p:cNvPr>
+          <p:cNvSpPr/>
+          <p:nvPr/>
+        </p:nvSpPr>
+        <p:spPr>
+          <a:xfrm>
+            <a:off x="6987363" y="3744581"/>
+            <a:ext cx="489098" cy="478465"/>
+          </a:xfrm>
+          <a:prstGeom prst="rightArrow">
+            <a:avLst/>
+          </a:prstGeom>
+        </p:spPr>
+        <p:style>
+          <a:lnRef idx="2">
+            <a:schemeClr val="dk1">
+              <a:shade val="50000"/>
+            </a:schemeClr>
+          </a:lnRef>
+          <a:fillRef idx="1">
+            <a:schemeClr val="dk1"/>
+          </a:fillRef>
+          <a:effectRef idx="0">
+            <a:schemeClr val="dk1"/>
+          </a:effectRef>
+          <a:fontRef idx="minor">
+            <a:schemeClr val="lt1"/>
+          </a:fontRef>
+        </p:style>
+        <p:txBody>
+          <a:bodyPr rtlCol="0" anchor="ctr"/>
+          <a:lstStyle/>
+          <a:p>
+            <a:pPr algn="ctr"/>
+            <a:endParaRPr lang="en-US"/>
+          </a:p>
+        </p:txBody>
+      </p:sp>
+      <p:sp>
+        <p:nvSpPr>
+          <p:cNvPr id="12" name="Right Arrow 11">
+            <a:extLst>
+              <a:ext uri="{FF2B5EF4-FFF2-40B4-BE49-F238E27FC236}">
+                <a16:creationId xmlns:a16="http://schemas.microsoft.com/office/drawing/2014/main" id="{D13EE5B1-383A-9C46-9C03-468C81B61CFD}"/>
+              </a:ext>
+            </a:extLst>
+          </p:cNvPr>
+          <p:cNvSpPr/>
+          <p:nvPr/>
+        </p:nvSpPr>
+        <p:spPr>
+          <a:xfrm>
+            <a:off x="9283109" y="3776479"/>
+            <a:ext cx="489098" cy="478465"/>
+          </a:xfrm>
+          <a:prstGeom prst="rightArrow">
+            <a:avLst/>
+          </a:prstGeom>
+        </p:spPr>
+        <p:style>
+          <a:lnRef idx="2">
+            <a:schemeClr val="dk1">
+              <a:shade val="50000"/>
+            </a:schemeClr>
+          </a:lnRef>
+          <a:fillRef idx="1">
+            <a:schemeClr val="dk1"/>
+          </a:fillRef>
+          <a:effectRef idx="0">
+            <a:schemeClr val="dk1"/>
+          </a:effectRef>
+          <a:fontRef idx="minor">
+            <a:schemeClr val="lt1"/>
+          </a:fontRef>
+        </p:style>
+        <p:txBody>
+          <a:bodyPr rtlCol="0" anchor="ctr"/>
+          <a:lstStyle/>
+          <a:p>
+            <a:pPr algn="ctr"/>
+            <a:endParaRPr lang="en-US"/>
+          </a:p>
+        </p:txBody>
+      </p:sp>
+      <p:sp>
+        <p:nvSpPr>
+          <p:cNvPr id="13" name="TextBox 12">
+            <a:extLst>
+              <a:ext uri="{FF2B5EF4-FFF2-40B4-BE49-F238E27FC236}">
+                <a16:creationId xmlns:a16="http://schemas.microsoft.com/office/drawing/2014/main" id="{7501C97A-2837-3845-9ED8-BD2DA9C93354}"/>
+              </a:ext>
+            </a:extLst>
+          </p:cNvPr>
+          <p:cNvSpPr txBox="1"/>
+          <p:nvPr/>
+        </p:nvSpPr>
+        <p:spPr>
+          <a:xfrm>
+            <a:off x="962221" y="3552926"/>
+            <a:ext cx="882549" cy="861774"/>
+          </a:xfrm>
+          <a:prstGeom prst="rect">
+            <a:avLst/>
+          </a:prstGeom>
+          <a:noFill/>
+        </p:spPr>
+        <p:txBody>
+          <a:bodyPr wrap="none" rtlCol="0">
+            <a:spAutoFit/>
+          </a:bodyPr>
+          <a:lstStyle/>
+          <a:p>
+            <a:pPr algn="ctr"/>
+            <a:r>
+              <a:rPr lang="en-US" dirty="0"/>
+              <a:t>Version</a:t>
+            </a:r>
+          </a:p>
+          <a:p>
+            <a:pPr algn="ctr"/>
+            <a:r>
+              <a:rPr lang="en-US" sz="3200" dirty="0"/>
+              <a:t>1</a:t>
+            </a:r>
+          </a:p>
+        </p:txBody>
+      </p:sp>
+      <p:sp>
+        <p:nvSpPr>
+          <p:cNvPr id="14" name="TextBox 13">
+            <a:extLst>
+              <a:ext uri="{FF2B5EF4-FFF2-40B4-BE49-F238E27FC236}">
+                <a16:creationId xmlns:a16="http://schemas.microsoft.com/office/drawing/2014/main" id="{B16E46B4-E75B-474D-A066-3B49D368916A}"/>
+              </a:ext>
+            </a:extLst>
+          </p:cNvPr>
+          <p:cNvSpPr txBox="1"/>
+          <p:nvPr/>
+        </p:nvSpPr>
+        <p:spPr>
+          <a:xfrm>
+            <a:off x="3358091" y="3552926"/>
+            <a:ext cx="882549" cy="861774"/>
+          </a:xfrm>
+          <a:prstGeom prst="rect">
+            <a:avLst/>
+          </a:prstGeom>
+          <a:noFill/>
+        </p:spPr>
+        <p:txBody>
+          <a:bodyPr wrap="none" rtlCol="0">
+            <a:spAutoFit/>
+          </a:bodyPr>
+          <a:lstStyle/>
+          <a:p>
+            <a:pPr algn="ctr"/>
+            <a:r>
+              <a:rPr lang="en-US" dirty="0"/>
+              <a:t>Version</a:t>
+            </a:r>
+          </a:p>
+          <a:p>
+            <a:pPr algn="ctr"/>
+            <a:r>
+              <a:rPr lang="en-US" sz="3200" dirty="0"/>
+              <a:t>2</a:t>
+            </a:r>
+          </a:p>
+        </p:txBody>
+      </p:sp>
+      <p:sp>
+        <p:nvSpPr>
+          <p:cNvPr id="15" name="TextBox 14">
+            <a:extLst>
+              <a:ext uri="{FF2B5EF4-FFF2-40B4-BE49-F238E27FC236}">
+                <a16:creationId xmlns:a16="http://schemas.microsoft.com/office/drawing/2014/main" id="{D93E2576-8E4D-5F42-8BBE-2A152C49BDA4}"/>
+              </a:ext>
+            </a:extLst>
+          </p:cNvPr>
+          <p:cNvSpPr txBox="1"/>
+          <p:nvPr/>
+        </p:nvSpPr>
+        <p:spPr>
+          <a:xfrm>
+            <a:off x="5641434" y="3531661"/>
+            <a:ext cx="882549" cy="861774"/>
+          </a:xfrm>
+          <a:prstGeom prst="rect">
+            <a:avLst/>
+          </a:prstGeom>
+          <a:noFill/>
+        </p:spPr>
+        <p:txBody>
+          <a:bodyPr wrap="none" rtlCol="0">
+            <a:spAutoFit/>
+          </a:bodyPr>
+          <a:lstStyle/>
+          <a:p>
+            <a:pPr algn="ctr"/>
+            <a:r>
+              <a:rPr lang="en-US" dirty="0"/>
+              <a:t>Version</a:t>
+            </a:r>
+          </a:p>
+          <a:p>
+            <a:pPr algn="ctr"/>
+            <a:r>
+              <a:rPr lang="en-US" sz="3200" dirty="0"/>
+              <a:t>3</a:t>
+            </a:r>
+          </a:p>
+        </p:txBody>
+      </p:sp>
+      <p:sp>
+        <p:nvSpPr>
+          <p:cNvPr id="16" name="TextBox 15">
+            <a:extLst>
+              <a:ext uri="{FF2B5EF4-FFF2-40B4-BE49-F238E27FC236}">
+                <a16:creationId xmlns:a16="http://schemas.microsoft.com/office/drawing/2014/main" id="{A393CD8D-314C-8745-BC2C-E4AEDF7ABF4F}"/>
+              </a:ext>
+            </a:extLst>
+          </p:cNvPr>
+          <p:cNvSpPr txBox="1"/>
+          <p:nvPr/>
+        </p:nvSpPr>
+        <p:spPr>
+          <a:xfrm>
+            <a:off x="7891945" y="3531661"/>
+            <a:ext cx="882549" cy="861774"/>
+          </a:xfrm>
+          <a:prstGeom prst="rect">
+            <a:avLst/>
+          </a:prstGeom>
+          <a:noFill/>
+        </p:spPr>
+        <p:txBody>
+          <a:bodyPr wrap="none" rtlCol="0">
+            <a:spAutoFit/>
+          </a:bodyPr>
+          <a:lstStyle/>
+          <a:p>
+            <a:pPr algn="ctr"/>
+            <a:r>
+              <a:rPr lang="en-US" dirty="0"/>
+              <a:t>Version</a:t>
+            </a:r>
+          </a:p>
+          <a:p>
+            <a:pPr algn="ctr"/>
+            <a:r>
+              <a:rPr lang="en-US" sz="3200" dirty="0"/>
+              <a:t>4</a:t>
+            </a:r>
+          </a:p>
+        </p:txBody>
+      </p:sp>
+      <p:sp>
+        <p:nvSpPr>
+          <p:cNvPr id="17" name="TextBox 16">
+            <a:extLst>
+              <a:ext uri="{FF2B5EF4-FFF2-40B4-BE49-F238E27FC236}">
+                <a16:creationId xmlns:a16="http://schemas.microsoft.com/office/drawing/2014/main" id="{8F13A522-8942-894D-A3EE-2AB383481ABD}"/>
+              </a:ext>
+            </a:extLst>
+          </p:cNvPr>
+          <p:cNvSpPr txBox="1"/>
+          <p:nvPr/>
+        </p:nvSpPr>
+        <p:spPr>
+          <a:xfrm>
+            <a:off x="10205458" y="3552926"/>
+            <a:ext cx="882549" cy="861774"/>
+          </a:xfrm>
+          <a:prstGeom prst="rect">
+            <a:avLst/>
+          </a:prstGeom>
+          <a:noFill/>
+        </p:spPr>
+        <p:txBody>
+          <a:bodyPr wrap="none" rtlCol="0">
+            <a:spAutoFit/>
+          </a:bodyPr>
+          <a:lstStyle/>
+          <a:p>
+            <a:pPr algn="ctr"/>
+            <a:r>
+              <a:rPr lang="en-US" dirty="0"/>
+              <a:t>Version</a:t>
+            </a:r>
+          </a:p>
+          <a:p>
+            <a:pPr algn="ctr"/>
+            <a:r>
+              <a:rPr lang="en-US" sz="3200" dirty="0"/>
+              <a:t>5</a:t>
+            </a:r>
+          </a:p>
+        </p:txBody>
+      </p:sp>
+      <p:sp>
+        <p:nvSpPr>
+          <p:cNvPr id="20" name="Right Arrow 19">
+            <a:extLst>
+              <a:ext uri="{FF2B5EF4-FFF2-40B4-BE49-F238E27FC236}">
+                <a16:creationId xmlns:a16="http://schemas.microsoft.com/office/drawing/2014/main" id="{2D586E1C-B38C-F940-9AB4-52382DB5609E}"/>
+              </a:ext>
+            </a:extLst>
+          </p:cNvPr>
+          <p:cNvSpPr/>
+          <p:nvPr/>
+        </p:nvSpPr>
+        <p:spPr>
+          <a:xfrm rot="5400000">
+            <a:off x="8880399" y="2721609"/>
+            <a:ext cx="1211125" cy="716014"/>
+          </a:xfrm>
+          <a:prstGeom prst="rightArrow">
+            <a:avLst/>
+          </a:prstGeom>
+        </p:spPr>
+        <p:style>
+          <a:lnRef idx="2">
+            <a:schemeClr val="accent1">
+              <a:shade val="50000"/>
+            </a:schemeClr>
+          </a:lnRef>
+          <a:fillRef idx="1">
+            <a:schemeClr val="accent1"/>
+          </a:fillRef>
+          <a:effectRef idx="0">
+            <a:schemeClr val="accent1"/>
+          </a:effectRef>
+          <a:fontRef idx="minor">
+            <a:schemeClr val="lt1"/>
+          </a:fontRef>
+        </p:style>
+        <p:txBody>
+          <a:bodyPr rtlCol="0" anchor="ctr"/>
+          <a:lstStyle/>
+          <a:p>
+            <a:pPr algn="ctr"/>
+            <a:r>
+              <a:rPr lang="en-US" dirty="0"/>
+              <a:t>Commit</a:t>
+            </a:r>
+          </a:p>
+        </p:txBody>
+      </p:sp>
+      <p:sp>
+        <p:nvSpPr>
+          <p:cNvPr id="22" name="Rectangle 21">
+            <a:extLst>
+              <a:ext uri="{FF2B5EF4-FFF2-40B4-BE49-F238E27FC236}">
+                <a16:creationId xmlns:a16="http://schemas.microsoft.com/office/drawing/2014/main" id="{A7394D52-29BF-FC4C-ACD5-88BEE6A7CFF2}"/>
+              </a:ext>
+            </a:extLst>
+          </p:cNvPr>
+          <p:cNvSpPr/>
+          <p:nvPr/>
+        </p:nvSpPr>
+        <p:spPr>
+          <a:xfrm>
+            <a:off x="8774494" y="5089130"/>
+            <a:ext cx="1649819" cy="1504507"/>
+          </a:xfrm>
+          <a:prstGeom prst="rect">
+            <a:avLst/>
+          </a:prstGeom>
+          <a:noFill/>
+          <a:ln w="57150">
+            <a:solidFill>
+              <a:schemeClr val="accent2"/>
+            </a:solidFill>
+          </a:ln>
+        </p:spPr>
+        <p:style>
+          <a:lnRef idx="2">
+            <a:schemeClr val="accent1">
+              <a:shade val="50000"/>
+            </a:schemeClr>
+          </a:lnRef>
+          <a:fillRef idx="1">
+            <a:schemeClr val="accent1"/>
+          </a:fillRef>
+          <a:effectRef idx="0">
+            <a:schemeClr val="accent1"/>
+          </a:effectRef>
+          <a:fontRef idx="minor">
+            <a:schemeClr val="lt1"/>
+          </a:fontRef>
+        </p:style>
+        <p:txBody>
+          <a:bodyPr rtlCol="0" anchor="ctr"/>
+          <a:lstStyle/>
+          <a:p>
+            <a:pPr algn="ctr"/>
+            <a:endParaRPr lang="en-US"/>
+          </a:p>
+        </p:txBody>
+      </p:sp>
+      <p:sp>
+        <p:nvSpPr>
+          <p:cNvPr id="23" name="TextBox 22">
+            <a:extLst>
+              <a:ext uri="{FF2B5EF4-FFF2-40B4-BE49-F238E27FC236}">
+                <a16:creationId xmlns:a16="http://schemas.microsoft.com/office/drawing/2014/main" id="{A6CCFD8D-50A4-CE4D-84F5-D05F7D385389}"/>
+              </a:ext>
+            </a:extLst>
+          </p:cNvPr>
+          <p:cNvSpPr txBox="1"/>
+          <p:nvPr/>
+        </p:nvSpPr>
+        <p:spPr>
+          <a:xfrm>
+            <a:off x="9158128" y="5456310"/>
+            <a:ext cx="882549" cy="861774"/>
+          </a:xfrm>
+          <a:prstGeom prst="rect">
+            <a:avLst/>
+          </a:prstGeom>
+          <a:noFill/>
+        </p:spPr>
+        <p:txBody>
+          <a:bodyPr wrap="none" rtlCol="0">
+            <a:spAutoFit/>
+          </a:bodyPr>
+          <a:lstStyle/>
+          <a:p>
+            <a:pPr algn="ctr"/>
+            <a:r>
+              <a:rPr lang="en-US" dirty="0"/>
+              <a:t>Version</a:t>
+            </a:r>
+          </a:p>
+          <a:p>
+            <a:pPr algn="ctr"/>
+            <a:r>
+              <a:rPr lang="en-US" sz="3200" dirty="0"/>
+              <a:t>5’</a:t>
+            </a:r>
+          </a:p>
+        </p:txBody>
+      </p:sp>
+      <p:sp>
+        <p:nvSpPr>
+          <p:cNvPr id="24" name="Right Arrow 23">
+            <a:extLst>
+              <a:ext uri="{FF2B5EF4-FFF2-40B4-BE49-F238E27FC236}">
+                <a16:creationId xmlns:a16="http://schemas.microsoft.com/office/drawing/2014/main" id="{F556EA99-A949-114B-9A07-E4678B2E0E54}"/>
+              </a:ext>
+            </a:extLst>
+          </p:cNvPr>
+          <p:cNvSpPr/>
+          <p:nvPr/>
+        </p:nvSpPr>
+        <p:spPr>
+          <a:xfrm rot="2444828">
+            <a:off x="8121500" y="4895998"/>
+            <a:ext cx="489098" cy="478465"/>
+          </a:xfrm>
+          <a:prstGeom prst="rightArrow">
+            <a:avLst/>
+          </a:prstGeom>
+        </p:spPr>
+        <p:style>
+          <a:lnRef idx="2">
+            <a:schemeClr val="dk1">
+              <a:shade val="50000"/>
+            </a:schemeClr>
+          </a:lnRef>
+          <a:fillRef idx="1">
+            <a:schemeClr val="dk1"/>
+          </a:fillRef>
+          <a:effectRef idx="0">
+            <a:schemeClr val="dk1"/>
+          </a:effectRef>
+          <a:fontRef idx="minor">
+            <a:schemeClr val="lt1"/>
+          </a:fontRef>
+        </p:style>
+        <p:txBody>
+          <a:bodyPr rtlCol="0" anchor="ctr"/>
+          <a:lstStyle/>
+          <a:p>
+            <a:pPr algn="ctr"/>
+            <a:endParaRPr lang="en-US"/>
+          </a:p>
+        </p:txBody>
+      </p:sp>
+      <p:sp>
+        <p:nvSpPr>
+          <p:cNvPr id="25" name="Right Arrow 24">
+            <a:extLst>
+              <a:ext uri="{FF2B5EF4-FFF2-40B4-BE49-F238E27FC236}">
+                <a16:creationId xmlns:a16="http://schemas.microsoft.com/office/drawing/2014/main" id="{A214FEAD-2D97-4E47-8A74-A113BBBD8477}"/>
+              </a:ext>
+            </a:extLst>
+          </p:cNvPr>
+          <p:cNvSpPr/>
+          <p:nvPr/>
+        </p:nvSpPr>
+        <p:spPr>
+          <a:xfrm rot="19547942">
+            <a:off x="6956592" y="5367605"/>
+            <a:ext cx="1211125" cy="716014"/>
+          </a:xfrm>
+          <a:prstGeom prst="rightArrow">
+            <a:avLst/>
+          </a:prstGeom>
+        </p:spPr>
+        <p:style>
+          <a:lnRef idx="2">
+            <a:schemeClr val="accent2">
+              <a:shade val="50000"/>
+            </a:schemeClr>
+          </a:lnRef>
+          <a:fillRef idx="1">
+            <a:schemeClr val="accent2"/>
+          </a:fillRef>
+          <a:effectRef idx="0">
+            <a:schemeClr val="accent2"/>
+          </a:effectRef>
+          <a:fontRef idx="minor">
+            <a:schemeClr val="lt1"/>
+          </a:fontRef>
+        </p:style>
+        <p:txBody>
+          <a:bodyPr rtlCol="0" anchor="ctr"/>
+          <a:lstStyle/>
+          <a:p>
+            <a:pPr algn="ctr"/>
+            <a:r>
+              <a:rPr lang="en-US" dirty="0"/>
+              <a:t>Commit</a:t>
+            </a:r>
+          </a:p>
+        </p:txBody>
+      </p:sp>
+    </p:spTree>
+    <p:extLst>
+      <p:ext uri="{BB962C8B-B14F-4D97-AF65-F5344CB8AC3E}">
+        <p14:creationId xmlns:p14="http://schemas.microsoft.com/office/powerpoint/2010/main" val="4082951577"/>
+      </p:ext>
+    </p:extLst>
+  </p:cSld>
+  <p:clrMapOvr>
+    <a:masterClrMapping/>
+  </p:clrMapOvr>
+</p:sld>
+</file>
+
+<file path=ppt/slides/slide14.xml><?xml version="1.0" encoding="utf-8"?>
+<p:sld xmlns:a="http://schemas.openxmlformats.org/drawingml/2006/main" xmlns:r="http://schemas.openxmlformats.org/officeDocument/2006/relationships" xmlns:p="http://schemas.openxmlformats.org/presentationml/2006/main">
+  <p:cSld>
+    <p:spTree>
+      <p:nvGrpSpPr>
+        <p:cNvPr id="1" name=""/>
+        <p:cNvGrpSpPr/>
+        <p:nvPr/>
+      </p:nvGrpSpPr>
+      <p:grpSpPr>
+        <a:xfrm>
+          <a:off x="0" y="0"/>
+          <a:ext cx="0" cy="0"/>
+          <a:chOff x="0" y="0"/>
+          <a:chExt cx="0" cy="0"/>
+        </a:xfrm>
+      </p:grpSpPr>
+      <p:sp>
+        <p:nvSpPr>
+          <p:cNvPr id="2" name="Title 1">
+            <a:extLst>
+              <a:ext uri="{FF2B5EF4-FFF2-40B4-BE49-F238E27FC236}">
                 <a16:creationId xmlns:a16="http://schemas.microsoft.com/office/drawing/2014/main" id="{C4C47E27-5939-C94F-9C2C-D0B56EAAA909}"/>
               </a:ext>
             </a:extLst>
@@ -5748,7 +8381,7 @@
 </p:sld>
 </file>
 
-<file path=ppt/slides/slide11.xml><?xml version="1.0" encoding="utf-8"?>
+<file path=ppt/slides/slide15.xml><?xml version="1.0" encoding="utf-8"?>
 <p:sld xmlns:a="http://schemas.openxmlformats.org/drawingml/2006/main" xmlns:r="http://schemas.openxmlformats.org/officeDocument/2006/relationships" xmlns:p="http://schemas.openxmlformats.org/presentationml/2006/main">
   <p:cSld>
     <p:spTree>
@@ -6378,7 +9011,7 @@
 </p:sld>
 </file>
 
-<file path=ppt/slides/slide12.xml><?xml version="1.0" encoding="utf-8"?>
+<file path=ppt/slides/slide16.xml><?xml version="1.0" encoding="utf-8"?>
 <p:sld xmlns:a="http://schemas.openxmlformats.org/drawingml/2006/main" xmlns:r="http://schemas.openxmlformats.org/officeDocument/2006/relationships" xmlns:p="http://schemas.openxmlformats.org/presentationml/2006/main">
   <p:cSld>
     <p:spTree>
@@ -7636,7 +10269,7 @@
 </p:sld>
 </file>
 
-<file path=ppt/slides/slide13.xml><?xml version="1.0" encoding="utf-8"?>
+<file path=ppt/slides/slide17.xml><?xml version="1.0" encoding="utf-8"?>
 <p:sld xmlns:a="http://schemas.openxmlformats.org/drawingml/2006/main" xmlns:r="http://schemas.openxmlformats.org/officeDocument/2006/relationships" xmlns:p="http://schemas.openxmlformats.org/presentationml/2006/main">
   <p:cSld>
     <p:spTree>
@@ -9040,7 +11673,7 @@
 </p:sld>
 </file>
 
-<file path=ppt/slides/slide14.xml><?xml version="1.0" encoding="utf-8"?>
+<file path=ppt/slides/slide18.xml><?xml version="1.0" encoding="utf-8"?>
 <p:sld xmlns:a="http://schemas.openxmlformats.org/drawingml/2006/main" xmlns:r="http://schemas.openxmlformats.org/officeDocument/2006/relationships" xmlns:p="http://schemas.openxmlformats.org/presentationml/2006/main">
   <p:cSld>
     <p:spTree>
@@ -10554,7 +13187,7 @@
 </p:sld>
 </file>
 
-<file path=ppt/slides/slide15.xml><?xml version="1.0" encoding="utf-8"?>
+<file path=ppt/slides/slide19.xml><?xml version="1.0" encoding="utf-8"?>
 <p:sld xmlns:a="http://schemas.openxmlformats.org/drawingml/2006/main" xmlns:r="http://schemas.openxmlformats.org/officeDocument/2006/relationships" xmlns:p="http://schemas.openxmlformats.org/presentationml/2006/main">
   <p:cSld>
     <p:spTree>
@@ -12253,7 +14886,131 @@
 </p:sld>
 </file>
 
-<file path=ppt/slides/slide16.xml><?xml version="1.0" encoding="utf-8"?>
+<file path=ppt/slides/slide2.xml><?xml version="1.0" encoding="utf-8"?>
+<p:sld xmlns:a="http://schemas.openxmlformats.org/drawingml/2006/main" xmlns:r="http://schemas.openxmlformats.org/officeDocument/2006/relationships" xmlns:p="http://schemas.openxmlformats.org/presentationml/2006/main">
+  <p:cSld>
+    <p:spTree>
+      <p:nvGrpSpPr>
+        <p:cNvPr id="1" name=""/>
+        <p:cNvGrpSpPr/>
+        <p:nvPr/>
+      </p:nvGrpSpPr>
+      <p:grpSpPr>
+        <a:xfrm>
+          <a:off x="0" y="0"/>
+          <a:ext cx="0" cy="0"/>
+          <a:chOff x="0" y="0"/>
+          <a:chExt cx="0" cy="0"/>
+        </a:xfrm>
+      </p:grpSpPr>
+      <p:sp>
+        <p:nvSpPr>
+          <p:cNvPr id="2" name="Title 1">
+            <a:extLst>
+              <a:ext uri="{FF2B5EF4-FFF2-40B4-BE49-F238E27FC236}">
+                <a16:creationId xmlns:a16="http://schemas.microsoft.com/office/drawing/2014/main" id="{398D4550-DCAB-1448-8542-727B6A5629A9}"/>
+              </a:ext>
+            </a:extLst>
+          </p:cNvPr>
+          <p:cNvSpPr>
+            <a:spLocks noGrp="1"/>
+          </p:cNvSpPr>
+          <p:nvPr>
+            <p:ph type="title"/>
+          </p:nvPr>
+        </p:nvSpPr>
+        <p:spPr/>
+        <p:txBody>
+          <a:bodyPr/>
+          <a:lstStyle/>
+          <a:p>
+            <a:r>
+              <a:rPr lang="en-US" dirty="0">
+                <a:latin typeface="Arial" panose="020B0604020202020204" pitchFamily="34" charset="0"/>
+                <a:cs typeface="Arial" panose="020B0604020202020204" pitchFamily="34" charset="0"/>
+              </a:rPr>
+              <a:t>Goals</a:t>
+            </a:r>
+          </a:p>
+        </p:txBody>
+      </p:sp>
+      <p:sp>
+        <p:nvSpPr>
+          <p:cNvPr id="3" name="Content Placeholder 2">
+            <a:extLst>
+              <a:ext uri="{FF2B5EF4-FFF2-40B4-BE49-F238E27FC236}">
+                <a16:creationId xmlns:a16="http://schemas.microsoft.com/office/drawing/2014/main" id="{9CA6F9AC-1288-D742-89F3-5A8FD6280211}"/>
+              </a:ext>
+            </a:extLst>
+          </p:cNvPr>
+          <p:cNvSpPr>
+            <a:spLocks noGrp="1"/>
+          </p:cNvSpPr>
+          <p:nvPr>
+            <p:ph idx="1"/>
+          </p:nvPr>
+        </p:nvSpPr>
+        <p:spPr/>
+        <p:txBody>
+          <a:bodyPr>
+            <a:normAutofit/>
+          </a:bodyPr>
+          <a:lstStyle/>
+          <a:p>
+            <a:r>
+              <a:rPr lang="en-US" sz="3200" dirty="0">
+                <a:latin typeface="Arial" panose="020B0604020202020204" pitchFamily="34" charset="0"/>
+                <a:cs typeface="Arial" panose="020B0604020202020204" pitchFamily="34" charset="0"/>
+              </a:rPr>
+              <a:t>To know what git/GitHub do (if you don’t already)</a:t>
+            </a:r>
+          </a:p>
+          <a:p>
+            <a:pPr marL="457200" lvl="1" indent="0">
+              <a:buNone/>
+            </a:pPr>
+            <a:r>
+              <a:rPr lang="en-US" sz="2800" dirty="0">
+                <a:latin typeface="Arial" panose="020B0604020202020204" pitchFamily="34" charset="0"/>
+                <a:cs typeface="Arial" panose="020B0604020202020204" pitchFamily="34" charset="0"/>
+              </a:rPr>
+              <a:t>(Tutorial at the end)</a:t>
+            </a:r>
+          </a:p>
+          <a:p>
+            <a:r>
+              <a:rPr lang="en-US" sz="3200" dirty="0">
+                <a:latin typeface="Arial" panose="020B0604020202020204" pitchFamily="34" charset="0"/>
+                <a:cs typeface="Arial" panose="020B0604020202020204" pitchFamily="34" charset="0"/>
+              </a:rPr>
+              <a:t>To point you to some useful resources</a:t>
+            </a:r>
+          </a:p>
+          <a:p>
+            <a:pPr marL="0" indent="0">
+              <a:buNone/>
+            </a:pPr>
+            <a:endParaRPr lang="en-US" sz="3200" dirty="0">
+              <a:latin typeface="Arial" panose="020B0604020202020204" pitchFamily="34" charset="0"/>
+              <a:cs typeface="Arial" panose="020B0604020202020204" pitchFamily="34" charset="0"/>
+            </a:endParaRPr>
+          </a:p>
+        </p:txBody>
+      </p:sp>
+    </p:spTree>
+    <p:extLst>
+      <p:ext uri="{BB962C8B-B14F-4D97-AF65-F5344CB8AC3E}">
+        <p14:creationId xmlns:p14="http://schemas.microsoft.com/office/powerpoint/2010/main" val="4136173703"/>
+      </p:ext>
+    </p:extLst>
+  </p:cSld>
+  <p:clrMapOvr>
+    <a:masterClrMapping/>
+  </p:clrMapOvr>
+</p:sld>
+</file>
+
+<file path=ppt/slides/slide20.xml><?xml version="1.0" encoding="utf-8"?>
 <p:sld xmlns:a="http://schemas.openxmlformats.org/drawingml/2006/main" xmlns:r="http://schemas.openxmlformats.org/officeDocument/2006/relationships" xmlns:p="http://schemas.openxmlformats.org/presentationml/2006/main">
   <p:cSld>
     <p:spTree>
@@ -14474,7 +17231,7 @@
 </p:sld>
 </file>
 
-<file path=ppt/slides/slide17.xml><?xml version="1.0" encoding="utf-8"?>
+<file path=ppt/slides/slide21.xml><?xml version="1.0" encoding="utf-8"?>
 <p:sld xmlns:a="http://schemas.openxmlformats.org/drawingml/2006/main" xmlns:r="http://schemas.openxmlformats.org/officeDocument/2006/relationships" xmlns:p="http://schemas.openxmlformats.org/presentationml/2006/main">
   <p:cSld>
     <p:spTree>
@@ -14581,7 +17338,7 @@
 </p:sld>
 </file>
 
-<file path=ppt/slides/slide18.xml><?xml version="1.0" encoding="utf-8"?>
+<file path=ppt/slides/slide22.xml><?xml version="1.0" encoding="utf-8"?>
 <p:sld xmlns:a="http://schemas.openxmlformats.org/drawingml/2006/main" xmlns:r="http://schemas.openxmlformats.org/officeDocument/2006/relationships" xmlns:p="http://schemas.openxmlformats.org/presentationml/2006/main">
   <p:cSld>
     <p:spTree>
@@ -14691,7 +17448,7 @@
 </p:sld>
 </file>
 
-<file path=ppt/slides/slide19.xml><?xml version="1.0" encoding="utf-8"?>
+<file path=ppt/slides/slide23.xml><?xml version="1.0" encoding="utf-8"?>
 <p:sld xmlns:a="http://schemas.openxmlformats.org/drawingml/2006/main" xmlns:r="http://schemas.openxmlformats.org/officeDocument/2006/relationships" xmlns:p="http://schemas.openxmlformats.org/presentationml/2006/main">
   <p:cSld>
     <p:spTree>
@@ -14818,110 +17575,6 @@
     <p:extLst>
       <p:ext uri="{BB962C8B-B14F-4D97-AF65-F5344CB8AC3E}">
         <p14:creationId xmlns:p14="http://schemas.microsoft.com/office/powerpoint/2010/main" val="3535261763"/>
-      </p:ext>
-    </p:extLst>
-  </p:cSld>
-  <p:clrMapOvr>
-    <a:masterClrMapping/>
-  </p:clrMapOvr>
-</p:sld>
-</file>
-
-<file path=ppt/slides/slide2.xml><?xml version="1.0" encoding="utf-8"?>
-<p:sld xmlns:a="http://schemas.openxmlformats.org/drawingml/2006/main" xmlns:r="http://schemas.openxmlformats.org/officeDocument/2006/relationships" xmlns:p="http://schemas.openxmlformats.org/presentationml/2006/main">
-  <p:cSld>
-    <p:spTree>
-      <p:nvGrpSpPr>
-        <p:cNvPr id="1" name=""/>
-        <p:cNvGrpSpPr/>
-        <p:nvPr/>
-      </p:nvGrpSpPr>
-      <p:grpSpPr>
-        <a:xfrm>
-          <a:off x="0" y="0"/>
-          <a:ext cx="0" cy="0"/>
-          <a:chOff x="0" y="0"/>
-          <a:chExt cx="0" cy="0"/>
-        </a:xfrm>
-      </p:grpSpPr>
-      <p:sp>
-        <p:nvSpPr>
-          <p:cNvPr id="2" name="Title 1">
-            <a:extLst>
-              <a:ext uri="{FF2B5EF4-FFF2-40B4-BE49-F238E27FC236}">
-                <a16:creationId xmlns:a16="http://schemas.microsoft.com/office/drawing/2014/main" id="{398D4550-DCAB-1448-8542-727B6A5629A9}"/>
-              </a:ext>
-            </a:extLst>
-          </p:cNvPr>
-          <p:cNvSpPr>
-            <a:spLocks noGrp="1"/>
-          </p:cNvSpPr>
-          <p:nvPr>
-            <p:ph type="title"/>
-          </p:nvPr>
-        </p:nvSpPr>
-        <p:spPr/>
-        <p:txBody>
-          <a:bodyPr/>
-          <a:lstStyle/>
-          <a:p>
-            <a:r>
-              <a:rPr lang="en-US" dirty="0"/>
-              <a:t>Goal</a:t>
-            </a:r>
-          </a:p>
-        </p:txBody>
-      </p:sp>
-      <p:sp>
-        <p:nvSpPr>
-          <p:cNvPr id="3" name="Content Placeholder 2">
-            <a:extLst>
-              <a:ext uri="{FF2B5EF4-FFF2-40B4-BE49-F238E27FC236}">
-                <a16:creationId xmlns:a16="http://schemas.microsoft.com/office/drawing/2014/main" id="{9CA6F9AC-1288-D742-89F3-5A8FD6280211}"/>
-              </a:ext>
-            </a:extLst>
-          </p:cNvPr>
-          <p:cNvSpPr>
-            <a:spLocks noGrp="1"/>
-          </p:cNvSpPr>
-          <p:nvPr>
-            <p:ph idx="1"/>
-          </p:nvPr>
-        </p:nvSpPr>
-        <p:spPr/>
-        <p:txBody>
-          <a:bodyPr>
-            <a:normAutofit/>
-          </a:bodyPr>
-          <a:lstStyle/>
-          <a:p>
-            <a:r>
-              <a:rPr lang="en-US" sz="3200" dirty="0"/>
-              <a:t>Know what git/GitHub do (if you don’t already)</a:t>
-            </a:r>
-          </a:p>
-          <a:p>
-            <a:pPr lvl="1"/>
-            <a:r>
-              <a:rPr lang="en-US" sz="2800" dirty="0"/>
-              <a:t>Not going into how to actually use them</a:t>
-            </a:r>
-          </a:p>
-          <a:p>
-            <a:r>
-              <a:rPr lang="en-US" sz="3200" dirty="0"/>
-              <a:t>Know where to look when you actually need them</a:t>
-            </a:r>
-          </a:p>
-          <a:p>
-            <a:endParaRPr lang="en-US" sz="3200" dirty="0"/>
-          </a:p>
-        </p:txBody>
-      </p:sp>
-    </p:spTree>
-    <p:extLst>
-      <p:ext uri="{BB962C8B-B14F-4D97-AF65-F5344CB8AC3E}">
-        <p14:creationId xmlns:p14="http://schemas.microsoft.com/office/powerpoint/2010/main" val="4136173703"/>
       </p:ext>
     </p:extLst>
   </p:cSld>
@@ -14948,6 +17601,481 @@
           <a:chExt cx="0" cy="0"/>
         </a:xfrm>
       </p:grpSpPr>
+      <p:pic>
+        <p:nvPicPr>
+          <p:cNvPr id="4" name="Picture 3">
+            <a:extLst>
+              <a:ext uri="{FF2B5EF4-FFF2-40B4-BE49-F238E27FC236}">
+                <a16:creationId xmlns:a16="http://schemas.microsoft.com/office/drawing/2014/main" id="{F8C9B21F-CAB5-D845-91F4-8417B2AC5CDF}"/>
+              </a:ext>
+            </a:extLst>
+          </p:cNvPr>
+          <p:cNvPicPr>
+            <a:picLocks noChangeAspect="1"/>
+          </p:cNvPicPr>
+          <p:nvPr/>
+        </p:nvPicPr>
+        <p:blipFill>
+          <a:blip r:embed="rId2"/>
+          <a:stretch>
+            <a:fillRect/>
+          </a:stretch>
+        </p:blipFill>
+        <p:spPr>
+          <a:xfrm>
+            <a:off x="3513971" y="0"/>
+            <a:ext cx="5164058" cy="6858000"/>
+          </a:xfrm>
+          <a:prstGeom prst="rect">
+            <a:avLst/>
+          </a:prstGeom>
+        </p:spPr>
+      </p:pic>
+    </p:spTree>
+    <p:extLst>
+      <p:ext uri="{BB962C8B-B14F-4D97-AF65-F5344CB8AC3E}">
+        <p14:creationId xmlns:p14="http://schemas.microsoft.com/office/powerpoint/2010/main" val="1783455102"/>
+      </p:ext>
+    </p:extLst>
+  </p:cSld>
+  <p:clrMapOvr>
+    <a:masterClrMapping/>
+  </p:clrMapOvr>
+</p:sld>
+</file>
+
+<file path=ppt/slides/slide4.xml><?xml version="1.0" encoding="utf-8"?>
+<p:sld xmlns:a="http://schemas.openxmlformats.org/drawingml/2006/main" xmlns:r="http://schemas.openxmlformats.org/officeDocument/2006/relationships" xmlns:p="http://schemas.openxmlformats.org/presentationml/2006/main">
+  <p:cSld>
+    <p:spTree>
+      <p:nvGrpSpPr>
+        <p:cNvPr id="1" name=""/>
+        <p:cNvGrpSpPr/>
+        <p:nvPr/>
+      </p:nvGrpSpPr>
+      <p:grpSpPr>
+        <a:xfrm>
+          <a:off x="0" y="0"/>
+          <a:ext cx="0" cy="0"/>
+          <a:chOff x="0" y="0"/>
+          <a:chExt cx="0" cy="0"/>
+        </a:xfrm>
+      </p:grpSpPr>
+      <p:sp>
+        <p:nvSpPr>
+          <p:cNvPr id="2" name="Title 1">
+            <a:extLst>
+              <a:ext uri="{FF2B5EF4-FFF2-40B4-BE49-F238E27FC236}">
+                <a16:creationId xmlns:a16="http://schemas.microsoft.com/office/drawing/2014/main" id="{E918444C-E017-814E-A1D1-7954EEF75CA9}"/>
+              </a:ext>
+            </a:extLst>
+          </p:cNvPr>
+          <p:cNvSpPr>
+            <a:spLocks noGrp="1"/>
+          </p:cNvSpPr>
+          <p:nvPr>
+            <p:ph type="title"/>
+          </p:nvPr>
+        </p:nvSpPr>
+        <p:spPr/>
+        <p:txBody>
+          <a:bodyPr/>
+          <a:lstStyle/>
+          <a:p>
+            <a:r>
+              <a:rPr lang="en-US" dirty="0">
+                <a:latin typeface="Arial" panose="020B0604020202020204" pitchFamily="34" charset="0"/>
+                <a:cs typeface="Arial" panose="020B0604020202020204" pitchFamily="34" charset="0"/>
+              </a:rPr>
+              <a:t>Version Control</a:t>
+            </a:r>
+          </a:p>
+        </p:txBody>
+      </p:sp>
+      <p:sp>
+        <p:nvSpPr>
+          <p:cNvPr id="3" name="Content Placeholder 2">
+            <a:extLst>
+              <a:ext uri="{FF2B5EF4-FFF2-40B4-BE49-F238E27FC236}">
+                <a16:creationId xmlns:a16="http://schemas.microsoft.com/office/drawing/2014/main" id="{C892A8A8-ADFA-D241-8DEF-3DE7917E2B55}"/>
+              </a:ext>
+            </a:extLst>
+          </p:cNvPr>
+          <p:cNvSpPr>
+            <a:spLocks noGrp="1"/>
+          </p:cNvSpPr>
+          <p:nvPr>
+            <p:ph idx="1"/>
+          </p:nvPr>
+        </p:nvSpPr>
+        <p:spPr/>
+        <p:txBody>
+          <a:bodyPr/>
+          <a:lstStyle/>
+          <a:p>
+            <a:r>
+              <a:rPr lang="en-US" dirty="0"/>
+              <a:t>Easy and powerful way to track changes to your work</a:t>
+            </a:r>
+          </a:p>
+          <a:p>
+            <a:r>
+              <a:rPr lang="en-US" dirty="0"/>
+              <a:t>Useful for both writing (if using e.g. LaTeX) and code</a:t>
+            </a:r>
+          </a:p>
+          <a:p>
+            <a:r>
+              <a:rPr lang="en-US" dirty="0"/>
+              <a:t>Backups of your work</a:t>
+            </a:r>
+          </a:p>
+          <a:p>
+            <a:r>
+              <a:rPr lang="en-US" dirty="0"/>
+              <a:t>General coding safety net</a:t>
+            </a:r>
+            <a:endParaRPr lang="en-US" dirty="0">
+              <a:latin typeface="Arial" panose="020B0604020202020204" pitchFamily="34" charset="0"/>
+              <a:cs typeface="Arial" panose="020B0604020202020204" pitchFamily="34" charset="0"/>
+            </a:endParaRPr>
+          </a:p>
+        </p:txBody>
+      </p:sp>
+    </p:spTree>
+    <p:extLst>
+      <p:ext uri="{BB962C8B-B14F-4D97-AF65-F5344CB8AC3E}">
+        <p14:creationId xmlns:p14="http://schemas.microsoft.com/office/powerpoint/2010/main" val="2055968063"/>
+      </p:ext>
+    </p:extLst>
+  </p:cSld>
+  <p:clrMapOvr>
+    <a:masterClrMapping/>
+  </p:clrMapOvr>
+</p:sld>
+</file>
+
+<file path=ppt/slides/slide5.xml><?xml version="1.0" encoding="utf-8"?>
+<p:sld xmlns:a="http://schemas.openxmlformats.org/drawingml/2006/main" xmlns:r="http://schemas.openxmlformats.org/officeDocument/2006/relationships" xmlns:p="http://schemas.openxmlformats.org/presentationml/2006/main">
+  <p:cSld>
+    <p:spTree>
+      <p:nvGrpSpPr>
+        <p:cNvPr id="1" name=""/>
+        <p:cNvGrpSpPr/>
+        <p:nvPr/>
+      </p:nvGrpSpPr>
+      <p:grpSpPr>
+        <a:xfrm>
+          <a:off x="0" y="0"/>
+          <a:ext cx="0" cy="0"/>
+          <a:chOff x="0" y="0"/>
+          <a:chExt cx="0" cy="0"/>
+        </a:xfrm>
+      </p:grpSpPr>
+      <p:sp>
+        <p:nvSpPr>
+          <p:cNvPr id="2" name="Title 1">
+            <a:extLst>
+              <a:ext uri="{FF2B5EF4-FFF2-40B4-BE49-F238E27FC236}">
+                <a16:creationId xmlns:a16="http://schemas.microsoft.com/office/drawing/2014/main" id="{EE892C96-22A6-FC49-9E9A-FA031049E63E}"/>
+              </a:ext>
+            </a:extLst>
+          </p:cNvPr>
+          <p:cNvSpPr>
+            <a:spLocks noGrp="1"/>
+          </p:cNvSpPr>
+          <p:nvPr>
+            <p:ph type="title"/>
+          </p:nvPr>
+        </p:nvSpPr>
+        <p:spPr/>
+        <p:txBody>
+          <a:bodyPr/>
+          <a:lstStyle/>
+          <a:p>
+            <a:r>
+              <a:rPr lang="en-US" dirty="0"/>
+              <a:t>What is Git? How does it work?</a:t>
+            </a:r>
+          </a:p>
+        </p:txBody>
+      </p:sp>
+      <p:sp>
+        <p:nvSpPr>
+          <p:cNvPr id="3" name="Content Placeholder 2">
+            <a:extLst>
+              <a:ext uri="{FF2B5EF4-FFF2-40B4-BE49-F238E27FC236}">
+                <a16:creationId xmlns:a16="http://schemas.microsoft.com/office/drawing/2014/main" id="{766E9468-53B7-5247-BD5A-7C239ED5FADF}"/>
+              </a:ext>
+            </a:extLst>
+          </p:cNvPr>
+          <p:cNvSpPr>
+            <a:spLocks noGrp="1"/>
+          </p:cNvSpPr>
+          <p:nvPr>
+            <p:ph idx="1"/>
+          </p:nvPr>
+        </p:nvSpPr>
+        <p:spPr/>
+        <p:txBody>
+          <a:bodyPr/>
+          <a:lstStyle/>
+          <a:p>
+            <a:pPr marL="0" indent="0">
+              <a:buNone/>
+            </a:pPr>
+            <a:r>
+              <a:rPr lang="en-US" dirty="0"/>
+              <a:t>Git tracks changes to a file (or set of files) through a series of snapshots called “commits” or “revisions”.</a:t>
+            </a:r>
+          </a:p>
+          <a:p>
+            <a:pPr marL="0" indent="0">
+              <a:buNone/>
+            </a:pPr>
+            <a:endParaRPr lang="en-US" dirty="0"/>
+          </a:p>
+          <a:p>
+            <a:pPr marL="0" indent="0">
+              <a:buNone/>
+            </a:pPr>
+            <a:endParaRPr lang="en-US" dirty="0"/>
+          </a:p>
+          <a:p>
+            <a:pPr marL="0" indent="0">
+              <a:buNone/>
+            </a:pPr>
+            <a:endParaRPr lang="en-US" dirty="0"/>
+          </a:p>
+          <a:p>
+            <a:pPr marL="0" indent="0">
+              <a:buNone/>
+            </a:pPr>
+            <a:r>
+              <a:rPr lang="en-US" dirty="0"/>
+              <a:t>These snapshots are stored in a “repository” which contains a history of all the changes to the files.</a:t>
+            </a:r>
+          </a:p>
+          <a:p>
+            <a:pPr marL="0" indent="0">
+              <a:buNone/>
+            </a:pPr>
+            <a:endParaRPr lang="en-US" dirty="0"/>
+          </a:p>
+          <a:p>
+            <a:pPr marL="0" indent="0">
+              <a:buNone/>
+            </a:pPr>
+            <a:endParaRPr lang="en-US" dirty="0"/>
+          </a:p>
+        </p:txBody>
+      </p:sp>
+      <p:pic>
+        <p:nvPicPr>
+          <p:cNvPr id="4" name="Picture 3">
+            <a:extLst>
+              <a:ext uri="{FF2B5EF4-FFF2-40B4-BE49-F238E27FC236}">
+                <a16:creationId xmlns:a16="http://schemas.microsoft.com/office/drawing/2014/main" id="{412E364D-E9DA-3C45-9302-8B7113269ED0}"/>
+              </a:ext>
+            </a:extLst>
+          </p:cNvPr>
+          <p:cNvPicPr>
+            <a:picLocks noChangeAspect="1"/>
+          </p:cNvPicPr>
+          <p:nvPr/>
+        </p:nvPicPr>
+        <p:blipFill>
+          <a:blip r:embed="rId2"/>
+          <a:stretch>
+            <a:fillRect/>
+          </a:stretch>
+        </p:blipFill>
+        <p:spPr>
+          <a:xfrm>
+            <a:off x="2504756" y="2667699"/>
+            <a:ext cx="6052016" cy="1670436"/>
+          </a:xfrm>
+          <a:prstGeom prst="rect">
+            <a:avLst/>
+          </a:prstGeom>
+        </p:spPr>
+      </p:pic>
+      <p:pic>
+        <p:nvPicPr>
+          <p:cNvPr id="5" name="Picture 4">
+            <a:extLst>
+              <a:ext uri="{FF2B5EF4-FFF2-40B4-BE49-F238E27FC236}">
+                <a16:creationId xmlns:a16="http://schemas.microsoft.com/office/drawing/2014/main" id="{D1AB23DE-E5D6-AC41-A4A1-C1BDE446BD68}"/>
+              </a:ext>
+            </a:extLst>
+          </p:cNvPr>
+          <p:cNvPicPr>
+            <a:picLocks noChangeAspect="1"/>
+          </p:cNvPicPr>
+          <p:nvPr/>
+        </p:nvPicPr>
+        <p:blipFill>
+          <a:blip r:embed="rId3"/>
+          <a:stretch>
+            <a:fillRect/>
+          </a:stretch>
+        </p:blipFill>
+        <p:spPr>
+          <a:xfrm>
+            <a:off x="2944886" y="5024705"/>
+            <a:ext cx="5326659" cy="1833295"/>
+          </a:xfrm>
+          <a:prstGeom prst="rect">
+            <a:avLst/>
+          </a:prstGeom>
+        </p:spPr>
+      </p:pic>
+    </p:spTree>
+    <p:extLst>
+      <p:ext uri="{BB962C8B-B14F-4D97-AF65-F5344CB8AC3E}">
+        <p14:creationId xmlns:p14="http://schemas.microsoft.com/office/powerpoint/2010/main" val="706638189"/>
+      </p:ext>
+    </p:extLst>
+  </p:cSld>
+  <p:clrMapOvr>
+    <a:masterClrMapping/>
+  </p:clrMapOvr>
+</p:sld>
+</file>
+
+<file path=ppt/slides/slide6.xml><?xml version="1.0" encoding="utf-8"?>
+<p:sld xmlns:a="http://schemas.openxmlformats.org/drawingml/2006/main" xmlns:r="http://schemas.openxmlformats.org/officeDocument/2006/relationships" xmlns:p="http://schemas.openxmlformats.org/presentationml/2006/main">
+  <p:cSld>
+    <p:spTree>
+      <p:nvGrpSpPr>
+        <p:cNvPr id="1" name=""/>
+        <p:cNvGrpSpPr/>
+        <p:nvPr/>
+      </p:nvGrpSpPr>
+      <p:grpSpPr>
+        <a:xfrm>
+          <a:off x="0" y="0"/>
+          <a:ext cx="0" cy="0"/>
+          <a:chOff x="0" y="0"/>
+          <a:chExt cx="0" cy="0"/>
+        </a:xfrm>
+      </p:grpSpPr>
+      <p:sp>
+        <p:nvSpPr>
+          <p:cNvPr id="2" name="Title 1">
+            <a:extLst>
+              <a:ext uri="{FF2B5EF4-FFF2-40B4-BE49-F238E27FC236}">
+                <a16:creationId xmlns:a16="http://schemas.microsoft.com/office/drawing/2014/main" id="{9A9448E5-F5E1-CF46-9A31-35554AE4906F}"/>
+              </a:ext>
+            </a:extLst>
+          </p:cNvPr>
+          <p:cNvSpPr>
+            <a:spLocks noGrp="1"/>
+          </p:cNvSpPr>
+          <p:nvPr>
+            <p:ph type="title"/>
+          </p:nvPr>
+        </p:nvSpPr>
+        <p:spPr/>
+        <p:txBody>
+          <a:bodyPr/>
+          <a:lstStyle/>
+          <a:p>
+            <a:r>
+              <a:rPr lang="en-US" dirty="0"/>
+              <a:t>How is Git useful to me?</a:t>
+            </a:r>
+          </a:p>
+        </p:txBody>
+      </p:sp>
+      <p:sp>
+        <p:nvSpPr>
+          <p:cNvPr id="3" name="Content Placeholder 2">
+            <a:extLst>
+              <a:ext uri="{FF2B5EF4-FFF2-40B4-BE49-F238E27FC236}">
+                <a16:creationId xmlns:a16="http://schemas.microsoft.com/office/drawing/2014/main" id="{1964F4A8-64D1-D848-BD5D-A60D27C2D4AA}"/>
+              </a:ext>
+            </a:extLst>
+          </p:cNvPr>
+          <p:cNvSpPr>
+            <a:spLocks noGrp="1"/>
+          </p:cNvSpPr>
+          <p:nvPr>
+            <p:ph idx="1"/>
+          </p:nvPr>
+        </p:nvSpPr>
+        <p:spPr/>
+        <p:txBody>
+          <a:bodyPr/>
+          <a:lstStyle/>
+          <a:p>
+            <a:r>
+              <a:rPr lang="en-US" dirty="0"/>
+              <a:t>“Why isn’t it working all of a sudden?”</a:t>
+            </a:r>
+          </a:p>
+          <a:p>
+            <a:r>
+              <a:rPr lang="en-US" dirty="0"/>
+              <a:t>Cleaner file system (no more “code, codev2, codev3_test, codev3_test1” directories)</a:t>
+            </a:r>
+          </a:p>
+          <a:p>
+            <a:r>
+              <a:rPr lang="en-US" dirty="0"/>
+              <a:t>Record of your edits (and thought process!)</a:t>
+            </a:r>
+          </a:p>
+          <a:p>
+            <a:r>
+              <a:rPr lang="en-US" dirty="0"/>
+              <a:t>Check for bugs in inconsistent results</a:t>
+            </a:r>
+          </a:p>
+          <a:p>
+            <a:r>
+              <a:rPr lang="en-US" dirty="0"/>
+              <a:t>Unlimited and powerful “undo”</a:t>
+            </a:r>
+          </a:p>
+          <a:p>
+            <a:r>
+              <a:rPr lang="en-US" dirty="0"/>
+              <a:t>Collaboration!</a:t>
+            </a:r>
+          </a:p>
+        </p:txBody>
+      </p:sp>
+    </p:spTree>
+    <p:extLst>
+      <p:ext uri="{BB962C8B-B14F-4D97-AF65-F5344CB8AC3E}">
+        <p14:creationId xmlns:p14="http://schemas.microsoft.com/office/powerpoint/2010/main" val="1943982103"/>
+      </p:ext>
+    </p:extLst>
+  </p:cSld>
+  <p:clrMapOvr>
+    <a:masterClrMapping/>
+  </p:clrMapOvr>
+</p:sld>
+</file>
+
+<file path=ppt/slides/slide7.xml><?xml version="1.0" encoding="utf-8"?>
+<p:sld xmlns:a="http://schemas.openxmlformats.org/drawingml/2006/main" xmlns:r="http://schemas.openxmlformats.org/officeDocument/2006/relationships" xmlns:p="http://schemas.openxmlformats.org/presentationml/2006/main" show="0">
+  <p:cSld>
+    <p:spTree>
+      <p:nvGrpSpPr>
+        <p:cNvPr id="1" name=""/>
+        <p:cNvGrpSpPr/>
+        <p:nvPr/>
+      </p:nvGrpSpPr>
+      <p:grpSpPr>
+        <a:xfrm>
+          <a:off x="0" y="0"/>
+          <a:ext cx="0" cy="0"/>
+          <a:chOff x="0" y="0"/>
+          <a:chExt cx="0" cy="0"/>
+        </a:xfrm>
+      </p:grpSpPr>
       <p:sp>
         <p:nvSpPr>
           <p:cNvPr id="2" name="Title 1">
@@ -15046,7 +18174,7 @@
 </p:sld>
 </file>
 
-<file path=ppt/slides/slide4.xml><?xml version="1.0" encoding="utf-8"?>
+<file path=ppt/slides/slide8.xml><?xml version="1.0" encoding="utf-8"?>
 <p:sld xmlns:a="http://schemas.openxmlformats.org/drawingml/2006/main" xmlns:r="http://schemas.openxmlformats.org/officeDocument/2006/relationships" xmlns:p="http://schemas.openxmlformats.org/presentationml/2006/main">
   <p:cSld>
     <p:spTree>
@@ -15468,7 +18596,7 @@
 </p:sld>
 </file>
 
-<file path=ppt/slides/slide5.xml><?xml version="1.0" encoding="utf-8"?>
+<file path=ppt/slides/slide9.xml><?xml version="1.0" encoding="utf-8"?>
 <p:sld xmlns:a="http://schemas.openxmlformats.org/drawingml/2006/main" xmlns:r="http://schemas.openxmlformats.org/officeDocument/2006/relationships" xmlns:p="http://schemas.openxmlformats.org/presentationml/2006/main">
   <p:cSld>
     <p:spTree>
@@ -15721,2635 +18849,6 @@
     <p:extLst>
       <p:ext uri="{BB962C8B-B14F-4D97-AF65-F5344CB8AC3E}">
         <p14:creationId xmlns:p14="http://schemas.microsoft.com/office/powerpoint/2010/main" val="1688127274"/>
-      </p:ext>
-    </p:extLst>
-  </p:cSld>
-  <p:clrMapOvr>
-    <a:masterClrMapping/>
-  </p:clrMapOvr>
-</p:sld>
-</file>
-
-<file path=ppt/slides/slide6.xml><?xml version="1.0" encoding="utf-8"?>
-<p:sld xmlns:a="http://schemas.openxmlformats.org/drawingml/2006/main" xmlns:r="http://schemas.openxmlformats.org/officeDocument/2006/relationships" xmlns:p="http://schemas.openxmlformats.org/presentationml/2006/main">
-  <p:cSld>
-    <p:spTree>
-      <p:nvGrpSpPr>
-        <p:cNvPr id="1" name=""/>
-        <p:cNvGrpSpPr/>
-        <p:nvPr/>
-      </p:nvGrpSpPr>
-      <p:grpSpPr>
-        <a:xfrm>
-          <a:off x="0" y="0"/>
-          <a:ext cx="0" cy="0"/>
-          <a:chOff x="0" y="0"/>
-          <a:chExt cx="0" cy="0"/>
-        </a:xfrm>
-      </p:grpSpPr>
-      <p:sp>
-        <p:nvSpPr>
-          <p:cNvPr id="2" name="Title 1">
-            <a:extLst>
-              <a:ext uri="{FF2B5EF4-FFF2-40B4-BE49-F238E27FC236}">
-                <a16:creationId xmlns:a16="http://schemas.microsoft.com/office/drawing/2014/main" id="{BECE5C01-AD4B-7C4C-A170-7D9958B98F8F}"/>
-              </a:ext>
-            </a:extLst>
-          </p:cNvPr>
-          <p:cNvSpPr>
-            <a:spLocks noGrp="1"/>
-          </p:cNvSpPr>
-          <p:nvPr>
-            <p:ph type="title"/>
-          </p:nvPr>
-        </p:nvSpPr>
-        <p:spPr/>
-        <p:txBody>
-          <a:bodyPr/>
-          <a:lstStyle/>
-          <a:p>
-            <a:r>
-              <a:rPr lang="en-US" dirty="0"/>
-              <a:t>What git does</a:t>
-            </a:r>
-          </a:p>
-        </p:txBody>
-      </p:sp>
-      <p:sp>
-        <p:nvSpPr>
-          <p:cNvPr id="3" name="Content Placeholder 2">
-            <a:extLst>
-              <a:ext uri="{FF2B5EF4-FFF2-40B4-BE49-F238E27FC236}">
-                <a16:creationId xmlns:a16="http://schemas.microsoft.com/office/drawing/2014/main" id="{CA4F2FAD-758E-5D4B-BB8B-81461B6EFCFC}"/>
-              </a:ext>
-            </a:extLst>
-          </p:cNvPr>
-          <p:cNvSpPr>
-            <a:spLocks noGrp="1"/>
-          </p:cNvSpPr>
-          <p:nvPr>
-            <p:ph idx="1"/>
-          </p:nvPr>
-        </p:nvSpPr>
-        <p:spPr>
-          <a:xfrm>
-            <a:off x="838200" y="1825625"/>
-            <a:ext cx="10515600" cy="1325563"/>
-          </a:xfrm>
-        </p:spPr>
-        <p:txBody>
-          <a:bodyPr/>
-          <a:lstStyle/>
-          <a:p>
-            <a:r>
-              <a:rPr lang="en-US" dirty="0"/>
-              <a:t>Changes you make in the folder (e.g. more lines in existing codes, new files) are not reflected to the “official version” until you actively register them (“commit”)</a:t>
-            </a:r>
-          </a:p>
-        </p:txBody>
-      </p:sp>
-      <p:pic>
-        <p:nvPicPr>
-          <p:cNvPr id="4" name="Picture 3">
-            <a:extLst>
-              <a:ext uri="{FF2B5EF4-FFF2-40B4-BE49-F238E27FC236}">
-                <a16:creationId xmlns:a16="http://schemas.microsoft.com/office/drawing/2014/main" id="{30BC7034-0E3E-A947-8FF9-21F89446D9CC}"/>
-              </a:ext>
-            </a:extLst>
-          </p:cNvPr>
-          <p:cNvPicPr>
-            <a:picLocks noChangeAspect="1"/>
-          </p:cNvPicPr>
-          <p:nvPr/>
-        </p:nvPicPr>
-        <p:blipFill>
-          <a:blip r:embed="rId3"/>
-          <a:stretch>
-            <a:fillRect/>
-          </a:stretch>
-        </p:blipFill>
-        <p:spPr>
-          <a:xfrm>
-            <a:off x="1396082" y="3598188"/>
-            <a:ext cx="3785847" cy="2606843"/>
-          </a:xfrm>
-          <a:prstGeom prst="rect">
-            <a:avLst/>
-          </a:prstGeom>
-        </p:spPr>
-      </p:pic>
-      <p:sp>
-        <p:nvSpPr>
-          <p:cNvPr id="5" name="Rectangle 4">
-            <a:extLst>
-              <a:ext uri="{FF2B5EF4-FFF2-40B4-BE49-F238E27FC236}">
-                <a16:creationId xmlns:a16="http://schemas.microsoft.com/office/drawing/2014/main" id="{6C387F3F-54C3-1541-BCDC-4C7800CE6A8B}"/>
-              </a:ext>
-            </a:extLst>
-          </p:cNvPr>
-          <p:cNvSpPr/>
-          <p:nvPr/>
-        </p:nvSpPr>
-        <p:spPr>
-          <a:xfrm>
-            <a:off x="6896657" y="3535682"/>
-            <a:ext cx="3487479" cy="2606843"/>
-          </a:xfrm>
-          <a:prstGeom prst="rect">
-            <a:avLst/>
-          </a:prstGeom>
-          <a:noFill/>
-          <a:ln w="57150">
-            <a:solidFill>
-              <a:schemeClr val="accent1"/>
-            </a:solidFill>
-          </a:ln>
-        </p:spPr>
-        <p:style>
-          <a:lnRef idx="2">
-            <a:schemeClr val="accent1">
-              <a:shade val="50000"/>
-            </a:schemeClr>
-          </a:lnRef>
-          <a:fillRef idx="1">
-            <a:schemeClr val="accent1"/>
-          </a:fillRef>
-          <a:effectRef idx="0">
-            <a:schemeClr val="accent1"/>
-          </a:effectRef>
-          <a:fontRef idx="minor">
-            <a:schemeClr val="lt1"/>
-          </a:fontRef>
-        </p:style>
-        <p:txBody>
-          <a:bodyPr rtlCol="0" anchor="ctr"/>
-          <a:lstStyle/>
-          <a:p>
-            <a:pPr algn="ctr"/>
-            <a:endParaRPr lang="en-US"/>
-          </a:p>
-        </p:txBody>
-      </p:sp>
-      <p:sp>
-        <p:nvSpPr>
-          <p:cNvPr id="6" name="TextBox 5">
-            <a:extLst>
-              <a:ext uri="{FF2B5EF4-FFF2-40B4-BE49-F238E27FC236}">
-                <a16:creationId xmlns:a16="http://schemas.microsoft.com/office/drawing/2014/main" id="{D25A24DE-A175-D744-A5E3-8BE469FCCF91}"/>
-              </a:ext>
-            </a:extLst>
-          </p:cNvPr>
-          <p:cNvSpPr txBox="1"/>
-          <p:nvPr/>
-        </p:nvSpPr>
-        <p:spPr>
-          <a:xfrm>
-            <a:off x="7514262" y="4153576"/>
-            <a:ext cx="1916818" cy="1569660"/>
-          </a:xfrm>
-          <a:prstGeom prst="rect">
-            <a:avLst/>
-          </a:prstGeom>
-          <a:noFill/>
-        </p:spPr>
-        <p:txBody>
-          <a:bodyPr wrap="square" rtlCol="0">
-            <a:spAutoFit/>
-          </a:bodyPr>
-          <a:lstStyle/>
-          <a:p>
-            <a:pPr marL="342900" indent="-342900">
-              <a:buFont typeface="Arial" panose="020B0604020202020204" pitchFamily="34" charset="0"/>
-              <a:buChar char="•"/>
-            </a:pPr>
-            <a:r>
-              <a:rPr lang="en-US" sz="2400" dirty="0"/>
-              <a:t>Code1.m</a:t>
-            </a:r>
-          </a:p>
-          <a:p>
-            <a:pPr marL="342900" indent="-342900">
-              <a:buFont typeface="Arial" panose="020B0604020202020204" pitchFamily="34" charset="0"/>
-              <a:buChar char="•"/>
-            </a:pPr>
-            <a:r>
-              <a:rPr lang="en-US" sz="2400" dirty="0"/>
-              <a:t>Code2.m</a:t>
-            </a:r>
-          </a:p>
-          <a:p>
-            <a:pPr marL="342900" indent="-342900">
-              <a:buFont typeface="Arial" panose="020B0604020202020204" pitchFamily="34" charset="0"/>
-              <a:buChar char="•"/>
-            </a:pPr>
-            <a:r>
-              <a:rPr lang="en-US" sz="2400" dirty="0"/>
-              <a:t>Code3.m</a:t>
-            </a:r>
-          </a:p>
-          <a:p>
-            <a:pPr marL="342900" indent="-342900">
-              <a:buFont typeface="Arial" panose="020B0604020202020204" pitchFamily="34" charset="0"/>
-              <a:buChar char="•"/>
-            </a:pPr>
-            <a:r>
-              <a:rPr lang="en-US" sz="2400" dirty="0"/>
-              <a:t>Code4.m</a:t>
-            </a:r>
-          </a:p>
-        </p:txBody>
-      </p:sp>
-      <p:pic>
-        <p:nvPicPr>
-          <p:cNvPr id="8" name="Picture 7">
-            <a:extLst>
-              <a:ext uri="{FF2B5EF4-FFF2-40B4-BE49-F238E27FC236}">
-                <a16:creationId xmlns:a16="http://schemas.microsoft.com/office/drawing/2014/main" id="{65ECBC71-CC4E-544D-A377-3713C50CE7EF}"/>
-              </a:ext>
-            </a:extLst>
-          </p:cNvPr>
-          <p:cNvPicPr>
-            <a:picLocks noChangeAspect="1"/>
-          </p:cNvPicPr>
-          <p:nvPr/>
-        </p:nvPicPr>
-        <p:blipFill>
-          <a:blip r:embed="rId4"/>
-          <a:stretch>
-            <a:fillRect/>
-          </a:stretch>
-        </p:blipFill>
-        <p:spPr>
-          <a:xfrm>
-            <a:off x="4265677" y="4901609"/>
-            <a:ext cx="503595" cy="782054"/>
-          </a:xfrm>
-          <a:prstGeom prst="rect">
-            <a:avLst/>
-          </a:prstGeom>
-        </p:spPr>
-      </p:pic>
-      <p:sp>
-        <p:nvSpPr>
-          <p:cNvPr id="9" name="Right Arrow 8">
-            <a:extLst>
-              <a:ext uri="{FF2B5EF4-FFF2-40B4-BE49-F238E27FC236}">
-                <a16:creationId xmlns:a16="http://schemas.microsoft.com/office/drawing/2014/main" id="{7534484F-4362-2B4A-8303-64A4BBE35B4E}"/>
-              </a:ext>
-            </a:extLst>
-          </p:cNvPr>
-          <p:cNvSpPr/>
-          <p:nvPr/>
-        </p:nvSpPr>
-        <p:spPr>
-          <a:xfrm>
-            <a:off x="5569600" y="4158317"/>
-            <a:ext cx="914400" cy="1190846"/>
-          </a:xfrm>
-          <a:prstGeom prst="rightArrow">
-            <a:avLst/>
-          </a:prstGeom>
-        </p:spPr>
-        <p:style>
-          <a:lnRef idx="2">
-            <a:schemeClr val="accent1">
-              <a:shade val="50000"/>
-            </a:schemeClr>
-          </a:lnRef>
-          <a:fillRef idx="1">
-            <a:schemeClr val="accent1"/>
-          </a:fillRef>
-          <a:effectRef idx="0">
-            <a:schemeClr val="accent1"/>
-          </a:effectRef>
-          <a:fontRef idx="minor">
-            <a:schemeClr val="lt1"/>
-          </a:fontRef>
-        </p:style>
-        <p:txBody>
-          <a:bodyPr rtlCol="0" anchor="ctr"/>
-          <a:lstStyle/>
-          <a:p>
-            <a:pPr algn="ctr"/>
-            <a:endParaRPr lang="en-US" dirty="0"/>
-          </a:p>
-        </p:txBody>
-      </p:sp>
-      <p:sp>
-        <p:nvSpPr>
-          <p:cNvPr id="10" name="TextBox 9">
-            <a:extLst>
-              <a:ext uri="{FF2B5EF4-FFF2-40B4-BE49-F238E27FC236}">
-                <a16:creationId xmlns:a16="http://schemas.microsoft.com/office/drawing/2014/main" id="{9910FA98-BD28-BB4F-B9E8-B9CE26EDD4DF}"/>
-              </a:ext>
-            </a:extLst>
-          </p:cNvPr>
-          <p:cNvSpPr txBox="1"/>
-          <p:nvPr/>
-        </p:nvSpPr>
-        <p:spPr>
-          <a:xfrm>
-            <a:off x="4971115" y="5349163"/>
-            <a:ext cx="2038958" cy="461665"/>
-          </a:xfrm>
-          <a:prstGeom prst="rect">
-            <a:avLst/>
-          </a:prstGeom>
-          <a:noFill/>
-        </p:spPr>
-        <p:txBody>
-          <a:bodyPr wrap="square" rtlCol="0">
-            <a:spAutoFit/>
-          </a:bodyPr>
-          <a:lstStyle/>
-          <a:p>
-            <a:pPr algn="ctr"/>
-            <a:r>
-              <a:rPr lang="en-US" sz="2400" dirty="0"/>
-              <a:t>(Commit)</a:t>
-            </a:r>
-          </a:p>
-        </p:txBody>
-      </p:sp>
-    </p:spTree>
-    <p:extLst>
-      <p:ext uri="{BB962C8B-B14F-4D97-AF65-F5344CB8AC3E}">
-        <p14:creationId xmlns:p14="http://schemas.microsoft.com/office/powerpoint/2010/main" val="867506856"/>
-      </p:ext>
-    </p:extLst>
-  </p:cSld>
-  <p:clrMapOvr>
-    <a:masterClrMapping/>
-  </p:clrMapOvr>
-</p:sld>
-</file>
-
-<file path=ppt/slides/slide7.xml><?xml version="1.0" encoding="utf-8"?>
-<p:sld xmlns:a="http://schemas.openxmlformats.org/drawingml/2006/main" xmlns:r="http://schemas.openxmlformats.org/officeDocument/2006/relationships" xmlns:p="http://schemas.openxmlformats.org/presentationml/2006/main">
-  <p:cSld>
-    <p:spTree>
-      <p:nvGrpSpPr>
-        <p:cNvPr id="1" name=""/>
-        <p:cNvGrpSpPr/>
-        <p:nvPr/>
-      </p:nvGrpSpPr>
-      <p:grpSpPr>
-        <a:xfrm>
-          <a:off x="0" y="0"/>
-          <a:ext cx="0" cy="0"/>
-          <a:chOff x="0" y="0"/>
-          <a:chExt cx="0" cy="0"/>
-        </a:xfrm>
-      </p:grpSpPr>
-      <p:sp>
-        <p:nvSpPr>
-          <p:cNvPr id="2" name="Title 1">
-            <a:extLst>
-              <a:ext uri="{FF2B5EF4-FFF2-40B4-BE49-F238E27FC236}">
-                <a16:creationId xmlns:a16="http://schemas.microsoft.com/office/drawing/2014/main" id="{67F37A64-6EF2-2948-9993-A91D57D654DA}"/>
-              </a:ext>
-            </a:extLst>
-          </p:cNvPr>
-          <p:cNvSpPr>
-            <a:spLocks noGrp="1"/>
-          </p:cNvSpPr>
-          <p:nvPr>
-            <p:ph type="title"/>
-          </p:nvPr>
-        </p:nvSpPr>
-        <p:spPr/>
-        <p:txBody>
-          <a:bodyPr/>
-          <a:lstStyle/>
-          <a:p>
-            <a:r>
-              <a:rPr lang="en-US" dirty="0"/>
-              <a:t>What git does</a:t>
-            </a:r>
-          </a:p>
-        </p:txBody>
-      </p:sp>
-      <p:sp>
-        <p:nvSpPr>
-          <p:cNvPr id="19" name="Content Placeholder 18">
-            <a:extLst>
-              <a:ext uri="{FF2B5EF4-FFF2-40B4-BE49-F238E27FC236}">
-                <a16:creationId xmlns:a16="http://schemas.microsoft.com/office/drawing/2014/main" id="{11AA10A6-C4FB-8B4E-914B-08659DDF0453}"/>
-              </a:ext>
-            </a:extLst>
-          </p:cNvPr>
-          <p:cNvSpPr>
-            <a:spLocks noGrp="1"/>
-          </p:cNvSpPr>
-          <p:nvPr>
-            <p:ph idx="1"/>
-          </p:nvPr>
-        </p:nvSpPr>
-        <p:spPr>
-          <a:xfrm>
-            <a:off x="838200" y="1825625"/>
-            <a:ext cx="10893056" cy="684532"/>
-          </a:xfrm>
-        </p:spPr>
-        <p:txBody>
-          <a:bodyPr/>
-          <a:lstStyle/>
-          <a:p>
-            <a:r>
-              <a:rPr lang="en-US" dirty="0"/>
-              <a:t>Every time you register (“commit”) changes, you create a new version</a:t>
-            </a:r>
-          </a:p>
-        </p:txBody>
-      </p:sp>
-      <p:sp>
-        <p:nvSpPr>
-          <p:cNvPr id="4" name="Rectangle 3">
-            <a:extLst>
-              <a:ext uri="{FF2B5EF4-FFF2-40B4-BE49-F238E27FC236}">
-                <a16:creationId xmlns:a16="http://schemas.microsoft.com/office/drawing/2014/main" id="{19ABD445-D3FE-DE45-BD84-E13ECD2CDF1F}"/>
-              </a:ext>
-            </a:extLst>
-          </p:cNvPr>
-          <p:cNvSpPr/>
-          <p:nvPr/>
-        </p:nvSpPr>
-        <p:spPr>
-          <a:xfrm>
-            <a:off x="838200" y="3774449"/>
-            <a:ext cx="1649819" cy="1504507"/>
-          </a:xfrm>
-          <a:prstGeom prst="rect">
-            <a:avLst/>
-          </a:prstGeom>
-          <a:noFill/>
-          <a:ln w="57150">
-            <a:solidFill>
-              <a:schemeClr val="accent1"/>
-            </a:solidFill>
-          </a:ln>
-        </p:spPr>
-        <p:style>
-          <a:lnRef idx="2">
-            <a:schemeClr val="accent1">
-              <a:shade val="50000"/>
-            </a:schemeClr>
-          </a:lnRef>
-          <a:fillRef idx="1">
-            <a:schemeClr val="accent1"/>
-          </a:fillRef>
-          <a:effectRef idx="0">
-            <a:schemeClr val="accent1"/>
-          </a:effectRef>
-          <a:fontRef idx="minor">
-            <a:schemeClr val="lt1"/>
-          </a:fontRef>
-        </p:style>
-        <p:txBody>
-          <a:bodyPr rtlCol="0" anchor="ctr"/>
-          <a:lstStyle/>
-          <a:p>
-            <a:pPr algn="ctr"/>
-            <a:endParaRPr lang="en-US"/>
-          </a:p>
-        </p:txBody>
-      </p:sp>
-      <p:sp>
-        <p:nvSpPr>
-          <p:cNvPr id="6" name="Rectangle 5">
-            <a:extLst>
-              <a:ext uri="{FF2B5EF4-FFF2-40B4-BE49-F238E27FC236}">
-                <a16:creationId xmlns:a16="http://schemas.microsoft.com/office/drawing/2014/main" id="{D6CCC9A4-C72B-7F4E-82FA-3AD7152303EA}"/>
-              </a:ext>
-            </a:extLst>
-          </p:cNvPr>
-          <p:cNvSpPr/>
-          <p:nvPr/>
-        </p:nvSpPr>
-        <p:spPr>
-          <a:xfrm>
-            <a:off x="3234070" y="3774449"/>
-            <a:ext cx="1649819" cy="1504507"/>
-          </a:xfrm>
-          <a:prstGeom prst="rect">
-            <a:avLst/>
-          </a:prstGeom>
-          <a:noFill/>
-          <a:ln w="57150">
-            <a:solidFill>
-              <a:schemeClr val="accent1"/>
-            </a:solidFill>
-          </a:ln>
-        </p:spPr>
-        <p:style>
-          <a:lnRef idx="2">
-            <a:schemeClr val="accent1">
-              <a:shade val="50000"/>
-            </a:schemeClr>
-          </a:lnRef>
-          <a:fillRef idx="1">
-            <a:schemeClr val="accent1"/>
-          </a:fillRef>
-          <a:effectRef idx="0">
-            <a:schemeClr val="accent1"/>
-          </a:effectRef>
-          <a:fontRef idx="minor">
-            <a:schemeClr val="lt1"/>
-          </a:fontRef>
-        </p:style>
-        <p:txBody>
-          <a:bodyPr rtlCol="0" anchor="ctr"/>
-          <a:lstStyle/>
-          <a:p>
-            <a:pPr algn="ctr"/>
-            <a:endParaRPr lang="en-US"/>
-          </a:p>
-        </p:txBody>
-      </p:sp>
-      <p:sp>
-        <p:nvSpPr>
-          <p:cNvPr id="7" name="Rectangle 6">
-            <a:extLst>
-              <a:ext uri="{FF2B5EF4-FFF2-40B4-BE49-F238E27FC236}">
-                <a16:creationId xmlns:a16="http://schemas.microsoft.com/office/drawing/2014/main" id="{65194A78-FEC5-2C45-94AD-E4DEC25919B3}"/>
-              </a:ext>
-            </a:extLst>
-          </p:cNvPr>
-          <p:cNvSpPr/>
-          <p:nvPr/>
-        </p:nvSpPr>
-        <p:spPr>
-          <a:xfrm>
-            <a:off x="5530703" y="3774448"/>
-            <a:ext cx="1649819" cy="1504507"/>
-          </a:xfrm>
-          <a:prstGeom prst="rect">
-            <a:avLst/>
-          </a:prstGeom>
-          <a:noFill/>
-          <a:ln w="57150">
-            <a:solidFill>
-              <a:schemeClr val="accent1"/>
-            </a:solidFill>
-          </a:ln>
-        </p:spPr>
-        <p:style>
-          <a:lnRef idx="2">
-            <a:schemeClr val="accent1">
-              <a:shade val="50000"/>
-            </a:schemeClr>
-          </a:lnRef>
-          <a:fillRef idx="1">
-            <a:schemeClr val="accent1"/>
-          </a:fillRef>
-          <a:effectRef idx="0">
-            <a:schemeClr val="accent1"/>
-          </a:effectRef>
-          <a:fontRef idx="minor">
-            <a:schemeClr val="lt1"/>
-          </a:fontRef>
-        </p:style>
-        <p:txBody>
-          <a:bodyPr rtlCol="0" anchor="ctr"/>
-          <a:lstStyle/>
-          <a:p>
-            <a:pPr algn="ctr"/>
-            <a:endParaRPr lang="en-US"/>
-          </a:p>
-        </p:txBody>
-      </p:sp>
-      <p:sp>
-        <p:nvSpPr>
-          <p:cNvPr id="8" name="Rectangle 7">
-            <a:extLst>
-              <a:ext uri="{FF2B5EF4-FFF2-40B4-BE49-F238E27FC236}">
-                <a16:creationId xmlns:a16="http://schemas.microsoft.com/office/drawing/2014/main" id="{1922C631-42E8-BB41-8BB6-4E6067D850FA}"/>
-              </a:ext>
-            </a:extLst>
-          </p:cNvPr>
-          <p:cNvSpPr/>
-          <p:nvPr/>
-        </p:nvSpPr>
-        <p:spPr>
-          <a:xfrm>
-            <a:off x="7800754" y="3774447"/>
-            <a:ext cx="1649819" cy="1504507"/>
-          </a:xfrm>
-          <a:prstGeom prst="rect">
-            <a:avLst/>
-          </a:prstGeom>
-          <a:noFill/>
-          <a:ln w="57150">
-            <a:solidFill>
-              <a:schemeClr val="accent1"/>
-            </a:solidFill>
-          </a:ln>
-        </p:spPr>
-        <p:style>
-          <a:lnRef idx="2">
-            <a:schemeClr val="accent1">
-              <a:shade val="50000"/>
-            </a:schemeClr>
-          </a:lnRef>
-          <a:fillRef idx="1">
-            <a:schemeClr val="accent1"/>
-          </a:fillRef>
-          <a:effectRef idx="0">
-            <a:schemeClr val="accent1"/>
-          </a:effectRef>
-          <a:fontRef idx="minor">
-            <a:schemeClr val="lt1"/>
-          </a:fontRef>
-        </p:style>
-        <p:txBody>
-          <a:bodyPr rtlCol="0" anchor="ctr"/>
-          <a:lstStyle/>
-          <a:p>
-            <a:pPr algn="ctr"/>
-            <a:endParaRPr lang="en-US"/>
-          </a:p>
-        </p:txBody>
-      </p:sp>
-      <p:sp>
-        <p:nvSpPr>
-          <p:cNvPr id="9" name="Rectangle 8">
-            <a:extLst>
-              <a:ext uri="{FF2B5EF4-FFF2-40B4-BE49-F238E27FC236}">
-                <a16:creationId xmlns:a16="http://schemas.microsoft.com/office/drawing/2014/main" id="{3F12A13C-D84C-C840-AEE4-4F22584A0305}"/>
-              </a:ext>
-            </a:extLst>
-          </p:cNvPr>
-          <p:cNvSpPr/>
-          <p:nvPr/>
-        </p:nvSpPr>
-        <p:spPr>
-          <a:xfrm>
-            <a:off x="10081437" y="3774447"/>
-            <a:ext cx="1649819" cy="1504507"/>
-          </a:xfrm>
-          <a:prstGeom prst="rect">
-            <a:avLst/>
-          </a:prstGeom>
-          <a:noFill/>
-          <a:ln w="57150">
-            <a:solidFill>
-              <a:schemeClr val="accent1"/>
-            </a:solidFill>
-          </a:ln>
-        </p:spPr>
-        <p:style>
-          <a:lnRef idx="2">
-            <a:schemeClr val="accent1">
-              <a:shade val="50000"/>
-            </a:schemeClr>
-          </a:lnRef>
-          <a:fillRef idx="1">
-            <a:schemeClr val="accent1"/>
-          </a:fillRef>
-          <a:effectRef idx="0">
-            <a:schemeClr val="accent1"/>
-          </a:effectRef>
-          <a:fontRef idx="minor">
-            <a:schemeClr val="lt1"/>
-          </a:fontRef>
-        </p:style>
-        <p:txBody>
-          <a:bodyPr rtlCol="0" anchor="ctr"/>
-          <a:lstStyle/>
-          <a:p>
-            <a:pPr algn="ctr"/>
-            <a:endParaRPr lang="en-US"/>
-          </a:p>
-        </p:txBody>
-      </p:sp>
-      <p:sp>
-        <p:nvSpPr>
-          <p:cNvPr id="10" name="Right Arrow 9">
-            <a:extLst>
-              <a:ext uri="{FF2B5EF4-FFF2-40B4-BE49-F238E27FC236}">
-                <a16:creationId xmlns:a16="http://schemas.microsoft.com/office/drawing/2014/main" id="{7F860CE8-859D-EB4F-9445-B37A3653C3B5}"/>
-              </a:ext>
-            </a:extLst>
-          </p:cNvPr>
-          <p:cNvSpPr/>
-          <p:nvPr/>
-        </p:nvSpPr>
-        <p:spPr>
-          <a:xfrm>
-            <a:off x="2615609" y="4279496"/>
-            <a:ext cx="489098" cy="478465"/>
-          </a:xfrm>
-          <a:prstGeom prst="rightArrow">
-            <a:avLst/>
-          </a:prstGeom>
-        </p:spPr>
-        <p:style>
-          <a:lnRef idx="2">
-            <a:schemeClr val="dk1">
-              <a:shade val="50000"/>
-            </a:schemeClr>
-          </a:lnRef>
-          <a:fillRef idx="1">
-            <a:schemeClr val="dk1"/>
-          </a:fillRef>
-          <a:effectRef idx="0">
-            <a:schemeClr val="dk1"/>
-          </a:effectRef>
-          <a:fontRef idx="minor">
-            <a:schemeClr val="lt1"/>
-          </a:fontRef>
-        </p:style>
-        <p:txBody>
-          <a:bodyPr rtlCol="0" anchor="ctr"/>
-          <a:lstStyle/>
-          <a:p>
-            <a:pPr algn="ctr"/>
-            <a:endParaRPr lang="en-US"/>
-          </a:p>
-        </p:txBody>
-      </p:sp>
-      <p:sp>
-        <p:nvSpPr>
-          <p:cNvPr id="11" name="Right Arrow 10">
-            <a:extLst>
-              <a:ext uri="{FF2B5EF4-FFF2-40B4-BE49-F238E27FC236}">
-                <a16:creationId xmlns:a16="http://schemas.microsoft.com/office/drawing/2014/main" id="{ED024465-69E2-5540-9900-D84F84FB8327}"/>
-              </a:ext>
-            </a:extLst>
-          </p:cNvPr>
-          <p:cNvSpPr/>
-          <p:nvPr/>
-        </p:nvSpPr>
-        <p:spPr>
-          <a:xfrm>
-            <a:off x="4991986" y="4287467"/>
-            <a:ext cx="489098" cy="478465"/>
-          </a:xfrm>
-          <a:prstGeom prst="rightArrow">
-            <a:avLst/>
-          </a:prstGeom>
-        </p:spPr>
-        <p:style>
-          <a:lnRef idx="2">
-            <a:schemeClr val="dk1">
-              <a:shade val="50000"/>
-            </a:schemeClr>
-          </a:lnRef>
-          <a:fillRef idx="1">
-            <a:schemeClr val="dk1"/>
-          </a:fillRef>
-          <a:effectRef idx="0">
-            <a:schemeClr val="dk1"/>
-          </a:effectRef>
-          <a:fontRef idx="minor">
-            <a:schemeClr val="lt1"/>
-          </a:fontRef>
-        </p:style>
-        <p:txBody>
-          <a:bodyPr rtlCol="0" anchor="ctr"/>
-          <a:lstStyle/>
-          <a:p>
-            <a:pPr algn="ctr"/>
-            <a:endParaRPr lang="en-US"/>
-          </a:p>
-        </p:txBody>
-      </p:sp>
-      <p:sp>
-        <p:nvSpPr>
-          <p:cNvPr id="12" name="Right Arrow 11">
-            <a:extLst>
-              <a:ext uri="{FF2B5EF4-FFF2-40B4-BE49-F238E27FC236}">
-                <a16:creationId xmlns:a16="http://schemas.microsoft.com/office/drawing/2014/main" id="{FFA84E7B-F974-6543-875D-E03838346176}"/>
-              </a:ext>
-            </a:extLst>
-          </p:cNvPr>
-          <p:cNvSpPr/>
-          <p:nvPr/>
-        </p:nvSpPr>
-        <p:spPr>
-          <a:xfrm>
-            <a:off x="7246976" y="4300761"/>
-            <a:ext cx="489098" cy="478465"/>
-          </a:xfrm>
-          <a:prstGeom prst="rightArrow">
-            <a:avLst/>
-          </a:prstGeom>
-        </p:spPr>
-        <p:style>
-          <a:lnRef idx="2">
-            <a:schemeClr val="dk1">
-              <a:shade val="50000"/>
-            </a:schemeClr>
-          </a:lnRef>
-          <a:fillRef idx="1">
-            <a:schemeClr val="dk1"/>
-          </a:fillRef>
-          <a:effectRef idx="0">
-            <a:schemeClr val="dk1"/>
-          </a:effectRef>
-          <a:fontRef idx="minor">
-            <a:schemeClr val="lt1"/>
-          </a:fontRef>
-        </p:style>
-        <p:txBody>
-          <a:bodyPr rtlCol="0" anchor="ctr"/>
-          <a:lstStyle/>
-          <a:p>
-            <a:pPr algn="ctr"/>
-            <a:endParaRPr lang="en-US"/>
-          </a:p>
-        </p:txBody>
-      </p:sp>
-      <p:sp>
-        <p:nvSpPr>
-          <p:cNvPr id="13" name="Right Arrow 12">
-            <a:extLst>
-              <a:ext uri="{FF2B5EF4-FFF2-40B4-BE49-F238E27FC236}">
-                <a16:creationId xmlns:a16="http://schemas.microsoft.com/office/drawing/2014/main" id="{D7F89161-5907-5D4B-9361-3E75AC455C60}"/>
-              </a:ext>
-            </a:extLst>
-          </p:cNvPr>
-          <p:cNvSpPr/>
-          <p:nvPr/>
-        </p:nvSpPr>
-        <p:spPr>
-          <a:xfrm>
-            <a:off x="9542722" y="4332659"/>
-            <a:ext cx="489098" cy="478465"/>
-          </a:xfrm>
-          <a:prstGeom prst="rightArrow">
-            <a:avLst/>
-          </a:prstGeom>
-        </p:spPr>
-        <p:style>
-          <a:lnRef idx="2">
-            <a:schemeClr val="dk1">
-              <a:shade val="50000"/>
-            </a:schemeClr>
-          </a:lnRef>
-          <a:fillRef idx="1">
-            <a:schemeClr val="dk1"/>
-          </a:fillRef>
-          <a:effectRef idx="0">
-            <a:schemeClr val="dk1"/>
-          </a:effectRef>
-          <a:fontRef idx="minor">
-            <a:schemeClr val="lt1"/>
-          </a:fontRef>
-        </p:style>
-        <p:txBody>
-          <a:bodyPr rtlCol="0" anchor="ctr"/>
-          <a:lstStyle/>
-          <a:p>
-            <a:pPr algn="ctr"/>
-            <a:endParaRPr lang="en-US"/>
-          </a:p>
-        </p:txBody>
-      </p:sp>
-      <p:sp>
-        <p:nvSpPr>
-          <p:cNvPr id="14" name="TextBox 13">
-            <a:extLst>
-              <a:ext uri="{FF2B5EF4-FFF2-40B4-BE49-F238E27FC236}">
-                <a16:creationId xmlns:a16="http://schemas.microsoft.com/office/drawing/2014/main" id="{67304950-D83C-9D44-9695-F8A70639D233}"/>
-              </a:ext>
-            </a:extLst>
-          </p:cNvPr>
-          <p:cNvSpPr txBox="1"/>
-          <p:nvPr/>
-        </p:nvSpPr>
-        <p:spPr>
-          <a:xfrm>
-            <a:off x="1221834" y="4109106"/>
-            <a:ext cx="882549" cy="861774"/>
-          </a:xfrm>
-          <a:prstGeom prst="rect">
-            <a:avLst/>
-          </a:prstGeom>
-          <a:noFill/>
-        </p:spPr>
-        <p:txBody>
-          <a:bodyPr wrap="none" rtlCol="0">
-            <a:spAutoFit/>
-          </a:bodyPr>
-          <a:lstStyle/>
-          <a:p>
-            <a:pPr algn="ctr"/>
-            <a:r>
-              <a:rPr lang="en-US" dirty="0"/>
-              <a:t>Version</a:t>
-            </a:r>
-          </a:p>
-          <a:p>
-            <a:pPr algn="ctr"/>
-            <a:r>
-              <a:rPr lang="en-US" sz="3200" dirty="0"/>
-              <a:t>1</a:t>
-            </a:r>
-          </a:p>
-        </p:txBody>
-      </p:sp>
-      <p:sp>
-        <p:nvSpPr>
-          <p:cNvPr id="15" name="TextBox 14">
-            <a:extLst>
-              <a:ext uri="{FF2B5EF4-FFF2-40B4-BE49-F238E27FC236}">
-                <a16:creationId xmlns:a16="http://schemas.microsoft.com/office/drawing/2014/main" id="{BB0290A1-5D51-DD43-8714-63AE219EA630}"/>
-              </a:ext>
-            </a:extLst>
-          </p:cNvPr>
-          <p:cNvSpPr txBox="1"/>
-          <p:nvPr/>
-        </p:nvSpPr>
-        <p:spPr>
-          <a:xfrm>
-            <a:off x="3617704" y="4109106"/>
-            <a:ext cx="882549" cy="861774"/>
-          </a:xfrm>
-          <a:prstGeom prst="rect">
-            <a:avLst/>
-          </a:prstGeom>
-          <a:noFill/>
-        </p:spPr>
-        <p:txBody>
-          <a:bodyPr wrap="none" rtlCol="0">
-            <a:spAutoFit/>
-          </a:bodyPr>
-          <a:lstStyle/>
-          <a:p>
-            <a:pPr algn="ctr"/>
-            <a:r>
-              <a:rPr lang="en-US" dirty="0"/>
-              <a:t>Version</a:t>
-            </a:r>
-          </a:p>
-          <a:p>
-            <a:pPr algn="ctr"/>
-            <a:r>
-              <a:rPr lang="en-US" sz="3200" dirty="0"/>
-              <a:t>2</a:t>
-            </a:r>
-          </a:p>
-        </p:txBody>
-      </p:sp>
-      <p:sp>
-        <p:nvSpPr>
-          <p:cNvPr id="16" name="TextBox 15">
-            <a:extLst>
-              <a:ext uri="{FF2B5EF4-FFF2-40B4-BE49-F238E27FC236}">
-                <a16:creationId xmlns:a16="http://schemas.microsoft.com/office/drawing/2014/main" id="{33010A56-684B-4849-B106-02D3B33077B4}"/>
-              </a:ext>
-            </a:extLst>
-          </p:cNvPr>
-          <p:cNvSpPr txBox="1"/>
-          <p:nvPr/>
-        </p:nvSpPr>
-        <p:spPr>
-          <a:xfrm>
-            <a:off x="5901047" y="4087841"/>
-            <a:ext cx="882549" cy="861774"/>
-          </a:xfrm>
-          <a:prstGeom prst="rect">
-            <a:avLst/>
-          </a:prstGeom>
-          <a:noFill/>
-        </p:spPr>
-        <p:txBody>
-          <a:bodyPr wrap="none" rtlCol="0">
-            <a:spAutoFit/>
-          </a:bodyPr>
-          <a:lstStyle/>
-          <a:p>
-            <a:pPr algn="ctr"/>
-            <a:r>
-              <a:rPr lang="en-US" dirty="0"/>
-              <a:t>Version</a:t>
-            </a:r>
-          </a:p>
-          <a:p>
-            <a:pPr algn="ctr"/>
-            <a:r>
-              <a:rPr lang="en-US" sz="3200" dirty="0"/>
-              <a:t>3</a:t>
-            </a:r>
-          </a:p>
-        </p:txBody>
-      </p:sp>
-      <p:sp>
-        <p:nvSpPr>
-          <p:cNvPr id="17" name="TextBox 16">
-            <a:extLst>
-              <a:ext uri="{FF2B5EF4-FFF2-40B4-BE49-F238E27FC236}">
-                <a16:creationId xmlns:a16="http://schemas.microsoft.com/office/drawing/2014/main" id="{EEAFC355-AC52-824D-B39F-44C5437DF989}"/>
-              </a:ext>
-            </a:extLst>
-          </p:cNvPr>
-          <p:cNvSpPr txBox="1"/>
-          <p:nvPr/>
-        </p:nvSpPr>
-        <p:spPr>
-          <a:xfrm>
-            <a:off x="8151558" y="4087841"/>
-            <a:ext cx="882549" cy="861774"/>
-          </a:xfrm>
-          <a:prstGeom prst="rect">
-            <a:avLst/>
-          </a:prstGeom>
-          <a:noFill/>
-        </p:spPr>
-        <p:txBody>
-          <a:bodyPr wrap="none" rtlCol="0">
-            <a:spAutoFit/>
-          </a:bodyPr>
-          <a:lstStyle/>
-          <a:p>
-            <a:pPr algn="ctr"/>
-            <a:r>
-              <a:rPr lang="en-US" dirty="0"/>
-              <a:t>Version</a:t>
-            </a:r>
-          </a:p>
-          <a:p>
-            <a:pPr algn="ctr"/>
-            <a:r>
-              <a:rPr lang="en-US" sz="3200" dirty="0"/>
-              <a:t>4</a:t>
-            </a:r>
-          </a:p>
-        </p:txBody>
-      </p:sp>
-      <p:sp>
-        <p:nvSpPr>
-          <p:cNvPr id="18" name="TextBox 17">
-            <a:extLst>
-              <a:ext uri="{FF2B5EF4-FFF2-40B4-BE49-F238E27FC236}">
-                <a16:creationId xmlns:a16="http://schemas.microsoft.com/office/drawing/2014/main" id="{377A776D-1678-B347-A154-0EDC34547A81}"/>
-              </a:ext>
-            </a:extLst>
-          </p:cNvPr>
-          <p:cNvSpPr txBox="1"/>
-          <p:nvPr/>
-        </p:nvSpPr>
-        <p:spPr>
-          <a:xfrm>
-            <a:off x="10465071" y="4109106"/>
-            <a:ext cx="882549" cy="861774"/>
-          </a:xfrm>
-          <a:prstGeom prst="rect">
-            <a:avLst/>
-          </a:prstGeom>
-          <a:noFill/>
-        </p:spPr>
-        <p:txBody>
-          <a:bodyPr wrap="none" rtlCol="0">
-            <a:spAutoFit/>
-          </a:bodyPr>
-          <a:lstStyle/>
-          <a:p>
-            <a:pPr algn="ctr"/>
-            <a:r>
-              <a:rPr lang="en-US" dirty="0"/>
-              <a:t>Version</a:t>
-            </a:r>
-          </a:p>
-          <a:p>
-            <a:pPr algn="ctr"/>
-            <a:r>
-              <a:rPr lang="en-US" sz="3200" dirty="0"/>
-              <a:t>5</a:t>
-            </a:r>
-          </a:p>
-        </p:txBody>
-      </p:sp>
-      <p:sp>
-        <p:nvSpPr>
-          <p:cNvPr id="20" name="Right Arrow 19">
-            <a:extLst>
-              <a:ext uri="{FF2B5EF4-FFF2-40B4-BE49-F238E27FC236}">
-                <a16:creationId xmlns:a16="http://schemas.microsoft.com/office/drawing/2014/main" id="{3B896D6C-9D29-A642-BDAA-AD85C2BF8E45}"/>
-              </a:ext>
-            </a:extLst>
-          </p:cNvPr>
-          <p:cNvSpPr/>
-          <p:nvPr/>
-        </p:nvSpPr>
-        <p:spPr>
-          <a:xfrm rot="5400000">
-            <a:off x="2238160" y="3349721"/>
-            <a:ext cx="1211125" cy="716014"/>
-          </a:xfrm>
-          <a:prstGeom prst="rightArrow">
-            <a:avLst/>
-          </a:prstGeom>
-        </p:spPr>
-        <p:style>
-          <a:lnRef idx="2">
-            <a:schemeClr val="accent1">
-              <a:shade val="50000"/>
-            </a:schemeClr>
-          </a:lnRef>
-          <a:fillRef idx="1">
-            <a:schemeClr val="accent1"/>
-          </a:fillRef>
-          <a:effectRef idx="0">
-            <a:schemeClr val="accent1"/>
-          </a:effectRef>
-          <a:fontRef idx="minor">
-            <a:schemeClr val="lt1"/>
-          </a:fontRef>
-        </p:style>
-        <p:txBody>
-          <a:bodyPr rtlCol="0" anchor="ctr"/>
-          <a:lstStyle/>
-          <a:p>
-            <a:pPr algn="ctr"/>
-            <a:r>
-              <a:rPr lang="en-US" dirty="0"/>
-              <a:t>Commit</a:t>
-            </a:r>
-          </a:p>
-        </p:txBody>
-      </p:sp>
-      <p:sp>
-        <p:nvSpPr>
-          <p:cNvPr id="21" name="Right Arrow 20">
-            <a:extLst>
-              <a:ext uri="{FF2B5EF4-FFF2-40B4-BE49-F238E27FC236}">
-                <a16:creationId xmlns:a16="http://schemas.microsoft.com/office/drawing/2014/main" id="{3FF3434E-3F7E-B244-B25B-DB2C7DBD0F7E}"/>
-              </a:ext>
-            </a:extLst>
-          </p:cNvPr>
-          <p:cNvSpPr/>
-          <p:nvPr/>
-        </p:nvSpPr>
-        <p:spPr>
-          <a:xfrm rot="5400000">
-            <a:off x="4602542" y="3323898"/>
-            <a:ext cx="1211125" cy="716014"/>
-          </a:xfrm>
-          <a:prstGeom prst="rightArrow">
-            <a:avLst/>
-          </a:prstGeom>
-        </p:spPr>
-        <p:style>
-          <a:lnRef idx="2">
-            <a:schemeClr val="accent1">
-              <a:shade val="50000"/>
-            </a:schemeClr>
-          </a:lnRef>
-          <a:fillRef idx="1">
-            <a:schemeClr val="accent1"/>
-          </a:fillRef>
-          <a:effectRef idx="0">
-            <a:schemeClr val="accent1"/>
-          </a:effectRef>
-          <a:fontRef idx="minor">
-            <a:schemeClr val="lt1"/>
-          </a:fontRef>
-        </p:style>
-        <p:txBody>
-          <a:bodyPr rtlCol="0" anchor="ctr"/>
-          <a:lstStyle/>
-          <a:p>
-            <a:pPr algn="ctr"/>
-            <a:r>
-              <a:rPr lang="en-US" dirty="0"/>
-              <a:t>Commit</a:t>
-            </a:r>
-          </a:p>
-        </p:txBody>
-      </p:sp>
-      <p:sp>
-        <p:nvSpPr>
-          <p:cNvPr id="22" name="Right Arrow 21">
-            <a:extLst>
-              <a:ext uri="{FF2B5EF4-FFF2-40B4-BE49-F238E27FC236}">
-                <a16:creationId xmlns:a16="http://schemas.microsoft.com/office/drawing/2014/main" id="{84D0DD89-F02A-A54A-8A97-CC5B3F0AECC9}"/>
-              </a:ext>
-            </a:extLst>
-          </p:cNvPr>
-          <p:cNvSpPr/>
-          <p:nvPr/>
-        </p:nvSpPr>
-        <p:spPr>
-          <a:xfrm rot="5400000">
-            <a:off x="6859737" y="3288467"/>
-            <a:ext cx="1211125" cy="716014"/>
-          </a:xfrm>
-          <a:prstGeom prst="rightArrow">
-            <a:avLst/>
-          </a:prstGeom>
-        </p:spPr>
-        <p:style>
-          <a:lnRef idx="2">
-            <a:schemeClr val="accent1">
-              <a:shade val="50000"/>
-            </a:schemeClr>
-          </a:lnRef>
-          <a:fillRef idx="1">
-            <a:schemeClr val="accent1"/>
-          </a:fillRef>
-          <a:effectRef idx="0">
-            <a:schemeClr val="accent1"/>
-          </a:effectRef>
-          <a:fontRef idx="minor">
-            <a:schemeClr val="lt1"/>
-          </a:fontRef>
-        </p:style>
-        <p:txBody>
-          <a:bodyPr rtlCol="0" anchor="ctr"/>
-          <a:lstStyle/>
-          <a:p>
-            <a:pPr algn="ctr"/>
-            <a:r>
-              <a:rPr lang="en-US" dirty="0"/>
-              <a:t>Commit</a:t>
-            </a:r>
-          </a:p>
-        </p:txBody>
-      </p:sp>
-      <p:sp>
-        <p:nvSpPr>
-          <p:cNvPr id="23" name="Right Arrow 22">
-            <a:extLst>
-              <a:ext uri="{FF2B5EF4-FFF2-40B4-BE49-F238E27FC236}">
-                <a16:creationId xmlns:a16="http://schemas.microsoft.com/office/drawing/2014/main" id="{7D79DFC3-299F-234A-A80E-11BB85E5B11A}"/>
-              </a:ext>
-            </a:extLst>
-          </p:cNvPr>
-          <p:cNvSpPr/>
-          <p:nvPr/>
-        </p:nvSpPr>
-        <p:spPr>
-          <a:xfrm rot="5400000">
-            <a:off x="9147968" y="3315927"/>
-            <a:ext cx="1211125" cy="716014"/>
-          </a:xfrm>
-          <a:prstGeom prst="rightArrow">
-            <a:avLst/>
-          </a:prstGeom>
-        </p:spPr>
-        <p:style>
-          <a:lnRef idx="2">
-            <a:schemeClr val="accent1">
-              <a:shade val="50000"/>
-            </a:schemeClr>
-          </a:lnRef>
-          <a:fillRef idx="1">
-            <a:schemeClr val="accent1"/>
-          </a:fillRef>
-          <a:effectRef idx="0">
-            <a:schemeClr val="accent1"/>
-          </a:effectRef>
-          <a:fontRef idx="minor">
-            <a:schemeClr val="lt1"/>
-          </a:fontRef>
-        </p:style>
-        <p:txBody>
-          <a:bodyPr rtlCol="0" anchor="ctr"/>
-          <a:lstStyle/>
-          <a:p>
-            <a:pPr algn="ctr"/>
-            <a:r>
-              <a:rPr lang="en-US" dirty="0"/>
-              <a:t>Commit</a:t>
-            </a:r>
-          </a:p>
-        </p:txBody>
-      </p:sp>
-    </p:spTree>
-    <p:extLst>
-      <p:ext uri="{BB962C8B-B14F-4D97-AF65-F5344CB8AC3E}">
-        <p14:creationId xmlns:p14="http://schemas.microsoft.com/office/powerpoint/2010/main" val="1796237067"/>
-      </p:ext>
-    </p:extLst>
-  </p:cSld>
-  <p:clrMapOvr>
-    <a:masterClrMapping/>
-  </p:clrMapOvr>
-</p:sld>
-</file>
-
-<file path=ppt/slides/slide8.xml><?xml version="1.0" encoding="utf-8"?>
-<p:sld xmlns:a="http://schemas.openxmlformats.org/drawingml/2006/main" xmlns:r="http://schemas.openxmlformats.org/officeDocument/2006/relationships" xmlns:p="http://schemas.openxmlformats.org/presentationml/2006/main">
-  <p:cSld>
-    <p:spTree>
-      <p:nvGrpSpPr>
-        <p:cNvPr id="1" name=""/>
-        <p:cNvGrpSpPr/>
-        <p:nvPr/>
-      </p:nvGrpSpPr>
-      <p:grpSpPr>
-        <a:xfrm>
-          <a:off x="0" y="0"/>
-          <a:ext cx="0" cy="0"/>
-          <a:chOff x="0" y="0"/>
-          <a:chExt cx="0" cy="0"/>
-        </a:xfrm>
-      </p:grpSpPr>
-      <p:sp>
-        <p:nvSpPr>
-          <p:cNvPr id="2" name="Title 1">
-            <a:extLst>
-              <a:ext uri="{FF2B5EF4-FFF2-40B4-BE49-F238E27FC236}">
-                <a16:creationId xmlns:a16="http://schemas.microsoft.com/office/drawing/2014/main" id="{2610805D-9686-1A48-B43F-27CAA892E020}"/>
-              </a:ext>
-            </a:extLst>
-          </p:cNvPr>
-          <p:cNvSpPr>
-            <a:spLocks noGrp="1"/>
-          </p:cNvSpPr>
-          <p:nvPr>
-            <p:ph type="title"/>
-          </p:nvPr>
-        </p:nvSpPr>
-        <p:spPr/>
-        <p:txBody>
-          <a:bodyPr/>
-          <a:lstStyle/>
-          <a:p>
-            <a:r>
-              <a:rPr lang="en-US" dirty="0"/>
-              <a:t>What git does</a:t>
-            </a:r>
-          </a:p>
-        </p:txBody>
-      </p:sp>
-      <p:sp>
-        <p:nvSpPr>
-          <p:cNvPr id="3" name="Content Placeholder 2">
-            <a:extLst>
-              <a:ext uri="{FF2B5EF4-FFF2-40B4-BE49-F238E27FC236}">
-                <a16:creationId xmlns:a16="http://schemas.microsoft.com/office/drawing/2014/main" id="{9EE8F0B0-C3B9-EC4F-923B-C10D28B1778E}"/>
-              </a:ext>
-            </a:extLst>
-          </p:cNvPr>
-          <p:cNvSpPr>
-            <a:spLocks noGrp="1"/>
-          </p:cNvSpPr>
-          <p:nvPr>
-            <p:ph idx="1"/>
-          </p:nvPr>
-        </p:nvSpPr>
-        <p:spPr>
-          <a:xfrm>
-            <a:off x="838200" y="1825625"/>
-            <a:ext cx="10515600" cy="534803"/>
-          </a:xfrm>
-        </p:spPr>
-        <p:txBody>
-          <a:bodyPr/>
-          <a:lstStyle/>
-          <a:p>
-            <a:r>
-              <a:rPr lang="en-US" dirty="0"/>
-              <a:t>You can go back to previous versions (= backup)</a:t>
-            </a:r>
-          </a:p>
-        </p:txBody>
-      </p:sp>
-      <p:pic>
-        <p:nvPicPr>
-          <p:cNvPr id="4" name="Picture 3">
-            <a:extLst>
-              <a:ext uri="{FF2B5EF4-FFF2-40B4-BE49-F238E27FC236}">
-                <a16:creationId xmlns:a16="http://schemas.microsoft.com/office/drawing/2014/main" id="{668ABF48-AB9B-7645-AB59-BCB8E171D497}"/>
-              </a:ext>
-            </a:extLst>
-          </p:cNvPr>
-          <p:cNvPicPr>
-            <a:picLocks noChangeAspect="1"/>
-          </p:cNvPicPr>
-          <p:nvPr/>
-        </p:nvPicPr>
-        <p:blipFill>
-          <a:blip r:embed="rId3"/>
-          <a:stretch>
-            <a:fillRect/>
-          </a:stretch>
-        </p:blipFill>
-        <p:spPr>
-          <a:xfrm>
-            <a:off x="1396082" y="3119723"/>
-            <a:ext cx="3785847" cy="2606843"/>
-          </a:xfrm>
-          <a:prstGeom prst="rect">
-            <a:avLst/>
-          </a:prstGeom>
-        </p:spPr>
-      </p:pic>
-      <p:sp>
-        <p:nvSpPr>
-          <p:cNvPr id="5" name="Rectangle 4">
-            <a:extLst>
-              <a:ext uri="{FF2B5EF4-FFF2-40B4-BE49-F238E27FC236}">
-                <a16:creationId xmlns:a16="http://schemas.microsoft.com/office/drawing/2014/main" id="{E3533297-1744-D24B-AA1E-9F7D6340A4BE}"/>
-              </a:ext>
-            </a:extLst>
-          </p:cNvPr>
-          <p:cNvSpPr/>
-          <p:nvPr/>
-        </p:nvSpPr>
-        <p:spPr>
-          <a:xfrm>
-            <a:off x="6896657" y="3057217"/>
-            <a:ext cx="3487479" cy="2606843"/>
-          </a:xfrm>
-          <a:prstGeom prst="rect">
-            <a:avLst/>
-          </a:prstGeom>
-          <a:noFill/>
-          <a:ln w="57150">
-            <a:solidFill>
-              <a:schemeClr val="accent1"/>
-            </a:solidFill>
-          </a:ln>
-        </p:spPr>
-        <p:style>
-          <a:lnRef idx="2">
-            <a:schemeClr val="accent1">
-              <a:shade val="50000"/>
-            </a:schemeClr>
-          </a:lnRef>
-          <a:fillRef idx="1">
-            <a:schemeClr val="accent1"/>
-          </a:fillRef>
-          <a:effectRef idx="0">
-            <a:schemeClr val="accent1"/>
-          </a:effectRef>
-          <a:fontRef idx="minor">
-            <a:schemeClr val="lt1"/>
-          </a:fontRef>
-        </p:style>
-        <p:txBody>
-          <a:bodyPr rtlCol="0" anchor="ctr"/>
-          <a:lstStyle/>
-          <a:p>
-            <a:pPr algn="ctr"/>
-            <a:endParaRPr lang="en-US"/>
-          </a:p>
-        </p:txBody>
-      </p:sp>
-      <p:sp>
-        <p:nvSpPr>
-          <p:cNvPr id="6" name="TextBox 5">
-            <a:extLst>
-              <a:ext uri="{FF2B5EF4-FFF2-40B4-BE49-F238E27FC236}">
-                <a16:creationId xmlns:a16="http://schemas.microsoft.com/office/drawing/2014/main" id="{B80F779E-6DBA-194F-8236-5539BD020105}"/>
-              </a:ext>
-            </a:extLst>
-          </p:cNvPr>
-          <p:cNvSpPr txBox="1"/>
-          <p:nvPr/>
-        </p:nvSpPr>
-        <p:spPr>
-          <a:xfrm>
-            <a:off x="7435913" y="4068250"/>
-            <a:ext cx="2408966" cy="584775"/>
-          </a:xfrm>
-          <a:prstGeom prst="rect">
-            <a:avLst/>
-          </a:prstGeom>
-          <a:noFill/>
-        </p:spPr>
-        <p:txBody>
-          <a:bodyPr wrap="square" rtlCol="0">
-            <a:spAutoFit/>
-          </a:bodyPr>
-          <a:lstStyle/>
-          <a:p>
-            <a:r>
-              <a:rPr lang="en-US" sz="3200" dirty="0"/>
-              <a:t>Older version</a:t>
-            </a:r>
-          </a:p>
-        </p:txBody>
-      </p:sp>
-      <p:sp>
-        <p:nvSpPr>
-          <p:cNvPr id="7" name="Right Arrow 6">
-            <a:extLst>
-              <a:ext uri="{FF2B5EF4-FFF2-40B4-BE49-F238E27FC236}">
-                <a16:creationId xmlns:a16="http://schemas.microsoft.com/office/drawing/2014/main" id="{C1214B4C-A32B-2A4B-BF3F-1D476C4C8526}"/>
-              </a:ext>
-            </a:extLst>
-          </p:cNvPr>
-          <p:cNvSpPr/>
-          <p:nvPr/>
-        </p:nvSpPr>
-        <p:spPr>
-          <a:xfrm rot="10800000">
-            <a:off x="5569600" y="3679852"/>
-            <a:ext cx="914400" cy="1190846"/>
-          </a:xfrm>
-          <a:prstGeom prst="rightArrow">
-            <a:avLst/>
-          </a:prstGeom>
-        </p:spPr>
-        <p:style>
-          <a:lnRef idx="2">
-            <a:schemeClr val="accent1">
-              <a:shade val="50000"/>
-            </a:schemeClr>
-          </a:lnRef>
-          <a:fillRef idx="1">
-            <a:schemeClr val="accent1"/>
-          </a:fillRef>
-          <a:effectRef idx="0">
-            <a:schemeClr val="accent1"/>
-          </a:effectRef>
-          <a:fontRef idx="minor">
-            <a:schemeClr val="lt1"/>
-          </a:fontRef>
-        </p:style>
-        <p:txBody>
-          <a:bodyPr rtlCol="0" anchor="ctr"/>
-          <a:lstStyle/>
-          <a:p>
-            <a:pPr algn="ctr"/>
-            <a:endParaRPr lang="en-US" dirty="0"/>
-          </a:p>
-        </p:txBody>
-      </p:sp>
-      <p:sp>
-        <p:nvSpPr>
-          <p:cNvPr id="8" name="TextBox 7">
-            <a:extLst>
-              <a:ext uri="{FF2B5EF4-FFF2-40B4-BE49-F238E27FC236}">
-                <a16:creationId xmlns:a16="http://schemas.microsoft.com/office/drawing/2014/main" id="{31917C92-3C8E-BA41-AF73-7C73CD967180}"/>
-              </a:ext>
-            </a:extLst>
-          </p:cNvPr>
-          <p:cNvSpPr txBox="1"/>
-          <p:nvPr/>
-        </p:nvSpPr>
-        <p:spPr>
-          <a:xfrm>
-            <a:off x="4971115" y="4870698"/>
-            <a:ext cx="2038958" cy="461665"/>
-          </a:xfrm>
-          <a:prstGeom prst="rect">
-            <a:avLst/>
-          </a:prstGeom>
-          <a:noFill/>
-        </p:spPr>
-        <p:txBody>
-          <a:bodyPr wrap="square" rtlCol="0">
-            <a:spAutoFit/>
-          </a:bodyPr>
-          <a:lstStyle/>
-          <a:p>
-            <a:pPr algn="ctr"/>
-            <a:r>
-              <a:rPr lang="en-US" sz="2400" dirty="0"/>
-              <a:t>(Checkout)</a:t>
-            </a:r>
-          </a:p>
-        </p:txBody>
-      </p:sp>
-      <p:sp>
-        <p:nvSpPr>
-          <p:cNvPr id="9" name="TextBox 8">
-            <a:extLst>
-              <a:ext uri="{FF2B5EF4-FFF2-40B4-BE49-F238E27FC236}">
-                <a16:creationId xmlns:a16="http://schemas.microsoft.com/office/drawing/2014/main" id="{E6280B66-5527-B34C-80F1-B5B7FD48BEAD}"/>
-              </a:ext>
-            </a:extLst>
-          </p:cNvPr>
-          <p:cNvSpPr txBox="1"/>
-          <p:nvPr/>
-        </p:nvSpPr>
-        <p:spPr>
-          <a:xfrm>
-            <a:off x="1393405" y="2542279"/>
-            <a:ext cx="8990731" cy="461665"/>
-          </a:xfrm>
-          <a:prstGeom prst="rect">
-            <a:avLst/>
-          </a:prstGeom>
-          <a:noFill/>
-        </p:spPr>
-        <p:txBody>
-          <a:bodyPr wrap="none" rtlCol="0">
-            <a:spAutoFit/>
-          </a:bodyPr>
-          <a:lstStyle/>
-          <a:p>
-            <a:r>
-              <a:rPr lang="en-US" sz="2400" dirty="0"/>
-              <a:t>Overwrite what you have in your code folder with the “official version”</a:t>
-            </a:r>
-          </a:p>
-        </p:txBody>
-      </p:sp>
-    </p:spTree>
-    <p:extLst>
-      <p:ext uri="{BB962C8B-B14F-4D97-AF65-F5344CB8AC3E}">
-        <p14:creationId xmlns:p14="http://schemas.microsoft.com/office/powerpoint/2010/main" val="1782292058"/>
-      </p:ext>
-    </p:extLst>
-  </p:cSld>
-  <p:clrMapOvr>
-    <a:masterClrMapping/>
-  </p:clrMapOvr>
-</p:sld>
-</file>
-
-<file path=ppt/slides/slide9.xml><?xml version="1.0" encoding="utf-8"?>
-<p:sld xmlns:a="http://schemas.openxmlformats.org/drawingml/2006/main" xmlns:r="http://schemas.openxmlformats.org/officeDocument/2006/relationships" xmlns:p="http://schemas.openxmlformats.org/presentationml/2006/main">
-  <p:cSld>
-    <p:spTree>
-      <p:nvGrpSpPr>
-        <p:cNvPr id="1" name=""/>
-        <p:cNvGrpSpPr/>
-        <p:nvPr/>
-      </p:nvGrpSpPr>
-      <p:grpSpPr>
-        <a:xfrm>
-          <a:off x="0" y="0"/>
-          <a:ext cx="0" cy="0"/>
-          <a:chOff x="0" y="0"/>
-          <a:chExt cx="0" cy="0"/>
-        </a:xfrm>
-      </p:grpSpPr>
-      <p:sp>
-        <p:nvSpPr>
-          <p:cNvPr id="2" name="Title 1">
-            <a:extLst>
-              <a:ext uri="{FF2B5EF4-FFF2-40B4-BE49-F238E27FC236}">
-                <a16:creationId xmlns:a16="http://schemas.microsoft.com/office/drawing/2014/main" id="{42031C04-ED06-4F4F-AC1C-0EE7EB0C75DB}"/>
-              </a:ext>
-            </a:extLst>
-          </p:cNvPr>
-          <p:cNvSpPr>
-            <a:spLocks noGrp="1"/>
-          </p:cNvSpPr>
-          <p:nvPr>
-            <p:ph type="title"/>
-          </p:nvPr>
-        </p:nvSpPr>
-        <p:spPr/>
-        <p:txBody>
-          <a:bodyPr/>
-          <a:lstStyle/>
-          <a:p>
-            <a:r>
-              <a:rPr lang="en-US" dirty="0"/>
-              <a:t>What git does</a:t>
-            </a:r>
-          </a:p>
-        </p:txBody>
-      </p:sp>
-      <p:sp>
-        <p:nvSpPr>
-          <p:cNvPr id="3" name="Content Placeholder 2">
-            <a:extLst>
-              <a:ext uri="{FF2B5EF4-FFF2-40B4-BE49-F238E27FC236}">
-                <a16:creationId xmlns:a16="http://schemas.microsoft.com/office/drawing/2014/main" id="{08A86B15-38B7-484A-B3C8-F9ABEBED6B5B}"/>
-              </a:ext>
-            </a:extLst>
-          </p:cNvPr>
-          <p:cNvSpPr>
-            <a:spLocks noGrp="1"/>
-          </p:cNvSpPr>
-          <p:nvPr>
-            <p:ph idx="1"/>
-          </p:nvPr>
-        </p:nvSpPr>
-        <p:spPr>
-          <a:xfrm>
-            <a:off x="838200" y="1825625"/>
-            <a:ext cx="10515600" cy="1211126"/>
-          </a:xfrm>
-        </p:spPr>
-        <p:txBody>
-          <a:bodyPr>
-            <a:normAutofit fontScale="92500" lnSpcReduction="10000"/>
-          </a:bodyPr>
-          <a:lstStyle/>
-          <a:p>
-            <a:r>
-              <a:rPr lang="en-US" dirty="0"/>
-              <a:t>You can branch this chain of “official versions”</a:t>
-            </a:r>
-          </a:p>
-          <a:p>
-            <a:r>
-              <a:rPr lang="en-US" dirty="0"/>
-              <a:t>You can switch back and forth between the branches</a:t>
-            </a:r>
-            <a:br>
-              <a:rPr lang="en-US" dirty="0"/>
-            </a:br>
-            <a:r>
-              <a:rPr lang="en-US" dirty="0"/>
-              <a:t>(with “checkout”)</a:t>
-            </a:r>
-          </a:p>
-        </p:txBody>
-      </p:sp>
-      <p:sp>
-        <p:nvSpPr>
-          <p:cNvPr id="4" name="Rectangle 3">
-            <a:extLst>
-              <a:ext uri="{FF2B5EF4-FFF2-40B4-BE49-F238E27FC236}">
-                <a16:creationId xmlns:a16="http://schemas.microsoft.com/office/drawing/2014/main" id="{FB717413-ACA6-BA48-B6A8-097C048AF313}"/>
-              </a:ext>
-            </a:extLst>
-          </p:cNvPr>
-          <p:cNvSpPr/>
-          <p:nvPr/>
-        </p:nvSpPr>
-        <p:spPr>
-          <a:xfrm>
-            <a:off x="578587" y="3218269"/>
-            <a:ext cx="1649819" cy="1504507"/>
-          </a:xfrm>
-          <a:prstGeom prst="rect">
-            <a:avLst/>
-          </a:prstGeom>
-          <a:noFill/>
-          <a:ln w="57150">
-            <a:solidFill>
-              <a:schemeClr val="accent1"/>
-            </a:solidFill>
-          </a:ln>
-        </p:spPr>
-        <p:style>
-          <a:lnRef idx="2">
-            <a:schemeClr val="accent1">
-              <a:shade val="50000"/>
-            </a:schemeClr>
-          </a:lnRef>
-          <a:fillRef idx="1">
-            <a:schemeClr val="accent1"/>
-          </a:fillRef>
-          <a:effectRef idx="0">
-            <a:schemeClr val="accent1"/>
-          </a:effectRef>
-          <a:fontRef idx="minor">
-            <a:schemeClr val="lt1"/>
-          </a:fontRef>
-        </p:style>
-        <p:txBody>
-          <a:bodyPr rtlCol="0" anchor="ctr"/>
-          <a:lstStyle/>
-          <a:p>
-            <a:pPr algn="ctr"/>
-            <a:endParaRPr lang="en-US"/>
-          </a:p>
-        </p:txBody>
-      </p:sp>
-      <p:sp>
-        <p:nvSpPr>
-          <p:cNvPr id="5" name="Rectangle 4">
-            <a:extLst>
-              <a:ext uri="{FF2B5EF4-FFF2-40B4-BE49-F238E27FC236}">
-                <a16:creationId xmlns:a16="http://schemas.microsoft.com/office/drawing/2014/main" id="{07030C76-587E-854A-B5F3-C886001C206C}"/>
-              </a:ext>
-            </a:extLst>
-          </p:cNvPr>
-          <p:cNvSpPr/>
-          <p:nvPr/>
-        </p:nvSpPr>
-        <p:spPr>
-          <a:xfrm>
-            <a:off x="2974457" y="3218269"/>
-            <a:ext cx="1649819" cy="1504507"/>
-          </a:xfrm>
-          <a:prstGeom prst="rect">
-            <a:avLst/>
-          </a:prstGeom>
-          <a:noFill/>
-          <a:ln w="57150">
-            <a:solidFill>
-              <a:schemeClr val="accent1"/>
-            </a:solidFill>
-          </a:ln>
-        </p:spPr>
-        <p:style>
-          <a:lnRef idx="2">
-            <a:schemeClr val="accent1">
-              <a:shade val="50000"/>
-            </a:schemeClr>
-          </a:lnRef>
-          <a:fillRef idx="1">
-            <a:schemeClr val="accent1"/>
-          </a:fillRef>
-          <a:effectRef idx="0">
-            <a:schemeClr val="accent1"/>
-          </a:effectRef>
-          <a:fontRef idx="minor">
-            <a:schemeClr val="lt1"/>
-          </a:fontRef>
-        </p:style>
-        <p:txBody>
-          <a:bodyPr rtlCol="0" anchor="ctr"/>
-          <a:lstStyle/>
-          <a:p>
-            <a:pPr algn="ctr"/>
-            <a:endParaRPr lang="en-US"/>
-          </a:p>
-        </p:txBody>
-      </p:sp>
-      <p:sp>
-        <p:nvSpPr>
-          <p:cNvPr id="6" name="Rectangle 5">
-            <a:extLst>
-              <a:ext uri="{FF2B5EF4-FFF2-40B4-BE49-F238E27FC236}">
-                <a16:creationId xmlns:a16="http://schemas.microsoft.com/office/drawing/2014/main" id="{2EC54A47-8A95-E34A-9081-45CFEFA871D0}"/>
-              </a:ext>
-            </a:extLst>
-          </p:cNvPr>
-          <p:cNvSpPr/>
-          <p:nvPr/>
-        </p:nvSpPr>
-        <p:spPr>
-          <a:xfrm>
-            <a:off x="5271090" y="3218268"/>
-            <a:ext cx="1649819" cy="1504507"/>
-          </a:xfrm>
-          <a:prstGeom prst="rect">
-            <a:avLst/>
-          </a:prstGeom>
-          <a:noFill/>
-          <a:ln w="57150">
-            <a:solidFill>
-              <a:schemeClr val="accent1"/>
-            </a:solidFill>
-          </a:ln>
-        </p:spPr>
-        <p:style>
-          <a:lnRef idx="2">
-            <a:schemeClr val="accent1">
-              <a:shade val="50000"/>
-            </a:schemeClr>
-          </a:lnRef>
-          <a:fillRef idx="1">
-            <a:schemeClr val="accent1"/>
-          </a:fillRef>
-          <a:effectRef idx="0">
-            <a:schemeClr val="accent1"/>
-          </a:effectRef>
-          <a:fontRef idx="minor">
-            <a:schemeClr val="lt1"/>
-          </a:fontRef>
-        </p:style>
-        <p:txBody>
-          <a:bodyPr rtlCol="0" anchor="ctr"/>
-          <a:lstStyle/>
-          <a:p>
-            <a:pPr algn="ctr"/>
-            <a:endParaRPr lang="en-US"/>
-          </a:p>
-        </p:txBody>
-      </p:sp>
-      <p:sp>
-        <p:nvSpPr>
-          <p:cNvPr id="7" name="Rectangle 6">
-            <a:extLst>
-              <a:ext uri="{FF2B5EF4-FFF2-40B4-BE49-F238E27FC236}">
-                <a16:creationId xmlns:a16="http://schemas.microsoft.com/office/drawing/2014/main" id="{C5554EE0-65D0-CD43-8481-93607DDB19E4}"/>
-              </a:ext>
-            </a:extLst>
-          </p:cNvPr>
-          <p:cNvSpPr/>
-          <p:nvPr/>
-        </p:nvSpPr>
-        <p:spPr>
-          <a:xfrm>
-            <a:off x="7541141" y="3218267"/>
-            <a:ext cx="1649819" cy="1504507"/>
-          </a:xfrm>
-          <a:prstGeom prst="rect">
-            <a:avLst/>
-          </a:prstGeom>
-          <a:noFill/>
-          <a:ln w="57150">
-            <a:solidFill>
-              <a:schemeClr val="accent1"/>
-            </a:solidFill>
-          </a:ln>
-        </p:spPr>
-        <p:style>
-          <a:lnRef idx="2">
-            <a:schemeClr val="accent1">
-              <a:shade val="50000"/>
-            </a:schemeClr>
-          </a:lnRef>
-          <a:fillRef idx="1">
-            <a:schemeClr val="accent1"/>
-          </a:fillRef>
-          <a:effectRef idx="0">
-            <a:schemeClr val="accent1"/>
-          </a:effectRef>
-          <a:fontRef idx="minor">
-            <a:schemeClr val="lt1"/>
-          </a:fontRef>
-        </p:style>
-        <p:txBody>
-          <a:bodyPr rtlCol="0" anchor="ctr"/>
-          <a:lstStyle/>
-          <a:p>
-            <a:pPr algn="ctr"/>
-            <a:endParaRPr lang="en-US"/>
-          </a:p>
-        </p:txBody>
-      </p:sp>
-      <p:sp>
-        <p:nvSpPr>
-          <p:cNvPr id="8" name="Rectangle 7">
-            <a:extLst>
-              <a:ext uri="{FF2B5EF4-FFF2-40B4-BE49-F238E27FC236}">
-                <a16:creationId xmlns:a16="http://schemas.microsoft.com/office/drawing/2014/main" id="{06C0C9B6-F5EB-8E4E-AAC9-87D331FFEC21}"/>
-              </a:ext>
-            </a:extLst>
-          </p:cNvPr>
-          <p:cNvSpPr/>
-          <p:nvPr/>
-        </p:nvSpPr>
-        <p:spPr>
-          <a:xfrm>
-            <a:off x="9821824" y="3218267"/>
-            <a:ext cx="1649819" cy="1504507"/>
-          </a:xfrm>
-          <a:prstGeom prst="rect">
-            <a:avLst/>
-          </a:prstGeom>
-          <a:noFill/>
-          <a:ln w="57150">
-            <a:solidFill>
-              <a:schemeClr val="accent1"/>
-            </a:solidFill>
-          </a:ln>
-        </p:spPr>
-        <p:style>
-          <a:lnRef idx="2">
-            <a:schemeClr val="accent1">
-              <a:shade val="50000"/>
-            </a:schemeClr>
-          </a:lnRef>
-          <a:fillRef idx="1">
-            <a:schemeClr val="accent1"/>
-          </a:fillRef>
-          <a:effectRef idx="0">
-            <a:schemeClr val="accent1"/>
-          </a:effectRef>
-          <a:fontRef idx="minor">
-            <a:schemeClr val="lt1"/>
-          </a:fontRef>
-        </p:style>
-        <p:txBody>
-          <a:bodyPr rtlCol="0" anchor="ctr"/>
-          <a:lstStyle/>
-          <a:p>
-            <a:pPr algn="ctr"/>
-            <a:endParaRPr lang="en-US"/>
-          </a:p>
-        </p:txBody>
-      </p:sp>
-      <p:sp>
-        <p:nvSpPr>
-          <p:cNvPr id="9" name="Right Arrow 8">
-            <a:extLst>
-              <a:ext uri="{FF2B5EF4-FFF2-40B4-BE49-F238E27FC236}">
-                <a16:creationId xmlns:a16="http://schemas.microsoft.com/office/drawing/2014/main" id="{D26FE086-B4E6-154C-AF3E-3C8CD440E0E5}"/>
-              </a:ext>
-            </a:extLst>
-          </p:cNvPr>
-          <p:cNvSpPr/>
-          <p:nvPr/>
-        </p:nvSpPr>
-        <p:spPr>
-          <a:xfrm>
-            <a:off x="2355996" y="3723316"/>
-            <a:ext cx="489098" cy="478465"/>
-          </a:xfrm>
-          <a:prstGeom prst="rightArrow">
-            <a:avLst/>
-          </a:prstGeom>
-        </p:spPr>
-        <p:style>
-          <a:lnRef idx="2">
-            <a:schemeClr val="dk1">
-              <a:shade val="50000"/>
-            </a:schemeClr>
-          </a:lnRef>
-          <a:fillRef idx="1">
-            <a:schemeClr val="dk1"/>
-          </a:fillRef>
-          <a:effectRef idx="0">
-            <a:schemeClr val="dk1"/>
-          </a:effectRef>
-          <a:fontRef idx="minor">
-            <a:schemeClr val="lt1"/>
-          </a:fontRef>
-        </p:style>
-        <p:txBody>
-          <a:bodyPr rtlCol="0" anchor="ctr"/>
-          <a:lstStyle/>
-          <a:p>
-            <a:pPr algn="ctr"/>
-            <a:endParaRPr lang="en-US"/>
-          </a:p>
-        </p:txBody>
-      </p:sp>
-      <p:sp>
-        <p:nvSpPr>
-          <p:cNvPr id="10" name="Right Arrow 9">
-            <a:extLst>
-              <a:ext uri="{FF2B5EF4-FFF2-40B4-BE49-F238E27FC236}">
-                <a16:creationId xmlns:a16="http://schemas.microsoft.com/office/drawing/2014/main" id="{B3B62695-C954-1149-B4FB-43B59C861735}"/>
-              </a:ext>
-            </a:extLst>
-          </p:cNvPr>
-          <p:cNvSpPr/>
-          <p:nvPr/>
-        </p:nvSpPr>
-        <p:spPr>
-          <a:xfrm>
-            <a:off x="4732373" y="3731287"/>
-            <a:ext cx="489098" cy="478465"/>
-          </a:xfrm>
-          <a:prstGeom prst="rightArrow">
-            <a:avLst/>
-          </a:prstGeom>
-        </p:spPr>
-        <p:style>
-          <a:lnRef idx="2">
-            <a:schemeClr val="dk1">
-              <a:shade val="50000"/>
-            </a:schemeClr>
-          </a:lnRef>
-          <a:fillRef idx="1">
-            <a:schemeClr val="dk1"/>
-          </a:fillRef>
-          <a:effectRef idx="0">
-            <a:schemeClr val="dk1"/>
-          </a:effectRef>
-          <a:fontRef idx="minor">
-            <a:schemeClr val="lt1"/>
-          </a:fontRef>
-        </p:style>
-        <p:txBody>
-          <a:bodyPr rtlCol="0" anchor="ctr"/>
-          <a:lstStyle/>
-          <a:p>
-            <a:pPr algn="ctr"/>
-            <a:endParaRPr lang="en-US"/>
-          </a:p>
-        </p:txBody>
-      </p:sp>
-      <p:sp>
-        <p:nvSpPr>
-          <p:cNvPr id="11" name="Right Arrow 10">
-            <a:extLst>
-              <a:ext uri="{FF2B5EF4-FFF2-40B4-BE49-F238E27FC236}">
-                <a16:creationId xmlns:a16="http://schemas.microsoft.com/office/drawing/2014/main" id="{E7040A08-AB6D-8647-938E-4C98D1115CD2}"/>
-              </a:ext>
-            </a:extLst>
-          </p:cNvPr>
-          <p:cNvSpPr/>
-          <p:nvPr/>
-        </p:nvSpPr>
-        <p:spPr>
-          <a:xfrm>
-            <a:off x="6987363" y="3744581"/>
-            <a:ext cx="489098" cy="478465"/>
-          </a:xfrm>
-          <a:prstGeom prst="rightArrow">
-            <a:avLst/>
-          </a:prstGeom>
-        </p:spPr>
-        <p:style>
-          <a:lnRef idx="2">
-            <a:schemeClr val="dk1">
-              <a:shade val="50000"/>
-            </a:schemeClr>
-          </a:lnRef>
-          <a:fillRef idx="1">
-            <a:schemeClr val="dk1"/>
-          </a:fillRef>
-          <a:effectRef idx="0">
-            <a:schemeClr val="dk1"/>
-          </a:effectRef>
-          <a:fontRef idx="minor">
-            <a:schemeClr val="lt1"/>
-          </a:fontRef>
-        </p:style>
-        <p:txBody>
-          <a:bodyPr rtlCol="0" anchor="ctr"/>
-          <a:lstStyle/>
-          <a:p>
-            <a:pPr algn="ctr"/>
-            <a:endParaRPr lang="en-US"/>
-          </a:p>
-        </p:txBody>
-      </p:sp>
-      <p:sp>
-        <p:nvSpPr>
-          <p:cNvPr id="12" name="Right Arrow 11">
-            <a:extLst>
-              <a:ext uri="{FF2B5EF4-FFF2-40B4-BE49-F238E27FC236}">
-                <a16:creationId xmlns:a16="http://schemas.microsoft.com/office/drawing/2014/main" id="{D13EE5B1-383A-9C46-9C03-468C81B61CFD}"/>
-              </a:ext>
-            </a:extLst>
-          </p:cNvPr>
-          <p:cNvSpPr/>
-          <p:nvPr/>
-        </p:nvSpPr>
-        <p:spPr>
-          <a:xfrm>
-            <a:off x="9283109" y="3776479"/>
-            <a:ext cx="489098" cy="478465"/>
-          </a:xfrm>
-          <a:prstGeom prst="rightArrow">
-            <a:avLst/>
-          </a:prstGeom>
-        </p:spPr>
-        <p:style>
-          <a:lnRef idx="2">
-            <a:schemeClr val="dk1">
-              <a:shade val="50000"/>
-            </a:schemeClr>
-          </a:lnRef>
-          <a:fillRef idx="1">
-            <a:schemeClr val="dk1"/>
-          </a:fillRef>
-          <a:effectRef idx="0">
-            <a:schemeClr val="dk1"/>
-          </a:effectRef>
-          <a:fontRef idx="minor">
-            <a:schemeClr val="lt1"/>
-          </a:fontRef>
-        </p:style>
-        <p:txBody>
-          <a:bodyPr rtlCol="0" anchor="ctr"/>
-          <a:lstStyle/>
-          <a:p>
-            <a:pPr algn="ctr"/>
-            <a:endParaRPr lang="en-US"/>
-          </a:p>
-        </p:txBody>
-      </p:sp>
-      <p:sp>
-        <p:nvSpPr>
-          <p:cNvPr id="13" name="TextBox 12">
-            <a:extLst>
-              <a:ext uri="{FF2B5EF4-FFF2-40B4-BE49-F238E27FC236}">
-                <a16:creationId xmlns:a16="http://schemas.microsoft.com/office/drawing/2014/main" id="{7501C97A-2837-3845-9ED8-BD2DA9C93354}"/>
-              </a:ext>
-            </a:extLst>
-          </p:cNvPr>
-          <p:cNvSpPr txBox="1"/>
-          <p:nvPr/>
-        </p:nvSpPr>
-        <p:spPr>
-          <a:xfrm>
-            <a:off x="962221" y="3552926"/>
-            <a:ext cx="882549" cy="861774"/>
-          </a:xfrm>
-          <a:prstGeom prst="rect">
-            <a:avLst/>
-          </a:prstGeom>
-          <a:noFill/>
-        </p:spPr>
-        <p:txBody>
-          <a:bodyPr wrap="none" rtlCol="0">
-            <a:spAutoFit/>
-          </a:bodyPr>
-          <a:lstStyle/>
-          <a:p>
-            <a:pPr algn="ctr"/>
-            <a:r>
-              <a:rPr lang="en-US" dirty="0"/>
-              <a:t>Version</a:t>
-            </a:r>
-          </a:p>
-          <a:p>
-            <a:pPr algn="ctr"/>
-            <a:r>
-              <a:rPr lang="en-US" sz="3200" dirty="0"/>
-              <a:t>1</a:t>
-            </a:r>
-          </a:p>
-        </p:txBody>
-      </p:sp>
-      <p:sp>
-        <p:nvSpPr>
-          <p:cNvPr id="14" name="TextBox 13">
-            <a:extLst>
-              <a:ext uri="{FF2B5EF4-FFF2-40B4-BE49-F238E27FC236}">
-                <a16:creationId xmlns:a16="http://schemas.microsoft.com/office/drawing/2014/main" id="{B16E46B4-E75B-474D-A066-3B49D368916A}"/>
-              </a:ext>
-            </a:extLst>
-          </p:cNvPr>
-          <p:cNvSpPr txBox="1"/>
-          <p:nvPr/>
-        </p:nvSpPr>
-        <p:spPr>
-          <a:xfrm>
-            <a:off x="3358091" y="3552926"/>
-            <a:ext cx="882549" cy="861774"/>
-          </a:xfrm>
-          <a:prstGeom prst="rect">
-            <a:avLst/>
-          </a:prstGeom>
-          <a:noFill/>
-        </p:spPr>
-        <p:txBody>
-          <a:bodyPr wrap="none" rtlCol="0">
-            <a:spAutoFit/>
-          </a:bodyPr>
-          <a:lstStyle/>
-          <a:p>
-            <a:pPr algn="ctr"/>
-            <a:r>
-              <a:rPr lang="en-US" dirty="0"/>
-              <a:t>Version</a:t>
-            </a:r>
-          </a:p>
-          <a:p>
-            <a:pPr algn="ctr"/>
-            <a:r>
-              <a:rPr lang="en-US" sz="3200" dirty="0"/>
-              <a:t>2</a:t>
-            </a:r>
-          </a:p>
-        </p:txBody>
-      </p:sp>
-      <p:sp>
-        <p:nvSpPr>
-          <p:cNvPr id="15" name="TextBox 14">
-            <a:extLst>
-              <a:ext uri="{FF2B5EF4-FFF2-40B4-BE49-F238E27FC236}">
-                <a16:creationId xmlns:a16="http://schemas.microsoft.com/office/drawing/2014/main" id="{D93E2576-8E4D-5F42-8BBE-2A152C49BDA4}"/>
-              </a:ext>
-            </a:extLst>
-          </p:cNvPr>
-          <p:cNvSpPr txBox="1"/>
-          <p:nvPr/>
-        </p:nvSpPr>
-        <p:spPr>
-          <a:xfrm>
-            <a:off x="5641434" y="3531661"/>
-            <a:ext cx="882549" cy="861774"/>
-          </a:xfrm>
-          <a:prstGeom prst="rect">
-            <a:avLst/>
-          </a:prstGeom>
-          <a:noFill/>
-        </p:spPr>
-        <p:txBody>
-          <a:bodyPr wrap="none" rtlCol="0">
-            <a:spAutoFit/>
-          </a:bodyPr>
-          <a:lstStyle/>
-          <a:p>
-            <a:pPr algn="ctr"/>
-            <a:r>
-              <a:rPr lang="en-US" dirty="0"/>
-              <a:t>Version</a:t>
-            </a:r>
-          </a:p>
-          <a:p>
-            <a:pPr algn="ctr"/>
-            <a:r>
-              <a:rPr lang="en-US" sz="3200" dirty="0"/>
-              <a:t>3</a:t>
-            </a:r>
-          </a:p>
-        </p:txBody>
-      </p:sp>
-      <p:sp>
-        <p:nvSpPr>
-          <p:cNvPr id="16" name="TextBox 15">
-            <a:extLst>
-              <a:ext uri="{FF2B5EF4-FFF2-40B4-BE49-F238E27FC236}">
-                <a16:creationId xmlns:a16="http://schemas.microsoft.com/office/drawing/2014/main" id="{A393CD8D-314C-8745-BC2C-E4AEDF7ABF4F}"/>
-              </a:ext>
-            </a:extLst>
-          </p:cNvPr>
-          <p:cNvSpPr txBox="1"/>
-          <p:nvPr/>
-        </p:nvSpPr>
-        <p:spPr>
-          <a:xfrm>
-            <a:off x="7891945" y="3531661"/>
-            <a:ext cx="882549" cy="861774"/>
-          </a:xfrm>
-          <a:prstGeom prst="rect">
-            <a:avLst/>
-          </a:prstGeom>
-          <a:noFill/>
-        </p:spPr>
-        <p:txBody>
-          <a:bodyPr wrap="none" rtlCol="0">
-            <a:spAutoFit/>
-          </a:bodyPr>
-          <a:lstStyle/>
-          <a:p>
-            <a:pPr algn="ctr"/>
-            <a:r>
-              <a:rPr lang="en-US" dirty="0"/>
-              <a:t>Version</a:t>
-            </a:r>
-          </a:p>
-          <a:p>
-            <a:pPr algn="ctr"/>
-            <a:r>
-              <a:rPr lang="en-US" sz="3200" dirty="0"/>
-              <a:t>4</a:t>
-            </a:r>
-          </a:p>
-        </p:txBody>
-      </p:sp>
-      <p:sp>
-        <p:nvSpPr>
-          <p:cNvPr id="17" name="TextBox 16">
-            <a:extLst>
-              <a:ext uri="{FF2B5EF4-FFF2-40B4-BE49-F238E27FC236}">
-                <a16:creationId xmlns:a16="http://schemas.microsoft.com/office/drawing/2014/main" id="{8F13A522-8942-894D-A3EE-2AB383481ABD}"/>
-              </a:ext>
-            </a:extLst>
-          </p:cNvPr>
-          <p:cNvSpPr txBox="1"/>
-          <p:nvPr/>
-        </p:nvSpPr>
-        <p:spPr>
-          <a:xfrm>
-            <a:off x="10205458" y="3552926"/>
-            <a:ext cx="882549" cy="861774"/>
-          </a:xfrm>
-          <a:prstGeom prst="rect">
-            <a:avLst/>
-          </a:prstGeom>
-          <a:noFill/>
-        </p:spPr>
-        <p:txBody>
-          <a:bodyPr wrap="none" rtlCol="0">
-            <a:spAutoFit/>
-          </a:bodyPr>
-          <a:lstStyle/>
-          <a:p>
-            <a:pPr algn="ctr"/>
-            <a:r>
-              <a:rPr lang="en-US" dirty="0"/>
-              <a:t>Version</a:t>
-            </a:r>
-          </a:p>
-          <a:p>
-            <a:pPr algn="ctr"/>
-            <a:r>
-              <a:rPr lang="en-US" sz="3200" dirty="0"/>
-              <a:t>5</a:t>
-            </a:r>
-          </a:p>
-        </p:txBody>
-      </p:sp>
-      <p:sp>
-        <p:nvSpPr>
-          <p:cNvPr id="20" name="Right Arrow 19">
-            <a:extLst>
-              <a:ext uri="{FF2B5EF4-FFF2-40B4-BE49-F238E27FC236}">
-                <a16:creationId xmlns:a16="http://schemas.microsoft.com/office/drawing/2014/main" id="{2D586E1C-B38C-F940-9AB4-52382DB5609E}"/>
-              </a:ext>
-            </a:extLst>
-          </p:cNvPr>
-          <p:cNvSpPr/>
-          <p:nvPr/>
-        </p:nvSpPr>
-        <p:spPr>
-          <a:xfrm rot="5400000">
-            <a:off x="8880399" y="2721609"/>
-            <a:ext cx="1211125" cy="716014"/>
-          </a:xfrm>
-          <a:prstGeom prst="rightArrow">
-            <a:avLst/>
-          </a:prstGeom>
-        </p:spPr>
-        <p:style>
-          <a:lnRef idx="2">
-            <a:schemeClr val="accent1">
-              <a:shade val="50000"/>
-            </a:schemeClr>
-          </a:lnRef>
-          <a:fillRef idx="1">
-            <a:schemeClr val="accent1"/>
-          </a:fillRef>
-          <a:effectRef idx="0">
-            <a:schemeClr val="accent1"/>
-          </a:effectRef>
-          <a:fontRef idx="minor">
-            <a:schemeClr val="lt1"/>
-          </a:fontRef>
-        </p:style>
-        <p:txBody>
-          <a:bodyPr rtlCol="0" anchor="ctr"/>
-          <a:lstStyle/>
-          <a:p>
-            <a:pPr algn="ctr"/>
-            <a:r>
-              <a:rPr lang="en-US" dirty="0"/>
-              <a:t>Commit</a:t>
-            </a:r>
-          </a:p>
-        </p:txBody>
-      </p:sp>
-      <p:sp>
-        <p:nvSpPr>
-          <p:cNvPr id="22" name="Rectangle 21">
-            <a:extLst>
-              <a:ext uri="{FF2B5EF4-FFF2-40B4-BE49-F238E27FC236}">
-                <a16:creationId xmlns:a16="http://schemas.microsoft.com/office/drawing/2014/main" id="{A7394D52-29BF-FC4C-ACD5-88BEE6A7CFF2}"/>
-              </a:ext>
-            </a:extLst>
-          </p:cNvPr>
-          <p:cNvSpPr/>
-          <p:nvPr/>
-        </p:nvSpPr>
-        <p:spPr>
-          <a:xfrm>
-            <a:off x="8774494" y="5089130"/>
-            <a:ext cx="1649819" cy="1504507"/>
-          </a:xfrm>
-          <a:prstGeom prst="rect">
-            <a:avLst/>
-          </a:prstGeom>
-          <a:noFill/>
-          <a:ln w="57150">
-            <a:solidFill>
-              <a:schemeClr val="accent2"/>
-            </a:solidFill>
-          </a:ln>
-        </p:spPr>
-        <p:style>
-          <a:lnRef idx="2">
-            <a:schemeClr val="accent1">
-              <a:shade val="50000"/>
-            </a:schemeClr>
-          </a:lnRef>
-          <a:fillRef idx="1">
-            <a:schemeClr val="accent1"/>
-          </a:fillRef>
-          <a:effectRef idx="0">
-            <a:schemeClr val="accent1"/>
-          </a:effectRef>
-          <a:fontRef idx="minor">
-            <a:schemeClr val="lt1"/>
-          </a:fontRef>
-        </p:style>
-        <p:txBody>
-          <a:bodyPr rtlCol="0" anchor="ctr"/>
-          <a:lstStyle/>
-          <a:p>
-            <a:pPr algn="ctr"/>
-            <a:endParaRPr lang="en-US"/>
-          </a:p>
-        </p:txBody>
-      </p:sp>
-      <p:sp>
-        <p:nvSpPr>
-          <p:cNvPr id="23" name="TextBox 22">
-            <a:extLst>
-              <a:ext uri="{FF2B5EF4-FFF2-40B4-BE49-F238E27FC236}">
-                <a16:creationId xmlns:a16="http://schemas.microsoft.com/office/drawing/2014/main" id="{A6CCFD8D-50A4-CE4D-84F5-D05F7D385389}"/>
-              </a:ext>
-            </a:extLst>
-          </p:cNvPr>
-          <p:cNvSpPr txBox="1"/>
-          <p:nvPr/>
-        </p:nvSpPr>
-        <p:spPr>
-          <a:xfrm>
-            <a:off x="9158128" y="5456310"/>
-            <a:ext cx="882549" cy="861774"/>
-          </a:xfrm>
-          <a:prstGeom prst="rect">
-            <a:avLst/>
-          </a:prstGeom>
-          <a:noFill/>
-        </p:spPr>
-        <p:txBody>
-          <a:bodyPr wrap="none" rtlCol="0">
-            <a:spAutoFit/>
-          </a:bodyPr>
-          <a:lstStyle/>
-          <a:p>
-            <a:pPr algn="ctr"/>
-            <a:r>
-              <a:rPr lang="en-US" dirty="0"/>
-              <a:t>Version</a:t>
-            </a:r>
-          </a:p>
-          <a:p>
-            <a:pPr algn="ctr"/>
-            <a:r>
-              <a:rPr lang="en-US" sz="3200" dirty="0"/>
-              <a:t>5’</a:t>
-            </a:r>
-          </a:p>
-        </p:txBody>
-      </p:sp>
-      <p:sp>
-        <p:nvSpPr>
-          <p:cNvPr id="24" name="Right Arrow 23">
-            <a:extLst>
-              <a:ext uri="{FF2B5EF4-FFF2-40B4-BE49-F238E27FC236}">
-                <a16:creationId xmlns:a16="http://schemas.microsoft.com/office/drawing/2014/main" id="{F556EA99-A949-114B-9A07-E4678B2E0E54}"/>
-              </a:ext>
-            </a:extLst>
-          </p:cNvPr>
-          <p:cNvSpPr/>
-          <p:nvPr/>
-        </p:nvSpPr>
-        <p:spPr>
-          <a:xfrm rot="2444828">
-            <a:off x="8121500" y="4895998"/>
-            <a:ext cx="489098" cy="478465"/>
-          </a:xfrm>
-          <a:prstGeom prst="rightArrow">
-            <a:avLst/>
-          </a:prstGeom>
-        </p:spPr>
-        <p:style>
-          <a:lnRef idx="2">
-            <a:schemeClr val="dk1">
-              <a:shade val="50000"/>
-            </a:schemeClr>
-          </a:lnRef>
-          <a:fillRef idx="1">
-            <a:schemeClr val="dk1"/>
-          </a:fillRef>
-          <a:effectRef idx="0">
-            <a:schemeClr val="dk1"/>
-          </a:effectRef>
-          <a:fontRef idx="minor">
-            <a:schemeClr val="lt1"/>
-          </a:fontRef>
-        </p:style>
-        <p:txBody>
-          <a:bodyPr rtlCol="0" anchor="ctr"/>
-          <a:lstStyle/>
-          <a:p>
-            <a:pPr algn="ctr"/>
-            <a:endParaRPr lang="en-US"/>
-          </a:p>
-        </p:txBody>
-      </p:sp>
-      <p:sp>
-        <p:nvSpPr>
-          <p:cNvPr id="25" name="Right Arrow 24">
-            <a:extLst>
-              <a:ext uri="{FF2B5EF4-FFF2-40B4-BE49-F238E27FC236}">
-                <a16:creationId xmlns:a16="http://schemas.microsoft.com/office/drawing/2014/main" id="{A214FEAD-2D97-4E47-8A74-A113BBBD8477}"/>
-              </a:ext>
-            </a:extLst>
-          </p:cNvPr>
-          <p:cNvSpPr/>
-          <p:nvPr/>
-        </p:nvSpPr>
-        <p:spPr>
-          <a:xfrm rot="19547942">
-            <a:off x="6956592" y="5367605"/>
-            <a:ext cx="1211125" cy="716014"/>
-          </a:xfrm>
-          <a:prstGeom prst="rightArrow">
-            <a:avLst/>
-          </a:prstGeom>
-        </p:spPr>
-        <p:style>
-          <a:lnRef idx="2">
-            <a:schemeClr val="accent2">
-              <a:shade val="50000"/>
-            </a:schemeClr>
-          </a:lnRef>
-          <a:fillRef idx="1">
-            <a:schemeClr val="accent2"/>
-          </a:fillRef>
-          <a:effectRef idx="0">
-            <a:schemeClr val="accent2"/>
-          </a:effectRef>
-          <a:fontRef idx="minor">
-            <a:schemeClr val="lt1"/>
-          </a:fontRef>
-        </p:style>
-        <p:txBody>
-          <a:bodyPr rtlCol="0" anchor="ctr"/>
-          <a:lstStyle/>
-          <a:p>
-            <a:pPr algn="ctr"/>
-            <a:r>
-              <a:rPr lang="en-US" dirty="0"/>
-              <a:t>Commit</a:t>
-            </a:r>
-          </a:p>
-        </p:txBody>
-      </p:sp>
-    </p:spTree>
-    <p:extLst>
-      <p:ext uri="{BB962C8B-B14F-4D97-AF65-F5344CB8AC3E}">
-        <p14:creationId xmlns:p14="http://schemas.microsoft.com/office/powerpoint/2010/main" val="4082951577"/>
       </p:ext>
     </p:extLst>
   </p:cSld>

--- a/slides/GitHubIntro_2021.pptx
+++ b/slides/GitHubIntro_2021.pptx
@@ -5,7 +5,7 @@
     <p:sldMasterId id="2147483648" r:id="rId1"/>
   </p:sldMasterIdLst>
   <p:notesMasterIdLst>
-    <p:notesMasterId r:id="rId25"/>
+    <p:notesMasterId r:id="rId24"/>
   </p:notesMasterIdLst>
   <p:sldIdLst>
     <p:sldId id="256" r:id="rId2"/>
@@ -14,23 +14,22 @@
     <p:sldId id="276" r:id="rId5"/>
     <p:sldId id="277" r:id="rId6"/>
     <p:sldId id="278" r:id="rId7"/>
-    <p:sldId id="258" r:id="rId8"/>
-    <p:sldId id="259" r:id="rId9"/>
-    <p:sldId id="260" r:id="rId10"/>
-    <p:sldId id="261" r:id="rId11"/>
-    <p:sldId id="262" r:id="rId12"/>
-    <p:sldId id="264" r:id="rId13"/>
-    <p:sldId id="263" r:id="rId14"/>
-    <p:sldId id="265" r:id="rId15"/>
-    <p:sldId id="266" r:id="rId16"/>
-    <p:sldId id="267" r:id="rId17"/>
-    <p:sldId id="268" r:id="rId18"/>
-    <p:sldId id="269" r:id="rId19"/>
-    <p:sldId id="270" r:id="rId20"/>
-    <p:sldId id="271" r:id="rId21"/>
-    <p:sldId id="272" r:id="rId22"/>
-    <p:sldId id="274" r:id="rId23"/>
-    <p:sldId id="273" r:id="rId24"/>
+    <p:sldId id="259" r:id="rId8"/>
+    <p:sldId id="260" r:id="rId9"/>
+    <p:sldId id="261" r:id="rId10"/>
+    <p:sldId id="262" r:id="rId11"/>
+    <p:sldId id="264" r:id="rId12"/>
+    <p:sldId id="263" r:id="rId13"/>
+    <p:sldId id="265" r:id="rId14"/>
+    <p:sldId id="266" r:id="rId15"/>
+    <p:sldId id="267" r:id="rId16"/>
+    <p:sldId id="268" r:id="rId17"/>
+    <p:sldId id="269" r:id="rId18"/>
+    <p:sldId id="270" r:id="rId19"/>
+    <p:sldId id="271" r:id="rId20"/>
+    <p:sldId id="272" r:id="rId21"/>
+    <p:sldId id="274" r:id="rId22"/>
+    <p:sldId id="273" r:id="rId23"/>
   </p:sldIdLst>
   <p:sldSz cx="12192000" cy="6858000"/>
   <p:notesSz cx="6858000" cy="9144000"/>
@@ -637,13 +636,7 @@
           <a:p>
             <a:r>
               <a:rPr lang="en-US" dirty="0"/>
-              <a:t>This is what I think the essence of how git works.</a:t>
-            </a:r>
-          </a:p>
-          <a:p>
-            <a:r>
-              <a:rPr lang="en-US" dirty="0"/>
-              <a:t>Now what is </a:t>
+              <a:t>This basically adds another layer of this chain of “official version” which is now online (which someone created and uploaded to </a:t>
             </a:r>
             <a:r>
               <a:rPr lang="en-US" dirty="0" err="1"/>
@@ -651,32 +644,11 @@
             </a:r>
             <a:r>
               <a:rPr lang="en-US" dirty="0"/>
-              <a:t>?</a:t>
-            </a:r>
-          </a:p>
-          <a:p>
-            <a:r>
-              <a:rPr lang="en-US" dirty="0" err="1"/>
-              <a:t>Github</a:t>
-            </a:r>
-            <a:r>
-              <a:rPr lang="en-US" dirty="0"/>
-              <a:t> is a web service that lets you store these “official versions” or repositories online.</a:t>
-            </a:r>
-          </a:p>
-          <a:p>
-            <a:r>
-              <a:rPr lang="en-US" dirty="0"/>
-              <a:t>What I have described so far were all happening inside a single computer. Now </a:t>
-            </a:r>
-            <a:r>
-              <a:rPr lang="en-US" dirty="0" err="1"/>
-              <a:t>github</a:t>
-            </a:r>
-            <a:r>
-              <a:rPr lang="en-US" dirty="0"/>
-              <a:t> lets you share the same set of code across different computers.</a:t>
-            </a:r>
+              <a:t>).</a:t>
+            </a:r>
+          </a:p>
+          <a:p>
+            <a:endParaRPr lang="en-US" dirty="0"/>
           </a:p>
         </p:txBody>
       </p:sp>
@@ -706,7 +678,7 @@
     </p:spTree>
     <p:extLst>
       <p:ext uri="{BB962C8B-B14F-4D97-AF65-F5344CB8AC3E}">
-        <p14:creationId xmlns:p14="http://schemas.microsoft.com/office/powerpoint/2010/main" val="2898346331"/>
+        <p14:creationId xmlns:p14="http://schemas.microsoft.com/office/powerpoint/2010/main" val="2000193527"/>
       </p:ext>
     </p:extLst>
   </p:cSld>
@@ -762,19 +734,14 @@
           <a:p>
             <a:r>
               <a:rPr lang="en-US" dirty="0"/>
-              <a:t>This basically adds another layer of this chain of “official version” which is now online (which someone created and uploaded to </a:t>
-            </a:r>
-            <a:r>
-              <a:rPr lang="en-US" dirty="0" err="1"/>
-              <a:t>github</a:t>
-            </a:r>
+              <a:t>To use this code someone else wrote, you can just copy this ”original version” chain over to your computer, and now you have your own chain of original versions.</a:t>
+            </a:r>
+          </a:p>
+          <a:p>
             <a:r>
               <a:rPr lang="en-US" dirty="0"/>
-              <a:t>).</a:t>
-            </a:r>
-          </a:p>
-          <a:p>
-            <a:endParaRPr lang="en-US" dirty="0"/>
+              <a:t>These two chains of versions are called remote and local repository (in git jargon). This copying over the chain is called cloning.</a:t>
+            </a:r>
           </a:p>
         </p:txBody>
       </p:sp>
@@ -804,7 +771,7 @@
     </p:spTree>
     <p:extLst>
       <p:ext uri="{BB962C8B-B14F-4D97-AF65-F5344CB8AC3E}">
-        <p14:creationId xmlns:p14="http://schemas.microsoft.com/office/powerpoint/2010/main" val="2000193527"/>
+        <p14:creationId xmlns:p14="http://schemas.microsoft.com/office/powerpoint/2010/main" val="1540606455"/>
       </p:ext>
     </p:extLst>
   </p:cSld>
@@ -860,13 +827,13 @@
           <a:p>
             <a:r>
               <a:rPr lang="en-US" dirty="0"/>
-              <a:t>To use this code someone else wrote, you can just copy this ”original version” chain over to your computer, and now you have your own chain of original versions.</a:t>
+              <a:t>Now you can work on this ”local” chain of versions of your own just like I described before.</a:t>
             </a:r>
           </a:p>
           <a:p>
             <a:r>
               <a:rPr lang="en-US" dirty="0"/>
-              <a:t>These two chains of versions are called remote and local repository (in git jargon). This copying over the chain is called cloning.</a:t>
+              <a:t>You’d copy the latest version over to your folder, you add changes or add files,</a:t>
             </a:r>
           </a:p>
         </p:txBody>
@@ -897,7 +864,7 @@
     </p:spTree>
     <p:extLst>
       <p:ext uri="{BB962C8B-B14F-4D97-AF65-F5344CB8AC3E}">
-        <p14:creationId xmlns:p14="http://schemas.microsoft.com/office/powerpoint/2010/main" val="1540606455"/>
+        <p14:creationId xmlns:p14="http://schemas.microsoft.com/office/powerpoint/2010/main" val="764634690"/>
       </p:ext>
     </p:extLst>
   </p:cSld>
@@ -953,13 +920,15 @@
           <a:p>
             <a:r>
               <a:rPr lang="en-US" dirty="0"/>
-              <a:t>Now you can work on this ”local” chain of versions of your own just like I described before.</a:t>
-            </a:r>
-          </a:p>
-          <a:p>
+              <a:t>And then you register them, creating a new version, which is called </a:t>
+            </a:r>
+            <a:r>
+              <a:rPr lang="en-US" dirty="0" err="1"/>
+              <a:t>commiting</a:t>
+            </a:r>
             <a:r>
               <a:rPr lang="en-US" dirty="0"/>
-              <a:t>You’d copy the latest version over to your folder, you add changes or add files,</a:t>
+              <a:t>.</a:t>
             </a:r>
           </a:p>
         </p:txBody>
@@ -990,7 +959,7 @@
     </p:spTree>
     <p:extLst>
       <p:ext uri="{BB962C8B-B14F-4D97-AF65-F5344CB8AC3E}">
-        <p14:creationId xmlns:p14="http://schemas.microsoft.com/office/powerpoint/2010/main" val="764634690"/>
+        <p14:creationId xmlns:p14="http://schemas.microsoft.com/office/powerpoint/2010/main" val="3899183133"/>
       </p:ext>
     </p:extLst>
   </p:cSld>
@@ -1046,15 +1015,7 @@
           <a:p>
             <a:r>
               <a:rPr lang="en-US" dirty="0"/>
-              <a:t>And then you register them, creating a new version, which is called </a:t>
-            </a:r>
-            <a:r>
-              <a:rPr lang="en-US" dirty="0" err="1"/>
-              <a:t>commiting</a:t>
-            </a:r>
-            <a:r>
-              <a:rPr lang="en-US" dirty="0"/>
-              <a:t>.</a:t>
+              <a:t>And then the last, new step here is now you need to “upload” the new change you registered to your local “official copies” online, so that the same change is registered into the ”remote” or the online official copy chain. (called push)</a:t>
             </a:r>
           </a:p>
         </p:txBody>
@@ -1085,7 +1046,7 @@
     </p:spTree>
     <p:extLst>
       <p:ext uri="{BB962C8B-B14F-4D97-AF65-F5344CB8AC3E}">
-        <p14:creationId xmlns:p14="http://schemas.microsoft.com/office/powerpoint/2010/main" val="3899183133"/>
+        <p14:creationId xmlns:p14="http://schemas.microsoft.com/office/powerpoint/2010/main" val="4167946050"/>
       </p:ext>
     </p:extLst>
   </p:cSld>
@@ -1141,7 +1102,21 @@
           <a:p>
             <a:r>
               <a:rPr lang="en-US" dirty="0"/>
-              <a:t>And then the last, new step here is now you need to “upload” the new change you registered to your local “official copies” online, so that the same change is registered into the ”remote” or the online official copy chain. (called push)</a:t>
+              <a:t>And someone else using the same sets of code, who has her own “local” chain of versions (which is orange and on top) can download the new version you registered to the online chain (called pulling).</a:t>
+            </a:r>
+          </a:p>
+          <a:p>
+            <a:r>
+              <a:rPr lang="en-US" dirty="0"/>
+              <a:t>And this is how you can use </a:t>
+            </a:r>
+            <a:r>
+              <a:rPr lang="en-US" dirty="0" err="1"/>
+              <a:t>github</a:t>
+            </a:r>
+            <a:r>
+              <a:rPr lang="en-US" dirty="0"/>
+              <a:t> to work on a large set of code without overwriting each other, in a collaborative fashion.</a:t>
             </a:r>
           </a:p>
         </p:txBody>
@@ -1172,7 +1147,7 @@
     </p:spTree>
     <p:extLst>
       <p:ext uri="{BB962C8B-B14F-4D97-AF65-F5344CB8AC3E}">
-        <p14:creationId xmlns:p14="http://schemas.microsoft.com/office/powerpoint/2010/main" val="4167946050"/>
+        <p14:creationId xmlns:p14="http://schemas.microsoft.com/office/powerpoint/2010/main" val="2859738355"/>
       </p:ext>
     </p:extLst>
   </p:cSld>
@@ -1228,21 +1203,21 @@
           <a:p>
             <a:r>
               <a:rPr lang="en-US" dirty="0"/>
-              <a:t>And someone else using the same sets of code, who has her own “local” chain of versions (which is orange and on top) can download the new version you registered to the online chain (called pulling).</a:t>
+              <a:t>Obviously when multiple people are working on the same thing, nasty things like such as you and your lab mate try to register different changes at the same time on the same chain of versions and upload that.</a:t>
             </a:r>
           </a:p>
           <a:p>
             <a:r>
               <a:rPr lang="en-US" dirty="0"/>
-              <a:t>And this is how you can use </a:t>
+              <a:t>This creates </a:t>
             </a:r>
             <a:r>
               <a:rPr lang="en-US" dirty="0" err="1"/>
-              <a:t>github</a:t>
+              <a:t>confict</a:t>
             </a:r>
             <a:r>
               <a:rPr lang="en-US" dirty="0"/>
-              <a:t> to work on a large set of code without overwriting each other, in a collaborative fashion.</a:t>
+              <a:t>, but git generally deals with this nicely unless you are really working on the same line of the same code. In that case you need to sit together to resolve this conflict manually.</a:t>
             </a:r>
           </a:p>
         </p:txBody>
@@ -1273,7 +1248,7 @@
     </p:spTree>
     <p:extLst>
       <p:ext uri="{BB962C8B-B14F-4D97-AF65-F5344CB8AC3E}">
-        <p14:creationId xmlns:p14="http://schemas.microsoft.com/office/powerpoint/2010/main" val="2859738355"/>
+        <p14:creationId xmlns:p14="http://schemas.microsoft.com/office/powerpoint/2010/main" val="570414590"/>
       </p:ext>
     </p:extLst>
   </p:cSld>
@@ -1329,21 +1304,41 @@
           <a:p>
             <a:r>
               <a:rPr lang="en-US" dirty="0"/>
-              <a:t>Obviously when multiple people are working on the same thing, nasty things like such as you and your lab mate try to register different changes at the same time on the same chain of versions and upload that.</a:t>
+              <a:t>So that was it</a:t>
             </a:r>
           </a:p>
           <a:p>
             <a:r>
               <a:rPr lang="en-US" dirty="0"/>
-              <a:t>This creates </a:t>
+              <a:t>GitHub is a basically free web service so probably good idea to sign up</a:t>
+            </a:r>
+          </a:p>
+          <a:p>
+            <a:r>
+              <a:rPr lang="en-US" dirty="0"/>
+              <a:t>Git is basically command line program meaning that you type commands to things like terminal to get what I described done, but there are some apps that lets you do the same thing in a more graphical, intuitive way, and </a:t>
             </a:r>
             <a:r>
               <a:rPr lang="en-US" dirty="0" err="1"/>
-              <a:t>confict</a:t>
+              <a:t>sorucetree</a:t>
             </a:r>
             <a:r>
               <a:rPr lang="en-US" dirty="0"/>
-              <a:t>, but git generally deals with this nicely unless you are really working on the same line of the same code. In that case you need to sit together to resolve this conflict manually.</a:t>
+              <a:t> is one of them.</a:t>
+            </a:r>
+          </a:p>
+          <a:p>
+            <a:r>
+              <a:rPr lang="en-US" dirty="0"/>
+              <a:t>The last link is a tutorial page on </a:t>
+            </a:r>
+            <a:r>
+              <a:rPr lang="en-US" dirty="0" err="1"/>
+              <a:t>github</a:t>
+            </a:r>
+            <a:r>
+              <a:rPr lang="en-US" dirty="0"/>
+              <a:t>, but these tend to be full of jargons (like repository, commit, push/pull, clone…) but hopefully what I presented today help you read these through. </a:t>
             </a:r>
           </a:p>
         </p:txBody>
@@ -1365,128 +1360,7 @@
           <a:p>
             <a:fld id="{088D1698-BEDC-4148-A0B2-DD69094F96E1}" type="slidenum">
               <a:rPr lang="en-US" smtClean="0"/>
-              <a:t>21</a:t>
-            </a:fld>
-            <a:endParaRPr lang="en-US"/>
-          </a:p>
-        </p:txBody>
-      </p:sp>
-    </p:spTree>
-    <p:extLst>
-      <p:ext uri="{BB962C8B-B14F-4D97-AF65-F5344CB8AC3E}">
-        <p14:creationId xmlns:p14="http://schemas.microsoft.com/office/powerpoint/2010/main" val="570414590"/>
-      </p:ext>
-    </p:extLst>
-  </p:cSld>
-  <p:clrMapOvr>
-    <a:masterClrMapping/>
-  </p:clrMapOvr>
-</p:notes>
-</file>
-
-<file path=ppt/notesSlides/notesSlide18.xml><?xml version="1.0" encoding="utf-8"?>
-<p:notes xmlns:a="http://schemas.openxmlformats.org/drawingml/2006/main" xmlns:r="http://schemas.openxmlformats.org/officeDocument/2006/relationships" xmlns:p="http://schemas.openxmlformats.org/presentationml/2006/main">
-  <p:cSld>
-    <p:spTree>
-      <p:nvGrpSpPr>
-        <p:cNvPr id="1" name=""/>
-        <p:cNvGrpSpPr/>
-        <p:nvPr/>
-      </p:nvGrpSpPr>
-      <p:grpSpPr>
-        <a:xfrm>
-          <a:off x="0" y="0"/>
-          <a:ext cx="0" cy="0"/>
-          <a:chOff x="0" y="0"/>
-          <a:chExt cx="0" cy="0"/>
-        </a:xfrm>
-      </p:grpSpPr>
-      <p:sp>
-        <p:nvSpPr>
-          <p:cNvPr id="2" name="Slide Image Placeholder 1"/>
-          <p:cNvSpPr>
-            <a:spLocks noGrp="1" noRot="1" noChangeAspect="1"/>
-          </p:cNvSpPr>
-          <p:nvPr>
-            <p:ph type="sldImg"/>
-          </p:nvPr>
-        </p:nvSpPr>
-        <p:spPr/>
-      </p:sp>
-      <p:sp>
-        <p:nvSpPr>
-          <p:cNvPr id="3" name="Notes Placeholder 2"/>
-          <p:cNvSpPr>
-            <a:spLocks noGrp="1"/>
-          </p:cNvSpPr>
-          <p:nvPr>
-            <p:ph type="body" idx="1"/>
-          </p:nvPr>
-        </p:nvSpPr>
-        <p:spPr/>
-        <p:txBody>
-          <a:bodyPr/>
-          <a:lstStyle/>
-          <a:p>
-            <a:r>
-              <a:rPr lang="en-US" dirty="0"/>
-              <a:t>So that was it</a:t>
-            </a:r>
-          </a:p>
-          <a:p>
-            <a:r>
-              <a:rPr lang="en-US" dirty="0"/>
-              <a:t>GitHub is a basically free web service so probably good idea to sign up</a:t>
-            </a:r>
-          </a:p>
-          <a:p>
-            <a:r>
-              <a:rPr lang="en-US" dirty="0"/>
-              <a:t>Git is basically command line program meaning that you type commands to things like terminal to get what I described done, but there are some apps that lets you do the same thing in a more graphical, intuitive way, and </a:t>
-            </a:r>
-            <a:r>
-              <a:rPr lang="en-US" dirty="0" err="1"/>
-              <a:t>sorucetree</a:t>
-            </a:r>
-            <a:r>
-              <a:rPr lang="en-US" dirty="0"/>
-              <a:t> is one of them.</a:t>
-            </a:r>
-          </a:p>
-          <a:p>
-            <a:r>
-              <a:rPr lang="en-US" dirty="0"/>
-              <a:t>The last link is a tutorial page on </a:t>
-            </a:r>
-            <a:r>
-              <a:rPr lang="en-US" dirty="0" err="1"/>
-              <a:t>github</a:t>
-            </a:r>
-            <a:r>
-              <a:rPr lang="en-US" dirty="0"/>
-              <a:t>, but these tend to be full of jargons (like repository, commit, push/pull, clone…) but hopefully what I presented today help you read these through. </a:t>
-            </a:r>
-          </a:p>
-        </p:txBody>
-      </p:sp>
-      <p:sp>
-        <p:nvSpPr>
-          <p:cNvPr id="4" name="Slide Number Placeholder 3"/>
-          <p:cNvSpPr>
-            <a:spLocks noGrp="1"/>
-          </p:cNvSpPr>
-          <p:nvPr>
-            <p:ph type="sldNum" sz="quarter" idx="5"/>
-          </p:nvPr>
-        </p:nvSpPr>
-        <p:spPr/>
-        <p:txBody>
-          <a:bodyPr/>
-          <a:lstStyle/>
-          <a:p>
-            <a:fld id="{088D1698-BEDC-4148-A0B2-DD69094F96E1}" type="slidenum">
-              <a:rPr lang="en-US" smtClean="0"/>
-              <a:t>23</a:t>
+              <a:t>22</a:t>
             </a:fld>
             <a:endParaRPr lang="en-US"/>
           </a:p>
@@ -1670,8 +1544,57 @@
           <a:p>
             <a:r>
               <a:rPr lang="en-US" dirty="0"/>
-              <a:t>There are several kinds of typical problems you might encounter with coding while working in labs. For instance</a:t>
-            </a:r>
+              <a:t>So how does git and </a:t>
+            </a:r>
+            <a:r>
+              <a:rPr lang="en-US" dirty="0" err="1"/>
+              <a:t>github</a:t>
+            </a:r>
+            <a:r>
+              <a:rPr lang="en-US" dirty="0"/>
+              <a:t> solve this problem?</a:t>
+            </a:r>
+          </a:p>
+          <a:p>
+            <a:r>
+              <a:rPr lang="en-US" dirty="0"/>
+              <a:t>I’m </a:t>
+            </a:r>
+            <a:r>
+              <a:rPr lang="en-US" dirty="0" err="1"/>
+              <a:t>gonna</a:t>
+            </a:r>
+            <a:r>
+              <a:rPr lang="en-US" dirty="0"/>
+              <a:t> first explain what git is.</a:t>
+            </a:r>
+          </a:p>
+          <a:p>
+            <a:r>
+              <a:rPr lang="en-US" dirty="0"/>
+              <a:t>In essence what git lets you do is to make an “official copy/version” of your code folder</a:t>
+            </a:r>
+          </a:p>
+          <a:p>
+            <a:r>
+              <a:rPr lang="en-US" dirty="0"/>
+              <a:t>At least that’s how it feels when I am dealing with git</a:t>
+            </a:r>
+          </a:p>
+          <a:p>
+            <a:r>
+              <a:rPr lang="en-US" dirty="0"/>
+              <a:t>So you create a folder for your code, you write bunch of codes, and then create an official version or backup copy using git</a:t>
+            </a:r>
+          </a:p>
+          <a:p>
+            <a:r>
+              <a:rPr lang="en-US" dirty="0"/>
+              <a:t>This official version is called repository in git jargon</a:t>
+            </a:r>
+          </a:p>
+          <a:p>
+            <a:endParaRPr lang="en-US" dirty="0"/>
           </a:p>
         </p:txBody>
       </p:sp>
@@ -1701,7 +1624,7 @@
     </p:spTree>
     <p:extLst>
       <p:ext uri="{BB962C8B-B14F-4D97-AF65-F5344CB8AC3E}">
-        <p14:creationId xmlns:p14="http://schemas.microsoft.com/office/powerpoint/2010/main" val="3884066589"/>
+        <p14:creationId xmlns:p14="http://schemas.microsoft.com/office/powerpoint/2010/main" val="2973547581"/>
       </p:ext>
     </p:extLst>
   </p:cSld>
@@ -1757,57 +1680,20 @@
           <a:p>
             <a:r>
               <a:rPr lang="en-US" dirty="0"/>
-              <a:t>So how does git and </a:t>
-            </a:r>
-            <a:r>
-              <a:rPr lang="en-US" dirty="0" err="1"/>
-              <a:t>github</a:t>
-            </a:r>
+              <a:t>So now you have your actual code folder and your official version or repository.</a:t>
+            </a:r>
+          </a:p>
+          <a:p>
             <a:r>
               <a:rPr lang="en-US" dirty="0"/>
-              <a:t> solve this problem?</a:t>
+              <a:t>And then you might make some changes in the actual code files trying different things, adding or deleting files…</a:t>
             </a:r>
           </a:p>
           <a:p>
             <a:r>
               <a:rPr lang="en-US" dirty="0"/>
-              <a:t>I’m </a:t>
-            </a:r>
-            <a:r>
-              <a:rPr lang="en-US" dirty="0" err="1"/>
-              <a:t>gonna</a:t>
-            </a:r>
-            <a:r>
-              <a:rPr lang="en-US" dirty="0"/>
-              <a:t> first explain what git is.</a:t>
-            </a:r>
-          </a:p>
-          <a:p>
-            <a:r>
-              <a:rPr lang="en-US" dirty="0"/>
-              <a:t>In essence what git lets you do is to make an “official copy/version” of your code folder</a:t>
-            </a:r>
-          </a:p>
-          <a:p>
-            <a:r>
-              <a:rPr lang="en-US" dirty="0"/>
-              <a:t>At least that’s how it feels when I am dealing with git</a:t>
-            </a:r>
-          </a:p>
-          <a:p>
-            <a:r>
-              <a:rPr lang="en-US" dirty="0"/>
-              <a:t>So you create a folder for your code, you write bunch of codes, and then create an official version or backup copy using git</a:t>
-            </a:r>
-          </a:p>
-          <a:p>
-            <a:r>
-              <a:rPr lang="en-US" dirty="0"/>
-              <a:t>This official version is called repository in git jargon</a:t>
-            </a:r>
-          </a:p>
-          <a:p>
-            <a:endParaRPr lang="en-US" dirty="0"/>
+              <a:t>But none of these gets reflected on the “official copy” until you actively try to register them into the official copy (or repository)</a:t>
+            </a:r>
           </a:p>
         </p:txBody>
       </p:sp>
@@ -1837,7 +1723,7 @@
     </p:spTree>
     <p:extLst>
       <p:ext uri="{BB962C8B-B14F-4D97-AF65-F5344CB8AC3E}">
-        <p14:creationId xmlns:p14="http://schemas.microsoft.com/office/powerpoint/2010/main" val="2973547581"/>
+        <p14:creationId xmlns:p14="http://schemas.microsoft.com/office/powerpoint/2010/main" val="740191544"/>
       </p:ext>
     </p:extLst>
   </p:cSld>
@@ -1893,19 +1779,7 @@
           <a:p>
             <a:r>
               <a:rPr lang="en-US" dirty="0"/>
-              <a:t>So now you have your actual code folder and your official version or repository.</a:t>
-            </a:r>
-          </a:p>
-          <a:p>
-            <a:r>
-              <a:rPr lang="en-US" dirty="0"/>
-              <a:t>And then you might make some changes in the actual code files trying different things, adding or deleting files…</a:t>
-            </a:r>
-          </a:p>
-          <a:p>
-            <a:r>
-              <a:rPr lang="en-US" dirty="0"/>
-              <a:t>But none of these gets reflected on the “official copy” until you actively try to register them into the official copy (or repository)</a:t>
+              <a:t>And this act of registering new changes you made in the official version or repository is called committing in git jargon.</a:t>
             </a:r>
           </a:p>
         </p:txBody>
@@ -1936,7 +1810,7 @@
     </p:spTree>
     <p:extLst>
       <p:ext uri="{BB962C8B-B14F-4D97-AF65-F5344CB8AC3E}">
-        <p14:creationId xmlns:p14="http://schemas.microsoft.com/office/powerpoint/2010/main" val="740191544"/>
+        <p14:creationId xmlns:p14="http://schemas.microsoft.com/office/powerpoint/2010/main" val="3347162835"/>
       </p:ext>
     </p:extLst>
   </p:cSld>
@@ -1992,7 +1866,25 @@
           <a:p>
             <a:r>
               <a:rPr lang="en-US" dirty="0"/>
-              <a:t>And this act of registering new changes you made in the official version or repository is called committing in git jargon.</a:t>
+              <a:t>So you keep making changes, adding new piece of code, and once you are sure what you wrote works, you register or commit that into your official version.</a:t>
+            </a:r>
+          </a:p>
+          <a:p>
+            <a:r>
+              <a:rPr lang="en-US" dirty="0"/>
+              <a:t>But the important thing is that even if you register new changes onto your official version of the code folder, git doesn’t forget what it looked like before you registered new change.</a:t>
+            </a:r>
+          </a:p>
+          <a:p>
+            <a:r>
+              <a:rPr lang="en-US" dirty="0"/>
+              <a:t>In other words you are creating new “version” of the “official copy”, every time you register new changes.</a:t>
+            </a:r>
+          </a:p>
+          <a:p>
+            <a:r>
+              <a:rPr lang="en-US" dirty="0"/>
+              <a:t>This leaves you with a chain of versions of your official copies.</a:t>
             </a:r>
           </a:p>
         </p:txBody>
@@ -2023,7 +1915,7 @@
     </p:spTree>
     <p:extLst>
       <p:ext uri="{BB962C8B-B14F-4D97-AF65-F5344CB8AC3E}">
-        <p14:creationId xmlns:p14="http://schemas.microsoft.com/office/powerpoint/2010/main" val="3347162835"/>
+        <p14:creationId xmlns:p14="http://schemas.microsoft.com/office/powerpoint/2010/main" val="3127464190"/>
       </p:ext>
     </p:extLst>
   </p:cSld>
@@ -2079,25 +1971,13 @@
           <a:p>
             <a:r>
               <a:rPr lang="en-US" dirty="0"/>
-              <a:t>So you keep making changes, adding new piece of code, and once you are sure what you wrote works, you register or commit that into your official version.</a:t>
+              <a:t>And you can copy any of your older official versions back onto your actual code folder.</a:t>
             </a:r>
           </a:p>
           <a:p>
             <a:r>
               <a:rPr lang="en-US" dirty="0"/>
-              <a:t>But the important thing is that even if you register new changes onto your official version of the code folder, git doesn’t forget what it looked like before you registered new change.</a:t>
-            </a:r>
-          </a:p>
-          <a:p>
-            <a:r>
-              <a:rPr lang="en-US" dirty="0"/>
-              <a:t>In other words you are creating new “version” of the “official copy”, every time you register new changes.</a:t>
-            </a:r>
-          </a:p>
-          <a:p>
-            <a:r>
-              <a:rPr lang="en-US" dirty="0"/>
-              <a:t>This leaves you with a chain of versions of your official copies.</a:t>
+              <a:t>So this kind of works as a backup, preventing the first problem I pointed out in the beginning.</a:t>
             </a:r>
           </a:p>
         </p:txBody>
@@ -2128,7 +2008,7 @@
     </p:spTree>
     <p:extLst>
       <p:ext uri="{BB962C8B-B14F-4D97-AF65-F5344CB8AC3E}">
-        <p14:creationId xmlns:p14="http://schemas.microsoft.com/office/powerpoint/2010/main" val="3127464190"/>
+        <p14:creationId xmlns:p14="http://schemas.microsoft.com/office/powerpoint/2010/main" val="2929568709"/>
       </p:ext>
     </p:extLst>
   </p:cSld>
@@ -2184,14 +2064,47 @@
           <a:p>
             <a:r>
               <a:rPr lang="en-US" dirty="0"/>
-              <a:t>And you can copy any of your older official versions back onto your actual code folder.</a:t>
+              <a:t>Not only just adding new changes onto a single linear chain of “official versions”, git lets you “branch” the chain of this official version.</a:t>
             </a:r>
           </a:p>
           <a:p>
             <a:r>
               <a:rPr lang="en-US" dirty="0"/>
-              <a:t>So this kind of works as a backup, preventing the first problem I pointed out in the beginning.</a:t>
-            </a:r>
+              <a:t>I think you can kind of see how this might be useful when multiple people are using the same computer for different experiments.</a:t>
+            </a:r>
+          </a:p>
+          <a:p>
+            <a:r>
+              <a:rPr lang="en-US" dirty="0"/>
+              <a:t>So for example you have some code you use to present stimulus or acquire data, and you are keeping this chain of “official versions” from version1 , 2 3, 4, 5 left to right.</a:t>
+            </a:r>
+          </a:p>
+          <a:p>
+            <a:r>
+              <a:rPr lang="en-US" dirty="0"/>
+              <a:t>Then someone joins the lab and starts using the same computer, and she wants to do something a bit different than what you are trying to do.</a:t>
+            </a:r>
+          </a:p>
+          <a:p>
+            <a:r>
+              <a:rPr lang="en-US" dirty="0"/>
+              <a:t>So what she can do is to declare that she’s going to make a new branch based on this version 4 (second from the right) and start adding different changes (version 5’ in orange).</a:t>
+            </a:r>
+          </a:p>
+          <a:p>
+            <a:r>
+              <a:rPr lang="en-US" dirty="0"/>
+              <a:t>Every time you or your lab mate run experiments using this computer, you can just copy the latest version of one of these two branched chain of “original copies” over the code folder.</a:t>
+            </a:r>
+          </a:p>
+          <a:p>
+            <a:r>
+              <a:rPr lang="en-US" dirty="0"/>
+              <a:t>You can switch back and forth without changing anything on the other branch you are not using. This solves the 2nd problem.</a:t>
+            </a:r>
+          </a:p>
+          <a:p>
+            <a:endParaRPr lang="en-US" dirty="0"/>
           </a:p>
         </p:txBody>
       </p:sp>
@@ -2221,7 +2134,7 @@
     </p:spTree>
     <p:extLst>
       <p:ext uri="{BB962C8B-B14F-4D97-AF65-F5344CB8AC3E}">
-        <p14:creationId xmlns:p14="http://schemas.microsoft.com/office/powerpoint/2010/main" val="2929568709"/>
+        <p14:creationId xmlns:p14="http://schemas.microsoft.com/office/powerpoint/2010/main" val="3521015329"/>
       </p:ext>
     </p:extLst>
   </p:cSld>
@@ -2277,47 +2190,46 @@
           <a:p>
             <a:r>
               <a:rPr lang="en-US" dirty="0"/>
-              <a:t>Not only just adding new changes onto a single linear chain of “official versions”, git lets you “branch” the chain of this official version.</a:t>
+              <a:t>This is what I think the essence of how git works.</a:t>
             </a:r>
           </a:p>
           <a:p>
             <a:r>
               <a:rPr lang="en-US" dirty="0"/>
-              <a:t>I think you can kind of see how this might be useful when multiple people are using the same computer for different experiments.</a:t>
-            </a:r>
-          </a:p>
-          <a:p>
+              <a:t>Now what is </a:t>
+            </a:r>
+            <a:r>
+              <a:rPr lang="en-US" dirty="0" err="1"/>
+              <a:t>github</a:t>
+            </a:r>
             <a:r>
               <a:rPr lang="en-US" dirty="0"/>
-              <a:t>So for example you have some code you use to present stimulus or acquire data, and you are keeping this chain of “official versions” from version1 , 2 3, 4, 5 left to right.</a:t>
-            </a:r>
-          </a:p>
-          <a:p>
+              <a:t>?</a:t>
+            </a:r>
+          </a:p>
+          <a:p>
+            <a:r>
+              <a:rPr lang="en-US" dirty="0" err="1"/>
+              <a:t>Github</a:t>
+            </a:r>
             <a:r>
               <a:rPr lang="en-US" dirty="0"/>
-              <a:t>Then someone joins the lab and starts using the same computer, and she wants to do something a bit different than what you are trying to do.</a:t>
+              <a:t> is a web service that lets you store these “official versions” or repositories online.</a:t>
             </a:r>
           </a:p>
           <a:p>
             <a:r>
               <a:rPr lang="en-US" dirty="0"/>
-              <a:t>So what she can do is to declare that she’s going to make a new branch based on this version 4 (second from the right) and start adding different changes (version 5’ in orange).</a:t>
-            </a:r>
-          </a:p>
-          <a:p>
+              <a:t>What I have described so far were all happening inside a single computer. Now </a:t>
+            </a:r>
+            <a:r>
+              <a:rPr lang="en-US" dirty="0" err="1"/>
+              <a:t>github</a:t>
+            </a:r>
             <a:r>
               <a:rPr lang="en-US" dirty="0"/>
-              <a:t>Every time you or your lab mate run experiments using this computer, you can just copy the latest version of one of these two branched chain of “original copies” over the code folder.</a:t>
-            </a:r>
-          </a:p>
-          <a:p>
-            <a:r>
-              <a:rPr lang="en-US" dirty="0"/>
-              <a:t>You can switch back and forth without changing anything on the other branch you are not using. This solves the 2nd problem.</a:t>
-            </a:r>
-          </a:p>
-          <a:p>
-            <a:endParaRPr lang="en-US" dirty="0"/>
+              <a:t> lets you share the same set of code across different computers.</a:t>
+            </a:r>
           </a:p>
         </p:txBody>
       </p:sp>
@@ -2347,7 +2259,7 @@
     </p:spTree>
     <p:extLst>
       <p:ext uri="{BB962C8B-B14F-4D97-AF65-F5344CB8AC3E}">
-        <p14:creationId xmlns:p14="http://schemas.microsoft.com/office/powerpoint/2010/main" val="3521015329"/>
+        <p14:creationId xmlns:p14="http://schemas.microsoft.com/office/powerpoint/2010/main" val="2898346331"/>
       </p:ext>
     </p:extLst>
   </p:cSld>
@@ -5593,7 +5505,10 @@
           <a:lstStyle/>
           <a:p>
             <a:r>
-              <a:rPr lang="en-US" dirty="0"/>
+              <a:rPr lang="en-US" dirty="0">
+                <a:latin typeface="Arial" panose="020B0604020202020204" pitchFamily="34" charset="0"/>
+                <a:cs typeface="Arial" panose="020B0604020202020204" pitchFamily="34" charset="0"/>
+              </a:rPr>
               <a:t>Intro to git/GitHub</a:t>
             </a:r>
           </a:p>
@@ -5621,7 +5536,10 @@
           <a:lstStyle/>
           <a:p>
             <a:r>
-              <a:rPr lang="en-US" dirty="0"/>
+              <a:rPr lang="en-US" dirty="0">
+                <a:latin typeface="Arial" panose="020B0604020202020204" pitchFamily="34" charset="0"/>
+                <a:cs typeface="Arial" panose="020B0604020202020204" pitchFamily="34" charset="0"/>
+              </a:rPr>
               <a:t>INP Bootcamp 2021</a:t>
             </a:r>
           </a:p>
@@ -5662,7 +5580,7 @@
           <p:cNvPr id="2" name="Title 1">
             <a:extLst>
               <a:ext uri="{FF2B5EF4-FFF2-40B4-BE49-F238E27FC236}">
-                <a16:creationId xmlns:a16="http://schemas.microsoft.com/office/drawing/2014/main" id="{BECE5C01-AD4B-7C4C-A170-7D9958B98F8F}"/>
+                <a16:creationId xmlns:a16="http://schemas.microsoft.com/office/drawing/2014/main" id="{67F37A64-6EF2-2948-9993-A91D57D654DA}"/>
               </a:ext>
             </a:extLst>
           </p:cNvPr>
@@ -5679,18 +5597,21 @@
           <a:lstStyle/>
           <a:p>
             <a:r>
-              <a:rPr lang="en-US" dirty="0"/>
-              <a:t>What git does</a:t>
-            </a:r>
-          </a:p>
-        </p:txBody>
-      </p:sp>
-      <p:sp>
-        <p:nvSpPr>
-          <p:cNvPr id="3" name="Content Placeholder 2">
-            <a:extLst>
-              <a:ext uri="{FF2B5EF4-FFF2-40B4-BE49-F238E27FC236}">
-                <a16:creationId xmlns:a16="http://schemas.microsoft.com/office/drawing/2014/main" id="{CA4F2FAD-758E-5D4B-BB8B-81461B6EFCFC}"/>
+              <a:rPr lang="en-US" dirty="0">
+                <a:latin typeface="Arial" panose="020B0604020202020204" pitchFamily="34" charset="0"/>
+                <a:cs typeface="Arial" panose="020B0604020202020204" pitchFamily="34" charset="0"/>
+              </a:rPr>
+              <a:t>File versions</a:t>
+            </a:r>
+          </a:p>
+        </p:txBody>
+      </p:sp>
+      <p:sp>
+        <p:nvSpPr>
+          <p:cNvPr id="19" name="Content Placeholder 18">
+            <a:extLst>
+              <a:ext uri="{FF2B5EF4-FFF2-40B4-BE49-F238E27FC236}">
+                <a16:creationId xmlns:a16="http://schemas.microsoft.com/office/drawing/2014/main" id="{11AA10A6-C4FB-8B4E-914B-08659DDF0453}"/>
               </a:ext>
             </a:extLst>
           </p:cNvPr>
@@ -5704,369 +5625,23 @@
         <p:spPr>
           <a:xfrm>
             <a:off x="838200" y="1825625"/>
-            <a:ext cx="10515600" cy="1325563"/>
-          </a:xfrm>
-        </p:spPr>
-        <p:txBody>
-          <a:bodyPr/>
-          <a:lstStyle/>
-          <a:p>
-            <a:r>
-              <a:rPr lang="en-US" dirty="0"/>
-              <a:t>Changes you make in the folder (e.g. more lines in existing codes, new files) are not reflected to the “official version” until you actively register them (“commit”)</a:t>
-            </a:r>
-          </a:p>
-        </p:txBody>
-      </p:sp>
-      <p:pic>
-        <p:nvPicPr>
-          <p:cNvPr id="4" name="Picture 3">
-            <a:extLst>
-              <a:ext uri="{FF2B5EF4-FFF2-40B4-BE49-F238E27FC236}">
-                <a16:creationId xmlns:a16="http://schemas.microsoft.com/office/drawing/2014/main" id="{30BC7034-0E3E-A947-8FF9-21F89446D9CC}"/>
-              </a:ext>
-            </a:extLst>
-          </p:cNvPr>
-          <p:cNvPicPr>
-            <a:picLocks noChangeAspect="1"/>
-          </p:cNvPicPr>
-          <p:nvPr/>
-        </p:nvPicPr>
-        <p:blipFill>
-          <a:blip r:embed="rId3"/>
-          <a:stretch>
-            <a:fillRect/>
-          </a:stretch>
-        </p:blipFill>
-        <p:spPr>
-          <a:xfrm>
-            <a:off x="1396082" y="3598188"/>
-            <a:ext cx="3785847" cy="2606843"/>
-          </a:xfrm>
-          <a:prstGeom prst="rect">
-            <a:avLst/>
-          </a:prstGeom>
-        </p:spPr>
-      </p:pic>
-      <p:sp>
-        <p:nvSpPr>
-          <p:cNvPr id="5" name="Rectangle 4">
-            <a:extLst>
-              <a:ext uri="{FF2B5EF4-FFF2-40B4-BE49-F238E27FC236}">
-                <a16:creationId xmlns:a16="http://schemas.microsoft.com/office/drawing/2014/main" id="{6C387F3F-54C3-1541-BCDC-4C7800CE6A8B}"/>
-              </a:ext>
-            </a:extLst>
-          </p:cNvPr>
-          <p:cNvSpPr/>
-          <p:nvPr/>
-        </p:nvSpPr>
-        <p:spPr>
-          <a:xfrm>
-            <a:off x="6896657" y="3535682"/>
-            <a:ext cx="3487479" cy="2606843"/>
-          </a:xfrm>
-          <a:prstGeom prst="rect">
-            <a:avLst/>
-          </a:prstGeom>
-          <a:noFill/>
-          <a:ln w="57150">
-            <a:solidFill>
-              <a:schemeClr val="accent1"/>
-            </a:solidFill>
-          </a:ln>
-        </p:spPr>
-        <p:style>
-          <a:lnRef idx="2">
-            <a:schemeClr val="accent1">
-              <a:shade val="50000"/>
-            </a:schemeClr>
-          </a:lnRef>
-          <a:fillRef idx="1">
-            <a:schemeClr val="accent1"/>
-          </a:fillRef>
-          <a:effectRef idx="0">
-            <a:schemeClr val="accent1"/>
-          </a:effectRef>
-          <a:fontRef idx="minor">
-            <a:schemeClr val="lt1"/>
-          </a:fontRef>
-        </p:style>
-        <p:txBody>
-          <a:bodyPr rtlCol="0" anchor="ctr"/>
-          <a:lstStyle/>
-          <a:p>
-            <a:pPr algn="ctr"/>
-            <a:endParaRPr lang="en-US"/>
-          </a:p>
-        </p:txBody>
-      </p:sp>
-      <p:sp>
-        <p:nvSpPr>
-          <p:cNvPr id="6" name="TextBox 5">
-            <a:extLst>
-              <a:ext uri="{FF2B5EF4-FFF2-40B4-BE49-F238E27FC236}">
-                <a16:creationId xmlns:a16="http://schemas.microsoft.com/office/drawing/2014/main" id="{D25A24DE-A175-D744-A5E3-8BE469FCCF91}"/>
-              </a:ext>
-            </a:extLst>
-          </p:cNvPr>
-          <p:cNvSpPr txBox="1"/>
-          <p:nvPr/>
-        </p:nvSpPr>
-        <p:spPr>
-          <a:xfrm>
-            <a:off x="7514262" y="4153576"/>
-            <a:ext cx="1916818" cy="1569660"/>
-          </a:xfrm>
-          <a:prstGeom prst="rect">
-            <a:avLst/>
-          </a:prstGeom>
-          <a:noFill/>
-        </p:spPr>
-        <p:txBody>
-          <a:bodyPr wrap="square" rtlCol="0">
-            <a:spAutoFit/>
-          </a:bodyPr>
-          <a:lstStyle/>
-          <a:p>
-            <a:pPr marL="342900" indent="-342900">
-              <a:buFont typeface="Arial" panose="020B0604020202020204" pitchFamily="34" charset="0"/>
-              <a:buChar char="•"/>
-            </a:pPr>
-            <a:r>
-              <a:rPr lang="en-US" sz="2400" dirty="0"/>
-              <a:t>Code1.m</a:t>
-            </a:r>
-          </a:p>
-          <a:p>
-            <a:pPr marL="342900" indent="-342900">
-              <a:buFont typeface="Arial" panose="020B0604020202020204" pitchFamily="34" charset="0"/>
-              <a:buChar char="•"/>
-            </a:pPr>
-            <a:r>
-              <a:rPr lang="en-US" sz="2400" dirty="0"/>
-              <a:t>Code2.m</a:t>
-            </a:r>
-          </a:p>
-          <a:p>
-            <a:pPr marL="342900" indent="-342900">
-              <a:buFont typeface="Arial" panose="020B0604020202020204" pitchFamily="34" charset="0"/>
-              <a:buChar char="•"/>
-            </a:pPr>
-            <a:r>
-              <a:rPr lang="en-US" sz="2400" dirty="0"/>
-              <a:t>Code3.m</a:t>
-            </a:r>
-          </a:p>
-          <a:p>
-            <a:pPr marL="342900" indent="-342900">
-              <a:buFont typeface="Arial" panose="020B0604020202020204" pitchFamily="34" charset="0"/>
-              <a:buChar char="•"/>
-            </a:pPr>
-            <a:r>
-              <a:rPr lang="en-US" sz="2400" dirty="0"/>
-              <a:t>Code4.m</a:t>
-            </a:r>
-          </a:p>
-        </p:txBody>
-      </p:sp>
-      <p:pic>
-        <p:nvPicPr>
-          <p:cNvPr id="8" name="Picture 7">
-            <a:extLst>
-              <a:ext uri="{FF2B5EF4-FFF2-40B4-BE49-F238E27FC236}">
-                <a16:creationId xmlns:a16="http://schemas.microsoft.com/office/drawing/2014/main" id="{65ECBC71-CC4E-544D-A377-3713C50CE7EF}"/>
-              </a:ext>
-            </a:extLst>
-          </p:cNvPr>
-          <p:cNvPicPr>
-            <a:picLocks noChangeAspect="1"/>
-          </p:cNvPicPr>
-          <p:nvPr/>
-        </p:nvPicPr>
-        <p:blipFill>
-          <a:blip r:embed="rId4"/>
-          <a:stretch>
-            <a:fillRect/>
-          </a:stretch>
-        </p:blipFill>
-        <p:spPr>
-          <a:xfrm>
-            <a:off x="4265677" y="4901609"/>
-            <a:ext cx="503595" cy="782054"/>
-          </a:xfrm>
-          <a:prstGeom prst="rect">
-            <a:avLst/>
-          </a:prstGeom>
-        </p:spPr>
-      </p:pic>
-      <p:sp>
-        <p:nvSpPr>
-          <p:cNvPr id="9" name="Right Arrow 8">
-            <a:extLst>
-              <a:ext uri="{FF2B5EF4-FFF2-40B4-BE49-F238E27FC236}">
-                <a16:creationId xmlns:a16="http://schemas.microsoft.com/office/drawing/2014/main" id="{7534484F-4362-2B4A-8303-64A4BBE35B4E}"/>
-              </a:ext>
-            </a:extLst>
-          </p:cNvPr>
-          <p:cNvSpPr/>
-          <p:nvPr/>
-        </p:nvSpPr>
-        <p:spPr>
-          <a:xfrm>
-            <a:off x="5569600" y="4158317"/>
-            <a:ext cx="914400" cy="1190846"/>
-          </a:xfrm>
-          <a:prstGeom prst="rightArrow">
-            <a:avLst/>
-          </a:prstGeom>
-        </p:spPr>
-        <p:style>
-          <a:lnRef idx="2">
-            <a:schemeClr val="accent1">
-              <a:shade val="50000"/>
-            </a:schemeClr>
-          </a:lnRef>
-          <a:fillRef idx="1">
-            <a:schemeClr val="accent1"/>
-          </a:fillRef>
-          <a:effectRef idx="0">
-            <a:schemeClr val="accent1"/>
-          </a:effectRef>
-          <a:fontRef idx="minor">
-            <a:schemeClr val="lt1"/>
-          </a:fontRef>
-        </p:style>
-        <p:txBody>
-          <a:bodyPr rtlCol="0" anchor="ctr"/>
-          <a:lstStyle/>
-          <a:p>
-            <a:pPr algn="ctr"/>
-            <a:endParaRPr lang="en-US" dirty="0"/>
-          </a:p>
-        </p:txBody>
-      </p:sp>
-      <p:sp>
-        <p:nvSpPr>
-          <p:cNvPr id="10" name="TextBox 9">
-            <a:extLst>
-              <a:ext uri="{FF2B5EF4-FFF2-40B4-BE49-F238E27FC236}">
-                <a16:creationId xmlns:a16="http://schemas.microsoft.com/office/drawing/2014/main" id="{9910FA98-BD28-BB4F-B9E8-B9CE26EDD4DF}"/>
-              </a:ext>
-            </a:extLst>
-          </p:cNvPr>
-          <p:cNvSpPr txBox="1"/>
-          <p:nvPr/>
-        </p:nvSpPr>
-        <p:spPr>
-          <a:xfrm>
-            <a:off x="4971115" y="5349163"/>
-            <a:ext cx="2038958" cy="461665"/>
-          </a:xfrm>
-          <a:prstGeom prst="rect">
-            <a:avLst/>
-          </a:prstGeom>
-          <a:noFill/>
-        </p:spPr>
-        <p:txBody>
-          <a:bodyPr wrap="square" rtlCol="0">
-            <a:spAutoFit/>
-          </a:bodyPr>
-          <a:lstStyle/>
-          <a:p>
-            <a:pPr algn="ctr"/>
-            <a:r>
-              <a:rPr lang="en-US" sz="2400" dirty="0"/>
-              <a:t>(Commit)</a:t>
-            </a:r>
-          </a:p>
-        </p:txBody>
-      </p:sp>
-    </p:spTree>
-    <p:extLst>
-      <p:ext uri="{BB962C8B-B14F-4D97-AF65-F5344CB8AC3E}">
-        <p14:creationId xmlns:p14="http://schemas.microsoft.com/office/powerpoint/2010/main" val="867506856"/>
-      </p:ext>
-    </p:extLst>
-  </p:cSld>
-  <p:clrMapOvr>
-    <a:masterClrMapping/>
-  </p:clrMapOvr>
-</p:sld>
-</file>
-
-<file path=ppt/slides/slide11.xml><?xml version="1.0" encoding="utf-8"?>
-<p:sld xmlns:a="http://schemas.openxmlformats.org/drawingml/2006/main" xmlns:r="http://schemas.openxmlformats.org/officeDocument/2006/relationships" xmlns:p="http://schemas.openxmlformats.org/presentationml/2006/main">
-  <p:cSld>
-    <p:spTree>
-      <p:nvGrpSpPr>
-        <p:cNvPr id="1" name=""/>
-        <p:cNvGrpSpPr/>
-        <p:nvPr/>
-      </p:nvGrpSpPr>
-      <p:grpSpPr>
-        <a:xfrm>
-          <a:off x="0" y="0"/>
-          <a:ext cx="0" cy="0"/>
-          <a:chOff x="0" y="0"/>
-          <a:chExt cx="0" cy="0"/>
-        </a:xfrm>
-      </p:grpSpPr>
-      <p:sp>
-        <p:nvSpPr>
-          <p:cNvPr id="2" name="Title 1">
-            <a:extLst>
-              <a:ext uri="{FF2B5EF4-FFF2-40B4-BE49-F238E27FC236}">
-                <a16:creationId xmlns:a16="http://schemas.microsoft.com/office/drawing/2014/main" id="{67F37A64-6EF2-2948-9993-A91D57D654DA}"/>
-              </a:ext>
-            </a:extLst>
-          </p:cNvPr>
-          <p:cNvSpPr>
-            <a:spLocks noGrp="1"/>
-          </p:cNvSpPr>
-          <p:nvPr>
-            <p:ph type="title"/>
-          </p:nvPr>
-        </p:nvSpPr>
-        <p:spPr/>
-        <p:txBody>
-          <a:bodyPr/>
-          <a:lstStyle/>
-          <a:p>
-            <a:r>
-              <a:rPr lang="en-US" dirty="0"/>
-              <a:t>What git does</a:t>
-            </a:r>
-          </a:p>
-        </p:txBody>
-      </p:sp>
-      <p:sp>
-        <p:nvSpPr>
-          <p:cNvPr id="19" name="Content Placeholder 18">
-            <a:extLst>
-              <a:ext uri="{FF2B5EF4-FFF2-40B4-BE49-F238E27FC236}">
-                <a16:creationId xmlns:a16="http://schemas.microsoft.com/office/drawing/2014/main" id="{11AA10A6-C4FB-8B4E-914B-08659DDF0453}"/>
-              </a:ext>
-            </a:extLst>
-          </p:cNvPr>
-          <p:cNvSpPr>
-            <a:spLocks noGrp="1"/>
-          </p:cNvSpPr>
-          <p:nvPr>
-            <p:ph idx="1"/>
-          </p:nvPr>
-        </p:nvSpPr>
-        <p:spPr>
-          <a:xfrm>
-            <a:off x="838200" y="1825625"/>
             <a:ext cx="10893056" cy="684532"/>
           </a:xfrm>
         </p:spPr>
         <p:txBody>
-          <a:bodyPr/>
-          <a:lstStyle/>
-          <a:p>
-            <a:r>
-              <a:rPr lang="en-US" dirty="0"/>
+          <a:bodyPr>
+            <a:normAutofit fontScale="92500"/>
+          </a:bodyPr>
+          <a:lstStyle/>
+          <a:p>
+            <a:pPr marL="0" indent="0">
+              <a:buNone/>
+            </a:pPr>
+            <a:r>
+              <a:rPr lang="en-US" dirty="0">
+                <a:latin typeface="Arial" panose="020B0604020202020204" pitchFamily="34" charset="0"/>
+                <a:cs typeface="Arial" panose="020B0604020202020204" pitchFamily="34" charset="0"/>
+              </a:rPr>
               <a:t>Every time you register (“commit”) changes, you create a new version</a:t>
             </a:r>
           </a:p>
@@ -6940,7 +6515,7 @@
 </p:sld>
 </file>
 
-<file path=ppt/slides/slide12.xml><?xml version="1.0" encoding="utf-8"?>
+<file path=ppt/slides/slide11.xml><?xml version="1.0" encoding="utf-8"?>
 <p:sld xmlns:a="http://schemas.openxmlformats.org/drawingml/2006/main" xmlns:r="http://schemas.openxmlformats.org/officeDocument/2006/relationships" xmlns:p="http://schemas.openxmlformats.org/presentationml/2006/main">
   <p:cSld>
     <p:spTree>
@@ -6979,8 +6554,11 @@
           <a:lstStyle/>
           <a:p>
             <a:r>
-              <a:rPr lang="en-US" dirty="0"/>
-              <a:t>What git does</a:t>
+              <a:rPr lang="en-US" dirty="0">
+                <a:latin typeface="Arial" panose="020B0604020202020204" pitchFamily="34" charset="0"/>
+                <a:cs typeface="Arial" panose="020B0604020202020204" pitchFamily="34" charset="0"/>
+              </a:rPr>
+              <a:t>Roll back </a:t>
             </a:r>
           </a:p>
         </p:txBody>
@@ -7008,11 +6586,19 @@
           </a:xfrm>
         </p:spPr>
         <p:txBody>
-          <a:bodyPr/>
-          <a:lstStyle/>
-          <a:p>
-            <a:r>
-              <a:rPr lang="en-US" dirty="0"/>
+          <a:bodyPr>
+            <a:normAutofit/>
+          </a:bodyPr>
+          <a:lstStyle/>
+          <a:p>
+            <a:pPr marL="0" indent="0">
+              <a:buNone/>
+            </a:pPr>
+            <a:r>
+              <a:rPr lang="en-US" sz="2400" dirty="0">
+                <a:latin typeface="Arial" panose="020B0604020202020204" pitchFamily="34" charset="0"/>
+                <a:cs typeface="Arial" panose="020B0604020202020204" pitchFamily="34" charset="0"/>
+              </a:rPr>
               <a:t>You can go back to previous versions (= backup)</a:t>
             </a:r>
           </a:p>
@@ -7232,7 +6818,7 @@
         <p:spPr>
           <a:xfrm>
             <a:off x="1393405" y="2542279"/>
-            <a:ext cx="8990731" cy="461665"/>
+            <a:ext cx="9575891" cy="461665"/>
           </a:xfrm>
           <a:prstGeom prst="rect">
             <a:avLst/>
@@ -7246,7 +6832,10 @@
           <a:lstStyle/>
           <a:p>
             <a:r>
-              <a:rPr lang="en-US" sz="2400" dirty="0"/>
+              <a:rPr lang="en-US" sz="2400" dirty="0">
+                <a:latin typeface="Arial" panose="020B0604020202020204" pitchFamily="34" charset="0"/>
+                <a:cs typeface="Arial" panose="020B0604020202020204" pitchFamily="34" charset="0"/>
+              </a:rPr>
               <a:t>Overwrite what you have in your code folder with the “official version”</a:t>
             </a:r>
           </a:p>
@@ -7265,7 +6854,7 @@
 </p:sld>
 </file>
 
-<file path=ppt/slides/slide13.xml><?xml version="1.0" encoding="utf-8"?>
+<file path=ppt/slides/slide12.xml><?xml version="1.0" encoding="utf-8"?>
 <p:sld xmlns:a="http://schemas.openxmlformats.org/drawingml/2006/main" xmlns:r="http://schemas.openxmlformats.org/officeDocument/2006/relationships" xmlns:p="http://schemas.openxmlformats.org/presentationml/2006/main">
   <p:cSld>
     <p:spTree>
@@ -7304,8 +6893,11 @@
           <a:lstStyle/>
           <a:p>
             <a:r>
-              <a:rPr lang="en-US" dirty="0"/>
-              <a:t>What git does</a:t>
+              <a:rPr lang="en-US" dirty="0">
+                <a:latin typeface="Arial" panose="020B0604020202020204" pitchFamily="34" charset="0"/>
+                <a:cs typeface="Arial" panose="020B0604020202020204" pitchFamily="34" charset="0"/>
+              </a:rPr>
+              <a:t>Branching</a:t>
             </a:r>
           </a:p>
         </p:txBody>
@@ -7334,25 +6926,37 @@
         </p:spPr>
         <p:txBody>
           <a:bodyPr>
-            <a:normAutofit fontScale="92500" lnSpcReduction="10000"/>
+            <a:normAutofit/>
           </a:bodyPr>
           <a:lstStyle/>
           <a:p>
             <a:r>
-              <a:rPr lang="en-US" dirty="0"/>
+              <a:rPr lang="en-US" sz="2400" dirty="0">
+                <a:latin typeface="Arial" panose="020B0604020202020204" pitchFamily="34" charset="0"/>
+                <a:cs typeface="Arial" panose="020B0604020202020204" pitchFamily="34" charset="0"/>
+              </a:rPr>
               <a:t>You can branch this chain of “official versions”</a:t>
             </a:r>
           </a:p>
           <a:p>
             <a:r>
-              <a:rPr lang="en-US" dirty="0"/>
+              <a:rPr lang="en-US" sz="2400" dirty="0">
+                <a:latin typeface="Arial" panose="020B0604020202020204" pitchFamily="34" charset="0"/>
+                <a:cs typeface="Arial" panose="020B0604020202020204" pitchFamily="34" charset="0"/>
+              </a:rPr>
               <a:t>You can switch back and forth between the branches</a:t>
             </a:r>
             <a:br>
-              <a:rPr lang="en-US" dirty="0"/>
+              <a:rPr lang="en-US" sz="2400" dirty="0">
+                <a:latin typeface="Arial" panose="020B0604020202020204" pitchFamily="34" charset="0"/>
+                <a:cs typeface="Arial" panose="020B0604020202020204" pitchFamily="34" charset="0"/>
+              </a:rPr>
             </a:br>
             <a:r>
-              <a:rPr lang="en-US" dirty="0"/>
+              <a:rPr lang="en-US" sz="2400" dirty="0">
+                <a:latin typeface="Arial" panose="020B0604020202020204" pitchFamily="34" charset="0"/>
+                <a:cs typeface="Arial" panose="020B0604020202020204" pitchFamily="34" charset="0"/>
+              </a:rPr>
               <a:t>(with “checkout”)</a:t>
             </a:r>
           </a:p>
@@ -8269,6 +7873,135 @@
 </p:sld>
 </file>
 
+<file path=ppt/slides/slide13.xml><?xml version="1.0" encoding="utf-8"?>
+<p:sld xmlns:a="http://schemas.openxmlformats.org/drawingml/2006/main" xmlns:r="http://schemas.openxmlformats.org/officeDocument/2006/relationships" xmlns:p="http://schemas.openxmlformats.org/presentationml/2006/main">
+  <p:cSld>
+    <p:spTree>
+      <p:nvGrpSpPr>
+        <p:cNvPr id="1" name=""/>
+        <p:cNvGrpSpPr/>
+        <p:nvPr/>
+      </p:nvGrpSpPr>
+      <p:grpSpPr>
+        <a:xfrm>
+          <a:off x="0" y="0"/>
+          <a:ext cx="0" cy="0"/>
+          <a:chOff x="0" y="0"/>
+          <a:chExt cx="0" cy="0"/>
+        </a:xfrm>
+      </p:grpSpPr>
+      <p:sp>
+        <p:nvSpPr>
+          <p:cNvPr id="2" name="Title 1">
+            <a:extLst>
+              <a:ext uri="{FF2B5EF4-FFF2-40B4-BE49-F238E27FC236}">
+                <a16:creationId xmlns:a16="http://schemas.microsoft.com/office/drawing/2014/main" id="{C4C47E27-5939-C94F-9C2C-D0B56EAAA909}"/>
+              </a:ext>
+            </a:extLst>
+          </p:cNvPr>
+          <p:cNvSpPr>
+            <a:spLocks noGrp="1"/>
+          </p:cNvSpPr>
+          <p:nvPr>
+            <p:ph type="title"/>
+          </p:nvPr>
+        </p:nvSpPr>
+        <p:spPr/>
+        <p:txBody>
+          <a:bodyPr/>
+          <a:lstStyle/>
+          <a:p>
+            <a:r>
+              <a:rPr lang="en-US" dirty="0">
+                <a:latin typeface="Arial" panose="020B0604020202020204" pitchFamily="34" charset="0"/>
+                <a:cs typeface="Arial" panose="020B0604020202020204" pitchFamily="34" charset="0"/>
+              </a:rPr>
+              <a:t>GitHub</a:t>
+            </a:r>
+          </a:p>
+        </p:txBody>
+      </p:sp>
+      <p:sp>
+        <p:nvSpPr>
+          <p:cNvPr id="3" name="Content Placeholder 2">
+            <a:extLst>
+              <a:ext uri="{FF2B5EF4-FFF2-40B4-BE49-F238E27FC236}">
+                <a16:creationId xmlns:a16="http://schemas.microsoft.com/office/drawing/2014/main" id="{CAD80FD8-1D97-7D43-830C-195E7F53947F}"/>
+              </a:ext>
+            </a:extLst>
+          </p:cNvPr>
+          <p:cNvSpPr>
+            <a:spLocks noGrp="1"/>
+          </p:cNvSpPr>
+          <p:nvPr>
+            <p:ph idx="1"/>
+          </p:nvPr>
+        </p:nvSpPr>
+        <p:spPr>
+          <a:xfrm>
+            <a:off x="838200" y="1825625"/>
+            <a:ext cx="10515600" cy="2746375"/>
+          </a:xfrm>
+        </p:spPr>
+        <p:txBody>
+          <a:bodyPr>
+            <a:normAutofit/>
+          </a:bodyPr>
+          <a:lstStyle/>
+          <a:p>
+            <a:r>
+              <a:rPr lang="en-US" dirty="0">
+                <a:latin typeface="Arial" panose="020B0604020202020204" pitchFamily="34" charset="0"/>
+                <a:cs typeface="Arial" panose="020B0604020202020204" pitchFamily="34" charset="0"/>
+              </a:rPr>
+              <a:t>GitHub is a web service that lets you store the official versions (“repository”) of your code online</a:t>
+            </a:r>
+          </a:p>
+          <a:p>
+            <a:pPr lvl="1"/>
+            <a:r>
+              <a:rPr lang="en-US" sz="2800" dirty="0">
+                <a:latin typeface="Arial" panose="020B0604020202020204" pitchFamily="34" charset="0"/>
+                <a:cs typeface="Arial" panose="020B0604020202020204" pitchFamily="34" charset="0"/>
+              </a:rPr>
+              <a:t>Online backup</a:t>
+            </a:r>
+          </a:p>
+          <a:p>
+            <a:pPr lvl="1"/>
+            <a:r>
+              <a:rPr lang="en-US" sz="2800" dirty="0">
+                <a:latin typeface="Arial" panose="020B0604020202020204" pitchFamily="34" charset="0"/>
+                <a:cs typeface="Arial" panose="020B0604020202020204" pitchFamily="34" charset="0"/>
+              </a:rPr>
+              <a:t>Sharing code between computers</a:t>
+            </a:r>
+          </a:p>
+          <a:p>
+            <a:pPr lvl="1"/>
+            <a:r>
+              <a:rPr lang="en-US" sz="2800" dirty="0">
+                <a:latin typeface="Arial" panose="020B0604020202020204" pitchFamily="34" charset="0"/>
+                <a:cs typeface="Arial" panose="020B0604020202020204" pitchFamily="34" charset="0"/>
+              </a:rPr>
+              <a:t>Sharing code to the world</a:t>
+            </a:r>
+          </a:p>
+        </p:txBody>
+      </p:sp>
+    </p:spTree>
+    <p:extLst>
+      <p:ext uri="{BB962C8B-B14F-4D97-AF65-F5344CB8AC3E}">
+        <p14:creationId xmlns:p14="http://schemas.microsoft.com/office/powerpoint/2010/main" val="3071089555"/>
+      </p:ext>
+    </p:extLst>
+  </p:cSld>
+  <p:clrMapOvr>
+    <a:masterClrMapping/>
+  </p:clrMapOvr>
+</p:sld>
+</file>
+
 <file path=ppt/slides/slide14.xml><?xml version="1.0" encoding="utf-8"?>
 <p:sld xmlns:a="http://schemas.openxmlformats.org/drawingml/2006/main" xmlns:r="http://schemas.openxmlformats.org/officeDocument/2006/relationships" xmlns:p="http://schemas.openxmlformats.org/presentationml/2006/main">
   <p:cSld>
@@ -8291,7 +8024,7 @@
           <p:cNvPr id="2" name="Title 1">
             <a:extLst>
               <a:ext uri="{FF2B5EF4-FFF2-40B4-BE49-F238E27FC236}">
-                <a16:creationId xmlns:a16="http://schemas.microsoft.com/office/drawing/2014/main" id="{C4C47E27-5939-C94F-9C2C-D0B56EAAA909}"/>
+                <a16:creationId xmlns:a16="http://schemas.microsoft.com/office/drawing/2014/main" id="{88A9A7AA-5E64-1F4F-855A-15ABB15D0DEB}"/>
               </a:ext>
             </a:extLst>
           </p:cNvPr>
@@ -8308,130 +8041,21 @@
           <a:lstStyle/>
           <a:p>
             <a:r>
-              <a:rPr lang="en-US" dirty="0"/>
-              <a:t>What GitHub does</a:t>
-            </a:r>
-          </a:p>
-        </p:txBody>
-      </p:sp>
-      <p:sp>
-        <p:nvSpPr>
-          <p:cNvPr id="3" name="Content Placeholder 2">
-            <a:extLst>
-              <a:ext uri="{FF2B5EF4-FFF2-40B4-BE49-F238E27FC236}">
-                <a16:creationId xmlns:a16="http://schemas.microsoft.com/office/drawing/2014/main" id="{CAD80FD8-1D97-7D43-830C-195E7F53947F}"/>
-              </a:ext>
-            </a:extLst>
-          </p:cNvPr>
-          <p:cNvSpPr>
-            <a:spLocks noGrp="1"/>
-          </p:cNvSpPr>
-          <p:nvPr>
-            <p:ph idx="1"/>
-          </p:nvPr>
-        </p:nvSpPr>
-        <p:spPr>
-          <a:xfrm>
-            <a:off x="838200" y="1825625"/>
-            <a:ext cx="10515600" cy="2746375"/>
-          </a:xfrm>
-        </p:spPr>
-        <p:txBody>
-          <a:bodyPr/>
-          <a:lstStyle/>
-          <a:p>
-            <a:r>
-              <a:rPr lang="en-US" dirty="0"/>
-              <a:t>GitHub is a web service that lets you store the official versions (“repository”) of your code online</a:t>
-            </a:r>
-          </a:p>
-          <a:p>
-            <a:pPr lvl="1"/>
-            <a:r>
-              <a:rPr lang="en-US" dirty="0"/>
-              <a:t>Online backup</a:t>
-            </a:r>
-          </a:p>
-          <a:p>
-            <a:pPr lvl="1"/>
-            <a:r>
-              <a:rPr lang="en-US" dirty="0"/>
-              <a:t>Sharing code between computers</a:t>
-            </a:r>
-          </a:p>
-          <a:p>
-            <a:pPr lvl="1"/>
-            <a:r>
-              <a:rPr lang="en-US" dirty="0"/>
-              <a:t>Sharing code to the world</a:t>
-            </a:r>
-          </a:p>
-        </p:txBody>
-      </p:sp>
-    </p:spTree>
-    <p:extLst>
-      <p:ext uri="{BB962C8B-B14F-4D97-AF65-F5344CB8AC3E}">
-        <p14:creationId xmlns:p14="http://schemas.microsoft.com/office/powerpoint/2010/main" val="3071089555"/>
-      </p:ext>
-    </p:extLst>
-  </p:cSld>
-  <p:clrMapOvr>
-    <a:masterClrMapping/>
-  </p:clrMapOvr>
-</p:sld>
-</file>
-
-<file path=ppt/slides/slide15.xml><?xml version="1.0" encoding="utf-8"?>
-<p:sld xmlns:a="http://schemas.openxmlformats.org/drawingml/2006/main" xmlns:r="http://schemas.openxmlformats.org/officeDocument/2006/relationships" xmlns:p="http://schemas.openxmlformats.org/presentationml/2006/main">
-  <p:cSld>
-    <p:spTree>
-      <p:nvGrpSpPr>
-        <p:cNvPr id="1" name=""/>
-        <p:cNvGrpSpPr/>
-        <p:nvPr/>
-      </p:nvGrpSpPr>
-      <p:grpSpPr>
-        <a:xfrm>
-          <a:off x="0" y="0"/>
-          <a:ext cx="0" cy="0"/>
-          <a:chOff x="0" y="0"/>
-          <a:chExt cx="0" cy="0"/>
-        </a:xfrm>
-      </p:grpSpPr>
-      <p:sp>
-        <p:nvSpPr>
-          <p:cNvPr id="2" name="Title 1">
-            <a:extLst>
-              <a:ext uri="{FF2B5EF4-FFF2-40B4-BE49-F238E27FC236}">
-                <a16:creationId xmlns:a16="http://schemas.microsoft.com/office/drawing/2014/main" id="{88A9A7AA-5E64-1F4F-855A-15ABB15D0DEB}"/>
-              </a:ext>
-            </a:extLst>
-          </p:cNvPr>
-          <p:cNvSpPr>
-            <a:spLocks noGrp="1"/>
-          </p:cNvSpPr>
-          <p:nvPr>
-            <p:ph type="title"/>
-          </p:nvPr>
-        </p:nvSpPr>
-        <p:spPr/>
-        <p:txBody>
-          <a:bodyPr/>
-          <a:lstStyle/>
-          <a:p>
-            <a:r>
-              <a:rPr lang="en-US" dirty="0"/>
-              <a:t>Typical GitHub workflow</a:t>
+              <a:rPr lang="en-US" dirty="0">
+                <a:latin typeface="Arial" panose="020B0604020202020204" pitchFamily="34" charset="0"/>
+                <a:cs typeface="Arial" panose="020B0604020202020204" pitchFamily="34" charset="0"/>
+              </a:rPr>
+              <a:t>GitHub workflow</a:t>
             </a:r>
           </a:p>
         </p:txBody>
       </p:sp>
       <p:grpSp>
         <p:nvGrpSpPr>
-          <p:cNvPr id="4" name="Group 3">
-            <a:extLst>
-              <a:ext uri="{FF2B5EF4-FFF2-40B4-BE49-F238E27FC236}">
-                <a16:creationId xmlns:a16="http://schemas.microsoft.com/office/drawing/2014/main" id="{06608231-2646-AA40-86CA-8968CA6D9DFB}"/>
+          <p:cNvPr id="19" name="Group 18">
+            <a:extLst>
+              <a:ext uri="{FF2B5EF4-FFF2-40B4-BE49-F238E27FC236}">
+                <a16:creationId xmlns:a16="http://schemas.microsoft.com/office/drawing/2014/main" id="{1CA35FE5-EB2B-7A43-898E-E473F4D72A27}"/>
               </a:ext>
             </a:extLst>
           </p:cNvPr>
@@ -8440,7 +8064,7 @@
         </p:nvGrpSpPr>
         <p:grpSpPr>
           <a:xfrm>
-            <a:off x="3602668" y="2530111"/>
+            <a:off x="3523307" y="2278820"/>
             <a:ext cx="4986664" cy="520996"/>
             <a:chOff x="2700670" y="3948132"/>
             <a:chExt cx="4986664" cy="520996"/>
@@ -8448,10 +8072,10 @@
         </p:grpSpPr>
         <p:grpSp>
           <p:nvGrpSpPr>
-            <p:cNvPr id="5" name="Group 4">
+            <p:cNvPr id="20" name="Group 19">
               <a:extLst>
                 <a:ext uri="{FF2B5EF4-FFF2-40B4-BE49-F238E27FC236}">
-                  <a16:creationId xmlns:a16="http://schemas.microsoft.com/office/drawing/2014/main" id="{30D1E7D1-005C-AE45-A5AB-8E823CF9A3DF}"/>
+                  <a16:creationId xmlns:a16="http://schemas.microsoft.com/office/drawing/2014/main" id="{E0C7CD7E-BCD2-B14C-BBAE-F064C6E7DA1A}"/>
                 </a:ext>
               </a:extLst>
             </p:cNvPr>
@@ -8468,10 +8092,10 @@
           </p:grpSpPr>
           <p:sp>
             <p:nvSpPr>
-              <p:cNvPr id="16" name="Oval 15">
+              <p:cNvPr id="31" name="Oval 30">
                 <a:extLst>
                   <a:ext uri="{FF2B5EF4-FFF2-40B4-BE49-F238E27FC236}">
-                    <a16:creationId xmlns:a16="http://schemas.microsoft.com/office/drawing/2014/main" id="{F8FFADFB-ABDC-E34A-8362-C762B72442E1}"/>
+                    <a16:creationId xmlns:a16="http://schemas.microsoft.com/office/drawing/2014/main" id="{9F777833-841E-7F4C-AE7C-479AFED79E77}"/>
                   </a:ext>
                 </a:extLst>
               </p:cNvPr>
@@ -8514,10 +8138,10 @@
           </p:sp>
           <p:sp>
             <p:nvSpPr>
-              <p:cNvPr id="17" name="Right Arrow 16">
+              <p:cNvPr id="32" name="Right Arrow 31">
                 <a:extLst>
                   <a:ext uri="{FF2B5EF4-FFF2-40B4-BE49-F238E27FC236}">
-                    <a16:creationId xmlns:a16="http://schemas.microsoft.com/office/drawing/2014/main" id="{04532FA6-443D-2B4A-AA08-5B5FA155D1E5}"/>
+                    <a16:creationId xmlns:a16="http://schemas.microsoft.com/office/drawing/2014/main" id="{BB90DBE5-68F4-E84F-B84A-E6E6456E9327}"/>
                   </a:ext>
                 </a:extLst>
               </p:cNvPr>
@@ -8561,10 +8185,10 @@
         </p:grpSp>
         <p:grpSp>
           <p:nvGrpSpPr>
-            <p:cNvPr id="6" name="Group 5">
+            <p:cNvPr id="21" name="Group 20">
               <a:extLst>
                 <a:ext uri="{FF2B5EF4-FFF2-40B4-BE49-F238E27FC236}">
-                  <a16:creationId xmlns:a16="http://schemas.microsoft.com/office/drawing/2014/main" id="{497EF3AC-6142-414C-8551-A19CD060AD51}"/>
+                  <a16:creationId xmlns:a16="http://schemas.microsoft.com/office/drawing/2014/main" id="{4E4BDB16-09BB-E54A-9ACD-290BB6D9EEC3}"/>
                 </a:ext>
               </a:extLst>
             </p:cNvPr>
@@ -8581,10 +8205,10 @@
           </p:grpSpPr>
           <p:sp>
             <p:nvSpPr>
-              <p:cNvPr id="14" name="Oval 13">
+              <p:cNvPr id="29" name="Oval 28">
                 <a:extLst>
                   <a:ext uri="{FF2B5EF4-FFF2-40B4-BE49-F238E27FC236}">
-                    <a16:creationId xmlns:a16="http://schemas.microsoft.com/office/drawing/2014/main" id="{19D90225-1CAB-E442-95A0-C241EAB3C881}"/>
+                    <a16:creationId xmlns:a16="http://schemas.microsoft.com/office/drawing/2014/main" id="{DF9EC00A-E269-6247-9E1C-C6A38C0E8E28}"/>
                   </a:ext>
                 </a:extLst>
               </p:cNvPr>
@@ -8627,10 +8251,10 @@
           </p:sp>
           <p:sp>
             <p:nvSpPr>
-              <p:cNvPr id="15" name="Right Arrow 14">
+              <p:cNvPr id="30" name="Right Arrow 29">
                 <a:extLst>
                   <a:ext uri="{FF2B5EF4-FFF2-40B4-BE49-F238E27FC236}">
-                    <a16:creationId xmlns:a16="http://schemas.microsoft.com/office/drawing/2014/main" id="{9CC5BA5F-FCA9-A245-A56A-27500F440A71}"/>
+                    <a16:creationId xmlns:a16="http://schemas.microsoft.com/office/drawing/2014/main" id="{EC2BD614-338E-7440-811B-B7F9F8C8C802}"/>
                   </a:ext>
                 </a:extLst>
               </p:cNvPr>
@@ -8674,10 +8298,10 @@
         </p:grpSp>
         <p:grpSp>
           <p:nvGrpSpPr>
-            <p:cNvPr id="7" name="Group 6">
+            <p:cNvPr id="22" name="Group 21">
               <a:extLst>
                 <a:ext uri="{FF2B5EF4-FFF2-40B4-BE49-F238E27FC236}">
-                  <a16:creationId xmlns:a16="http://schemas.microsoft.com/office/drawing/2014/main" id="{E0A45657-7012-3D46-AA62-95E8F5683394}"/>
+                  <a16:creationId xmlns:a16="http://schemas.microsoft.com/office/drawing/2014/main" id="{FB12B088-2C9B-A64B-8AC1-FECC203B88F6}"/>
                 </a:ext>
               </a:extLst>
             </p:cNvPr>
@@ -8694,10 +8318,10 @@
           </p:grpSpPr>
           <p:sp>
             <p:nvSpPr>
-              <p:cNvPr id="12" name="Oval 11">
+              <p:cNvPr id="27" name="Oval 26">
                 <a:extLst>
                   <a:ext uri="{FF2B5EF4-FFF2-40B4-BE49-F238E27FC236}">
-                    <a16:creationId xmlns:a16="http://schemas.microsoft.com/office/drawing/2014/main" id="{43153C96-BCB2-E84A-978B-16E067677209}"/>
+                    <a16:creationId xmlns:a16="http://schemas.microsoft.com/office/drawing/2014/main" id="{D936E006-7200-D348-8268-74692A58DEAF}"/>
                   </a:ext>
                 </a:extLst>
               </p:cNvPr>
@@ -8740,10 +8364,10 @@
           </p:sp>
           <p:sp>
             <p:nvSpPr>
-              <p:cNvPr id="13" name="Right Arrow 12">
+              <p:cNvPr id="28" name="Right Arrow 27">
                 <a:extLst>
                   <a:ext uri="{FF2B5EF4-FFF2-40B4-BE49-F238E27FC236}">
-                    <a16:creationId xmlns:a16="http://schemas.microsoft.com/office/drawing/2014/main" id="{79580F10-4D59-0D40-BE9C-F77DC1F71CC6}"/>
+                    <a16:creationId xmlns:a16="http://schemas.microsoft.com/office/drawing/2014/main" id="{1BCE5ED8-F1C8-EC45-B0DC-6442BE23DD28}"/>
                   </a:ext>
                 </a:extLst>
               </p:cNvPr>
@@ -8787,10 +8411,10 @@
         </p:grpSp>
         <p:grpSp>
           <p:nvGrpSpPr>
-            <p:cNvPr id="8" name="Group 7">
+            <p:cNvPr id="23" name="Group 22">
               <a:extLst>
                 <a:ext uri="{FF2B5EF4-FFF2-40B4-BE49-F238E27FC236}">
-                  <a16:creationId xmlns:a16="http://schemas.microsoft.com/office/drawing/2014/main" id="{E96418ED-6611-A446-9530-A6CD78619992}"/>
+                  <a16:creationId xmlns:a16="http://schemas.microsoft.com/office/drawing/2014/main" id="{3CE9BEC7-B722-604F-93E4-C4C3E60540B5}"/>
                 </a:ext>
               </a:extLst>
             </p:cNvPr>
@@ -8807,10 +8431,10 @@
           </p:grpSpPr>
           <p:sp>
             <p:nvSpPr>
-              <p:cNvPr id="10" name="Oval 9">
+              <p:cNvPr id="25" name="Oval 24">
                 <a:extLst>
                   <a:ext uri="{FF2B5EF4-FFF2-40B4-BE49-F238E27FC236}">
-                    <a16:creationId xmlns:a16="http://schemas.microsoft.com/office/drawing/2014/main" id="{37A0F968-5221-B043-9254-0D2B60404083}"/>
+                    <a16:creationId xmlns:a16="http://schemas.microsoft.com/office/drawing/2014/main" id="{57A021C9-EDFD-EC41-8E75-4326132CD1F0}"/>
                   </a:ext>
                 </a:extLst>
               </p:cNvPr>
@@ -8853,10 +8477,10 @@
           </p:sp>
           <p:sp>
             <p:nvSpPr>
-              <p:cNvPr id="11" name="Right Arrow 10">
+              <p:cNvPr id="26" name="Right Arrow 25">
                 <a:extLst>
                   <a:ext uri="{FF2B5EF4-FFF2-40B4-BE49-F238E27FC236}">
-                    <a16:creationId xmlns:a16="http://schemas.microsoft.com/office/drawing/2014/main" id="{DDEA4D81-894B-0445-98F8-F86A03CA921D}"/>
+                    <a16:creationId xmlns:a16="http://schemas.microsoft.com/office/drawing/2014/main" id="{7A965981-8069-EB4D-B91E-E9DEA26CC28B}"/>
                   </a:ext>
                 </a:extLst>
               </p:cNvPr>
@@ -8900,10 +8524,10 @@
         </p:grpSp>
         <p:sp>
           <p:nvSpPr>
-            <p:cNvPr id="9" name="Oval 8">
+            <p:cNvPr id="24" name="Oval 23">
               <a:extLst>
                 <a:ext uri="{FF2B5EF4-FFF2-40B4-BE49-F238E27FC236}">
-                  <a16:creationId xmlns:a16="http://schemas.microsoft.com/office/drawing/2014/main" id="{AEF1CC78-613A-AD4B-BD40-2F8DF65A00B2}"/>
+                  <a16:creationId xmlns:a16="http://schemas.microsoft.com/office/drawing/2014/main" id="{EDC966CC-A84A-1E46-B87A-348F74B9CBBD}"/>
                 </a:ext>
               </a:extLst>
             </p:cNvPr>
@@ -8947,10 +8571,10 @@
       </p:grpSp>
       <p:sp>
         <p:nvSpPr>
-          <p:cNvPr id="18" name="TextBox 17">
-            <a:extLst>
-              <a:ext uri="{FF2B5EF4-FFF2-40B4-BE49-F238E27FC236}">
-                <a16:creationId xmlns:a16="http://schemas.microsoft.com/office/drawing/2014/main" id="{0FFA802B-DA2D-F142-897D-BDEB118E67DC}"/>
+          <p:cNvPr id="33" name="TextBox 32">
+            <a:extLst>
+              <a:ext uri="{FF2B5EF4-FFF2-40B4-BE49-F238E27FC236}">
+                <a16:creationId xmlns:a16="http://schemas.microsoft.com/office/drawing/2014/main" id="{163DF1A2-DD33-EC4E-B137-11269EB13430}"/>
               </a:ext>
             </a:extLst>
           </p:cNvPr>
@@ -8959,8 +8583,8 @@
         </p:nvSpPr>
         <p:spPr>
           <a:xfrm>
-            <a:off x="1213909" y="2228671"/>
-            <a:ext cx="2217274" cy="1200329"/>
+            <a:off x="751774" y="2083710"/>
+            <a:ext cx="2287806" cy="1200329"/>
           </a:xfrm>
           <a:prstGeom prst="rect">
             <a:avLst/>
@@ -8974,25 +8598,37 @@
           <a:lstStyle/>
           <a:p>
             <a:r>
-              <a:rPr lang="en-US" dirty="0"/>
+              <a:rPr lang="en-US" dirty="0">
+                <a:latin typeface="Arial" panose="020B0604020202020204" pitchFamily="34" charset="0"/>
+                <a:cs typeface="Arial" panose="020B0604020202020204" pitchFamily="34" charset="0"/>
+              </a:rPr>
               <a:t>Online </a:t>
             </a:r>
           </a:p>
           <a:p>
             <a:r>
-              <a:rPr lang="en-US" dirty="0"/>
-              <a:t>“official version”</a:t>
-            </a:r>
-          </a:p>
-          <a:p>
-            <a:r>
-              <a:rPr lang="en-US" dirty="0"/>
+              <a:rPr lang="en-US" dirty="0">
+                <a:latin typeface="Arial" panose="020B0604020202020204" pitchFamily="34" charset="0"/>
+                <a:cs typeface="Arial" panose="020B0604020202020204" pitchFamily="34" charset="0"/>
+              </a:rPr>
+              <a:t>“official versions”</a:t>
+            </a:r>
+          </a:p>
+          <a:p>
+            <a:r>
+              <a:rPr lang="en-US" dirty="0">
+                <a:latin typeface="Arial" panose="020B0604020202020204" pitchFamily="34" charset="0"/>
+                <a:cs typeface="Arial" panose="020B0604020202020204" pitchFamily="34" charset="0"/>
+              </a:rPr>
               <a:t>On GitHub</a:t>
             </a:r>
           </a:p>
           <a:p>
             <a:r>
-              <a:rPr lang="en-US" dirty="0"/>
+              <a:rPr lang="en-US" dirty="0">
+                <a:latin typeface="Arial" panose="020B0604020202020204" pitchFamily="34" charset="0"/>
+                <a:cs typeface="Arial" panose="020B0604020202020204" pitchFamily="34" charset="0"/>
+              </a:rPr>
               <a:t>(“remote repository”)</a:t>
             </a:r>
           </a:p>
@@ -9011,7 +8647,7 @@
 </p:sld>
 </file>
 
-<file path=ppt/slides/slide16.xml><?xml version="1.0" encoding="utf-8"?>
+<file path=ppt/slides/slide15.xml><?xml version="1.0" encoding="utf-8"?>
 <p:sld xmlns:a="http://schemas.openxmlformats.org/drawingml/2006/main" xmlns:r="http://schemas.openxmlformats.org/officeDocument/2006/relationships" xmlns:p="http://schemas.openxmlformats.org/presentationml/2006/main">
   <p:cSld>
     <p:spTree>
@@ -9050,9 +8686,13 @@
           <a:lstStyle/>
           <a:p>
             <a:r>
-              <a:rPr lang="en-US" dirty="0"/>
-              <a:t>Typical GitHub workflow</a:t>
-            </a:r>
+              <a:rPr lang="en-US" dirty="0">
+                <a:latin typeface="Arial" panose="020B0604020202020204" pitchFamily="34" charset="0"/>
+                <a:cs typeface="Arial" panose="020B0604020202020204" pitchFamily="34" charset="0"/>
+              </a:rPr>
+              <a:t>Cloning</a:t>
+            </a:r>
+            <a:endParaRPr lang="en-US" dirty="0"/>
           </a:p>
         </p:txBody>
       </p:sp>
@@ -9590,7 +9230,7 @@
         <p:spPr>
           <a:xfrm>
             <a:off x="751774" y="2083710"/>
-            <a:ext cx="2217274" cy="1200329"/>
+            <a:ext cx="2287806" cy="1200329"/>
           </a:xfrm>
           <a:prstGeom prst="rect">
             <a:avLst/>
@@ -9604,25 +9244,37 @@
           <a:lstStyle/>
           <a:p>
             <a:r>
-              <a:rPr lang="en-US" dirty="0"/>
+              <a:rPr lang="en-US" dirty="0">
+                <a:latin typeface="Arial" panose="020B0604020202020204" pitchFamily="34" charset="0"/>
+                <a:cs typeface="Arial" panose="020B0604020202020204" pitchFamily="34" charset="0"/>
+              </a:rPr>
               <a:t>Online </a:t>
             </a:r>
           </a:p>
           <a:p>
             <a:r>
-              <a:rPr lang="en-US" dirty="0"/>
+              <a:rPr lang="en-US" dirty="0">
+                <a:latin typeface="Arial" panose="020B0604020202020204" pitchFamily="34" charset="0"/>
+                <a:cs typeface="Arial" panose="020B0604020202020204" pitchFamily="34" charset="0"/>
+              </a:rPr>
               <a:t>“official versions”</a:t>
             </a:r>
           </a:p>
           <a:p>
             <a:r>
-              <a:rPr lang="en-US" dirty="0"/>
+              <a:rPr lang="en-US" dirty="0">
+                <a:latin typeface="Arial" panose="020B0604020202020204" pitchFamily="34" charset="0"/>
+                <a:cs typeface="Arial" panose="020B0604020202020204" pitchFamily="34" charset="0"/>
+              </a:rPr>
               <a:t>On GitHub</a:t>
             </a:r>
           </a:p>
           <a:p>
             <a:r>
-              <a:rPr lang="en-US" dirty="0"/>
+              <a:rPr lang="en-US" dirty="0">
+                <a:latin typeface="Arial" panose="020B0604020202020204" pitchFamily="34" charset="0"/>
+                <a:cs typeface="Arial" panose="020B0604020202020204" pitchFamily="34" charset="0"/>
+              </a:rPr>
               <a:t>(“remote repository”)</a:t>
             </a:r>
           </a:p>
@@ -10181,7 +9833,7 @@
         <p:spPr>
           <a:xfrm>
             <a:off x="747537" y="3650240"/>
-            <a:ext cx="2567369" cy="646331"/>
+            <a:ext cx="2775440" cy="646331"/>
           </a:xfrm>
           <a:prstGeom prst="rect">
             <a:avLst/>
@@ -10195,13 +9847,19 @@
           <a:lstStyle/>
           <a:p>
             <a:r>
-              <a:rPr lang="en-US" dirty="0"/>
+              <a:rPr lang="en-US" dirty="0">
+                <a:latin typeface="Arial" panose="020B0604020202020204" pitchFamily="34" charset="0"/>
+                <a:cs typeface="Arial" panose="020B0604020202020204" pitchFamily="34" charset="0"/>
+              </a:rPr>
               <a:t>Your own official versions</a:t>
             </a:r>
           </a:p>
           <a:p>
             <a:r>
-              <a:rPr lang="en-US" dirty="0"/>
+              <a:rPr lang="en-US" dirty="0">
+                <a:latin typeface="Arial" panose="020B0604020202020204" pitchFamily="34" charset="0"/>
+                <a:cs typeface="Arial" panose="020B0604020202020204" pitchFamily="34" charset="0"/>
+              </a:rPr>
               <a:t>(“local repository”)</a:t>
             </a:r>
           </a:p>
@@ -10269,7 +9927,7 @@
 </p:sld>
 </file>
 
-<file path=ppt/slides/slide17.xml><?xml version="1.0" encoding="utf-8"?>
+<file path=ppt/slides/slide16.xml><?xml version="1.0" encoding="utf-8"?>
 <p:sld xmlns:a="http://schemas.openxmlformats.org/drawingml/2006/main" xmlns:r="http://schemas.openxmlformats.org/officeDocument/2006/relationships" xmlns:p="http://schemas.openxmlformats.org/presentationml/2006/main">
   <p:cSld>
     <p:spTree>
@@ -10308,9 +9966,13 @@
           <a:lstStyle/>
           <a:p>
             <a:r>
-              <a:rPr lang="en-US" dirty="0"/>
-              <a:t>Typical GitHub workflow</a:t>
-            </a:r>
+              <a:rPr lang="en-US" dirty="0">
+                <a:latin typeface="Arial" panose="020B0604020202020204" pitchFamily="34" charset="0"/>
+                <a:cs typeface="Arial" panose="020B0604020202020204" pitchFamily="34" charset="0"/>
+              </a:rPr>
+              <a:t>Cloning</a:t>
+            </a:r>
+            <a:endParaRPr lang="en-US" dirty="0"/>
           </a:p>
         </p:txBody>
       </p:sp>
@@ -10848,7 +10510,7 @@
         <p:spPr>
           <a:xfrm>
             <a:off x="751774" y="2083710"/>
-            <a:ext cx="2217274" cy="1200329"/>
+            <a:ext cx="2287806" cy="1200329"/>
           </a:xfrm>
           <a:prstGeom prst="rect">
             <a:avLst/>
@@ -10862,25 +10524,37 @@
           <a:lstStyle/>
           <a:p>
             <a:r>
-              <a:rPr lang="en-US" dirty="0"/>
+              <a:rPr lang="en-US" dirty="0">
+                <a:latin typeface="Arial" panose="020B0604020202020204" pitchFamily="34" charset="0"/>
+                <a:cs typeface="Arial" panose="020B0604020202020204" pitchFamily="34" charset="0"/>
+              </a:rPr>
               <a:t>Online </a:t>
             </a:r>
           </a:p>
           <a:p>
             <a:r>
-              <a:rPr lang="en-US" dirty="0"/>
+              <a:rPr lang="en-US" dirty="0">
+                <a:latin typeface="Arial" panose="020B0604020202020204" pitchFamily="34" charset="0"/>
+                <a:cs typeface="Arial" panose="020B0604020202020204" pitchFamily="34" charset="0"/>
+              </a:rPr>
               <a:t>“official versions”</a:t>
             </a:r>
           </a:p>
           <a:p>
             <a:r>
-              <a:rPr lang="en-US" dirty="0"/>
+              <a:rPr lang="en-US" dirty="0">
+                <a:latin typeface="Arial" panose="020B0604020202020204" pitchFamily="34" charset="0"/>
+                <a:cs typeface="Arial" panose="020B0604020202020204" pitchFamily="34" charset="0"/>
+              </a:rPr>
               <a:t>On GitHub</a:t>
             </a:r>
           </a:p>
           <a:p>
             <a:r>
-              <a:rPr lang="en-US" dirty="0"/>
+              <a:rPr lang="en-US" dirty="0">
+                <a:latin typeface="Arial" panose="020B0604020202020204" pitchFamily="34" charset="0"/>
+                <a:cs typeface="Arial" panose="020B0604020202020204" pitchFamily="34" charset="0"/>
+              </a:rPr>
               <a:t>(“remote repository”)</a:t>
             </a:r>
           </a:p>
@@ -11439,7 +11113,7 @@
         <p:spPr>
           <a:xfrm>
             <a:off x="747537" y="3650240"/>
-            <a:ext cx="2567369" cy="646331"/>
+            <a:ext cx="2775440" cy="646331"/>
           </a:xfrm>
           <a:prstGeom prst="rect">
             <a:avLst/>
@@ -11453,13 +11127,17 @@
           <a:lstStyle/>
           <a:p>
             <a:r>
-              <a:rPr lang="en-US" dirty="0"/>
+              <a:rPr lang="en-US" dirty="0">
+                <a:latin typeface=""/>
+              </a:rPr>
               <a:t>Your own official versions</a:t>
             </a:r>
           </a:p>
           <a:p>
             <a:r>
-              <a:rPr lang="en-US" dirty="0"/>
+              <a:rPr lang="en-US" dirty="0">
+                <a:latin typeface=""/>
+              </a:rPr>
               <a:t>(“local repository”)</a:t>
             </a:r>
           </a:p>
@@ -11529,7 +11207,7 @@
         <p:spPr>
           <a:xfrm>
             <a:off x="6628273" y="5385666"/>
-            <a:ext cx="1721946" cy="369332"/>
+            <a:ext cx="1856277" cy="369332"/>
           </a:xfrm>
           <a:prstGeom prst="rect">
             <a:avLst/>
@@ -11543,7 +11221,10 @@
           <a:lstStyle/>
           <a:p>
             <a:r>
-              <a:rPr lang="en-US" dirty="0"/>
+              <a:rPr lang="en-US" dirty="0">
+                <a:latin typeface="Arial" panose="020B0604020202020204" pitchFamily="34" charset="0"/>
+                <a:cs typeface="Arial" panose="020B0604020202020204" pitchFamily="34" charset="0"/>
+              </a:rPr>
               <a:t>Your code folder</a:t>
             </a:r>
           </a:p>
@@ -11640,7 +11321,7 @@
         <p:spPr>
           <a:xfrm>
             <a:off x="6845847" y="4482842"/>
-            <a:ext cx="1313116" cy="369332"/>
+            <a:ext cx="1428596" cy="369332"/>
           </a:xfrm>
           <a:prstGeom prst="rect">
             <a:avLst/>
@@ -11654,7 +11335,10 @@
           <a:lstStyle/>
           <a:p>
             <a:r>
-              <a:rPr lang="en-US" dirty="0"/>
+              <a:rPr lang="en-US" dirty="0">
+                <a:latin typeface="Arial" panose="020B0604020202020204" pitchFamily="34" charset="0"/>
+                <a:cs typeface="Arial" panose="020B0604020202020204" pitchFamily="34" charset="0"/>
+              </a:rPr>
               <a:t>Copied over</a:t>
             </a:r>
           </a:p>
@@ -11673,7 +11357,7 @@
 </p:sld>
 </file>
 
-<file path=ppt/slides/slide18.xml><?xml version="1.0" encoding="utf-8"?>
+<file path=ppt/slides/slide17.xml><?xml version="1.0" encoding="utf-8"?>
 <p:sld xmlns:a="http://schemas.openxmlformats.org/drawingml/2006/main" xmlns:r="http://schemas.openxmlformats.org/officeDocument/2006/relationships" xmlns:p="http://schemas.openxmlformats.org/presentationml/2006/main">
   <p:cSld>
     <p:spTree>
@@ -11712,9 +11396,13 @@
           <a:lstStyle/>
           <a:p>
             <a:r>
-              <a:rPr lang="en-US" dirty="0"/>
-              <a:t>Typical GitHub workflow</a:t>
-            </a:r>
+              <a:rPr lang="en-US" dirty="0">
+                <a:latin typeface="Arial" panose="020B0604020202020204" pitchFamily="34" charset="0"/>
+                <a:cs typeface="Arial" panose="020B0604020202020204" pitchFamily="34" charset="0"/>
+              </a:rPr>
+              <a:t>Committing </a:t>
+            </a:r>
+            <a:endParaRPr lang="en-US" dirty="0"/>
           </a:p>
         </p:txBody>
       </p:sp>
@@ -12252,7 +11940,7 @@
         <p:spPr>
           <a:xfrm>
             <a:off x="751774" y="2083710"/>
-            <a:ext cx="2217274" cy="1200329"/>
+            <a:ext cx="2287806" cy="1200329"/>
           </a:xfrm>
           <a:prstGeom prst="rect">
             <a:avLst/>
@@ -12266,25 +11954,37 @@
           <a:lstStyle/>
           <a:p>
             <a:r>
-              <a:rPr lang="en-US" dirty="0"/>
+              <a:rPr lang="en-US" dirty="0">
+                <a:latin typeface="Arial" panose="020B0604020202020204" pitchFamily="34" charset="0"/>
+                <a:cs typeface="Arial" panose="020B0604020202020204" pitchFamily="34" charset="0"/>
+              </a:rPr>
               <a:t>Online </a:t>
             </a:r>
           </a:p>
           <a:p>
             <a:r>
-              <a:rPr lang="en-US" dirty="0"/>
+              <a:rPr lang="en-US" dirty="0">
+                <a:latin typeface="Arial" panose="020B0604020202020204" pitchFamily="34" charset="0"/>
+                <a:cs typeface="Arial" panose="020B0604020202020204" pitchFamily="34" charset="0"/>
+              </a:rPr>
               <a:t>“official versions”</a:t>
             </a:r>
           </a:p>
           <a:p>
             <a:r>
-              <a:rPr lang="en-US" dirty="0"/>
+              <a:rPr lang="en-US" dirty="0">
+                <a:latin typeface="Arial" panose="020B0604020202020204" pitchFamily="34" charset="0"/>
+                <a:cs typeface="Arial" panose="020B0604020202020204" pitchFamily="34" charset="0"/>
+              </a:rPr>
               <a:t>On GitHub</a:t>
             </a:r>
           </a:p>
           <a:p>
             <a:r>
-              <a:rPr lang="en-US" dirty="0"/>
+              <a:rPr lang="en-US" dirty="0">
+                <a:latin typeface="Arial" panose="020B0604020202020204" pitchFamily="34" charset="0"/>
+                <a:cs typeface="Arial" panose="020B0604020202020204" pitchFamily="34" charset="0"/>
+              </a:rPr>
               <a:t>(“remote repository”)</a:t>
             </a:r>
           </a:p>
@@ -12843,7 +12543,7 @@
         <p:spPr>
           <a:xfrm>
             <a:off x="747537" y="3650240"/>
-            <a:ext cx="2567369" cy="646331"/>
+            <a:ext cx="2775440" cy="646331"/>
           </a:xfrm>
           <a:prstGeom prst="rect">
             <a:avLst/>
@@ -12857,13 +12557,19 @@
           <a:lstStyle/>
           <a:p>
             <a:r>
-              <a:rPr lang="en-US" dirty="0"/>
+              <a:rPr lang="en-US" dirty="0">
+                <a:latin typeface="Arial" panose="020B0604020202020204" pitchFamily="34" charset="0"/>
+                <a:cs typeface="Arial" panose="020B0604020202020204" pitchFamily="34" charset="0"/>
+              </a:rPr>
               <a:t>Your own official versions</a:t>
             </a:r>
           </a:p>
           <a:p>
             <a:r>
-              <a:rPr lang="en-US" dirty="0"/>
+              <a:rPr lang="en-US" dirty="0">
+                <a:latin typeface="Arial" panose="020B0604020202020204" pitchFamily="34" charset="0"/>
+                <a:cs typeface="Arial" panose="020B0604020202020204" pitchFamily="34" charset="0"/>
+              </a:rPr>
               <a:t>(“local repository”)</a:t>
             </a:r>
           </a:p>
@@ -12933,7 +12639,7 @@
         <p:spPr>
           <a:xfrm>
             <a:off x="6628273" y="5385666"/>
-            <a:ext cx="1721946" cy="369332"/>
+            <a:ext cx="1856277" cy="369332"/>
           </a:xfrm>
           <a:prstGeom prst="rect">
             <a:avLst/>
@@ -12947,7 +12653,10 @@
           <a:lstStyle/>
           <a:p>
             <a:r>
-              <a:rPr lang="en-US" dirty="0"/>
+              <a:rPr lang="en-US" dirty="0">
+                <a:latin typeface="Arial" panose="020B0604020202020204" pitchFamily="34" charset="0"/>
+                <a:cs typeface="Arial" panose="020B0604020202020204" pitchFamily="34" charset="0"/>
+              </a:rPr>
               <a:t>Your code folder</a:t>
             </a:r>
           </a:p>
@@ -12998,7 +12707,7 @@
         <p:spPr>
           <a:xfrm>
             <a:off x="6574847" y="4476273"/>
-            <a:ext cx="2121735" cy="646331"/>
+            <a:ext cx="2351926" cy="646331"/>
           </a:xfrm>
           <a:prstGeom prst="rect">
             <a:avLst/>
@@ -13012,13 +12721,19 @@
           <a:lstStyle/>
           <a:p>
             <a:r>
-              <a:rPr lang="en-US" dirty="0"/>
+              <a:rPr lang="en-US" dirty="0">
+                <a:latin typeface="Arial" panose="020B0604020202020204" pitchFamily="34" charset="0"/>
+                <a:cs typeface="Arial" panose="020B0604020202020204" pitchFamily="34" charset="0"/>
+              </a:rPr>
               <a:t>Register new change</a:t>
             </a:r>
           </a:p>
           <a:p>
             <a:r>
-              <a:rPr lang="en-US" dirty="0"/>
+              <a:rPr lang="en-US" dirty="0">
+                <a:latin typeface="Arial" panose="020B0604020202020204" pitchFamily="34" charset="0"/>
+                <a:cs typeface="Arial" panose="020B0604020202020204" pitchFamily="34" charset="0"/>
+              </a:rPr>
               <a:t>(“commit”)</a:t>
             </a:r>
           </a:p>
@@ -13187,7 +12902,7 @@
 </p:sld>
 </file>
 
-<file path=ppt/slides/slide19.xml><?xml version="1.0" encoding="utf-8"?>
+<file path=ppt/slides/slide18.xml><?xml version="1.0" encoding="utf-8"?>
 <p:sld xmlns:a="http://schemas.openxmlformats.org/drawingml/2006/main" xmlns:r="http://schemas.openxmlformats.org/officeDocument/2006/relationships" xmlns:p="http://schemas.openxmlformats.org/presentationml/2006/main">
   <p:cSld>
     <p:spTree>
@@ -13226,8 +12941,11 @@
           <a:lstStyle/>
           <a:p>
             <a:r>
-              <a:rPr lang="en-US" dirty="0"/>
-              <a:t>Typical GitHub workflow</a:t>
+              <a:rPr lang="en-US" dirty="0">
+                <a:latin typeface="Arial" panose="020B0604020202020204" pitchFamily="34" charset="0"/>
+                <a:cs typeface="Arial" panose="020B0604020202020204" pitchFamily="34" charset="0"/>
+              </a:rPr>
+              <a:t>Pushing</a:t>
             </a:r>
           </a:p>
         </p:txBody>
@@ -13766,7 +13484,7 @@
         <p:spPr>
           <a:xfrm>
             <a:off x="751774" y="2083710"/>
-            <a:ext cx="2217274" cy="1200329"/>
+            <a:ext cx="2287806" cy="1200329"/>
           </a:xfrm>
           <a:prstGeom prst="rect">
             <a:avLst/>
@@ -13780,25 +13498,37 @@
           <a:lstStyle/>
           <a:p>
             <a:r>
-              <a:rPr lang="en-US" dirty="0"/>
+              <a:rPr lang="en-US" dirty="0">
+                <a:latin typeface="Arial" panose="020B0604020202020204" pitchFamily="34" charset="0"/>
+                <a:cs typeface="Arial" panose="020B0604020202020204" pitchFamily="34" charset="0"/>
+              </a:rPr>
               <a:t>Online </a:t>
             </a:r>
           </a:p>
           <a:p>
             <a:r>
-              <a:rPr lang="en-US" dirty="0"/>
+              <a:rPr lang="en-US" dirty="0">
+                <a:latin typeface="Arial" panose="020B0604020202020204" pitchFamily="34" charset="0"/>
+                <a:cs typeface="Arial" panose="020B0604020202020204" pitchFamily="34" charset="0"/>
+              </a:rPr>
               <a:t>“official versions”</a:t>
             </a:r>
           </a:p>
           <a:p>
             <a:r>
-              <a:rPr lang="en-US" dirty="0"/>
+              <a:rPr lang="en-US" dirty="0">
+                <a:latin typeface="Arial" panose="020B0604020202020204" pitchFamily="34" charset="0"/>
+                <a:cs typeface="Arial" panose="020B0604020202020204" pitchFamily="34" charset="0"/>
+              </a:rPr>
               <a:t>On GitHub</a:t>
             </a:r>
           </a:p>
           <a:p>
             <a:r>
-              <a:rPr lang="en-US" dirty="0"/>
+              <a:rPr lang="en-US" dirty="0">
+                <a:latin typeface="Arial" panose="020B0604020202020204" pitchFamily="34" charset="0"/>
+                <a:cs typeface="Arial" panose="020B0604020202020204" pitchFamily="34" charset="0"/>
+              </a:rPr>
               <a:t>(“remote repository”)</a:t>
             </a:r>
           </a:p>
@@ -14357,7 +14087,7 @@
         <p:spPr>
           <a:xfrm>
             <a:off x="747537" y="3650240"/>
-            <a:ext cx="2567369" cy="646331"/>
+            <a:ext cx="2775440" cy="646331"/>
           </a:xfrm>
           <a:prstGeom prst="rect">
             <a:avLst/>
@@ -14371,13 +14101,19 @@
           <a:lstStyle/>
           <a:p>
             <a:r>
-              <a:rPr lang="en-US" dirty="0"/>
+              <a:rPr lang="en-US" dirty="0">
+                <a:latin typeface="Arial" panose="020B0604020202020204" pitchFamily="34" charset="0"/>
+                <a:cs typeface="Arial" panose="020B0604020202020204" pitchFamily="34" charset="0"/>
+              </a:rPr>
               <a:t>Your own official versions</a:t>
             </a:r>
           </a:p>
           <a:p>
             <a:r>
-              <a:rPr lang="en-US" dirty="0"/>
+              <a:rPr lang="en-US" dirty="0">
+                <a:latin typeface="Arial" panose="020B0604020202020204" pitchFamily="34" charset="0"/>
+                <a:cs typeface="Arial" panose="020B0604020202020204" pitchFamily="34" charset="0"/>
+              </a:rPr>
               <a:t>(“local repository”)</a:t>
             </a:r>
           </a:p>
@@ -14447,7 +14183,7 @@
         <p:spPr>
           <a:xfrm>
             <a:off x="6628273" y="5385666"/>
-            <a:ext cx="1721946" cy="369332"/>
+            <a:ext cx="1856277" cy="369332"/>
           </a:xfrm>
           <a:prstGeom prst="rect">
             <a:avLst/>
@@ -14461,7 +14197,10 @@
           <a:lstStyle/>
           <a:p>
             <a:r>
-              <a:rPr lang="en-US" dirty="0"/>
+              <a:rPr lang="en-US" dirty="0">
+                <a:latin typeface="Arial" panose="020B0604020202020204" pitchFamily="34" charset="0"/>
+                <a:cs typeface="Arial" panose="020B0604020202020204" pitchFamily="34" charset="0"/>
+              </a:rPr>
               <a:t>Your code folder</a:t>
             </a:r>
           </a:p>
@@ -14512,7 +14251,7 @@
         <p:spPr>
           <a:xfrm>
             <a:off x="6574847" y="4476273"/>
-            <a:ext cx="2121735" cy="646331"/>
+            <a:ext cx="2351926" cy="646331"/>
           </a:xfrm>
           <a:prstGeom prst="rect">
             <a:avLst/>
@@ -14526,13 +14265,19 @@
           <a:lstStyle/>
           <a:p>
             <a:r>
-              <a:rPr lang="en-US" dirty="0"/>
+              <a:rPr lang="en-US" dirty="0">
+                <a:latin typeface="Arial" panose="020B0604020202020204" pitchFamily="34" charset="0"/>
+                <a:cs typeface="Arial" panose="020B0604020202020204" pitchFamily="34" charset="0"/>
+              </a:rPr>
               <a:t>Register new change</a:t>
             </a:r>
           </a:p>
           <a:p>
             <a:r>
-              <a:rPr lang="en-US" dirty="0"/>
+              <a:rPr lang="en-US" dirty="0">
+                <a:latin typeface="Arial" panose="020B0604020202020204" pitchFamily="34" charset="0"/>
+                <a:cs typeface="Arial" panose="020B0604020202020204" pitchFamily="34" charset="0"/>
+              </a:rPr>
               <a:t>(“commit”)</a:t>
             </a:r>
           </a:p>
@@ -14847,7 +14592,7 @@
         <p:spPr>
           <a:xfrm>
             <a:off x="8687600" y="2988240"/>
-            <a:ext cx="973343" cy="646331"/>
+            <a:ext cx="992579" cy="646331"/>
           </a:xfrm>
           <a:prstGeom prst="rect">
             <a:avLst/>
@@ -14861,13 +14606,19 @@
           <a:lstStyle/>
           <a:p>
             <a:r>
-              <a:rPr lang="en-US" dirty="0"/>
+              <a:rPr lang="en-US" dirty="0">
+                <a:latin typeface="Arial" panose="020B0604020202020204" pitchFamily="34" charset="0"/>
+                <a:cs typeface="Arial" panose="020B0604020202020204" pitchFamily="34" charset="0"/>
+              </a:rPr>
               <a:t>Upload</a:t>
             </a:r>
           </a:p>
           <a:p>
             <a:r>
-              <a:rPr lang="en-US" dirty="0"/>
+              <a:rPr lang="en-US" dirty="0">
+                <a:latin typeface="Arial" panose="020B0604020202020204" pitchFamily="34" charset="0"/>
+                <a:cs typeface="Arial" panose="020B0604020202020204" pitchFamily="34" charset="0"/>
+              </a:rPr>
               <a:t>(“push”)</a:t>
             </a:r>
           </a:p>
@@ -14886,7 +14637,7 @@
 </p:sld>
 </file>
 
-<file path=ppt/slides/slide2.xml><?xml version="1.0" encoding="utf-8"?>
+<file path=ppt/slides/slide19.xml><?xml version="1.0" encoding="utf-8"?>
 <p:sld xmlns:a="http://schemas.openxmlformats.org/drawingml/2006/main" xmlns:r="http://schemas.openxmlformats.org/officeDocument/2006/relationships" xmlns:p="http://schemas.openxmlformats.org/presentationml/2006/main">
   <p:cSld>
     <p:spTree>
@@ -14908,7 +14659,7 @@
           <p:cNvPr id="2" name="Title 1">
             <a:extLst>
               <a:ext uri="{FF2B5EF4-FFF2-40B4-BE49-F238E27FC236}">
-                <a16:creationId xmlns:a16="http://schemas.microsoft.com/office/drawing/2014/main" id="{398D4550-DCAB-1448-8542-727B6A5629A9}"/>
+                <a16:creationId xmlns:a16="http://schemas.microsoft.com/office/drawing/2014/main" id="{88A9A7AA-5E64-1F4F-855A-15ABB15D0DEB}"/>
               </a:ext>
             </a:extLst>
           </p:cNvPr>
@@ -14929,128 +14680,7 @@
                 <a:latin typeface="Arial" panose="020B0604020202020204" pitchFamily="34" charset="0"/>
                 <a:cs typeface="Arial" panose="020B0604020202020204" pitchFamily="34" charset="0"/>
               </a:rPr>
-              <a:t>Goals</a:t>
-            </a:r>
-          </a:p>
-        </p:txBody>
-      </p:sp>
-      <p:sp>
-        <p:nvSpPr>
-          <p:cNvPr id="3" name="Content Placeholder 2">
-            <a:extLst>
-              <a:ext uri="{FF2B5EF4-FFF2-40B4-BE49-F238E27FC236}">
-                <a16:creationId xmlns:a16="http://schemas.microsoft.com/office/drawing/2014/main" id="{9CA6F9AC-1288-D742-89F3-5A8FD6280211}"/>
-              </a:ext>
-            </a:extLst>
-          </p:cNvPr>
-          <p:cNvSpPr>
-            <a:spLocks noGrp="1"/>
-          </p:cNvSpPr>
-          <p:nvPr>
-            <p:ph idx="1"/>
-          </p:nvPr>
-        </p:nvSpPr>
-        <p:spPr/>
-        <p:txBody>
-          <a:bodyPr>
-            <a:normAutofit/>
-          </a:bodyPr>
-          <a:lstStyle/>
-          <a:p>
-            <a:r>
-              <a:rPr lang="en-US" sz="3200" dirty="0">
-                <a:latin typeface="Arial" panose="020B0604020202020204" pitchFamily="34" charset="0"/>
-                <a:cs typeface="Arial" panose="020B0604020202020204" pitchFamily="34" charset="0"/>
-              </a:rPr>
-              <a:t>To know what git/GitHub do (if you don’t already)</a:t>
-            </a:r>
-          </a:p>
-          <a:p>
-            <a:pPr marL="457200" lvl="1" indent="0">
-              <a:buNone/>
-            </a:pPr>
-            <a:r>
-              <a:rPr lang="en-US" sz="2800" dirty="0">
-                <a:latin typeface="Arial" panose="020B0604020202020204" pitchFamily="34" charset="0"/>
-                <a:cs typeface="Arial" panose="020B0604020202020204" pitchFamily="34" charset="0"/>
-              </a:rPr>
-              <a:t>(Tutorial at the end)</a:t>
-            </a:r>
-          </a:p>
-          <a:p>
-            <a:r>
-              <a:rPr lang="en-US" sz="3200" dirty="0">
-                <a:latin typeface="Arial" panose="020B0604020202020204" pitchFamily="34" charset="0"/>
-                <a:cs typeface="Arial" panose="020B0604020202020204" pitchFamily="34" charset="0"/>
-              </a:rPr>
-              <a:t>To point you to some useful resources</a:t>
-            </a:r>
-          </a:p>
-          <a:p>
-            <a:pPr marL="0" indent="0">
-              <a:buNone/>
-            </a:pPr>
-            <a:endParaRPr lang="en-US" sz="3200" dirty="0">
-              <a:latin typeface="Arial" panose="020B0604020202020204" pitchFamily="34" charset="0"/>
-              <a:cs typeface="Arial" panose="020B0604020202020204" pitchFamily="34" charset="0"/>
-            </a:endParaRPr>
-          </a:p>
-        </p:txBody>
-      </p:sp>
-    </p:spTree>
-    <p:extLst>
-      <p:ext uri="{BB962C8B-B14F-4D97-AF65-F5344CB8AC3E}">
-        <p14:creationId xmlns:p14="http://schemas.microsoft.com/office/powerpoint/2010/main" val="4136173703"/>
-      </p:ext>
-    </p:extLst>
-  </p:cSld>
-  <p:clrMapOvr>
-    <a:masterClrMapping/>
-  </p:clrMapOvr>
-</p:sld>
-</file>
-
-<file path=ppt/slides/slide20.xml><?xml version="1.0" encoding="utf-8"?>
-<p:sld xmlns:a="http://schemas.openxmlformats.org/drawingml/2006/main" xmlns:r="http://schemas.openxmlformats.org/officeDocument/2006/relationships" xmlns:p="http://schemas.openxmlformats.org/presentationml/2006/main">
-  <p:cSld>
-    <p:spTree>
-      <p:nvGrpSpPr>
-        <p:cNvPr id="1" name=""/>
-        <p:cNvGrpSpPr/>
-        <p:nvPr/>
-      </p:nvGrpSpPr>
-      <p:grpSpPr>
-        <a:xfrm>
-          <a:off x="0" y="0"/>
-          <a:ext cx="0" cy="0"/>
-          <a:chOff x="0" y="0"/>
-          <a:chExt cx="0" cy="0"/>
-        </a:xfrm>
-      </p:grpSpPr>
-      <p:sp>
-        <p:nvSpPr>
-          <p:cNvPr id="2" name="Title 1">
-            <a:extLst>
-              <a:ext uri="{FF2B5EF4-FFF2-40B4-BE49-F238E27FC236}">
-                <a16:creationId xmlns:a16="http://schemas.microsoft.com/office/drawing/2014/main" id="{88A9A7AA-5E64-1F4F-855A-15ABB15D0DEB}"/>
-              </a:ext>
-            </a:extLst>
-          </p:cNvPr>
-          <p:cNvSpPr>
-            <a:spLocks noGrp="1"/>
-          </p:cNvSpPr>
-          <p:nvPr>
-            <p:ph type="title"/>
-          </p:nvPr>
-        </p:nvSpPr>
-        <p:spPr/>
-        <p:txBody>
-          <a:bodyPr/>
-          <a:lstStyle/>
-          <a:p>
-            <a:r>
-              <a:rPr lang="en-US" dirty="0"/>
-              <a:t>Typical GitHub workflow</a:t>
+              <a:t>Collaborating</a:t>
             </a:r>
           </a:p>
         </p:txBody>
@@ -15589,7 +15219,7 @@
         <p:spPr>
           <a:xfrm>
             <a:off x="842437" y="3051273"/>
-            <a:ext cx="2217274" cy="1200329"/>
+            <a:ext cx="2287806" cy="1200329"/>
           </a:xfrm>
           <a:prstGeom prst="rect">
             <a:avLst/>
@@ -15603,25 +15233,37 @@
           <a:lstStyle/>
           <a:p>
             <a:r>
-              <a:rPr lang="en-US" dirty="0"/>
+              <a:rPr lang="en-US" dirty="0">
+                <a:latin typeface="Arial" panose="020B0604020202020204" pitchFamily="34" charset="0"/>
+                <a:cs typeface="Arial" panose="020B0604020202020204" pitchFamily="34" charset="0"/>
+              </a:rPr>
               <a:t>Online </a:t>
             </a:r>
           </a:p>
           <a:p>
             <a:r>
-              <a:rPr lang="en-US" dirty="0"/>
+              <a:rPr lang="en-US" dirty="0">
+                <a:latin typeface="Arial" panose="020B0604020202020204" pitchFamily="34" charset="0"/>
+                <a:cs typeface="Arial" panose="020B0604020202020204" pitchFamily="34" charset="0"/>
+              </a:rPr>
               <a:t>“official versions”</a:t>
             </a:r>
           </a:p>
           <a:p>
             <a:r>
-              <a:rPr lang="en-US" dirty="0"/>
+              <a:rPr lang="en-US" dirty="0">
+                <a:latin typeface="Arial" panose="020B0604020202020204" pitchFamily="34" charset="0"/>
+                <a:cs typeface="Arial" panose="020B0604020202020204" pitchFamily="34" charset="0"/>
+              </a:rPr>
               <a:t>On GitHub</a:t>
             </a:r>
           </a:p>
           <a:p>
             <a:r>
-              <a:rPr lang="en-US" dirty="0"/>
+              <a:rPr lang="en-US" dirty="0">
+                <a:latin typeface="Arial" panose="020B0604020202020204" pitchFamily="34" charset="0"/>
+                <a:cs typeface="Arial" panose="020B0604020202020204" pitchFamily="34" charset="0"/>
+              </a:rPr>
               <a:t>(“remote repository”)</a:t>
             </a:r>
           </a:p>
@@ -16180,7 +15822,7 @@
         <p:spPr>
           <a:xfrm>
             <a:off x="838200" y="4617803"/>
-            <a:ext cx="2567369" cy="646331"/>
+            <a:ext cx="2775440" cy="646331"/>
           </a:xfrm>
           <a:prstGeom prst="rect">
             <a:avLst/>
@@ -16194,13 +15836,19 @@
           <a:lstStyle/>
           <a:p>
             <a:r>
-              <a:rPr lang="en-US" dirty="0"/>
+              <a:rPr lang="en-US" dirty="0">
+                <a:latin typeface="Arial" panose="020B0604020202020204" pitchFamily="34" charset="0"/>
+                <a:cs typeface="Arial" panose="020B0604020202020204" pitchFamily="34" charset="0"/>
+              </a:rPr>
               <a:t>Your own official versions</a:t>
             </a:r>
           </a:p>
           <a:p>
             <a:r>
-              <a:rPr lang="en-US" dirty="0"/>
+              <a:rPr lang="en-US" dirty="0">
+                <a:latin typeface="Arial" panose="020B0604020202020204" pitchFamily="34" charset="0"/>
+                <a:cs typeface="Arial" panose="020B0604020202020204" pitchFamily="34" charset="0"/>
+              </a:rPr>
               <a:t>(“local repository”)</a:t>
             </a:r>
           </a:p>
@@ -16469,7 +16117,7 @@
         <p:spPr>
           <a:xfrm>
             <a:off x="8715814" y="2667030"/>
-            <a:ext cx="1142364" cy="646331"/>
+            <a:ext cx="1210588" cy="646331"/>
           </a:xfrm>
           <a:prstGeom prst="rect">
             <a:avLst/>
@@ -16483,13 +16131,19 @@
           <a:lstStyle/>
           <a:p>
             <a:r>
-              <a:rPr lang="en-US" dirty="0"/>
+              <a:rPr lang="en-US" dirty="0">
+                <a:latin typeface="Arial" panose="020B0604020202020204" pitchFamily="34" charset="0"/>
+                <a:cs typeface="Arial" panose="020B0604020202020204" pitchFamily="34" charset="0"/>
+              </a:rPr>
               <a:t>Download</a:t>
             </a:r>
           </a:p>
           <a:p>
             <a:r>
-              <a:rPr lang="en-US" dirty="0"/>
+              <a:rPr lang="en-US" dirty="0">
+                <a:latin typeface="Arial" panose="020B0604020202020204" pitchFamily="34" charset="0"/>
+                <a:cs typeface="Arial" panose="020B0604020202020204" pitchFamily="34" charset="0"/>
+              </a:rPr>
               <a:t>(“pull”)</a:t>
             </a:r>
           </a:p>
@@ -17143,7 +16797,7 @@
         <p:spPr>
           <a:xfrm>
             <a:off x="838200" y="2035066"/>
-            <a:ext cx="1634935" cy="646331"/>
+            <a:ext cx="1757854" cy="646331"/>
           </a:xfrm>
           <a:prstGeom prst="rect">
             <a:avLst/>
@@ -17157,13 +16811,19 @@
           <a:lstStyle/>
           <a:p>
             <a:r>
-              <a:rPr lang="en-US" dirty="0"/>
+              <a:rPr lang="en-US" dirty="0">
+                <a:latin typeface="Arial" panose="020B0604020202020204" pitchFamily="34" charset="0"/>
+                <a:cs typeface="Arial" panose="020B0604020202020204" pitchFamily="34" charset="0"/>
+              </a:rPr>
               <a:t>Your friends’</a:t>
             </a:r>
           </a:p>
           <a:p>
             <a:r>
-              <a:rPr lang="en-US" dirty="0"/>
+              <a:rPr lang="en-US" dirty="0">
+                <a:latin typeface="Arial" panose="020B0604020202020204" pitchFamily="34" charset="0"/>
+                <a:cs typeface="Arial" panose="020B0604020202020204" pitchFamily="34" charset="0"/>
+              </a:rPr>
               <a:t>official versions</a:t>
             </a:r>
           </a:p>
@@ -17231,6 +16891,252 @@
 </p:sld>
 </file>
 
+<file path=ppt/slides/slide2.xml><?xml version="1.0" encoding="utf-8"?>
+<p:sld xmlns:a="http://schemas.openxmlformats.org/drawingml/2006/main" xmlns:r="http://schemas.openxmlformats.org/officeDocument/2006/relationships" xmlns:p="http://schemas.openxmlformats.org/presentationml/2006/main">
+  <p:cSld>
+    <p:spTree>
+      <p:nvGrpSpPr>
+        <p:cNvPr id="1" name=""/>
+        <p:cNvGrpSpPr/>
+        <p:nvPr/>
+      </p:nvGrpSpPr>
+      <p:grpSpPr>
+        <a:xfrm>
+          <a:off x="0" y="0"/>
+          <a:ext cx="0" cy="0"/>
+          <a:chOff x="0" y="0"/>
+          <a:chExt cx="0" cy="0"/>
+        </a:xfrm>
+      </p:grpSpPr>
+      <p:sp>
+        <p:nvSpPr>
+          <p:cNvPr id="2" name="Title 1">
+            <a:extLst>
+              <a:ext uri="{FF2B5EF4-FFF2-40B4-BE49-F238E27FC236}">
+                <a16:creationId xmlns:a16="http://schemas.microsoft.com/office/drawing/2014/main" id="{398D4550-DCAB-1448-8542-727B6A5629A9}"/>
+              </a:ext>
+            </a:extLst>
+          </p:cNvPr>
+          <p:cNvSpPr>
+            <a:spLocks noGrp="1"/>
+          </p:cNvSpPr>
+          <p:nvPr>
+            <p:ph type="title"/>
+          </p:nvPr>
+        </p:nvSpPr>
+        <p:spPr/>
+        <p:txBody>
+          <a:bodyPr/>
+          <a:lstStyle/>
+          <a:p>
+            <a:r>
+              <a:rPr lang="en-US" dirty="0">
+                <a:latin typeface="Arial" panose="020B0604020202020204" pitchFamily="34" charset="0"/>
+                <a:cs typeface="Arial" panose="020B0604020202020204" pitchFamily="34" charset="0"/>
+              </a:rPr>
+              <a:t>Goals</a:t>
+            </a:r>
+          </a:p>
+        </p:txBody>
+      </p:sp>
+      <p:sp>
+        <p:nvSpPr>
+          <p:cNvPr id="3" name="Content Placeholder 2">
+            <a:extLst>
+              <a:ext uri="{FF2B5EF4-FFF2-40B4-BE49-F238E27FC236}">
+                <a16:creationId xmlns:a16="http://schemas.microsoft.com/office/drawing/2014/main" id="{9CA6F9AC-1288-D742-89F3-5A8FD6280211}"/>
+              </a:ext>
+            </a:extLst>
+          </p:cNvPr>
+          <p:cNvSpPr>
+            <a:spLocks noGrp="1"/>
+          </p:cNvSpPr>
+          <p:nvPr>
+            <p:ph idx="1"/>
+          </p:nvPr>
+        </p:nvSpPr>
+        <p:spPr/>
+        <p:txBody>
+          <a:bodyPr>
+            <a:normAutofit/>
+          </a:bodyPr>
+          <a:lstStyle/>
+          <a:p>
+            <a:r>
+              <a:rPr lang="en-US" dirty="0">
+                <a:latin typeface="Arial" panose="020B0604020202020204" pitchFamily="34" charset="0"/>
+                <a:cs typeface="Arial" panose="020B0604020202020204" pitchFamily="34" charset="0"/>
+              </a:rPr>
+              <a:t>To know what git/GitHub do (if you don’t already)</a:t>
+            </a:r>
+          </a:p>
+          <a:p>
+            <a:pPr marL="457200" lvl="1" indent="0">
+              <a:buNone/>
+            </a:pPr>
+            <a:r>
+              <a:rPr lang="en-US" dirty="0">
+                <a:latin typeface="Arial" panose="020B0604020202020204" pitchFamily="34" charset="0"/>
+                <a:cs typeface="Arial" panose="020B0604020202020204" pitchFamily="34" charset="0"/>
+              </a:rPr>
+              <a:t>(Tutorial at the end)</a:t>
+            </a:r>
+          </a:p>
+          <a:p>
+            <a:r>
+              <a:rPr lang="en-US" dirty="0">
+                <a:latin typeface="Arial" panose="020B0604020202020204" pitchFamily="34" charset="0"/>
+                <a:cs typeface="Arial" panose="020B0604020202020204" pitchFamily="34" charset="0"/>
+              </a:rPr>
+              <a:t>To point you to some useful resources</a:t>
+            </a:r>
+          </a:p>
+          <a:p>
+            <a:pPr marL="0" indent="0">
+              <a:buNone/>
+            </a:pPr>
+            <a:endParaRPr lang="en-US" dirty="0">
+              <a:latin typeface="Arial" panose="020B0604020202020204" pitchFamily="34" charset="0"/>
+              <a:cs typeface="Arial" panose="020B0604020202020204" pitchFamily="34" charset="0"/>
+            </a:endParaRPr>
+          </a:p>
+        </p:txBody>
+      </p:sp>
+    </p:spTree>
+    <p:extLst>
+      <p:ext uri="{BB962C8B-B14F-4D97-AF65-F5344CB8AC3E}">
+        <p14:creationId xmlns:p14="http://schemas.microsoft.com/office/powerpoint/2010/main" val="4136173703"/>
+      </p:ext>
+    </p:extLst>
+  </p:cSld>
+  <p:clrMapOvr>
+    <a:masterClrMapping/>
+  </p:clrMapOvr>
+</p:sld>
+</file>
+
+<file path=ppt/slides/slide20.xml><?xml version="1.0" encoding="utf-8"?>
+<p:sld xmlns:a="http://schemas.openxmlformats.org/drawingml/2006/main" xmlns:r="http://schemas.openxmlformats.org/officeDocument/2006/relationships" xmlns:p="http://schemas.openxmlformats.org/presentationml/2006/main">
+  <p:cSld>
+    <p:spTree>
+      <p:nvGrpSpPr>
+        <p:cNvPr id="1" name=""/>
+        <p:cNvGrpSpPr/>
+        <p:nvPr/>
+      </p:nvGrpSpPr>
+      <p:grpSpPr>
+        <a:xfrm>
+          <a:off x="0" y="0"/>
+          <a:ext cx="0" cy="0"/>
+          <a:chOff x="0" y="0"/>
+          <a:chExt cx="0" cy="0"/>
+        </a:xfrm>
+      </p:grpSpPr>
+      <p:sp>
+        <p:nvSpPr>
+          <p:cNvPr id="2" name="Title 1">
+            <a:extLst>
+              <a:ext uri="{FF2B5EF4-FFF2-40B4-BE49-F238E27FC236}">
+                <a16:creationId xmlns:a16="http://schemas.microsoft.com/office/drawing/2014/main" id="{F5C1630E-A0D0-1348-A335-5A2D6052A7A4}"/>
+              </a:ext>
+            </a:extLst>
+          </p:cNvPr>
+          <p:cNvSpPr>
+            <a:spLocks noGrp="1"/>
+          </p:cNvSpPr>
+          <p:nvPr>
+            <p:ph type="title"/>
+          </p:nvPr>
+        </p:nvSpPr>
+        <p:spPr/>
+        <p:txBody>
+          <a:bodyPr/>
+          <a:lstStyle/>
+          <a:p>
+            <a:r>
+              <a:rPr lang="en-US" dirty="0">
+                <a:latin typeface="Arial" panose="020B0604020202020204" pitchFamily="34" charset="0"/>
+                <a:cs typeface="Arial" panose="020B0604020202020204" pitchFamily="34" charset="0"/>
+              </a:rPr>
+              <a:t>Other topics</a:t>
+            </a:r>
+          </a:p>
+        </p:txBody>
+      </p:sp>
+      <p:sp>
+        <p:nvSpPr>
+          <p:cNvPr id="3" name="Content Placeholder 2">
+            <a:extLst>
+              <a:ext uri="{FF2B5EF4-FFF2-40B4-BE49-F238E27FC236}">
+                <a16:creationId xmlns:a16="http://schemas.microsoft.com/office/drawing/2014/main" id="{27C50779-F6C7-2244-80C3-5FC08A7014A3}"/>
+              </a:ext>
+            </a:extLst>
+          </p:cNvPr>
+          <p:cNvSpPr>
+            <a:spLocks noGrp="1"/>
+          </p:cNvSpPr>
+          <p:nvPr>
+            <p:ph idx="1"/>
+          </p:nvPr>
+        </p:nvSpPr>
+        <p:spPr/>
+        <p:txBody>
+          <a:bodyPr/>
+          <a:lstStyle/>
+          <a:p>
+            <a:r>
+              <a:rPr lang="en-US" dirty="0">
+                <a:latin typeface="Arial" panose="020B0604020202020204" pitchFamily="34" charset="0"/>
+                <a:cs typeface="Arial" panose="020B0604020202020204" pitchFamily="34" charset="0"/>
+              </a:rPr>
+              <a:t>What if you and your friend are simultaneously working on the copy of the same branch?</a:t>
+            </a:r>
+          </a:p>
+          <a:p>
+            <a:pPr lvl="1"/>
+            <a:r>
+              <a:rPr lang="en-US" dirty="0">
+                <a:latin typeface="Arial" panose="020B0604020202020204" pitchFamily="34" charset="0"/>
+                <a:cs typeface="Arial" panose="020B0604020202020204" pitchFamily="34" charset="0"/>
+              </a:rPr>
+              <a:t>Conflicts arise</a:t>
+            </a:r>
+          </a:p>
+          <a:p>
+            <a:pPr lvl="1"/>
+            <a:r>
+              <a:rPr lang="en-US" dirty="0">
+                <a:latin typeface="Arial" panose="020B0604020202020204" pitchFamily="34" charset="0"/>
+                <a:cs typeface="Arial" panose="020B0604020202020204" pitchFamily="34" charset="0"/>
+              </a:rPr>
+              <a:t>Git usually nicely resolves these automatically unless you are working on the same line of same file </a:t>
+            </a:r>
+          </a:p>
+          <a:p>
+            <a:pPr lvl="1"/>
+            <a:r>
+              <a:rPr lang="en-US" dirty="0">
+                <a:latin typeface="Arial" panose="020B0604020202020204" pitchFamily="34" charset="0"/>
+                <a:cs typeface="Arial" panose="020B0604020202020204" pitchFamily="34" charset="0"/>
+              </a:rPr>
+              <a:t>Otherwise manually you need to resolve the conflict manually</a:t>
+            </a:r>
+          </a:p>
+        </p:txBody>
+      </p:sp>
+    </p:spTree>
+    <p:extLst>
+      <p:ext uri="{BB962C8B-B14F-4D97-AF65-F5344CB8AC3E}">
+        <p14:creationId xmlns:p14="http://schemas.microsoft.com/office/powerpoint/2010/main" val="3944556606"/>
+      </p:ext>
+    </p:extLst>
+  </p:cSld>
+  <p:clrMapOvr>
+    <a:masterClrMapping/>
+  </p:clrMapOvr>
+</p:sld>
+</file>
+
 <file path=ppt/slides/slide21.xml><?xml version="1.0" encoding="utf-8"?>
 <p:sld xmlns:a="http://schemas.openxmlformats.org/drawingml/2006/main" xmlns:r="http://schemas.openxmlformats.org/officeDocument/2006/relationships" xmlns:p="http://schemas.openxmlformats.org/presentationml/2006/main">
   <p:cSld>
@@ -17253,7 +17159,7 @@
           <p:cNvPr id="2" name="Title 1">
             <a:extLst>
               <a:ext uri="{FF2B5EF4-FFF2-40B4-BE49-F238E27FC236}">
-                <a16:creationId xmlns:a16="http://schemas.microsoft.com/office/drawing/2014/main" id="{F5C1630E-A0D0-1348-A335-5A2D6052A7A4}"/>
+                <a16:creationId xmlns:a16="http://schemas.microsoft.com/office/drawing/2014/main" id="{E1F87E37-4D32-A34D-B620-B7596EBC82E8}"/>
               </a:ext>
             </a:extLst>
           </p:cNvPr>
@@ -17270,8 +17176,11 @@
           <a:lstStyle/>
           <a:p>
             <a:r>
-              <a:rPr lang="en-US" dirty="0"/>
-              <a:t>Other topics</a:t>
+              <a:rPr lang="en-US" dirty="0">
+                <a:latin typeface="Arial" panose="020B0604020202020204" pitchFamily="34" charset="0"/>
+                <a:cs typeface="Arial" panose="020B0604020202020204" pitchFamily="34" charset="0"/>
+              </a:rPr>
+              <a:t>Summary</a:t>
             </a:r>
           </a:p>
         </p:txBody>
@@ -17281,7 +17190,7 @@
           <p:cNvPr id="3" name="Content Placeholder 2">
             <a:extLst>
               <a:ext uri="{FF2B5EF4-FFF2-40B4-BE49-F238E27FC236}">
-                <a16:creationId xmlns:a16="http://schemas.microsoft.com/office/drawing/2014/main" id="{27C50779-F6C7-2244-80C3-5FC08A7014A3}"/>
+                <a16:creationId xmlns:a16="http://schemas.microsoft.com/office/drawing/2014/main" id="{B19689EE-B185-3146-99DD-98DD54528FC8}"/>
               </a:ext>
             </a:extLst>
           </p:cNvPr>
@@ -17294,33 +17203,53 @@
         </p:nvSpPr>
         <p:spPr/>
         <p:txBody>
-          <a:bodyPr/>
-          <a:lstStyle/>
-          <a:p>
-            <a:r>
-              <a:rPr lang="en-US" dirty="0"/>
-              <a:t>What if you and your friend are simultaneously working on the copy of the same branch?</a:t>
-            </a:r>
-          </a:p>
-          <a:p>
-            <a:pPr lvl="1"/>
-            <a:r>
-              <a:rPr lang="en-US" dirty="0"/>
-              <a:t>Conflicts arise</a:t>
-            </a:r>
-          </a:p>
-          <a:p>
-            <a:pPr lvl="1"/>
-            <a:r>
-              <a:rPr lang="en-US" dirty="0"/>
-              <a:t>Git usually nicely resolves these automatically unless you are working on the same line of same file </a:t>
-            </a:r>
-          </a:p>
-          <a:p>
-            <a:pPr lvl="1"/>
-            <a:r>
-              <a:rPr lang="en-US" dirty="0"/>
-              <a:t>Otherwise manually you need to resolve the conflict manually</a:t>
+          <a:bodyPr>
+            <a:normAutofit fontScale="92500"/>
+          </a:bodyPr>
+          <a:lstStyle/>
+          <a:p>
+            <a:r>
+              <a:rPr lang="en-US" dirty="0">
+                <a:latin typeface="Arial" panose="020B0604020202020204" pitchFamily="34" charset="0"/>
+                <a:cs typeface="Arial" panose="020B0604020202020204" pitchFamily="34" charset="0"/>
+              </a:rPr>
+              <a:t>Git lets you make “official copies (repository)” of your code folder</a:t>
+            </a:r>
+          </a:p>
+          <a:p>
+            <a:r>
+              <a:rPr lang="en-US" dirty="0">
+                <a:latin typeface="Arial" panose="020B0604020202020204" pitchFamily="34" charset="0"/>
+                <a:cs typeface="Arial" panose="020B0604020202020204" pitchFamily="34" charset="0"/>
+              </a:rPr>
+              <a:t>Every time you register new changes to the official copy, a new version is created</a:t>
+            </a:r>
+          </a:p>
+          <a:p>
+            <a:r>
+              <a:rPr lang="en-US" dirty="0">
+                <a:latin typeface="Arial" panose="020B0604020202020204" pitchFamily="34" charset="0"/>
+                <a:cs typeface="Arial" panose="020B0604020202020204" pitchFamily="34" charset="0"/>
+              </a:rPr>
+              <a:t>Git remembers all the past versions, which can be used as backup</a:t>
+            </a:r>
+          </a:p>
+          <a:p>
+            <a:r>
+              <a:rPr lang="en-US" dirty="0">
+                <a:latin typeface="Arial" panose="020B0604020202020204" pitchFamily="34" charset="0"/>
+                <a:cs typeface="Arial" panose="020B0604020202020204" pitchFamily="34" charset="0"/>
+              </a:rPr>
+              <a:t>The chain of official copies can branch, and you can go back and forth between branches easily.</a:t>
+            </a:r>
+          </a:p>
+          <a:p>
+            <a:r>
+              <a:rPr lang="en-US" dirty="0">
+                <a:latin typeface="Arial" panose="020B0604020202020204" pitchFamily="34" charset="0"/>
+                <a:cs typeface="Arial" panose="020B0604020202020204" pitchFamily="34" charset="0"/>
+              </a:rPr>
+              <a:t>GitHub allows you to store “official copies” online, which helps people work on the same sets of code across multiple computers</a:t>
             </a:r>
           </a:p>
         </p:txBody>
@@ -17328,7 +17257,7 @@
     </p:spTree>
     <p:extLst>
       <p:ext uri="{BB962C8B-B14F-4D97-AF65-F5344CB8AC3E}">
-        <p14:creationId xmlns:p14="http://schemas.microsoft.com/office/powerpoint/2010/main" val="3944556606"/>
+        <p14:creationId xmlns:p14="http://schemas.microsoft.com/office/powerpoint/2010/main" val="825302660"/>
       </p:ext>
     </p:extLst>
   </p:cSld>
@@ -17360,7 +17289,7 @@
           <p:cNvPr id="2" name="Title 1">
             <a:extLst>
               <a:ext uri="{FF2B5EF4-FFF2-40B4-BE49-F238E27FC236}">
-                <a16:creationId xmlns:a16="http://schemas.microsoft.com/office/drawing/2014/main" id="{E1F87E37-4D32-A34D-B620-B7596EBC82E8}"/>
+                <a16:creationId xmlns:a16="http://schemas.microsoft.com/office/drawing/2014/main" id="{E84B55E1-1451-0E4A-9EA3-34D6197074DE}"/>
               </a:ext>
             </a:extLst>
           </p:cNvPr>
@@ -17377,8 +17306,11 @@
           <a:lstStyle/>
           <a:p>
             <a:r>
-              <a:rPr lang="en-US" dirty="0"/>
-              <a:t>Summary</a:t>
+              <a:rPr lang="en-US" dirty="0">
+                <a:latin typeface="Arial" panose="020B0604020202020204" pitchFamily="34" charset="0"/>
+                <a:cs typeface="Arial" panose="020B0604020202020204" pitchFamily="34" charset="0"/>
+              </a:rPr>
+              <a:t>Resources</a:t>
             </a:r>
           </a:p>
         </p:txBody>
@@ -17388,7 +17320,7 @@
           <p:cNvPr id="3" name="Content Placeholder 2">
             <a:extLst>
               <a:ext uri="{FF2B5EF4-FFF2-40B4-BE49-F238E27FC236}">
-                <a16:creationId xmlns:a16="http://schemas.microsoft.com/office/drawing/2014/main" id="{B19689EE-B185-3146-99DD-98DD54528FC8}"/>
+                <a16:creationId xmlns:a16="http://schemas.microsoft.com/office/drawing/2014/main" id="{DF58D35A-9721-484B-B88C-73178D9AABCE}"/>
               </a:ext>
             </a:extLst>
           </p:cNvPr>
@@ -17405,169 +17337,92 @@
           <a:lstStyle/>
           <a:p>
             <a:r>
-              <a:rPr lang="en-US" dirty="0"/>
-              <a:t>Git lets you make “official copies (repository)” of your code folder</a:t>
-            </a:r>
-          </a:p>
-          <a:p>
-            <a:r>
-              <a:rPr lang="en-US" dirty="0"/>
-              <a:t>Every time you register new changes to the official copy, a new version is created</a:t>
-            </a:r>
-          </a:p>
-          <a:p>
-            <a:r>
-              <a:rPr lang="en-US" dirty="0"/>
-              <a:t>Git remembers all the past versions, which can be used as backup</a:t>
-            </a:r>
-          </a:p>
-          <a:p>
-            <a:r>
-              <a:rPr lang="en-US" dirty="0"/>
-              <a:t>The chain of official copies can branch, and you can go back and forth between branches easily.</a:t>
-            </a:r>
-          </a:p>
-          <a:p>
-            <a:r>
-              <a:rPr lang="en-US" dirty="0"/>
-              <a:t>GitHub allows you to store “official copies” online, which helps people work on the same sets of code across multiple computers</a:t>
-            </a:r>
-          </a:p>
-        </p:txBody>
-      </p:sp>
-    </p:spTree>
-    <p:extLst>
-      <p:ext uri="{BB962C8B-B14F-4D97-AF65-F5344CB8AC3E}">
-        <p14:creationId xmlns:p14="http://schemas.microsoft.com/office/powerpoint/2010/main" val="825302660"/>
-      </p:ext>
-    </p:extLst>
-  </p:cSld>
-  <p:clrMapOvr>
-    <a:masterClrMapping/>
-  </p:clrMapOvr>
-</p:sld>
-</file>
-
-<file path=ppt/slides/slide23.xml><?xml version="1.0" encoding="utf-8"?>
-<p:sld xmlns:a="http://schemas.openxmlformats.org/drawingml/2006/main" xmlns:r="http://schemas.openxmlformats.org/officeDocument/2006/relationships" xmlns:p="http://schemas.openxmlformats.org/presentationml/2006/main">
-  <p:cSld>
-    <p:spTree>
-      <p:nvGrpSpPr>
-        <p:cNvPr id="1" name=""/>
-        <p:cNvGrpSpPr/>
-        <p:nvPr/>
-      </p:nvGrpSpPr>
-      <p:grpSpPr>
-        <a:xfrm>
-          <a:off x="0" y="0"/>
-          <a:ext cx="0" cy="0"/>
-          <a:chOff x="0" y="0"/>
-          <a:chExt cx="0" cy="0"/>
-        </a:xfrm>
-      </p:grpSpPr>
-      <p:sp>
-        <p:nvSpPr>
-          <p:cNvPr id="2" name="Title 1">
-            <a:extLst>
-              <a:ext uri="{FF2B5EF4-FFF2-40B4-BE49-F238E27FC236}">
-                <a16:creationId xmlns:a16="http://schemas.microsoft.com/office/drawing/2014/main" id="{E84B55E1-1451-0E4A-9EA3-34D6197074DE}"/>
-              </a:ext>
-            </a:extLst>
-          </p:cNvPr>
-          <p:cNvSpPr>
-            <a:spLocks noGrp="1"/>
-          </p:cNvSpPr>
-          <p:nvPr>
-            <p:ph type="title"/>
-          </p:nvPr>
-        </p:nvSpPr>
-        <p:spPr/>
-        <p:txBody>
-          <a:bodyPr/>
-          <a:lstStyle/>
-          <a:p>
-            <a:r>
-              <a:rPr lang="en-US" dirty="0"/>
-              <a:t>Resources</a:t>
-            </a:r>
-          </a:p>
-        </p:txBody>
-      </p:sp>
-      <p:sp>
-        <p:nvSpPr>
-          <p:cNvPr id="3" name="Content Placeholder 2">
-            <a:extLst>
-              <a:ext uri="{FF2B5EF4-FFF2-40B4-BE49-F238E27FC236}">
-                <a16:creationId xmlns:a16="http://schemas.microsoft.com/office/drawing/2014/main" id="{DF58D35A-9721-484B-B88C-73178D9AABCE}"/>
-              </a:ext>
-            </a:extLst>
-          </p:cNvPr>
-          <p:cNvSpPr>
-            <a:spLocks noGrp="1"/>
-          </p:cNvSpPr>
-          <p:nvPr>
-            <p:ph idx="1"/>
-          </p:nvPr>
-        </p:nvSpPr>
-        <p:spPr/>
-        <p:txBody>
-          <a:bodyPr/>
-          <a:lstStyle/>
-          <a:p>
-            <a:r>
               <a:rPr lang="en-US" dirty="0">
+                <a:latin typeface="Arial" panose="020B0604020202020204" pitchFamily="34" charset="0"/>
+                <a:cs typeface="Arial" panose="020B0604020202020204" pitchFamily="34" charset="0"/>
                 <a:hlinkClick r:id="rId3"/>
               </a:rPr>
               <a:t>https://github.com/</a:t>
             </a:r>
             <a:r>
-              <a:rPr lang="en-US" dirty="0"/>
+              <a:rPr lang="en-US" dirty="0">
+                <a:latin typeface="Arial" panose="020B0604020202020204" pitchFamily="34" charset="0"/>
+                <a:cs typeface="Arial" panose="020B0604020202020204" pitchFamily="34" charset="0"/>
+              </a:rPr>
               <a:t> </a:t>
             </a:r>
             <a:br>
-              <a:rPr lang="en-US" dirty="0"/>
+              <a:rPr lang="en-US" dirty="0">
+                <a:latin typeface="Arial" panose="020B0604020202020204" pitchFamily="34" charset="0"/>
+                <a:cs typeface="Arial" panose="020B0604020202020204" pitchFamily="34" charset="0"/>
+              </a:rPr>
             </a:br>
             <a:r>
-              <a:rPr lang="en-US" dirty="0"/>
+              <a:rPr lang="en-US" dirty="0">
+                <a:latin typeface="Arial" panose="020B0604020202020204" pitchFamily="34" charset="0"/>
+                <a:cs typeface="Arial" panose="020B0604020202020204" pitchFamily="34" charset="0"/>
+              </a:rPr>
               <a:t>GitHub (recommend making a free account)</a:t>
             </a:r>
           </a:p>
           <a:p>
             <a:r>
               <a:rPr lang="en-US" dirty="0">
+                <a:latin typeface="Arial" panose="020B0604020202020204" pitchFamily="34" charset="0"/>
+                <a:cs typeface="Arial" panose="020B0604020202020204" pitchFamily="34" charset="0"/>
                 <a:hlinkClick r:id="rId4"/>
               </a:rPr>
               <a:t>https://www.sourcetreeapp.com/</a:t>
             </a:r>
             <a:r>
-              <a:rPr lang="en-US" dirty="0"/>
+              <a:rPr lang="en-US" dirty="0">
+                <a:latin typeface="Arial" panose="020B0604020202020204" pitchFamily="34" charset="0"/>
+                <a:cs typeface="Arial" panose="020B0604020202020204" pitchFamily="34" charset="0"/>
+              </a:rPr>
               <a:t> </a:t>
             </a:r>
             <a:br>
-              <a:rPr lang="en-US" dirty="0"/>
+              <a:rPr lang="en-US" dirty="0">
+                <a:latin typeface="Arial" panose="020B0604020202020204" pitchFamily="34" charset="0"/>
+                <a:cs typeface="Arial" panose="020B0604020202020204" pitchFamily="34" charset="0"/>
+              </a:rPr>
             </a:br>
             <a:r>
-              <a:rPr lang="en-US" dirty="0"/>
+              <a:rPr lang="en-US" dirty="0">
+                <a:latin typeface="Arial" panose="020B0604020202020204" pitchFamily="34" charset="0"/>
+                <a:cs typeface="Arial" panose="020B0604020202020204" pitchFamily="34" charset="0"/>
+              </a:rPr>
               <a:t>SourceTree (a free app that makes you do all this graphically)</a:t>
             </a:r>
           </a:p>
           <a:p>
             <a:r>
               <a:rPr lang="en-US" dirty="0">
+                <a:latin typeface="Arial" panose="020B0604020202020204" pitchFamily="34" charset="0"/>
+                <a:cs typeface="Arial" panose="020B0604020202020204" pitchFamily="34" charset="0"/>
                 <a:hlinkClick r:id="rId5"/>
               </a:rPr>
               <a:t>https://guides.github.com/activities/hello-world/</a:t>
             </a:r>
             <a:br>
-              <a:rPr lang="en-US" dirty="0"/>
+              <a:rPr lang="en-US" dirty="0">
+                <a:latin typeface="Arial" panose="020B0604020202020204" pitchFamily="34" charset="0"/>
+                <a:cs typeface="Arial" panose="020B0604020202020204" pitchFamily="34" charset="0"/>
+              </a:rPr>
             </a:br>
             <a:r>
-              <a:rPr lang="en-US" dirty="0"/>
+              <a:rPr lang="en-US" dirty="0">
+                <a:latin typeface="Arial" panose="020B0604020202020204" pitchFamily="34" charset="0"/>
+                <a:cs typeface="Arial" panose="020B0604020202020204" pitchFamily="34" charset="0"/>
+              </a:rPr>
               <a:t>GitHub tutorial – I’d recommend making a mock repository to understand the functioning of git/GitHub </a:t>
             </a:r>
           </a:p>
           <a:p>
-            <a:endParaRPr lang="en-US" dirty="0"/>
+            <a:endParaRPr lang="en-US" dirty="0">
+              <a:latin typeface="Arial" panose="020B0604020202020204" pitchFamily="34" charset="0"/>
+              <a:cs typeface="Arial" panose="020B0604020202020204" pitchFamily="34" charset="0"/>
+            </a:endParaRPr>
           </a:p>
         </p:txBody>
       </p:sp>
@@ -17714,31 +17569,39 @@
           <a:lstStyle/>
           <a:p>
             <a:r>
-              <a:rPr lang="en-US" dirty="0"/>
+              <a:rPr lang="en-US" dirty="0">
+                <a:latin typeface="Arial" panose="020B0604020202020204" pitchFamily="34" charset="0"/>
+                <a:cs typeface="Arial" panose="020B0604020202020204" pitchFamily="34" charset="0"/>
+              </a:rPr>
               <a:t>Easy and powerful way to track changes to your work</a:t>
             </a:r>
           </a:p>
           <a:p>
             <a:r>
-              <a:rPr lang="en-US" dirty="0"/>
+              <a:rPr lang="en-US" dirty="0">
+                <a:latin typeface="Arial" panose="020B0604020202020204" pitchFamily="34" charset="0"/>
+                <a:cs typeface="Arial" panose="020B0604020202020204" pitchFamily="34" charset="0"/>
+              </a:rPr>
               <a:t>Useful for both writing (if using e.g. LaTeX) and code</a:t>
             </a:r>
           </a:p>
           <a:p>
             <a:r>
-              <a:rPr lang="en-US" dirty="0"/>
+              <a:rPr lang="en-US" dirty="0">
+                <a:latin typeface="Arial" panose="020B0604020202020204" pitchFamily="34" charset="0"/>
+                <a:cs typeface="Arial" panose="020B0604020202020204" pitchFamily="34" charset="0"/>
+              </a:rPr>
               <a:t>Backups of your work</a:t>
             </a:r>
           </a:p>
           <a:p>
             <a:r>
-              <a:rPr lang="en-US" dirty="0"/>
+              <a:rPr lang="en-US" dirty="0">
+                <a:latin typeface="Arial" panose="020B0604020202020204" pitchFamily="34" charset="0"/>
+                <a:cs typeface="Arial" panose="020B0604020202020204" pitchFamily="34" charset="0"/>
+              </a:rPr>
               <a:t>General coding safety net</a:t>
             </a:r>
-            <a:endParaRPr lang="en-US" dirty="0">
-              <a:latin typeface="Arial" panose="020B0604020202020204" pitchFamily="34" charset="0"/>
-              <a:cs typeface="Arial" panose="020B0604020202020204" pitchFamily="34" charset="0"/>
-            </a:endParaRPr>
           </a:p>
         </p:txBody>
       </p:sp>
@@ -17794,7 +17657,10 @@
           <a:lstStyle/>
           <a:p>
             <a:r>
-              <a:rPr lang="en-US" dirty="0"/>
+              <a:rPr lang="en-US" dirty="0">
+                <a:latin typeface="Arial" panose="020B0604020202020204" pitchFamily="34" charset="0"/>
+                <a:cs typeface="Arial" panose="020B0604020202020204" pitchFamily="34" charset="0"/>
+              </a:rPr>
               <a:t>What is Git? How does it work?</a:t>
             </a:r>
           </a:p>
@@ -17816,7 +17682,12 @@
             <p:ph idx="1"/>
           </p:nvPr>
         </p:nvSpPr>
-        <p:spPr/>
+        <p:spPr>
+          <a:xfrm>
+            <a:off x="838200" y="1703572"/>
+            <a:ext cx="10515600" cy="4351338"/>
+          </a:xfrm>
+        </p:spPr>
         <p:txBody>
           <a:bodyPr/>
           <a:lstStyle/>
@@ -17825,7 +17696,10 @@
               <a:buNone/>
             </a:pPr>
             <a:r>
-              <a:rPr lang="en-US" dirty="0"/>
+              <a:rPr lang="en-US" sz="2400" dirty="0">
+                <a:latin typeface="Arial" panose="020B0604020202020204" pitchFamily="34" charset="0"/>
+                <a:cs typeface="Arial" panose="020B0604020202020204" pitchFamily="34" charset="0"/>
+              </a:rPr>
               <a:t>Git tracks changes to a file (or set of files) through a series of snapshots called “commits” or “revisions”.</a:t>
             </a:r>
           </a:p>
@@ -17833,26 +17707,38 @@
             <a:pPr marL="0" indent="0">
               <a:buNone/>
             </a:pPr>
-            <a:endParaRPr lang="en-US" dirty="0"/>
+            <a:endParaRPr lang="en-US" dirty="0">
+              <a:latin typeface="Arial" panose="020B0604020202020204" pitchFamily="34" charset="0"/>
+              <a:cs typeface="Arial" panose="020B0604020202020204" pitchFamily="34" charset="0"/>
+            </a:endParaRPr>
           </a:p>
           <a:p>
             <a:pPr marL="0" indent="0">
               <a:buNone/>
             </a:pPr>
-            <a:endParaRPr lang="en-US" dirty="0"/>
+            <a:endParaRPr lang="en-US" dirty="0">
+              <a:latin typeface="Arial" panose="020B0604020202020204" pitchFamily="34" charset="0"/>
+              <a:cs typeface="Arial" panose="020B0604020202020204" pitchFamily="34" charset="0"/>
+            </a:endParaRPr>
           </a:p>
           <a:p>
             <a:pPr marL="0" indent="0">
               <a:buNone/>
             </a:pPr>
-            <a:endParaRPr lang="en-US" dirty="0"/>
+            <a:endParaRPr lang="en-US" dirty="0">
+              <a:latin typeface="Arial" panose="020B0604020202020204" pitchFamily="34" charset="0"/>
+              <a:cs typeface="Arial" panose="020B0604020202020204" pitchFamily="34" charset="0"/>
+            </a:endParaRPr>
           </a:p>
           <a:p>
             <a:pPr marL="0" indent="0">
               <a:buNone/>
             </a:pPr>
             <a:r>
-              <a:rPr lang="en-US" dirty="0"/>
+              <a:rPr lang="en-US" sz="2400" dirty="0">
+                <a:latin typeface="Arial" panose="020B0604020202020204" pitchFamily="34" charset="0"/>
+                <a:cs typeface="Arial" panose="020B0604020202020204" pitchFamily="34" charset="0"/>
+              </a:rPr>
               <a:t>These snapshots are stored in a “repository” which contains a history of all the changes to the files.</a:t>
             </a:r>
           </a:p>
@@ -17860,13 +17746,19 @@
             <a:pPr marL="0" indent="0">
               <a:buNone/>
             </a:pPr>
-            <a:endParaRPr lang="en-US" dirty="0"/>
+            <a:endParaRPr lang="en-US" dirty="0">
+              <a:latin typeface="Arial" panose="020B0604020202020204" pitchFamily="34" charset="0"/>
+              <a:cs typeface="Arial" panose="020B0604020202020204" pitchFamily="34" charset="0"/>
+            </a:endParaRPr>
           </a:p>
           <a:p>
             <a:pPr marL="0" indent="0">
               <a:buNone/>
             </a:pPr>
-            <a:endParaRPr lang="en-US" dirty="0"/>
+            <a:endParaRPr lang="en-US" dirty="0">
+              <a:latin typeface="Arial" panose="020B0604020202020204" pitchFamily="34" charset="0"/>
+              <a:cs typeface="Arial" panose="020B0604020202020204" pitchFamily="34" charset="0"/>
+            </a:endParaRPr>
           </a:p>
         </p:txBody>
       </p:sp>
@@ -17892,8 +17784,8 @@
         </p:blipFill>
         <p:spPr>
           <a:xfrm>
-            <a:off x="2504756" y="2667699"/>
-            <a:ext cx="6052016" cy="1670436"/>
+            <a:off x="2748036" y="2446140"/>
+            <a:ext cx="5766789" cy="1591710"/>
           </a:xfrm>
           <a:prstGeom prst="rect">
             <a:avLst/>
@@ -17922,7 +17814,7 @@
         </p:blipFill>
         <p:spPr>
           <a:xfrm>
-            <a:off x="2944886" y="5024705"/>
+            <a:off x="2748036" y="4840147"/>
             <a:ext cx="5326659" cy="1833295"/>
           </a:xfrm>
           <a:prstGeom prst="rect">
@@ -17982,7 +17874,10 @@
           <a:lstStyle/>
           <a:p>
             <a:r>
-              <a:rPr lang="en-US" dirty="0"/>
+              <a:rPr lang="en-US" dirty="0">
+                <a:latin typeface="Arial" panose="020B0604020202020204" pitchFamily="34" charset="0"/>
+                <a:cs typeface="Arial" panose="020B0604020202020204" pitchFamily="34" charset="0"/>
+              </a:rPr>
               <a:t>How is Git useful to me?</a:t>
             </a:r>
           </a:p>
@@ -18010,37 +17905,55 @@
           <a:lstStyle/>
           <a:p>
             <a:r>
-              <a:rPr lang="en-US" dirty="0"/>
+              <a:rPr lang="en-US" dirty="0">
+                <a:latin typeface="Arial" panose="020B0604020202020204" pitchFamily="34" charset="0"/>
+                <a:cs typeface="Arial" panose="020B0604020202020204" pitchFamily="34" charset="0"/>
+              </a:rPr>
               <a:t>“Why isn’t it working all of a sudden?”</a:t>
             </a:r>
           </a:p>
           <a:p>
             <a:r>
-              <a:rPr lang="en-US" dirty="0"/>
+              <a:rPr lang="en-US" dirty="0">
+                <a:latin typeface="Arial" panose="020B0604020202020204" pitchFamily="34" charset="0"/>
+                <a:cs typeface="Arial" panose="020B0604020202020204" pitchFamily="34" charset="0"/>
+              </a:rPr>
               <a:t>Cleaner file system (no more “code, codev2, codev3_test, codev3_test1” directories)</a:t>
             </a:r>
           </a:p>
           <a:p>
             <a:r>
-              <a:rPr lang="en-US" dirty="0"/>
+              <a:rPr lang="en-US" dirty="0">
+                <a:latin typeface="Arial" panose="020B0604020202020204" pitchFamily="34" charset="0"/>
+                <a:cs typeface="Arial" panose="020B0604020202020204" pitchFamily="34" charset="0"/>
+              </a:rPr>
               <a:t>Record of your edits (and thought process!)</a:t>
             </a:r>
           </a:p>
           <a:p>
             <a:r>
-              <a:rPr lang="en-US" dirty="0"/>
+              <a:rPr lang="en-US" dirty="0">
+                <a:latin typeface="Arial" panose="020B0604020202020204" pitchFamily="34" charset="0"/>
+                <a:cs typeface="Arial" panose="020B0604020202020204" pitchFamily="34" charset="0"/>
+              </a:rPr>
               <a:t>Check for bugs in inconsistent results</a:t>
             </a:r>
           </a:p>
           <a:p>
             <a:r>
-              <a:rPr lang="en-US" dirty="0"/>
+              <a:rPr lang="en-US" dirty="0">
+                <a:latin typeface="Arial" panose="020B0604020202020204" pitchFamily="34" charset="0"/>
+                <a:cs typeface="Arial" panose="020B0604020202020204" pitchFamily="34" charset="0"/>
+              </a:rPr>
               <a:t>Unlimited and powerful “undo”</a:t>
             </a:r>
           </a:p>
           <a:p>
             <a:r>
-              <a:rPr lang="en-US" dirty="0"/>
+              <a:rPr lang="en-US" dirty="0">
+                <a:latin typeface="Arial" panose="020B0604020202020204" pitchFamily="34" charset="0"/>
+                <a:cs typeface="Arial" panose="020B0604020202020204" pitchFamily="34" charset="0"/>
+              </a:rPr>
               <a:t>Collaboration!</a:t>
             </a:r>
           </a:p>
@@ -18060,121 +17973,6 @@
 </file>
 
 <file path=ppt/slides/slide7.xml><?xml version="1.0" encoding="utf-8"?>
-<p:sld xmlns:a="http://schemas.openxmlformats.org/drawingml/2006/main" xmlns:r="http://schemas.openxmlformats.org/officeDocument/2006/relationships" xmlns:p="http://schemas.openxmlformats.org/presentationml/2006/main" show="0">
-  <p:cSld>
-    <p:spTree>
-      <p:nvGrpSpPr>
-        <p:cNvPr id="1" name=""/>
-        <p:cNvGrpSpPr/>
-        <p:nvPr/>
-      </p:nvGrpSpPr>
-      <p:grpSpPr>
-        <a:xfrm>
-          <a:off x="0" y="0"/>
-          <a:ext cx="0" cy="0"/>
-          <a:chOff x="0" y="0"/>
-          <a:chExt cx="0" cy="0"/>
-        </a:xfrm>
-      </p:grpSpPr>
-      <p:sp>
-        <p:nvSpPr>
-          <p:cNvPr id="2" name="Title 1">
-            <a:extLst>
-              <a:ext uri="{FF2B5EF4-FFF2-40B4-BE49-F238E27FC236}">
-                <a16:creationId xmlns:a16="http://schemas.microsoft.com/office/drawing/2014/main" id="{CA449B5A-408C-AB44-842C-44D2AF1DAD88}"/>
-              </a:ext>
-            </a:extLst>
-          </p:cNvPr>
-          <p:cNvSpPr>
-            <a:spLocks noGrp="1"/>
-          </p:cNvSpPr>
-          <p:nvPr>
-            <p:ph type="title"/>
-          </p:nvPr>
-        </p:nvSpPr>
-        <p:spPr/>
-        <p:txBody>
-          <a:bodyPr/>
-          <a:lstStyle/>
-          <a:p>
-            <a:r>
-              <a:rPr lang="en-US" dirty="0"/>
-              <a:t>Kind of problems you might encounter</a:t>
-            </a:r>
-          </a:p>
-        </p:txBody>
-      </p:sp>
-      <p:sp>
-        <p:nvSpPr>
-          <p:cNvPr id="3" name="Content Placeholder 2">
-            <a:extLst>
-              <a:ext uri="{FF2B5EF4-FFF2-40B4-BE49-F238E27FC236}">
-                <a16:creationId xmlns:a16="http://schemas.microsoft.com/office/drawing/2014/main" id="{1EAE01F2-0AE1-8946-B0E5-006294ED9306}"/>
-              </a:ext>
-            </a:extLst>
-          </p:cNvPr>
-          <p:cNvSpPr>
-            <a:spLocks noGrp="1"/>
-          </p:cNvSpPr>
-          <p:nvPr>
-            <p:ph idx="1"/>
-          </p:nvPr>
-        </p:nvSpPr>
-        <p:spPr/>
-        <p:txBody>
-          <a:bodyPr/>
-          <a:lstStyle/>
-          <a:p>
-            <a:r>
-              <a:rPr lang="en-US" dirty="0"/>
-              <a:t>Case 1</a:t>
-            </a:r>
-            <a:br>
-              <a:rPr lang="en-US" dirty="0"/>
-            </a:br>
-            <a:r>
-              <a:rPr lang="en-US" dirty="0"/>
-              <a:t>You write some scripts to analyze your data, and later you add some improvements to the script. Then it turns out the new code doesn’t work on old data, and you don’t remember what the old code looked like anymore.</a:t>
-            </a:r>
-          </a:p>
-          <a:p>
-            <a:endParaRPr lang="en-US" dirty="0"/>
-          </a:p>
-          <a:p>
-            <a:r>
-              <a:rPr lang="en-US" dirty="0"/>
-              <a:t>Case 2</a:t>
-            </a:r>
-            <a:br>
-              <a:rPr lang="en-US" dirty="0"/>
-            </a:br>
-            <a:r>
-              <a:rPr lang="en-US" dirty="0"/>
-              <a:t>You share a 2p microscope with your lab mate. The change you made to stimulus presentation code ended up causing error in your lab mates’ experiments.</a:t>
-            </a:r>
-          </a:p>
-          <a:p>
-            <a:endParaRPr lang="en-US" dirty="0"/>
-          </a:p>
-          <a:p>
-            <a:endParaRPr lang="en-US" dirty="0"/>
-          </a:p>
-        </p:txBody>
-      </p:sp>
-    </p:spTree>
-    <p:extLst>
-      <p:ext uri="{BB962C8B-B14F-4D97-AF65-F5344CB8AC3E}">
-        <p14:creationId xmlns:p14="http://schemas.microsoft.com/office/powerpoint/2010/main" val="2513585676"/>
-      </p:ext>
-    </p:extLst>
-  </p:cSld>
-  <p:clrMapOvr>
-    <a:masterClrMapping/>
-  </p:clrMapOvr>
-</p:sld>
-</file>
-
-<file path=ppt/slides/slide8.xml><?xml version="1.0" encoding="utf-8"?>
 <p:sld xmlns:a="http://schemas.openxmlformats.org/drawingml/2006/main" xmlns:r="http://schemas.openxmlformats.org/officeDocument/2006/relationships" xmlns:p="http://schemas.openxmlformats.org/presentationml/2006/main">
   <p:cSld>
     <p:spTree>
@@ -18213,41 +18011,11 @@
           <a:lstStyle/>
           <a:p>
             <a:r>
-              <a:rPr lang="en-US" dirty="0"/>
-              <a:t>What git does</a:t>
-            </a:r>
-          </a:p>
-        </p:txBody>
-      </p:sp>
-      <p:sp>
-        <p:nvSpPr>
-          <p:cNvPr id="3" name="Content Placeholder 2">
-            <a:extLst>
-              <a:ext uri="{FF2B5EF4-FFF2-40B4-BE49-F238E27FC236}">
-                <a16:creationId xmlns:a16="http://schemas.microsoft.com/office/drawing/2014/main" id="{CC82BABB-6418-CD40-B0A7-9EF1E0DBFDEA}"/>
-              </a:ext>
-            </a:extLst>
-          </p:cNvPr>
-          <p:cNvSpPr>
-            <a:spLocks noGrp="1"/>
-          </p:cNvSpPr>
-          <p:nvPr>
-            <p:ph idx="1"/>
-          </p:nvPr>
-        </p:nvSpPr>
-        <p:spPr>
-          <a:xfrm>
-            <a:off x="838200" y="1825625"/>
-            <a:ext cx="10515600" cy="492273"/>
-          </a:xfrm>
-        </p:spPr>
-        <p:txBody>
-          <a:bodyPr/>
-          <a:lstStyle/>
-          <a:p>
-            <a:r>
-              <a:rPr lang="en-US" dirty="0"/>
-              <a:t>Git lets you make an “official version” of your code</a:t>
+              <a:rPr lang="en-US" dirty="0">
+                <a:latin typeface="Arial" panose="020B0604020202020204" pitchFamily="34" charset="0"/>
+                <a:cs typeface="Arial" panose="020B0604020202020204" pitchFamily="34" charset="0"/>
+              </a:rPr>
+              <a:t>Adding to your repo</a:t>
             </a:r>
           </a:p>
         </p:txBody>
@@ -18596,7 +18364,7 @@
 </p:sld>
 </file>
 
-<file path=ppt/slides/slide9.xml><?xml version="1.0" encoding="utf-8"?>
+<file path=ppt/slides/slide8.xml><?xml version="1.0" encoding="utf-8"?>
 <p:sld xmlns:a="http://schemas.openxmlformats.org/drawingml/2006/main" xmlns:r="http://schemas.openxmlformats.org/officeDocument/2006/relationships" xmlns:p="http://schemas.openxmlformats.org/presentationml/2006/main">
   <p:cSld>
     <p:spTree>
@@ -18635,9 +18403,13 @@
           <a:lstStyle/>
           <a:p>
             <a:r>
-              <a:rPr lang="en-US" dirty="0"/>
-              <a:t>What git does</a:t>
-            </a:r>
+              <a:rPr lang="en-US" dirty="0">
+                <a:latin typeface="Arial" panose="020B0604020202020204" pitchFamily="34" charset="0"/>
+                <a:cs typeface="Arial" panose="020B0604020202020204" pitchFamily="34" charset="0"/>
+              </a:rPr>
+              <a:t>Adding [more files] to your repo</a:t>
+            </a:r>
+            <a:endParaRPr lang="en-US" dirty="0"/>
           </a:p>
         </p:txBody>
       </p:sp>
@@ -18664,11 +18436,19 @@
           </a:xfrm>
         </p:spPr>
         <p:txBody>
-          <a:bodyPr/>
-          <a:lstStyle/>
-          <a:p>
-            <a:r>
-              <a:rPr lang="en-US" dirty="0"/>
+          <a:bodyPr>
+            <a:normAutofit/>
+          </a:bodyPr>
+          <a:lstStyle/>
+          <a:p>
+            <a:pPr marL="0" indent="0">
+              <a:buNone/>
+            </a:pPr>
+            <a:r>
+              <a:rPr lang="en-US" sz="2400" dirty="0">
+                <a:latin typeface="Arial" panose="020B0604020202020204" pitchFamily="34" charset="0"/>
+                <a:cs typeface="Arial" panose="020B0604020202020204" pitchFamily="34" charset="0"/>
+              </a:rPr>
               <a:t>Changes you make in the folder (e.g. more lines in existing codes, new files) are not reflected to the “official version” until you actively register them (“commit”)</a:t>
             </a:r>
           </a:p>
@@ -18849,6 +18629,372 @@
     <p:extLst>
       <p:ext uri="{BB962C8B-B14F-4D97-AF65-F5344CB8AC3E}">
         <p14:creationId xmlns:p14="http://schemas.microsoft.com/office/powerpoint/2010/main" val="1688127274"/>
+      </p:ext>
+    </p:extLst>
+  </p:cSld>
+  <p:clrMapOvr>
+    <a:masterClrMapping/>
+  </p:clrMapOvr>
+</p:sld>
+</file>
+
+<file path=ppt/slides/slide9.xml><?xml version="1.0" encoding="utf-8"?>
+<p:sld xmlns:a="http://schemas.openxmlformats.org/drawingml/2006/main" xmlns:r="http://schemas.openxmlformats.org/officeDocument/2006/relationships" xmlns:p="http://schemas.openxmlformats.org/presentationml/2006/main">
+  <p:cSld>
+    <p:spTree>
+      <p:nvGrpSpPr>
+        <p:cNvPr id="1" name=""/>
+        <p:cNvGrpSpPr/>
+        <p:nvPr/>
+      </p:nvGrpSpPr>
+      <p:grpSpPr>
+        <a:xfrm>
+          <a:off x="0" y="0"/>
+          <a:ext cx="0" cy="0"/>
+          <a:chOff x="0" y="0"/>
+          <a:chExt cx="0" cy="0"/>
+        </a:xfrm>
+      </p:grpSpPr>
+      <p:sp>
+        <p:nvSpPr>
+          <p:cNvPr id="2" name="Title 1">
+            <a:extLst>
+              <a:ext uri="{FF2B5EF4-FFF2-40B4-BE49-F238E27FC236}">
+                <a16:creationId xmlns:a16="http://schemas.microsoft.com/office/drawing/2014/main" id="{BECE5C01-AD4B-7C4C-A170-7D9958B98F8F}"/>
+              </a:ext>
+            </a:extLst>
+          </p:cNvPr>
+          <p:cNvSpPr>
+            <a:spLocks noGrp="1"/>
+          </p:cNvSpPr>
+          <p:nvPr>
+            <p:ph type="title"/>
+          </p:nvPr>
+        </p:nvSpPr>
+        <p:spPr/>
+        <p:txBody>
+          <a:bodyPr/>
+          <a:lstStyle/>
+          <a:p>
+            <a:r>
+              <a:rPr lang="en-US" dirty="0">
+                <a:latin typeface="Arial" panose="020B0604020202020204" pitchFamily="34" charset="0"/>
+                <a:cs typeface="Arial" panose="020B0604020202020204" pitchFamily="34" charset="0"/>
+              </a:rPr>
+              <a:t>Adding [more files] to your repo</a:t>
+            </a:r>
+            <a:endParaRPr lang="en-US" dirty="0"/>
+          </a:p>
+        </p:txBody>
+      </p:sp>
+      <p:sp>
+        <p:nvSpPr>
+          <p:cNvPr id="3" name="Content Placeholder 2">
+            <a:extLst>
+              <a:ext uri="{FF2B5EF4-FFF2-40B4-BE49-F238E27FC236}">
+                <a16:creationId xmlns:a16="http://schemas.microsoft.com/office/drawing/2014/main" id="{CA4F2FAD-758E-5D4B-BB8B-81461B6EFCFC}"/>
+              </a:ext>
+            </a:extLst>
+          </p:cNvPr>
+          <p:cNvSpPr>
+            <a:spLocks noGrp="1"/>
+          </p:cNvSpPr>
+          <p:nvPr>
+            <p:ph idx="1"/>
+          </p:nvPr>
+        </p:nvSpPr>
+        <p:spPr>
+          <a:xfrm>
+            <a:off x="838200" y="1825625"/>
+            <a:ext cx="10515600" cy="1325563"/>
+          </a:xfrm>
+        </p:spPr>
+        <p:txBody>
+          <a:bodyPr>
+            <a:normAutofit/>
+          </a:bodyPr>
+          <a:lstStyle/>
+          <a:p>
+            <a:pPr marL="0" indent="0">
+              <a:buNone/>
+            </a:pPr>
+            <a:r>
+              <a:rPr lang="en-US" sz="2400" dirty="0">
+                <a:latin typeface="Arial" panose="020B0604020202020204" pitchFamily="34" charset="0"/>
+                <a:cs typeface="Arial" panose="020B0604020202020204" pitchFamily="34" charset="0"/>
+              </a:rPr>
+              <a:t>Changes you make in the folder (e.g. more lines in existing codes, new files) are not reflected to the “official version” until you actively register them (“commit”)</a:t>
+            </a:r>
+          </a:p>
+        </p:txBody>
+      </p:sp>
+      <p:pic>
+        <p:nvPicPr>
+          <p:cNvPr id="4" name="Picture 3">
+            <a:extLst>
+              <a:ext uri="{FF2B5EF4-FFF2-40B4-BE49-F238E27FC236}">
+                <a16:creationId xmlns:a16="http://schemas.microsoft.com/office/drawing/2014/main" id="{30BC7034-0E3E-A947-8FF9-21F89446D9CC}"/>
+              </a:ext>
+            </a:extLst>
+          </p:cNvPr>
+          <p:cNvPicPr>
+            <a:picLocks noChangeAspect="1"/>
+          </p:cNvPicPr>
+          <p:nvPr/>
+        </p:nvPicPr>
+        <p:blipFill>
+          <a:blip r:embed="rId3"/>
+          <a:stretch>
+            <a:fillRect/>
+          </a:stretch>
+        </p:blipFill>
+        <p:spPr>
+          <a:xfrm>
+            <a:off x="1396082" y="3598188"/>
+            <a:ext cx="3785847" cy="2606843"/>
+          </a:xfrm>
+          <a:prstGeom prst="rect">
+            <a:avLst/>
+          </a:prstGeom>
+        </p:spPr>
+      </p:pic>
+      <p:sp>
+        <p:nvSpPr>
+          <p:cNvPr id="5" name="Rectangle 4">
+            <a:extLst>
+              <a:ext uri="{FF2B5EF4-FFF2-40B4-BE49-F238E27FC236}">
+                <a16:creationId xmlns:a16="http://schemas.microsoft.com/office/drawing/2014/main" id="{6C387F3F-54C3-1541-BCDC-4C7800CE6A8B}"/>
+              </a:ext>
+            </a:extLst>
+          </p:cNvPr>
+          <p:cNvSpPr/>
+          <p:nvPr/>
+        </p:nvSpPr>
+        <p:spPr>
+          <a:xfrm>
+            <a:off x="6896657" y="3535682"/>
+            <a:ext cx="3487479" cy="2606843"/>
+          </a:xfrm>
+          <a:prstGeom prst="rect">
+            <a:avLst/>
+          </a:prstGeom>
+          <a:noFill/>
+          <a:ln w="57150">
+            <a:solidFill>
+              <a:schemeClr val="accent1"/>
+            </a:solidFill>
+          </a:ln>
+        </p:spPr>
+        <p:style>
+          <a:lnRef idx="2">
+            <a:schemeClr val="accent1">
+              <a:shade val="50000"/>
+            </a:schemeClr>
+          </a:lnRef>
+          <a:fillRef idx="1">
+            <a:schemeClr val="accent1"/>
+          </a:fillRef>
+          <a:effectRef idx="0">
+            <a:schemeClr val="accent1"/>
+          </a:effectRef>
+          <a:fontRef idx="minor">
+            <a:schemeClr val="lt1"/>
+          </a:fontRef>
+        </p:style>
+        <p:txBody>
+          <a:bodyPr rtlCol="0" anchor="ctr"/>
+          <a:lstStyle/>
+          <a:p>
+            <a:pPr algn="ctr"/>
+            <a:endParaRPr lang="en-US"/>
+          </a:p>
+        </p:txBody>
+      </p:sp>
+      <p:sp>
+        <p:nvSpPr>
+          <p:cNvPr id="6" name="TextBox 5">
+            <a:extLst>
+              <a:ext uri="{FF2B5EF4-FFF2-40B4-BE49-F238E27FC236}">
+                <a16:creationId xmlns:a16="http://schemas.microsoft.com/office/drawing/2014/main" id="{D25A24DE-A175-D744-A5E3-8BE469FCCF91}"/>
+              </a:ext>
+            </a:extLst>
+          </p:cNvPr>
+          <p:cNvSpPr txBox="1"/>
+          <p:nvPr/>
+        </p:nvSpPr>
+        <p:spPr>
+          <a:xfrm>
+            <a:off x="7514262" y="4153576"/>
+            <a:ext cx="1916818" cy="1569660"/>
+          </a:xfrm>
+          <a:prstGeom prst="rect">
+            <a:avLst/>
+          </a:prstGeom>
+          <a:noFill/>
+        </p:spPr>
+        <p:txBody>
+          <a:bodyPr wrap="square" rtlCol="0">
+            <a:spAutoFit/>
+          </a:bodyPr>
+          <a:lstStyle/>
+          <a:p>
+            <a:pPr marL="342900" indent="-342900">
+              <a:buFont typeface="Arial" panose="020B0604020202020204" pitchFamily="34" charset="0"/>
+              <a:buChar char="•"/>
+            </a:pPr>
+            <a:r>
+              <a:rPr lang="en-US" sz="2400" dirty="0"/>
+              <a:t>Code1.m</a:t>
+            </a:r>
+          </a:p>
+          <a:p>
+            <a:pPr marL="342900" indent="-342900">
+              <a:buFont typeface="Arial" panose="020B0604020202020204" pitchFamily="34" charset="0"/>
+              <a:buChar char="•"/>
+            </a:pPr>
+            <a:r>
+              <a:rPr lang="en-US" sz="2400" dirty="0"/>
+              <a:t>Code2.m</a:t>
+            </a:r>
+          </a:p>
+          <a:p>
+            <a:pPr marL="342900" indent="-342900">
+              <a:buFont typeface="Arial" panose="020B0604020202020204" pitchFamily="34" charset="0"/>
+              <a:buChar char="•"/>
+            </a:pPr>
+            <a:r>
+              <a:rPr lang="en-US" sz="2400" dirty="0"/>
+              <a:t>Code3.m</a:t>
+            </a:r>
+          </a:p>
+          <a:p>
+            <a:pPr marL="342900" indent="-342900">
+              <a:buFont typeface="Arial" panose="020B0604020202020204" pitchFamily="34" charset="0"/>
+              <a:buChar char="•"/>
+            </a:pPr>
+            <a:r>
+              <a:rPr lang="en-US" sz="2400" dirty="0"/>
+              <a:t>Code4.m</a:t>
+            </a:r>
+          </a:p>
+        </p:txBody>
+      </p:sp>
+      <p:pic>
+        <p:nvPicPr>
+          <p:cNvPr id="8" name="Picture 7">
+            <a:extLst>
+              <a:ext uri="{FF2B5EF4-FFF2-40B4-BE49-F238E27FC236}">
+                <a16:creationId xmlns:a16="http://schemas.microsoft.com/office/drawing/2014/main" id="{65ECBC71-CC4E-544D-A377-3713C50CE7EF}"/>
+              </a:ext>
+            </a:extLst>
+          </p:cNvPr>
+          <p:cNvPicPr>
+            <a:picLocks noChangeAspect="1"/>
+          </p:cNvPicPr>
+          <p:nvPr/>
+        </p:nvPicPr>
+        <p:blipFill>
+          <a:blip r:embed="rId4"/>
+          <a:stretch>
+            <a:fillRect/>
+          </a:stretch>
+        </p:blipFill>
+        <p:spPr>
+          <a:xfrm>
+            <a:off x="4265677" y="4901609"/>
+            <a:ext cx="503595" cy="782054"/>
+          </a:xfrm>
+          <a:prstGeom prst="rect">
+            <a:avLst/>
+          </a:prstGeom>
+        </p:spPr>
+      </p:pic>
+      <p:sp>
+        <p:nvSpPr>
+          <p:cNvPr id="9" name="Right Arrow 8">
+            <a:extLst>
+              <a:ext uri="{FF2B5EF4-FFF2-40B4-BE49-F238E27FC236}">
+                <a16:creationId xmlns:a16="http://schemas.microsoft.com/office/drawing/2014/main" id="{7534484F-4362-2B4A-8303-64A4BBE35B4E}"/>
+              </a:ext>
+            </a:extLst>
+          </p:cNvPr>
+          <p:cNvSpPr/>
+          <p:nvPr/>
+        </p:nvSpPr>
+        <p:spPr>
+          <a:xfrm>
+            <a:off x="5569600" y="4158317"/>
+            <a:ext cx="914400" cy="1190846"/>
+          </a:xfrm>
+          <a:prstGeom prst="rightArrow">
+            <a:avLst/>
+          </a:prstGeom>
+        </p:spPr>
+        <p:style>
+          <a:lnRef idx="2">
+            <a:schemeClr val="accent1">
+              <a:shade val="50000"/>
+            </a:schemeClr>
+          </a:lnRef>
+          <a:fillRef idx="1">
+            <a:schemeClr val="accent1"/>
+          </a:fillRef>
+          <a:effectRef idx="0">
+            <a:schemeClr val="accent1"/>
+          </a:effectRef>
+          <a:fontRef idx="minor">
+            <a:schemeClr val="lt1"/>
+          </a:fontRef>
+        </p:style>
+        <p:txBody>
+          <a:bodyPr rtlCol="0" anchor="ctr"/>
+          <a:lstStyle/>
+          <a:p>
+            <a:pPr algn="ctr"/>
+            <a:endParaRPr lang="en-US" dirty="0"/>
+          </a:p>
+        </p:txBody>
+      </p:sp>
+      <p:sp>
+        <p:nvSpPr>
+          <p:cNvPr id="10" name="TextBox 9">
+            <a:extLst>
+              <a:ext uri="{FF2B5EF4-FFF2-40B4-BE49-F238E27FC236}">
+                <a16:creationId xmlns:a16="http://schemas.microsoft.com/office/drawing/2014/main" id="{9910FA98-BD28-BB4F-B9E8-B9CE26EDD4DF}"/>
+              </a:ext>
+            </a:extLst>
+          </p:cNvPr>
+          <p:cNvSpPr txBox="1"/>
+          <p:nvPr/>
+        </p:nvSpPr>
+        <p:spPr>
+          <a:xfrm>
+            <a:off x="4971115" y="5349163"/>
+            <a:ext cx="2038958" cy="461665"/>
+          </a:xfrm>
+          <a:prstGeom prst="rect">
+            <a:avLst/>
+          </a:prstGeom>
+          <a:noFill/>
+        </p:spPr>
+        <p:txBody>
+          <a:bodyPr wrap="square" rtlCol="0">
+            <a:spAutoFit/>
+          </a:bodyPr>
+          <a:lstStyle/>
+          <a:p>
+            <a:pPr algn="ctr"/>
+            <a:r>
+              <a:rPr lang="en-US" sz="2400" dirty="0"/>
+              <a:t>(Commit)</a:t>
+            </a:r>
+          </a:p>
+        </p:txBody>
+      </p:sp>
+    </p:spTree>
+    <p:extLst>
+      <p:ext uri="{BB962C8B-B14F-4D97-AF65-F5344CB8AC3E}">
+        <p14:creationId xmlns:p14="http://schemas.microsoft.com/office/powerpoint/2010/main" val="867506856"/>
       </p:ext>
     </p:extLst>
   </p:cSld>

--- a/slides/GitHubIntro_2021.pptx
+++ b/slides/GitHubIntro_2021.pptx
@@ -218,7 +218,7 @@
           <a:p>
             <a:fld id="{282937C7-2935-0042-9D4A-82A40091BB27}" type="datetimeFigureOut">
               <a:rPr lang="en-US" smtClean="0"/>
-              <a:t>8/26/21</a:t>
+              <a:t>8/27/21</a:t>
             </a:fld>
             <a:endParaRPr lang="en-US"/>
           </a:p>
@@ -2416,7 +2416,7 @@
           <a:p>
             <a:fld id="{FC364BD7-7E38-4F49-AFF1-BE6F72DBA9D4}" type="datetimeFigureOut">
               <a:rPr lang="en-US" smtClean="0"/>
-              <a:t>8/26/21</a:t>
+              <a:t>8/27/21</a:t>
             </a:fld>
             <a:endParaRPr lang="en-US"/>
           </a:p>
@@ -2614,7 +2614,7 @@
           <a:p>
             <a:fld id="{FC364BD7-7E38-4F49-AFF1-BE6F72DBA9D4}" type="datetimeFigureOut">
               <a:rPr lang="en-US" smtClean="0"/>
-              <a:t>8/26/21</a:t>
+              <a:t>8/27/21</a:t>
             </a:fld>
             <a:endParaRPr lang="en-US"/>
           </a:p>
@@ -2822,7 +2822,7 @@
           <a:p>
             <a:fld id="{FC364BD7-7E38-4F49-AFF1-BE6F72DBA9D4}" type="datetimeFigureOut">
               <a:rPr lang="en-US" smtClean="0"/>
-              <a:t>8/26/21</a:t>
+              <a:t>8/27/21</a:t>
             </a:fld>
             <a:endParaRPr lang="en-US"/>
           </a:p>
@@ -3020,7 +3020,7 @@
           <a:p>
             <a:fld id="{FC364BD7-7E38-4F49-AFF1-BE6F72DBA9D4}" type="datetimeFigureOut">
               <a:rPr lang="en-US" smtClean="0"/>
-              <a:t>8/26/21</a:t>
+              <a:t>8/27/21</a:t>
             </a:fld>
             <a:endParaRPr lang="en-US"/>
           </a:p>
@@ -3295,7 +3295,7 @@
           <a:p>
             <a:fld id="{FC364BD7-7E38-4F49-AFF1-BE6F72DBA9D4}" type="datetimeFigureOut">
               <a:rPr lang="en-US" smtClean="0"/>
-              <a:t>8/26/21</a:t>
+              <a:t>8/27/21</a:t>
             </a:fld>
             <a:endParaRPr lang="en-US"/>
           </a:p>
@@ -3560,7 +3560,7 @@
           <a:p>
             <a:fld id="{FC364BD7-7E38-4F49-AFF1-BE6F72DBA9D4}" type="datetimeFigureOut">
               <a:rPr lang="en-US" smtClean="0"/>
-              <a:t>8/26/21</a:t>
+              <a:t>8/27/21</a:t>
             </a:fld>
             <a:endParaRPr lang="en-US"/>
           </a:p>
@@ -3972,7 +3972,7 @@
           <a:p>
             <a:fld id="{FC364BD7-7E38-4F49-AFF1-BE6F72DBA9D4}" type="datetimeFigureOut">
               <a:rPr lang="en-US" smtClean="0"/>
-              <a:t>8/26/21</a:t>
+              <a:t>8/27/21</a:t>
             </a:fld>
             <a:endParaRPr lang="en-US"/>
           </a:p>
@@ -4113,7 +4113,7 @@
           <a:p>
             <a:fld id="{FC364BD7-7E38-4F49-AFF1-BE6F72DBA9D4}" type="datetimeFigureOut">
               <a:rPr lang="en-US" smtClean="0"/>
-              <a:t>8/26/21</a:t>
+              <a:t>8/27/21</a:t>
             </a:fld>
             <a:endParaRPr lang="en-US"/>
           </a:p>
@@ -4226,7 +4226,7 @@
           <a:p>
             <a:fld id="{FC364BD7-7E38-4F49-AFF1-BE6F72DBA9D4}" type="datetimeFigureOut">
               <a:rPr lang="en-US" smtClean="0"/>
-              <a:t>8/26/21</a:t>
+              <a:t>8/27/21</a:t>
             </a:fld>
             <a:endParaRPr lang="en-US"/>
           </a:p>
@@ -4537,7 +4537,7 @@
           <a:p>
             <a:fld id="{FC364BD7-7E38-4F49-AFF1-BE6F72DBA9D4}" type="datetimeFigureOut">
               <a:rPr lang="en-US" smtClean="0"/>
-              <a:t>8/26/21</a:t>
+              <a:t>8/27/21</a:t>
             </a:fld>
             <a:endParaRPr lang="en-US"/>
           </a:p>
@@ -4825,7 +4825,7 @@
           <a:p>
             <a:fld id="{FC364BD7-7E38-4F49-AFF1-BE6F72DBA9D4}" type="datetimeFigureOut">
               <a:rPr lang="en-US" smtClean="0"/>
-              <a:t>8/26/21</a:t>
+              <a:t>8/27/21</a:t>
             </a:fld>
             <a:endParaRPr lang="en-US"/>
           </a:p>
@@ -5066,7 +5066,7 @@
           <a:p>
             <a:fld id="{FC364BD7-7E38-4F49-AFF1-BE6F72DBA9D4}" type="datetimeFigureOut">
               <a:rPr lang="en-US" smtClean="0"/>
-              <a:t>8/26/21</a:t>
+              <a:t>8/27/21</a:t>
             </a:fld>
             <a:endParaRPr lang="en-US"/>
           </a:p>
@@ -17333,7 +17333,9 @@
         </p:nvSpPr>
         <p:spPr/>
         <p:txBody>
-          <a:bodyPr/>
+          <a:bodyPr>
+            <a:normAutofit/>
+          </a:bodyPr>
           <a:lstStyle/>
           <a:p>
             <a:r>
@@ -17415,7 +17417,33 @@
                 <a:latin typeface="Arial" panose="020B0604020202020204" pitchFamily="34" charset="0"/>
                 <a:cs typeface="Arial" panose="020B0604020202020204" pitchFamily="34" charset="0"/>
               </a:rPr>
-              <a:t>GitHub tutorial – I’d recommend making a mock repository to understand the functioning of git/GitHub </a:t>
+              <a:t>GitHub tutorial – I’d recommend making a mock repository to understand the functioning of git/GitHub</a:t>
+            </a:r>
+          </a:p>
+          <a:p>
+            <a:r>
+              <a:rPr lang="en-US" dirty="0">
+                <a:latin typeface="Arial" panose="020B0604020202020204" pitchFamily="34" charset="0"/>
+                <a:cs typeface="Arial" panose="020B0604020202020204" pitchFamily="34" charset="0"/>
+                <a:hlinkClick r:id="rId6"/>
+              </a:rPr>
+              <a:t>https://github.com/ahof1704/INP_2021_Git_Intro</a:t>
+            </a:r>
+            <a:endParaRPr lang="en-US" dirty="0">
+              <a:latin typeface="Arial" panose="020B0604020202020204" pitchFamily="34" charset="0"/>
+              <a:cs typeface="Arial" panose="020B0604020202020204" pitchFamily="34" charset="0"/>
+            </a:endParaRPr>
+          </a:p>
+          <a:p>
+            <a:pPr marL="0" indent="0">
+              <a:buNone/>
+            </a:pPr>
+            <a:r>
+              <a:rPr lang="en-US" dirty="0">
+                <a:latin typeface="Arial" panose="020B0604020202020204" pitchFamily="34" charset="0"/>
+                <a:cs typeface="Arial" panose="020B0604020202020204" pitchFamily="34" charset="0"/>
+              </a:rPr>
+              <a:t>  Our tutorial specially made for you ❤️</a:t>
             </a:r>
           </a:p>
           <a:p>
